--- a/Sensors_Osc Workshop/Workshop_presentation.pptx
+++ b/Sensors_Osc Workshop/Workshop_presentation.pptx
@@ -13,10 +13,11 @@
     <p:sldId id="266" r:id="rId7"/>
     <p:sldId id="269" r:id="rId8"/>
     <p:sldId id="270" r:id="rId9"/>
-    <p:sldId id="258" r:id="rId10"/>
-    <p:sldId id="264" r:id="rId11"/>
-    <p:sldId id="261" r:id="rId12"/>
-    <p:sldId id="268" r:id="rId13"/>
+    <p:sldId id="271" r:id="rId10"/>
+    <p:sldId id="258" r:id="rId11"/>
+    <p:sldId id="264" r:id="rId12"/>
+    <p:sldId id="261" r:id="rId13"/>
+    <p:sldId id="268" r:id="rId14"/>
   </p:sldIdLst>
   <p:sldSz cx="12192000" cy="6858000"/>
   <p:notesSz cx="6858000" cy="9144000"/>
@@ -4029,7 +4030,7 @@
             <a:fld id="{B61BEF0D-F0BB-DE4B-95CE-6DB70DBA9567}" type="datetimeFigureOut">
               <a:rPr lang="en-US" smtClean="0"/>
               <a:pPr/>
-              <a:t>4/16/2024</a:t>
+              <a:t>4/17/2024</a:t>
             </a:fld>
             <a:endParaRPr lang="en-US" dirty="0"/>
           </a:p>
@@ -5013,7 +5014,7 @@
             <a:fld id="{B61BEF0D-F0BB-DE4B-95CE-6DB70DBA9567}" type="datetimeFigureOut">
               <a:rPr lang="en-US" smtClean="0"/>
               <a:pPr/>
-              <a:t>4/16/2024</a:t>
+              <a:t>4/17/2024</a:t>
             </a:fld>
             <a:endParaRPr lang="en-US" dirty="0"/>
           </a:p>
@@ -5885,7 +5886,7 @@
             <a:fld id="{B61BEF0D-F0BB-DE4B-95CE-6DB70DBA9567}" type="datetimeFigureOut">
               <a:rPr lang="en-US" smtClean="0"/>
               <a:pPr/>
-              <a:t>4/16/2024</a:t>
+              <a:t>4/17/2024</a:t>
             </a:fld>
             <a:endParaRPr lang="en-US" dirty="0"/>
           </a:p>
@@ -6908,7 +6909,7 @@
             <a:fld id="{B61BEF0D-F0BB-DE4B-95CE-6DB70DBA9567}" type="datetimeFigureOut">
               <a:rPr lang="en-US" smtClean="0"/>
               <a:pPr/>
-              <a:t>4/16/2024</a:t>
+              <a:t>4/17/2024</a:t>
             </a:fld>
             <a:endParaRPr lang="en-US" dirty="0"/>
           </a:p>
@@ -7830,7 +7831,7 @@
             <a:fld id="{B61BEF0D-F0BB-DE4B-95CE-6DB70DBA9567}" type="datetimeFigureOut">
               <a:rPr lang="en-US" smtClean="0"/>
               <a:pPr/>
-              <a:t>4/16/2024</a:t>
+              <a:t>4/17/2024</a:t>
             </a:fld>
             <a:endParaRPr lang="en-US" dirty="0"/>
           </a:p>
@@ -8488,7 +8489,7 @@
             <a:fld id="{B61BEF0D-F0BB-DE4B-95CE-6DB70DBA9567}" type="datetimeFigureOut">
               <a:rPr lang="en-US" smtClean="0"/>
               <a:pPr/>
-              <a:t>4/16/2024</a:t>
+              <a:t>4/17/2024</a:t>
             </a:fld>
             <a:endParaRPr lang="en-US" dirty="0"/>
           </a:p>
@@ -9347,7 +9348,7 @@
             <a:fld id="{B61BEF0D-F0BB-DE4B-95CE-6DB70DBA9567}" type="datetimeFigureOut">
               <a:rPr lang="en-US" smtClean="0"/>
               <a:pPr/>
-              <a:t>4/16/2024</a:t>
+              <a:t>4/17/2024</a:t>
             </a:fld>
             <a:endParaRPr lang="en-US" dirty="0"/>
           </a:p>
@@ -9532,7 +9533,7 @@
             <a:fld id="{B61BEF0D-F0BB-DE4B-95CE-6DB70DBA9567}" type="datetimeFigureOut">
               <a:rPr lang="en-US" smtClean="0"/>
               <a:pPr/>
-              <a:t>4/16/2024</a:t>
+              <a:t>4/17/2024</a:t>
             </a:fld>
             <a:endParaRPr lang="en-US" dirty="0"/>
           </a:p>
@@ -10391,7 +10392,7 @@
             <a:fld id="{B61BEF0D-F0BB-DE4B-95CE-6DB70DBA9567}" type="datetimeFigureOut">
               <a:rPr lang="en-US" smtClean="0"/>
               <a:pPr/>
-              <a:t>4/16/2024</a:t>
+              <a:t>4/17/2024</a:t>
             </a:fld>
             <a:endParaRPr lang="en-US" dirty="0"/>
           </a:p>
@@ -10618,7 +10619,7 @@
             <a:fld id="{B61BEF0D-F0BB-DE4B-95CE-6DB70DBA9567}" type="datetimeFigureOut">
               <a:rPr lang="en-US" smtClean="0"/>
               <a:pPr/>
-              <a:t>4/16/2024</a:t>
+              <a:t>4/17/2024</a:t>
             </a:fld>
             <a:endParaRPr lang="en-US" dirty="0"/>
           </a:p>
@@ -11545,7 +11546,7 @@
             <a:fld id="{B61BEF0D-F0BB-DE4B-95CE-6DB70DBA9567}" type="datetimeFigureOut">
               <a:rPr lang="en-US" smtClean="0"/>
               <a:pPr/>
-              <a:t>4/16/2024</a:t>
+              <a:t>4/17/2024</a:t>
             </a:fld>
             <a:endParaRPr lang="en-US" dirty="0"/>
           </a:p>
@@ -11831,7 +11832,7 @@
             <a:fld id="{B61BEF0D-F0BB-DE4B-95CE-6DB70DBA9567}" type="datetimeFigureOut">
               <a:rPr lang="en-US" smtClean="0"/>
               <a:pPr/>
-              <a:t>4/16/2024</a:t>
+              <a:t>4/17/2024</a:t>
             </a:fld>
             <a:endParaRPr lang="en-US" dirty="0"/>
           </a:p>
@@ -12223,7 +12224,7 @@
             <a:fld id="{B61BEF0D-F0BB-DE4B-95CE-6DB70DBA9567}" type="datetimeFigureOut">
               <a:rPr lang="en-US" smtClean="0"/>
               <a:pPr/>
-              <a:t>4/16/2024</a:t>
+              <a:t>4/17/2024</a:t>
             </a:fld>
             <a:endParaRPr lang="en-US" dirty="0"/>
           </a:p>
@@ -12351,7 +12352,7 @@
             <a:fld id="{B61BEF0D-F0BB-DE4B-95CE-6DB70DBA9567}" type="datetimeFigureOut">
               <a:rPr lang="en-US" smtClean="0"/>
               <a:pPr/>
-              <a:t>4/16/2024</a:t>
+              <a:t>4/17/2024</a:t>
             </a:fld>
             <a:endParaRPr lang="en-US" dirty="0"/>
           </a:p>
@@ -12448,7 +12449,7 @@
             <a:fld id="{B61BEF0D-F0BB-DE4B-95CE-6DB70DBA9567}" type="datetimeFigureOut">
               <a:rPr lang="en-US" smtClean="0"/>
               <a:pPr/>
-              <a:t>4/16/2024</a:t>
+              <a:t>4/17/2024</a:t>
             </a:fld>
             <a:endParaRPr lang="en-US" dirty="0"/>
           </a:p>
@@ -13421,7 +13422,7 @@
             <a:fld id="{B61BEF0D-F0BB-DE4B-95CE-6DB70DBA9567}" type="datetimeFigureOut">
               <a:rPr lang="en-US" smtClean="0"/>
               <a:pPr/>
-              <a:t>4/16/2024</a:t>
+              <a:t>4/17/2024</a:t>
             </a:fld>
             <a:endParaRPr lang="en-US" dirty="0"/>
           </a:p>
@@ -14418,7 +14419,7 @@
             <a:fld id="{B61BEF0D-F0BB-DE4B-95CE-6DB70DBA9567}" type="datetimeFigureOut">
               <a:rPr lang="en-US" smtClean="0"/>
               <a:pPr/>
-              <a:t>4/16/2024</a:t>
+              <a:t>4/17/2024</a:t>
             </a:fld>
             <a:endParaRPr lang="en-US" dirty="0"/>
           </a:p>
@@ -15304,7 +15305,7 @@
             <a:fld id="{B61BEF0D-F0BB-DE4B-95CE-6DB70DBA9567}" type="datetimeFigureOut">
               <a:rPr lang="en-US" smtClean="0"/>
               <a:pPr/>
-              <a:t>4/16/2024</a:t>
+              <a:t>4/17/2024</a:t>
             </a:fld>
             <a:endParaRPr lang="en-US" dirty="0"/>
           </a:p>
@@ -16554,6 +16555,147 @@
           <a:chExt cx="0" cy="0"/>
         </a:xfrm>
       </p:grpSpPr>
+      <p:sp>
+        <p:nvSpPr>
+          <p:cNvPr id="2" name="Title 1">
+            <a:extLst>
+              <a:ext uri="{FF2B5EF4-FFF2-40B4-BE49-F238E27FC236}">
+                <a16:creationId xmlns:a16="http://schemas.microsoft.com/office/drawing/2014/main" id="{1456509C-DE2D-E29A-0641-3ADFB676E85C}"/>
+              </a:ext>
+            </a:extLst>
+          </p:cNvPr>
+          <p:cNvSpPr>
+            <a:spLocks noGrp="1"/>
+          </p:cNvSpPr>
+          <p:nvPr>
+            <p:ph type="title"/>
+          </p:nvPr>
+        </p:nvSpPr>
+        <p:spPr>
+          <a:xfrm>
+            <a:off x="1154954" y="973669"/>
+            <a:ext cx="8825659" cy="706964"/>
+          </a:xfrm>
+        </p:spPr>
+        <p:txBody>
+          <a:bodyPr>
+            <a:normAutofit/>
+          </a:bodyPr>
+          <a:lstStyle/>
+          <a:p>
+            <a:r>
+              <a:rPr lang="en-GB" dirty="0"/>
+              <a:t>Git repository for these workshops</a:t>
+            </a:r>
+          </a:p>
+        </p:txBody>
+      </p:sp>
+      <p:sp>
+        <p:nvSpPr>
+          <p:cNvPr id="3" name="Content Placeholder 2">
+            <a:extLst>
+              <a:ext uri="{FF2B5EF4-FFF2-40B4-BE49-F238E27FC236}">
+                <a16:creationId xmlns:a16="http://schemas.microsoft.com/office/drawing/2014/main" id="{81E36EF8-C069-FFA9-CB2B-B4827089AB45}"/>
+              </a:ext>
+            </a:extLst>
+          </p:cNvPr>
+          <p:cNvSpPr>
+            <a:spLocks noGrp="1"/>
+          </p:cNvSpPr>
+          <p:nvPr>
+            <p:ph idx="1"/>
+          </p:nvPr>
+        </p:nvSpPr>
+        <p:spPr>
+          <a:xfrm>
+            <a:off x="5980954" y="2603500"/>
+            <a:ext cx="5211979" cy="3416300"/>
+          </a:xfrm>
+        </p:spPr>
+        <p:txBody>
+          <a:bodyPr anchor="ctr">
+            <a:normAutofit/>
+          </a:bodyPr>
+          <a:lstStyle/>
+          <a:p>
+            <a:r>
+              <a:rPr lang="en-GB" dirty="0"/>
+              <a:t>https://github.com/Rauleal/TouchDesigner_Bauhaus_workshop</a:t>
+            </a:r>
+          </a:p>
+          <a:p>
+            <a:endParaRPr lang="en-GB" dirty="0"/>
+          </a:p>
+        </p:txBody>
+      </p:sp>
+      <p:pic>
+        <p:nvPicPr>
+          <p:cNvPr id="6" name="Picture 5" descr="A qr code on a white background&#10;&#10;Description automatically generated">
+            <a:extLst>
+              <a:ext uri="{FF2B5EF4-FFF2-40B4-BE49-F238E27FC236}">
+                <a16:creationId xmlns:a16="http://schemas.microsoft.com/office/drawing/2014/main" id="{7F3F36FB-32F6-47C0-4108-C5CB112991F6}"/>
+              </a:ext>
+            </a:extLst>
+          </p:cNvPr>
+          <p:cNvPicPr>
+            <a:picLocks noChangeAspect="1"/>
+          </p:cNvPicPr>
+          <p:nvPr/>
+        </p:nvPicPr>
+        <p:blipFill>
+          <a:blip r:embed="rId2"/>
+          <a:stretch>
+            <a:fillRect/>
+          </a:stretch>
+        </p:blipFill>
+        <p:spPr>
+          <a:xfrm>
+            <a:off x="1660570" y="2696005"/>
+            <a:ext cx="3188326" cy="3188326"/>
+          </a:xfrm>
+          <a:prstGeom prst="rect">
+            <a:avLst/>
+          </a:prstGeom>
+        </p:spPr>
+      </p:pic>
+    </p:spTree>
+    <p:extLst>
+      <p:ext uri="{BB962C8B-B14F-4D97-AF65-F5344CB8AC3E}">
+        <p14:creationId xmlns:p14="http://schemas.microsoft.com/office/powerpoint/2010/main" val="22761770"/>
+      </p:ext>
+    </p:extLst>
+  </p:cSld>
+  <p:clrMapOvr>
+    <a:masterClrMapping/>
+  </p:clrMapOvr>
+</p:sld>
+</file>
+
+<file path=ppt/slides/slide11.xml><?xml version="1.0" encoding="utf-8"?>
+<p:sld xmlns:a="http://schemas.openxmlformats.org/drawingml/2006/main" xmlns:r="http://schemas.openxmlformats.org/officeDocument/2006/relationships" xmlns:p="http://schemas.openxmlformats.org/presentationml/2006/main">
+  <p:cSld>
+    <p:bg>
+      <p:bgPr>
+        <a:solidFill>
+          <a:schemeClr val="bg1"/>
+        </a:solidFill>
+        <a:effectLst/>
+      </p:bgPr>
+    </p:bg>
+    <p:spTree>
+      <p:nvGrpSpPr>
+        <p:cNvPr id="1" name=""/>
+        <p:cNvGrpSpPr/>
+        <p:nvPr/>
+      </p:nvGrpSpPr>
+      <p:grpSpPr>
+        <a:xfrm>
+          <a:off x="0" y="0"/>
+          <a:ext cx="0" cy="0"/>
+          <a:chOff x="0" y="0"/>
+          <a:chExt cx="0" cy="0"/>
+        </a:xfrm>
+      </p:grpSpPr>
       <p:grpSp>
         <p:nvGrpSpPr>
           <p:cNvPr id="15" name="Group 14">
@@ -17703,7 +17845,7 @@
 </p:sld>
 </file>
 
-<file path=ppt/slides/slide11.xml><?xml version="1.0" encoding="utf-8"?>
+<file path=ppt/slides/slide12.xml><?xml version="1.0" encoding="utf-8"?>
 <p:sld xmlns:a="http://schemas.openxmlformats.org/drawingml/2006/main" xmlns:r="http://schemas.openxmlformats.org/officeDocument/2006/relationships" xmlns:p="http://schemas.openxmlformats.org/presentationml/2006/main">
   <p:cSld>
     <p:bg>
@@ -18786,7 +18928,7 @@
 </p:sld>
 </file>
 
-<file path=ppt/slides/slide12.xml><?xml version="1.0" encoding="utf-8"?>
+<file path=ppt/slides/slide13.xml><?xml version="1.0" encoding="utf-8"?>
 <p:sld xmlns:a="http://schemas.openxmlformats.org/drawingml/2006/main" xmlns:r="http://schemas.openxmlformats.org/officeDocument/2006/relationships" xmlns:p="http://schemas.openxmlformats.org/presentationml/2006/main">
   <p:cSld>
     <p:spTree>
@@ -21429,14 +21571,6 @@
 <file path=ppt/slides/slide9.xml><?xml version="1.0" encoding="utf-8"?>
 <p:sld xmlns:a="http://schemas.openxmlformats.org/drawingml/2006/main" xmlns:r="http://schemas.openxmlformats.org/officeDocument/2006/relationships" xmlns:p="http://schemas.openxmlformats.org/presentationml/2006/main">
   <p:cSld>
-    <p:bg>
-      <p:bgPr>
-        <a:solidFill>
-          <a:schemeClr val="bg1"/>
-        </a:solidFill>
-        <a:effectLst/>
-      </p:bgPr>
-    </p:bg>
     <p:spTree>
       <p:nvGrpSpPr>
         <p:cNvPr id="1" name=""/>
@@ -21456,7 +21590,7 @@
           <p:cNvPr id="2" name="Title 1">
             <a:extLst>
               <a:ext uri="{FF2B5EF4-FFF2-40B4-BE49-F238E27FC236}">
-                <a16:creationId xmlns:a16="http://schemas.microsoft.com/office/drawing/2014/main" id="{1456509C-DE2D-E29A-0641-3ADFB676E85C}"/>
+                <a16:creationId xmlns:a16="http://schemas.microsoft.com/office/drawing/2014/main" id="{193AFAB8-E10D-7EF0-B980-103D1C3B8F73}"/>
               </a:ext>
             </a:extLst>
           </p:cNvPr>
@@ -21467,22 +21601,16 @@
             <p:ph type="title"/>
           </p:nvPr>
         </p:nvSpPr>
-        <p:spPr>
-          <a:xfrm>
-            <a:off x="1154954" y="973669"/>
-            <a:ext cx="8825659" cy="706964"/>
-          </a:xfrm>
-        </p:spPr>
+        <p:spPr/>
         <p:txBody>
-          <a:bodyPr>
-            <a:normAutofit/>
-          </a:bodyPr>
+          <a:bodyPr/>
           <a:lstStyle/>
           <a:p>
             <a:r>
-              <a:rPr lang="en-GB" dirty="0"/>
-              <a:t>Git repository for these workshops</a:t>
+              <a:rPr lang="en-US" dirty="0"/>
+              <a:t>ESP8266 Installation</a:t>
             </a:r>
+            <a:endParaRPr lang="en-NL" dirty="0"/>
           </a:p>
         </p:txBody>
       </p:sp>
@@ -21491,7 +21619,7 @@
           <p:cNvPr id="3" name="Content Placeholder 2">
             <a:extLst>
               <a:ext uri="{FF2B5EF4-FFF2-40B4-BE49-F238E27FC236}">
-                <a16:creationId xmlns:a16="http://schemas.microsoft.com/office/drawing/2014/main" id="{81E36EF8-C069-FFA9-CB2B-B4827089AB45}"/>
+                <a16:creationId xmlns:a16="http://schemas.microsoft.com/office/drawing/2014/main" id="{CFC26745-D531-A944-8A9D-CBF8E60575AB}"/>
               </a:ext>
             </a:extLst>
           </p:cNvPr>
@@ -21502,62 +21630,45 @@
             <p:ph idx="1"/>
           </p:nvPr>
         </p:nvSpPr>
-        <p:spPr>
-          <a:xfrm>
-            <a:off x="5980954" y="2603500"/>
-            <a:ext cx="5211979" cy="3416300"/>
-          </a:xfrm>
-        </p:spPr>
+        <p:spPr/>
         <p:txBody>
-          <a:bodyPr anchor="ctr">
-            <a:normAutofit/>
-          </a:bodyPr>
+          <a:bodyPr/>
           <a:lstStyle/>
           <a:p>
             <a:r>
-              <a:rPr lang="en-GB" dirty="0"/>
-              <a:t>https://github.com/Rauleal/TouchDesigner_Bauhaus_workshop</a:t>
+              <a:rPr lang="en-US" dirty="0"/>
+              <a:t>Follow installation instructions here </a:t>
             </a:r>
+            <a:r>
+              <a:rPr lang="en-US" dirty="0">
+                <a:hlinkClick r:id="rId2"/>
+              </a:rPr>
+              <a:t>https://randomnerdtutorials.com/how-to-install-esp8266-board-arduino-ide/</a:t>
+            </a:r>
+            <a:endParaRPr lang="en-US" dirty="0"/>
           </a:p>
           <a:p>
-            <a:endParaRPr lang="en-GB" dirty="0"/>
+            <a:pPr lvl="1"/>
+            <a:r>
+              <a:rPr lang="en-US" dirty="0"/>
+              <a:t>If you can not find the port install the </a:t>
+            </a:r>
+            <a:r>
+              <a:rPr lang="en-US" dirty="0" err="1"/>
+              <a:t>usb</a:t>
+            </a:r>
+            <a:r>
+              <a:rPr lang="en-US" dirty="0"/>
+              <a:t> drivers alsohttps://randomnerdtutorials.com/install-esp32-esp8266-usb-drivers-cp210x-windows/</a:t>
+            </a:r>
+            <a:endParaRPr lang="en-NL" dirty="0"/>
           </a:p>
         </p:txBody>
       </p:sp>
-      <p:pic>
-        <p:nvPicPr>
-          <p:cNvPr id="6" name="Picture 5" descr="A qr code on a white background&#10;&#10;Description automatically generated">
-            <a:extLst>
-              <a:ext uri="{FF2B5EF4-FFF2-40B4-BE49-F238E27FC236}">
-                <a16:creationId xmlns:a16="http://schemas.microsoft.com/office/drawing/2014/main" id="{7F3F36FB-32F6-47C0-4108-C5CB112991F6}"/>
-              </a:ext>
-            </a:extLst>
-          </p:cNvPr>
-          <p:cNvPicPr>
-            <a:picLocks noChangeAspect="1"/>
-          </p:cNvPicPr>
-          <p:nvPr/>
-        </p:nvPicPr>
-        <p:blipFill>
-          <a:blip r:embed="rId2"/>
-          <a:stretch>
-            <a:fillRect/>
-          </a:stretch>
-        </p:blipFill>
-        <p:spPr>
-          <a:xfrm>
-            <a:off x="1660570" y="2696005"/>
-            <a:ext cx="3188326" cy="3188326"/>
-          </a:xfrm>
-          <a:prstGeom prst="rect">
-            <a:avLst/>
-          </a:prstGeom>
-        </p:spPr>
-      </p:pic>
     </p:spTree>
     <p:extLst>
       <p:ext uri="{BB962C8B-B14F-4D97-AF65-F5344CB8AC3E}">
-        <p14:creationId xmlns:p14="http://schemas.microsoft.com/office/powerpoint/2010/main" val="22761770"/>
+        <p14:creationId xmlns:p14="http://schemas.microsoft.com/office/powerpoint/2010/main" val="1001757971"/>
       </p:ext>
     </p:extLst>
   </p:cSld>

--- a/Sensors_Osc Workshop/Workshop_presentation.pptx
+++ b/Sensors_Osc Workshop/Workshop_presentation.pptx
@@ -7,17 +7,26 @@
   <p:sldIdLst>
     <p:sldId id="256" r:id="rId2"/>
     <p:sldId id="265" r:id="rId3"/>
-    <p:sldId id="263" r:id="rId4"/>
-    <p:sldId id="267" r:id="rId5"/>
-    <p:sldId id="257" r:id="rId6"/>
-    <p:sldId id="266" r:id="rId7"/>
-    <p:sldId id="269" r:id="rId8"/>
-    <p:sldId id="270" r:id="rId9"/>
-    <p:sldId id="271" r:id="rId10"/>
-    <p:sldId id="258" r:id="rId11"/>
-    <p:sldId id="264" r:id="rId12"/>
-    <p:sldId id="261" r:id="rId13"/>
-    <p:sldId id="268" r:id="rId14"/>
+    <p:sldId id="268" r:id="rId4"/>
+    <p:sldId id="269" r:id="rId5"/>
+    <p:sldId id="263" r:id="rId6"/>
+    <p:sldId id="267" r:id="rId7"/>
+    <p:sldId id="266" r:id="rId8"/>
+    <p:sldId id="257" r:id="rId9"/>
+    <p:sldId id="258" r:id="rId10"/>
+    <p:sldId id="272" r:id="rId11"/>
+    <p:sldId id="273" r:id="rId12"/>
+    <p:sldId id="274" r:id="rId13"/>
+    <p:sldId id="275" r:id="rId14"/>
+    <p:sldId id="276" r:id="rId15"/>
+    <p:sldId id="277" r:id="rId16"/>
+    <p:sldId id="278" r:id="rId17"/>
+    <p:sldId id="271" r:id="rId18"/>
+    <p:sldId id="281" r:id="rId19"/>
+    <p:sldId id="280" r:id="rId20"/>
+    <p:sldId id="264" r:id="rId21"/>
+    <p:sldId id="261" r:id="rId22"/>
+    <p:sldId id="279" r:id="rId23"/>
   </p:sldIdLst>
   <p:sldSz cx="12192000" cy="6858000"/>
   <p:notesSz cx="6858000" cy="9144000"/>
@@ -963,43 +972,6 @@
         </a:p>
       </dgm:t>
     </dgm:pt>
-    <dgm:pt modelId="{F5D1FA64-65AF-4E0C-81A2-40AF93BDFEBD}">
-      <dgm:prSet/>
-      <dgm:spPr/>
-      <dgm:t>
-        <a:bodyPr/>
-        <a:lstStyle/>
-        <a:p>
-          <a:r>
-            <a:rPr lang="en-US" dirty="0"/>
-            <a:t>OSC Basic Communication</a:t>
-          </a:r>
-          <a:endParaRPr lang="en-NL" dirty="0"/>
-        </a:p>
-      </dgm:t>
-    </dgm:pt>
-    <dgm:pt modelId="{DDA0D1ED-C329-4F41-BFFC-BF438EF7BAC4}" type="parTrans" cxnId="{350E4DF6-AF15-4D6B-BF26-53CEE7CEAEE7}">
-      <dgm:prSet/>
-      <dgm:spPr/>
-      <dgm:t>
-        <a:bodyPr/>
-        <a:lstStyle/>
-        <a:p>
-          <a:endParaRPr lang="en-NL"/>
-        </a:p>
-      </dgm:t>
-    </dgm:pt>
-    <dgm:pt modelId="{D591BE06-039D-45D2-81BF-C5FF6658671C}" type="sibTrans" cxnId="{350E4DF6-AF15-4D6B-BF26-53CEE7CEAEE7}">
-      <dgm:prSet/>
-      <dgm:spPr/>
-      <dgm:t>
-        <a:bodyPr/>
-        <a:lstStyle/>
-        <a:p>
-          <a:endParaRPr lang="en-NL"/>
-        </a:p>
-      </dgm:t>
-    </dgm:pt>
     <dgm:pt modelId="{96605A79-B567-4C54-9F2B-44B24EC757F0}">
       <dgm:prSet/>
       <dgm:spPr/>
@@ -1027,154 +999,6 @@
       </dgm:t>
     </dgm:pt>
     <dgm:pt modelId="{BE06C3C5-1CAE-492B-B5DC-240DBD926566}" type="sibTrans" cxnId="{511E9B1B-95B1-4AE2-A761-A2A9ED5492A6}">
-      <dgm:prSet/>
-      <dgm:spPr/>
-      <dgm:t>
-        <a:bodyPr/>
-        <a:lstStyle/>
-        <a:p>
-          <a:endParaRPr lang="en-NL"/>
-        </a:p>
-      </dgm:t>
-    </dgm:pt>
-    <dgm:pt modelId="{3B5E5C6F-9335-442A-8925-4A34DA1035D9}">
-      <dgm:prSet/>
-      <dgm:spPr/>
-      <dgm:t>
-        <a:bodyPr/>
-        <a:lstStyle/>
-        <a:p>
-          <a:r>
-            <a:rPr lang="en-US" b="0" i="0" dirty="0"/>
-            <a:t>More play:</a:t>
-          </a:r>
-          <a:endParaRPr lang="en-NL" dirty="0"/>
-        </a:p>
-      </dgm:t>
-    </dgm:pt>
-    <dgm:pt modelId="{DA436CC7-A061-4179-8DB5-167D9738DB9A}" type="parTrans" cxnId="{12D7941D-0870-4472-8AD3-8BECDD8AED2A}">
-      <dgm:prSet/>
-      <dgm:spPr/>
-      <dgm:t>
-        <a:bodyPr/>
-        <a:lstStyle/>
-        <a:p>
-          <a:endParaRPr lang="en-NL"/>
-        </a:p>
-      </dgm:t>
-    </dgm:pt>
-    <dgm:pt modelId="{095D51FE-5E2C-4595-8FC9-538916304D9A}" type="sibTrans" cxnId="{12D7941D-0870-4472-8AD3-8BECDD8AED2A}">
-      <dgm:prSet/>
-      <dgm:spPr/>
-      <dgm:t>
-        <a:bodyPr/>
-        <a:lstStyle/>
-        <a:p>
-          <a:endParaRPr lang="en-NL"/>
-        </a:p>
-      </dgm:t>
-    </dgm:pt>
-    <dgm:pt modelId="{E9DFCDD6-B44A-44FE-9A23-086A1E637DFC}">
-      <dgm:prSet/>
-      <dgm:spPr/>
-      <dgm:t>
-        <a:bodyPr/>
-        <a:lstStyle/>
-        <a:p>
-          <a:r>
-            <a:rPr lang="en-US" b="0" i="0" dirty="0"/>
-            <a:t>Body tracking</a:t>
-          </a:r>
-          <a:endParaRPr lang="en-NL" dirty="0"/>
-        </a:p>
-      </dgm:t>
-    </dgm:pt>
-    <dgm:pt modelId="{FF915DD4-371D-4C5A-A0AB-55DEC8043739}" type="parTrans" cxnId="{243C9406-8B58-474D-A869-5A46A20943B4}">
-      <dgm:prSet/>
-      <dgm:spPr/>
-      <dgm:t>
-        <a:bodyPr/>
-        <a:lstStyle/>
-        <a:p>
-          <a:endParaRPr lang="en-NL"/>
-        </a:p>
-      </dgm:t>
-    </dgm:pt>
-    <dgm:pt modelId="{A3CA244D-9DC5-4700-B6BB-A138D70F1D11}" type="sibTrans" cxnId="{243C9406-8B58-474D-A869-5A46A20943B4}">
-      <dgm:prSet/>
-      <dgm:spPr/>
-      <dgm:t>
-        <a:bodyPr/>
-        <a:lstStyle/>
-        <a:p>
-          <a:endParaRPr lang="en-NL"/>
-        </a:p>
-      </dgm:t>
-    </dgm:pt>
-    <dgm:pt modelId="{E7353E66-665E-49C1-964C-6E329A6682BB}">
-      <dgm:prSet/>
-      <dgm:spPr/>
-      <dgm:t>
-        <a:bodyPr/>
-        <a:lstStyle/>
-        <a:p>
-          <a:r>
-            <a:rPr lang="en-US" b="0" i="0" dirty="0"/>
-            <a:t>Facial recognition</a:t>
-          </a:r>
-          <a:endParaRPr lang="en-NL" dirty="0"/>
-        </a:p>
-      </dgm:t>
-    </dgm:pt>
-    <dgm:pt modelId="{8D204624-DE43-4CED-8EDF-057AEE8EF39E}" type="parTrans" cxnId="{F23DAF6D-C6EE-4C9D-820A-77665372D10C}">
-      <dgm:prSet/>
-      <dgm:spPr/>
-      <dgm:t>
-        <a:bodyPr/>
-        <a:lstStyle/>
-        <a:p>
-          <a:endParaRPr lang="en-NL"/>
-        </a:p>
-      </dgm:t>
-    </dgm:pt>
-    <dgm:pt modelId="{800D4EC6-C856-4804-8790-58275F6E01CB}" type="sibTrans" cxnId="{F23DAF6D-C6EE-4C9D-820A-77665372D10C}">
-      <dgm:prSet/>
-      <dgm:spPr/>
-      <dgm:t>
-        <a:bodyPr/>
-        <a:lstStyle/>
-        <a:p>
-          <a:endParaRPr lang="en-NL"/>
-        </a:p>
-      </dgm:t>
-    </dgm:pt>
-    <dgm:pt modelId="{A6F2CB5C-435D-4B12-B0D0-F835C2C56BCB}">
-      <dgm:prSet/>
-      <dgm:spPr/>
-      <dgm:t>
-        <a:bodyPr/>
-        <a:lstStyle/>
-        <a:p>
-          <a:r>
-            <a:rPr lang="en-US" dirty="0"/>
-            <a:t>Multiple screens</a:t>
-          </a:r>
-          <a:endParaRPr lang="en-NL" dirty="0"/>
-        </a:p>
-      </dgm:t>
-    </dgm:pt>
-    <dgm:pt modelId="{30C28EB0-33D0-4676-B601-84C6146F6070}" type="parTrans" cxnId="{2D26C6AA-512F-4404-B4EE-29E1EF86D8D7}">
-      <dgm:prSet/>
-      <dgm:spPr/>
-      <dgm:t>
-        <a:bodyPr/>
-        <a:lstStyle/>
-        <a:p>
-          <a:endParaRPr lang="en-NL"/>
-        </a:p>
-      </dgm:t>
-    </dgm:pt>
-    <dgm:pt modelId="{FAA8D2C9-C954-4B9A-8173-2C5275FA4F8C}" type="sibTrans" cxnId="{2D26C6AA-512F-4404-B4EE-29E1EF86D8D7}">
       <dgm:prSet/>
       <dgm:spPr/>
       <dgm:t>
@@ -1222,6 +1046,191 @@
         </a:p>
       </dgm:t>
     </dgm:pt>
+    <dgm:pt modelId="{DD232BA1-FE9D-468B-8A88-99B96964D4F0}">
+      <dgm:prSet/>
+      <dgm:spPr/>
+      <dgm:t>
+        <a:bodyPr/>
+        <a:lstStyle/>
+        <a:p>
+          <a:r>
+            <a:rPr lang="en-US" dirty="0"/>
+            <a:t>OSC Basic Communication</a:t>
+          </a:r>
+          <a:endParaRPr lang="en-NL" dirty="0"/>
+        </a:p>
+      </dgm:t>
+    </dgm:pt>
+    <dgm:pt modelId="{F558BBAC-BD84-4EB4-A2C5-E25A8355F2D3}" type="parTrans" cxnId="{5567F324-BB53-4B1E-8625-9BA7B0F712BE}">
+      <dgm:prSet/>
+      <dgm:spPr/>
+      <dgm:t>
+        <a:bodyPr/>
+        <a:lstStyle/>
+        <a:p>
+          <a:endParaRPr lang="en-NL"/>
+        </a:p>
+      </dgm:t>
+    </dgm:pt>
+    <dgm:pt modelId="{0EC6F337-3E5E-4B50-89E7-32FFFA6C6629}" type="sibTrans" cxnId="{5567F324-BB53-4B1E-8625-9BA7B0F712BE}">
+      <dgm:prSet/>
+      <dgm:spPr/>
+      <dgm:t>
+        <a:bodyPr/>
+        <a:lstStyle/>
+        <a:p>
+          <a:endParaRPr lang="en-NL"/>
+        </a:p>
+      </dgm:t>
+    </dgm:pt>
+    <dgm:pt modelId="{15A9D859-41F8-4CCD-B414-94B4A0FED3C9}">
+      <dgm:prSet/>
+      <dgm:spPr/>
+      <dgm:t>
+        <a:bodyPr/>
+        <a:lstStyle/>
+        <a:p>
+          <a:r>
+            <a:rPr lang="en-US" dirty="0" err="1"/>
+            <a:t>Firmata</a:t>
+          </a:r>
+          <a:endParaRPr lang="en-NL" dirty="0"/>
+        </a:p>
+      </dgm:t>
+    </dgm:pt>
+    <dgm:pt modelId="{EF7F7156-7A03-468D-AD5B-213E8210A55E}" type="parTrans" cxnId="{49EC1C3A-636B-49A7-877C-D4CB03C52457}">
+      <dgm:prSet/>
+      <dgm:spPr/>
+      <dgm:t>
+        <a:bodyPr/>
+        <a:lstStyle/>
+        <a:p>
+          <a:endParaRPr lang="en-NL"/>
+        </a:p>
+      </dgm:t>
+    </dgm:pt>
+    <dgm:pt modelId="{F6E3E89B-DBAA-41F4-AE53-7E1E0EEEB9FC}" type="sibTrans" cxnId="{49EC1C3A-636B-49A7-877C-D4CB03C52457}">
+      <dgm:prSet/>
+      <dgm:spPr/>
+      <dgm:t>
+        <a:bodyPr/>
+        <a:lstStyle/>
+        <a:p>
+          <a:endParaRPr lang="en-NL"/>
+        </a:p>
+      </dgm:t>
+    </dgm:pt>
+    <dgm:pt modelId="{8FEFB3F6-AD39-42DB-A770-B1A6E01AFD63}">
+      <dgm:prSet/>
+      <dgm:spPr/>
+      <dgm:t>
+        <a:bodyPr/>
+        <a:lstStyle/>
+        <a:p>
+          <a:r>
+            <a:rPr lang="en-US" dirty="0"/>
+            <a:t>Serial</a:t>
+          </a:r>
+          <a:endParaRPr lang="en-NL" dirty="0"/>
+        </a:p>
+      </dgm:t>
+    </dgm:pt>
+    <dgm:pt modelId="{D68EBC7C-91FE-4DB3-9BC2-D0FCEA0D1104}" type="parTrans" cxnId="{CD1AE905-77A1-4E85-B0F6-78756429C6A1}">
+      <dgm:prSet/>
+      <dgm:spPr/>
+      <dgm:t>
+        <a:bodyPr/>
+        <a:lstStyle/>
+        <a:p>
+          <a:endParaRPr lang="en-NL"/>
+        </a:p>
+      </dgm:t>
+    </dgm:pt>
+    <dgm:pt modelId="{903BB059-7616-48C7-93F2-DC6C32179283}" type="sibTrans" cxnId="{CD1AE905-77A1-4E85-B0F6-78756429C6A1}">
+      <dgm:prSet/>
+      <dgm:spPr/>
+      <dgm:t>
+        <a:bodyPr/>
+        <a:lstStyle/>
+        <a:p>
+          <a:endParaRPr lang="en-NL"/>
+        </a:p>
+      </dgm:t>
+    </dgm:pt>
+    <dgm:pt modelId="{53D5663B-B4CB-4454-90D2-344106BD1619}">
+      <dgm:prSet/>
+      <dgm:spPr/>
+      <dgm:t>
+        <a:bodyPr/>
+        <a:lstStyle/>
+        <a:p>
+          <a:r>
+            <a:rPr lang="en-US" dirty="0"/>
+            <a:t>Sending messages</a:t>
+          </a:r>
+          <a:endParaRPr lang="en-NL" dirty="0"/>
+        </a:p>
+      </dgm:t>
+    </dgm:pt>
+    <dgm:pt modelId="{7E42FB20-E860-47C7-8EAB-700133086C19}" type="parTrans" cxnId="{2BA85B6C-FA43-4FEB-A87C-6A1EA1C36C4E}">
+      <dgm:prSet/>
+      <dgm:spPr/>
+      <dgm:t>
+        <a:bodyPr/>
+        <a:lstStyle/>
+        <a:p>
+          <a:endParaRPr lang="en-NL"/>
+        </a:p>
+      </dgm:t>
+    </dgm:pt>
+    <dgm:pt modelId="{EEC5D3E5-8761-4690-A650-C129582DBDCF}" type="sibTrans" cxnId="{2BA85B6C-FA43-4FEB-A87C-6A1EA1C36C4E}">
+      <dgm:prSet/>
+      <dgm:spPr/>
+      <dgm:t>
+        <a:bodyPr/>
+        <a:lstStyle/>
+        <a:p>
+          <a:endParaRPr lang="en-NL"/>
+        </a:p>
+      </dgm:t>
+    </dgm:pt>
+    <dgm:pt modelId="{0C581EF6-7BF9-43D7-AC6D-E7CD70964520}">
+      <dgm:prSet/>
+      <dgm:spPr/>
+      <dgm:t>
+        <a:bodyPr/>
+        <a:lstStyle/>
+        <a:p>
+          <a:r>
+            <a:rPr lang="en-US" dirty="0"/>
+            <a:t>Receiving messages</a:t>
+          </a:r>
+          <a:endParaRPr lang="en-NL" dirty="0"/>
+        </a:p>
+      </dgm:t>
+    </dgm:pt>
+    <dgm:pt modelId="{8EDD63EC-7C83-4911-BD81-B0A18977ED3C}" type="parTrans" cxnId="{037E87B6-1BB5-4D43-B104-4E185F970ED9}">
+      <dgm:prSet/>
+      <dgm:spPr/>
+      <dgm:t>
+        <a:bodyPr/>
+        <a:lstStyle/>
+        <a:p>
+          <a:endParaRPr lang="en-NL"/>
+        </a:p>
+      </dgm:t>
+    </dgm:pt>
+    <dgm:pt modelId="{0AFEF929-1860-4E27-9AAE-5C70621F4EE2}" type="sibTrans" cxnId="{037E87B6-1BB5-4D43-B104-4E185F970ED9}">
+      <dgm:prSet/>
+      <dgm:spPr/>
+      <dgm:t>
+        <a:bodyPr/>
+        <a:lstStyle/>
+        <a:p>
+          <a:endParaRPr lang="en-NL"/>
+        </a:p>
+      </dgm:t>
+    </dgm:pt>
     <dgm:pt modelId="{B60CA115-314E-49E5-AA23-D48A96127CF6}" type="pres">
       <dgm:prSet presAssocID="{CFE51ECF-3BC2-4505-BCAF-00B2E9FCFA55}" presName="Name0" presStyleCnt="0">
         <dgm:presLayoutVars>
@@ -1244,7 +1253,7 @@
       <dgm:spPr/>
     </dgm:pt>
     <dgm:pt modelId="{8BCE1236-BA01-402A-9EB7-E0BA8134908F}" type="pres">
-      <dgm:prSet presAssocID="{AB87ABF9-CCCD-4764-83D2-D684643E5BAF}" presName="textA" presStyleLbl="revTx" presStyleIdx="0" presStyleCnt="6">
+      <dgm:prSet presAssocID="{AB87ABF9-CCCD-4764-83D2-D684643E5BAF}" presName="textA" presStyleLbl="revTx" presStyleIdx="0" presStyleCnt="5">
         <dgm:presLayoutVars>
           <dgm:bulletEnabled val="1"/>
         </dgm:presLayoutVars>
@@ -1252,7 +1261,7 @@
       <dgm:spPr/>
     </dgm:pt>
     <dgm:pt modelId="{730FC698-D42A-4534-AF64-A0B807E5033A}" type="pres">
-      <dgm:prSet presAssocID="{AB87ABF9-CCCD-4764-83D2-D684643E5BAF}" presName="circleA" presStyleLbl="node1" presStyleIdx="0" presStyleCnt="6"/>
+      <dgm:prSet presAssocID="{AB87ABF9-CCCD-4764-83D2-D684643E5BAF}" presName="circleA" presStyleLbl="node1" presStyleIdx="0" presStyleCnt="5"/>
       <dgm:spPr/>
     </dgm:pt>
     <dgm:pt modelId="{4726C026-3686-45E7-A158-B114059E8F6B}" type="pres">
@@ -1268,7 +1277,7 @@
       <dgm:spPr/>
     </dgm:pt>
     <dgm:pt modelId="{A0E9D31E-CDE2-4CD2-A5AB-E41BCF6A85F5}" type="pres">
-      <dgm:prSet presAssocID="{491A0C8F-0293-45F3-875A-B73F7C7DAD5D}" presName="textB" presStyleLbl="revTx" presStyleIdx="1" presStyleCnt="6">
+      <dgm:prSet presAssocID="{491A0C8F-0293-45F3-875A-B73F7C7DAD5D}" presName="textB" presStyleLbl="revTx" presStyleIdx="1" presStyleCnt="5">
         <dgm:presLayoutVars>
           <dgm:bulletEnabled val="1"/>
         </dgm:presLayoutVars>
@@ -1276,7 +1285,7 @@
       <dgm:spPr/>
     </dgm:pt>
     <dgm:pt modelId="{FAD29BD9-F121-47A6-BF6C-4A802A7CE9A7}" type="pres">
-      <dgm:prSet presAssocID="{491A0C8F-0293-45F3-875A-B73F7C7DAD5D}" presName="circleB" presStyleLbl="node1" presStyleIdx="1" presStyleCnt="6"/>
+      <dgm:prSet presAssocID="{491A0C8F-0293-45F3-875A-B73F7C7DAD5D}" presName="circleB" presStyleLbl="node1" presStyleIdx="1" presStyleCnt="5"/>
       <dgm:spPr/>
     </dgm:pt>
     <dgm:pt modelId="{B062EF56-F361-453E-9698-2FE69543F339}" type="pres">
@@ -1287,47 +1296,47 @@
       <dgm:prSet presAssocID="{C8A34666-0DE1-480E-B70D-EC3CDE00795D}" presName="space" presStyleCnt="0"/>
       <dgm:spPr/>
     </dgm:pt>
-    <dgm:pt modelId="{738FA416-7582-4BD6-9D07-E98203BEA470}" type="pres">
-      <dgm:prSet presAssocID="{F5D1FA64-65AF-4E0C-81A2-40AF93BDFEBD}" presName="compositeA" presStyleCnt="0"/>
+    <dgm:pt modelId="{26365CAF-2D87-4D76-9FF4-6F787129C8AB}" type="pres">
+      <dgm:prSet presAssocID="{DD232BA1-FE9D-468B-8A88-99B96964D4F0}" presName="compositeA" presStyleCnt="0"/>
       <dgm:spPr/>
     </dgm:pt>
-    <dgm:pt modelId="{EE46D11B-5060-42A9-9CE0-772FA52584BA}" type="pres">
-      <dgm:prSet presAssocID="{F5D1FA64-65AF-4E0C-81A2-40AF93BDFEBD}" presName="textA" presStyleLbl="revTx" presStyleIdx="2" presStyleCnt="6">
+    <dgm:pt modelId="{5AF32FA2-1E37-49D7-84C8-CA6E555EB0FE}" type="pres">
+      <dgm:prSet presAssocID="{DD232BA1-FE9D-468B-8A88-99B96964D4F0}" presName="textA" presStyleLbl="revTx" presStyleIdx="2" presStyleCnt="5">
         <dgm:presLayoutVars>
           <dgm:bulletEnabled val="1"/>
         </dgm:presLayoutVars>
       </dgm:prSet>
       <dgm:spPr/>
     </dgm:pt>
-    <dgm:pt modelId="{F8C0AFF2-BBAD-45D3-A87B-5C2D7FEF33BB}" type="pres">
-      <dgm:prSet presAssocID="{F5D1FA64-65AF-4E0C-81A2-40AF93BDFEBD}" presName="circleA" presStyleLbl="node1" presStyleIdx="2" presStyleCnt="6"/>
+    <dgm:pt modelId="{D36D706A-C640-416B-ADE2-CF43C4C33151}" type="pres">
+      <dgm:prSet presAssocID="{DD232BA1-FE9D-468B-8A88-99B96964D4F0}" presName="circleA" presStyleLbl="node1" presStyleIdx="2" presStyleCnt="5"/>
       <dgm:spPr/>
     </dgm:pt>
-    <dgm:pt modelId="{325810BF-4AAC-4FCD-8B41-D335C4B7BF1D}" type="pres">
-      <dgm:prSet presAssocID="{F5D1FA64-65AF-4E0C-81A2-40AF93BDFEBD}" presName="spaceA" presStyleCnt="0"/>
+    <dgm:pt modelId="{F1F36710-E08D-4521-9250-D975F64B20AC}" type="pres">
+      <dgm:prSet presAssocID="{DD232BA1-FE9D-468B-8A88-99B96964D4F0}" presName="spaceA" presStyleCnt="0"/>
       <dgm:spPr/>
     </dgm:pt>
-    <dgm:pt modelId="{E69444FF-37C5-4F1C-9390-1D2B3E3E7236}" type="pres">
-      <dgm:prSet presAssocID="{D591BE06-039D-45D2-81BF-C5FF6658671C}" presName="space" presStyleCnt="0"/>
+    <dgm:pt modelId="{6F889190-1E0A-4891-8826-C3D3B6681F71}" type="pres">
+      <dgm:prSet presAssocID="{0EC6F337-3E5E-4B50-89E7-32FFFA6C6629}" presName="space" presStyleCnt="0"/>
       <dgm:spPr/>
     </dgm:pt>
-    <dgm:pt modelId="{C9E4BFB7-C25A-49AB-B691-0233D7851269}" type="pres">
+    <dgm:pt modelId="{904D96EA-84D0-4244-ACAA-9457991110FD}" type="pres">
       <dgm:prSet presAssocID="{96605A79-B567-4C54-9F2B-44B24EC757F0}" presName="compositeB" presStyleCnt="0"/>
       <dgm:spPr/>
     </dgm:pt>
-    <dgm:pt modelId="{A1E9BEA5-F068-464F-B0EF-9C64547E9C50}" type="pres">
-      <dgm:prSet presAssocID="{96605A79-B567-4C54-9F2B-44B24EC757F0}" presName="textB" presStyleLbl="revTx" presStyleIdx="3" presStyleCnt="6">
+    <dgm:pt modelId="{2C10C03A-FE6F-40C6-AA00-BA1ACA65A173}" type="pres">
+      <dgm:prSet presAssocID="{96605A79-B567-4C54-9F2B-44B24EC757F0}" presName="textB" presStyleLbl="revTx" presStyleIdx="3" presStyleCnt="5">
         <dgm:presLayoutVars>
           <dgm:bulletEnabled val="1"/>
         </dgm:presLayoutVars>
       </dgm:prSet>
       <dgm:spPr/>
     </dgm:pt>
-    <dgm:pt modelId="{D14BA5EC-7074-4456-9698-1CC9EAB128F2}" type="pres">
-      <dgm:prSet presAssocID="{96605A79-B567-4C54-9F2B-44B24EC757F0}" presName="circleB" presStyleLbl="node1" presStyleIdx="3" presStyleCnt="6"/>
+    <dgm:pt modelId="{0AC8876B-5464-4621-9905-AFD58102F81A}" type="pres">
+      <dgm:prSet presAssocID="{96605A79-B567-4C54-9F2B-44B24EC757F0}" presName="circleB" presStyleLbl="node1" presStyleIdx="3" presStyleCnt="5"/>
       <dgm:spPr/>
     </dgm:pt>
-    <dgm:pt modelId="{C0CA67EF-1FD5-4D53-A28D-5B4DA6D93EE9}" type="pres">
+    <dgm:pt modelId="{365399EB-FB42-40D2-BAC1-31910F8A8B05}" type="pres">
       <dgm:prSet presAssocID="{96605A79-B567-4C54-9F2B-44B24EC757F0}" presName="spaceB" presStyleCnt="0"/>
       <dgm:spPr/>
     </dgm:pt>
@@ -1335,71 +1344,47 @@
       <dgm:prSet presAssocID="{BE06C3C5-1CAE-492B-B5DC-240DBD926566}" presName="space" presStyleCnt="0"/>
       <dgm:spPr/>
     </dgm:pt>
-    <dgm:pt modelId="{BB2382C1-398C-418A-BCCE-FBDBC38CDD38}" type="pres">
+    <dgm:pt modelId="{56501927-C219-42CA-B756-E6B9E3CDF2CD}" type="pres">
       <dgm:prSet presAssocID="{B3F7F6C0-E94F-4727-80CB-60C10CADEEB8}" presName="compositeA" presStyleCnt="0"/>
       <dgm:spPr/>
     </dgm:pt>
-    <dgm:pt modelId="{EDDF4584-9E0C-4D30-B871-596FFD6E58E3}" type="pres">
-      <dgm:prSet presAssocID="{B3F7F6C0-E94F-4727-80CB-60C10CADEEB8}" presName="textA" presStyleLbl="revTx" presStyleIdx="4" presStyleCnt="6">
+    <dgm:pt modelId="{2B285EC5-A9F1-4DC0-9FDC-48872602578D}" type="pres">
+      <dgm:prSet presAssocID="{B3F7F6C0-E94F-4727-80CB-60C10CADEEB8}" presName="textA" presStyleLbl="revTx" presStyleIdx="4" presStyleCnt="5">
         <dgm:presLayoutVars>
           <dgm:bulletEnabled val="1"/>
         </dgm:presLayoutVars>
       </dgm:prSet>
       <dgm:spPr/>
     </dgm:pt>
-    <dgm:pt modelId="{780EBB56-20B9-48D1-89EA-459F044A9BFB}" type="pres">
-      <dgm:prSet presAssocID="{B3F7F6C0-E94F-4727-80CB-60C10CADEEB8}" presName="circleA" presStyleLbl="node1" presStyleIdx="4" presStyleCnt="6"/>
+    <dgm:pt modelId="{599E5DEC-4D21-4E60-A204-1D90E1F0001E}" type="pres">
+      <dgm:prSet presAssocID="{B3F7F6C0-E94F-4727-80CB-60C10CADEEB8}" presName="circleA" presStyleLbl="node1" presStyleIdx="4" presStyleCnt="5"/>
       <dgm:spPr/>
     </dgm:pt>
-    <dgm:pt modelId="{0795F89A-E7E3-4231-8282-E608E6F4E778}" type="pres">
+    <dgm:pt modelId="{5BE228EE-A861-4B7B-B2FF-2BA3A66AFA46}" type="pres">
       <dgm:prSet presAssocID="{B3F7F6C0-E94F-4727-80CB-60C10CADEEB8}" presName="spaceA" presStyleCnt="0"/>
-      <dgm:spPr/>
-    </dgm:pt>
-    <dgm:pt modelId="{EDF3D2E5-50F6-490D-B86F-3B307637E84F}" type="pres">
-      <dgm:prSet presAssocID="{6CEE9F8A-44C7-4103-AC32-12A6D7D0A9E3}" presName="space" presStyleCnt="0"/>
-      <dgm:spPr/>
-    </dgm:pt>
-    <dgm:pt modelId="{D39AD8BE-3CDE-49A1-86F1-BA87553544AB}" type="pres">
-      <dgm:prSet presAssocID="{3B5E5C6F-9335-442A-8925-4A34DA1035D9}" presName="compositeB" presStyleCnt="0"/>
-      <dgm:spPr/>
-    </dgm:pt>
-    <dgm:pt modelId="{281B9DE3-C5D3-4908-9F31-3A66DB9393E3}" type="pres">
-      <dgm:prSet presAssocID="{3B5E5C6F-9335-442A-8925-4A34DA1035D9}" presName="textB" presStyleLbl="revTx" presStyleIdx="5" presStyleCnt="6">
-        <dgm:presLayoutVars>
-          <dgm:bulletEnabled val="1"/>
-        </dgm:presLayoutVars>
-      </dgm:prSet>
-      <dgm:spPr/>
-    </dgm:pt>
-    <dgm:pt modelId="{197530CB-AB7D-4EE5-A21D-F4DA80B8DA78}" type="pres">
-      <dgm:prSet presAssocID="{3B5E5C6F-9335-442A-8925-4A34DA1035D9}" presName="circleB" presStyleLbl="node1" presStyleIdx="5" presStyleCnt="6"/>
-      <dgm:spPr/>
-    </dgm:pt>
-    <dgm:pt modelId="{5C51B1A3-9022-4992-A582-FA0C6AC4B0A1}" type="pres">
-      <dgm:prSet presAssocID="{3B5E5C6F-9335-442A-8925-4A34DA1035D9}" presName="spaceB" presStyleCnt="0"/>
       <dgm:spPr/>
     </dgm:pt>
   </dgm:ptLst>
   <dgm:cxnLst>
-    <dgm:cxn modelId="{243C9406-8B58-474D-A869-5A46A20943B4}" srcId="{3B5E5C6F-9335-442A-8925-4A34DA1035D9}" destId="{E9DFCDD6-B44A-44FE-9A23-086A1E637DFC}" srcOrd="0" destOrd="0" parTransId="{FF915DD4-371D-4C5A-A0AB-55DEC8043739}" sibTransId="{A3CA244D-9DC5-4700-B6BB-A138D70F1D11}"/>
+    <dgm:cxn modelId="{CD1AE905-77A1-4E85-B0F6-78756429C6A1}" srcId="{491A0C8F-0293-45F3-875A-B73F7C7DAD5D}" destId="{8FEFB3F6-AD39-42DB-A770-B1A6E01AFD63}" srcOrd="1" destOrd="0" parTransId="{D68EBC7C-91FE-4DB3-9BC2-D0FCEA0D1104}" sibTransId="{903BB059-7616-48C7-93F2-DC6C32179283}"/>
+    <dgm:cxn modelId="{387E180F-3DBE-49ED-B73F-B7FA3EFB99E9}" type="presOf" srcId="{15A9D859-41F8-4CCD-B414-94B4A0FED3C9}" destId="{A0E9D31E-CDE2-4CD2-A5AB-E41BCF6A85F5}" srcOrd="0" destOrd="1" presId="urn:microsoft.com/office/officeart/2005/8/layout/hProcess11"/>
     <dgm:cxn modelId="{511E9B1B-95B1-4AE2-A761-A2A9ED5492A6}" srcId="{CFE51ECF-3BC2-4505-BCAF-00B2E9FCFA55}" destId="{96605A79-B567-4C54-9F2B-44B24EC757F0}" srcOrd="3" destOrd="0" parTransId="{7AC562D1-6B06-4D8A-BBFF-1D229A74A614}" sibTransId="{BE06C3C5-1CAE-492B-B5DC-240DBD926566}"/>
-    <dgm:cxn modelId="{12D7941D-0870-4472-8AD3-8BECDD8AED2A}" srcId="{CFE51ECF-3BC2-4505-BCAF-00B2E9FCFA55}" destId="{3B5E5C6F-9335-442A-8925-4A34DA1035D9}" srcOrd="5" destOrd="0" parTransId="{DA436CC7-A061-4179-8DB5-167D9738DB9A}" sibTransId="{095D51FE-5E2C-4595-8FC9-538916304D9A}"/>
-    <dgm:cxn modelId="{A4805123-7449-4F4B-BF7D-BE3FECDB3550}" type="presOf" srcId="{E9DFCDD6-B44A-44FE-9A23-086A1E637DFC}" destId="{281B9DE3-C5D3-4908-9F31-3A66DB9393E3}" srcOrd="0" destOrd="1" presId="urn:microsoft.com/office/officeart/2005/8/layout/hProcess11"/>
-    <dgm:cxn modelId="{3D2F4463-6F1C-4BE0-A250-50EE91FC5553}" type="presOf" srcId="{F5D1FA64-65AF-4E0C-81A2-40AF93BDFEBD}" destId="{EE46D11B-5060-42A9-9CE0-772FA52584BA}" srcOrd="0" destOrd="0" presId="urn:microsoft.com/office/officeart/2005/8/layout/hProcess11"/>
-    <dgm:cxn modelId="{0B3E9763-54E5-4496-9CC3-1C4FE4C307D5}" type="presOf" srcId="{E7353E66-665E-49C1-964C-6E329A6682BB}" destId="{281B9DE3-C5D3-4908-9F31-3A66DB9393E3}" srcOrd="0" destOrd="2" presId="urn:microsoft.com/office/officeart/2005/8/layout/hProcess11"/>
+    <dgm:cxn modelId="{5567F324-BB53-4B1E-8625-9BA7B0F712BE}" srcId="{CFE51ECF-3BC2-4505-BCAF-00B2E9FCFA55}" destId="{DD232BA1-FE9D-468B-8A88-99B96964D4F0}" srcOrd="2" destOrd="0" parTransId="{F558BBAC-BD84-4EB4-A2C5-E25A8355F2D3}" sibTransId="{0EC6F337-3E5E-4B50-89E7-32FFFA6C6629}"/>
+    <dgm:cxn modelId="{2ED7132B-F6AB-4549-AE5D-4DE6091E0378}" type="presOf" srcId="{0C581EF6-7BF9-43D7-AC6D-E7CD70964520}" destId="{2B285EC5-A9F1-4DC0-9FDC-48872602578D}" srcOrd="0" destOrd="2" presId="urn:microsoft.com/office/officeart/2005/8/layout/hProcess11"/>
+    <dgm:cxn modelId="{49EC1C3A-636B-49A7-877C-D4CB03C52457}" srcId="{491A0C8F-0293-45F3-875A-B73F7C7DAD5D}" destId="{15A9D859-41F8-4CCD-B414-94B4A0FED3C9}" srcOrd="0" destOrd="0" parTransId="{EF7F7156-7A03-468D-AD5B-213E8210A55E}" sibTransId="{F6E3E89B-DBAA-41F4-AE53-7E1E0EEEB9FC}"/>
+    <dgm:cxn modelId="{46018A3E-DFAC-4BB8-AC42-7E21C054329F}" type="presOf" srcId="{53D5663B-B4CB-4454-90D2-344106BD1619}" destId="{2B285EC5-A9F1-4DC0-9FDC-48872602578D}" srcOrd="0" destOrd="1" presId="urn:microsoft.com/office/officeart/2005/8/layout/hProcess11"/>
     <dgm:cxn modelId="{FF786746-5EF9-4934-A328-44ABDA789E1C}" srcId="{CFE51ECF-3BC2-4505-BCAF-00B2E9FCFA55}" destId="{AB87ABF9-CCCD-4764-83D2-D684643E5BAF}" srcOrd="0" destOrd="0" parTransId="{2A486243-A628-4982-BAA1-3C2BF4F65F53}" sibTransId="{653981FD-ECFE-4CB8-A11E-0532193EC522}"/>
     <dgm:cxn modelId="{A3B99C66-4034-4F3B-B49D-020B7056096D}" type="presOf" srcId="{AB87ABF9-CCCD-4764-83D2-D684643E5BAF}" destId="{8BCE1236-BA01-402A-9EB7-E0BA8134908F}" srcOrd="0" destOrd="0" presId="urn:microsoft.com/office/officeart/2005/8/layout/hProcess11"/>
     <dgm:cxn modelId="{DE2DB648-05F4-4EAB-AD89-4CE1F5637303}" srcId="{CFE51ECF-3BC2-4505-BCAF-00B2E9FCFA55}" destId="{B3F7F6C0-E94F-4727-80CB-60C10CADEEB8}" srcOrd="4" destOrd="0" parTransId="{93A9261A-9582-41ED-9F17-4D6AB471339C}" sibTransId="{6CEE9F8A-44C7-4103-AC32-12A6D7D0A9E3}"/>
-    <dgm:cxn modelId="{F23DAF6D-C6EE-4C9D-820A-77665372D10C}" srcId="{3B5E5C6F-9335-442A-8925-4A34DA1035D9}" destId="{E7353E66-665E-49C1-964C-6E329A6682BB}" srcOrd="1" destOrd="0" parTransId="{8D204624-DE43-4CED-8EDF-057AEE8EF39E}" sibTransId="{800D4EC6-C856-4804-8790-58275F6E01CB}"/>
+    <dgm:cxn modelId="{75CA586A-FDCD-4E49-AC57-7EFE7A5AEFC1}" type="presOf" srcId="{DD232BA1-FE9D-468B-8A88-99B96964D4F0}" destId="{5AF32FA2-1E37-49D7-84C8-CA6E555EB0FE}" srcOrd="0" destOrd="0" presId="urn:microsoft.com/office/officeart/2005/8/layout/hProcess11"/>
+    <dgm:cxn modelId="{2BA85B6C-FA43-4FEB-A87C-6A1EA1C36C4E}" srcId="{B3F7F6C0-E94F-4727-80CB-60C10CADEEB8}" destId="{53D5663B-B4CB-4454-90D2-344106BD1619}" srcOrd="0" destOrd="0" parTransId="{7E42FB20-E860-47C7-8EAB-700133086C19}" sibTransId="{EEC5D3E5-8761-4690-A650-C129582DBDCF}"/>
+    <dgm:cxn modelId="{BD832F4F-D9D2-435E-B20B-BB30BEB89AE2}" type="presOf" srcId="{96605A79-B567-4C54-9F2B-44B24EC757F0}" destId="{2C10C03A-FE6F-40C6-AA00-BA1ACA65A173}" srcOrd="0" destOrd="0" presId="urn:microsoft.com/office/officeart/2005/8/layout/hProcess11"/>
     <dgm:cxn modelId="{28C5F055-87D9-4C97-B50F-7D6E1BC91A5C}" type="presOf" srcId="{CFE51ECF-3BC2-4505-BCAF-00B2E9FCFA55}" destId="{B60CA115-314E-49E5-AA23-D48A96127CF6}" srcOrd="0" destOrd="0" presId="urn:microsoft.com/office/officeart/2005/8/layout/hProcess11"/>
-    <dgm:cxn modelId="{01F69989-288F-4F00-ABC6-67F8AAAADDB2}" type="presOf" srcId="{A6F2CB5C-435D-4B12-B0D0-F835C2C56BCB}" destId="{281B9DE3-C5D3-4908-9F31-3A66DB9393E3}" srcOrd="0" destOrd="3" presId="urn:microsoft.com/office/officeart/2005/8/layout/hProcess11"/>
-    <dgm:cxn modelId="{E9AF3797-C3A7-4C9F-81E5-CE92358F74E2}" type="presOf" srcId="{3B5E5C6F-9335-442A-8925-4A34DA1035D9}" destId="{281B9DE3-C5D3-4908-9F31-3A66DB9393E3}" srcOrd="0" destOrd="0" presId="urn:microsoft.com/office/officeart/2005/8/layout/hProcess11"/>
     <dgm:cxn modelId="{B17E9597-A3F4-457A-8FFB-DBF289098053}" type="presOf" srcId="{491A0C8F-0293-45F3-875A-B73F7C7DAD5D}" destId="{A0E9D31E-CDE2-4CD2-A5AB-E41BCF6A85F5}" srcOrd="0" destOrd="0" presId="urn:microsoft.com/office/officeart/2005/8/layout/hProcess11"/>
-    <dgm:cxn modelId="{2D26C6AA-512F-4404-B4EE-29E1EF86D8D7}" srcId="{3B5E5C6F-9335-442A-8925-4A34DA1035D9}" destId="{A6F2CB5C-435D-4B12-B0D0-F835C2C56BCB}" srcOrd="2" destOrd="0" parTransId="{30C28EB0-33D0-4676-B601-84C6146F6070}" sibTransId="{FAA8D2C9-C954-4B9A-8173-2C5275FA4F8C}"/>
-    <dgm:cxn modelId="{934130C3-378F-4A38-9AA8-82A4B064638B}" type="presOf" srcId="{96605A79-B567-4C54-9F2B-44B24EC757F0}" destId="{A1E9BEA5-F068-464F-B0EF-9C64547E9C50}" srcOrd="0" destOrd="0" presId="urn:microsoft.com/office/officeart/2005/8/layout/hProcess11"/>
+    <dgm:cxn modelId="{037E87B6-1BB5-4D43-B104-4E185F970ED9}" srcId="{B3F7F6C0-E94F-4727-80CB-60C10CADEEB8}" destId="{0C581EF6-7BF9-43D7-AC6D-E7CD70964520}" srcOrd="1" destOrd="0" parTransId="{8EDD63EC-7C83-4911-BD81-B0A18977ED3C}" sibTransId="{0AFEF929-1860-4E27-9AAE-5C70621F4EE2}"/>
     <dgm:cxn modelId="{C92674D9-E0D5-43EB-AE23-117EC83F17D7}" srcId="{CFE51ECF-3BC2-4505-BCAF-00B2E9FCFA55}" destId="{491A0C8F-0293-45F3-875A-B73F7C7DAD5D}" srcOrd="1" destOrd="0" parTransId="{BCC223FC-9A3A-4EAC-ADA7-6728AA2A84F8}" sibTransId="{C8A34666-0DE1-480E-B70D-EC3CDE00795D}"/>
-    <dgm:cxn modelId="{350E4DF6-AF15-4D6B-BF26-53CEE7CEAEE7}" srcId="{CFE51ECF-3BC2-4505-BCAF-00B2E9FCFA55}" destId="{F5D1FA64-65AF-4E0C-81A2-40AF93BDFEBD}" srcOrd="2" destOrd="0" parTransId="{DDA0D1ED-C329-4F41-BFFC-BF438EF7BAC4}" sibTransId="{D591BE06-039D-45D2-81BF-C5FF6658671C}"/>
-    <dgm:cxn modelId="{9136F0F9-B2A1-44EF-A1A8-09B39D2F787D}" type="presOf" srcId="{B3F7F6C0-E94F-4727-80CB-60C10CADEEB8}" destId="{EDDF4584-9E0C-4D30-B871-596FFD6E58E3}" srcOrd="0" destOrd="0" presId="urn:microsoft.com/office/officeart/2005/8/layout/hProcess11"/>
+    <dgm:cxn modelId="{15B91DEF-8D37-4C51-8323-5A474529008C}" type="presOf" srcId="{8FEFB3F6-AD39-42DB-A770-B1A6E01AFD63}" destId="{A0E9D31E-CDE2-4CD2-A5AB-E41BCF6A85F5}" srcOrd="0" destOrd="2" presId="urn:microsoft.com/office/officeart/2005/8/layout/hProcess11"/>
+    <dgm:cxn modelId="{7CE6B9FF-525A-4E8E-ADD0-CF299AEFF3D5}" type="presOf" srcId="{B3F7F6C0-E94F-4727-80CB-60C10CADEEB8}" destId="{2B285EC5-A9F1-4DC0-9FDC-48872602578D}" srcOrd="0" destOrd="0" presId="urn:microsoft.com/office/officeart/2005/8/layout/hProcess11"/>
     <dgm:cxn modelId="{C3F4B322-1177-41D2-BD86-9BDC561EAEE8}" type="presParOf" srcId="{B60CA115-314E-49E5-AA23-D48A96127CF6}" destId="{FE067F72-045E-4CF0-AE14-9C7CEA12510A}" srcOrd="0" destOrd="0" presId="urn:microsoft.com/office/officeart/2005/8/layout/hProcess11"/>
     <dgm:cxn modelId="{E8A032B0-C654-4F02-9D3C-AAC26DEA5C75}" type="presParOf" srcId="{B60CA115-314E-49E5-AA23-D48A96127CF6}" destId="{D1D2845F-99C1-4322-96D0-21CA2E9CC26E}" srcOrd="1" destOrd="0" presId="urn:microsoft.com/office/officeart/2005/8/layout/hProcess11"/>
     <dgm:cxn modelId="{C4A68111-53CA-4120-95B2-4DCADD9D1CD9}" type="presParOf" srcId="{D1D2845F-99C1-4322-96D0-21CA2E9CC26E}" destId="{6CB7496D-6592-4942-893F-423514847AC2}" srcOrd="0" destOrd="0" presId="urn:microsoft.com/office/officeart/2005/8/layout/hProcess11"/>
@@ -1412,25 +1397,20 @@
     <dgm:cxn modelId="{1FB46090-D477-409B-9BF9-AD34EDB93264}" type="presParOf" srcId="{6DFAE8EE-4B9D-4447-B9BF-17AE2B685A04}" destId="{FAD29BD9-F121-47A6-BF6C-4A802A7CE9A7}" srcOrd="1" destOrd="0" presId="urn:microsoft.com/office/officeart/2005/8/layout/hProcess11"/>
     <dgm:cxn modelId="{E6C37E33-930E-4168-B503-8CF22411DEF1}" type="presParOf" srcId="{6DFAE8EE-4B9D-4447-B9BF-17AE2B685A04}" destId="{B062EF56-F361-453E-9698-2FE69543F339}" srcOrd="2" destOrd="0" presId="urn:microsoft.com/office/officeart/2005/8/layout/hProcess11"/>
     <dgm:cxn modelId="{5DA0C486-7BB6-4594-B2F9-2477D0DCE9BF}" type="presParOf" srcId="{D1D2845F-99C1-4322-96D0-21CA2E9CC26E}" destId="{6814D4E4-460B-4898-BB40-6D14B099CB1D}" srcOrd="3" destOrd="0" presId="urn:microsoft.com/office/officeart/2005/8/layout/hProcess11"/>
-    <dgm:cxn modelId="{826308CE-F833-4501-A3A6-8A7FFA05CD55}" type="presParOf" srcId="{D1D2845F-99C1-4322-96D0-21CA2E9CC26E}" destId="{738FA416-7582-4BD6-9D07-E98203BEA470}" srcOrd="4" destOrd="0" presId="urn:microsoft.com/office/officeart/2005/8/layout/hProcess11"/>
-    <dgm:cxn modelId="{B3F860B0-E89A-4C94-91C7-E9B08F8C280E}" type="presParOf" srcId="{738FA416-7582-4BD6-9D07-E98203BEA470}" destId="{EE46D11B-5060-42A9-9CE0-772FA52584BA}" srcOrd="0" destOrd="0" presId="urn:microsoft.com/office/officeart/2005/8/layout/hProcess11"/>
-    <dgm:cxn modelId="{F0DD87BE-369F-4974-967B-8D548FD427CE}" type="presParOf" srcId="{738FA416-7582-4BD6-9D07-E98203BEA470}" destId="{F8C0AFF2-BBAD-45D3-A87B-5C2D7FEF33BB}" srcOrd="1" destOrd="0" presId="urn:microsoft.com/office/officeart/2005/8/layout/hProcess11"/>
-    <dgm:cxn modelId="{5BA1DC8A-8B51-4B66-A631-22A66F1C98E0}" type="presParOf" srcId="{738FA416-7582-4BD6-9D07-E98203BEA470}" destId="{325810BF-4AAC-4FCD-8B41-D335C4B7BF1D}" srcOrd="2" destOrd="0" presId="urn:microsoft.com/office/officeart/2005/8/layout/hProcess11"/>
-    <dgm:cxn modelId="{2D9089B2-9102-495C-8900-7E987192DA68}" type="presParOf" srcId="{D1D2845F-99C1-4322-96D0-21CA2E9CC26E}" destId="{E69444FF-37C5-4F1C-9390-1D2B3E3E7236}" srcOrd="5" destOrd="0" presId="urn:microsoft.com/office/officeart/2005/8/layout/hProcess11"/>
-    <dgm:cxn modelId="{936B70AA-762A-443A-9D88-B28830784433}" type="presParOf" srcId="{D1D2845F-99C1-4322-96D0-21CA2E9CC26E}" destId="{C9E4BFB7-C25A-49AB-B691-0233D7851269}" srcOrd="6" destOrd="0" presId="urn:microsoft.com/office/officeart/2005/8/layout/hProcess11"/>
-    <dgm:cxn modelId="{6EE1D8E5-C056-443B-931B-C09D7E5C2070}" type="presParOf" srcId="{C9E4BFB7-C25A-49AB-B691-0233D7851269}" destId="{A1E9BEA5-F068-464F-B0EF-9C64547E9C50}" srcOrd="0" destOrd="0" presId="urn:microsoft.com/office/officeart/2005/8/layout/hProcess11"/>
-    <dgm:cxn modelId="{92FD058A-9196-41C1-9167-45C77B0C9C66}" type="presParOf" srcId="{C9E4BFB7-C25A-49AB-B691-0233D7851269}" destId="{D14BA5EC-7074-4456-9698-1CC9EAB128F2}" srcOrd="1" destOrd="0" presId="urn:microsoft.com/office/officeart/2005/8/layout/hProcess11"/>
-    <dgm:cxn modelId="{7C435DB8-8C15-42E3-BB7E-D26754EA68E0}" type="presParOf" srcId="{C9E4BFB7-C25A-49AB-B691-0233D7851269}" destId="{C0CA67EF-1FD5-4D53-A28D-5B4DA6D93EE9}" srcOrd="2" destOrd="0" presId="urn:microsoft.com/office/officeart/2005/8/layout/hProcess11"/>
+    <dgm:cxn modelId="{7D4B385B-6924-4F9D-AD01-5D9E4C0E14C9}" type="presParOf" srcId="{D1D2845F-99C1-4322-96D0-21CA2E9CC26E}" destId="{26365CAF-2D87-4D76-9FF4-6F787129C8AB}" srcOrd="4" destOrd="0" presId="urn:microsoft.com/office/officeart/2005/8/layout/hProcess11"/>
+    <dgm:cxn modelId="{934E5F82-CCDA-40C8-9FA9-2A5FE387939E}" type="presParOf" srcId="{26365CAF-2D87-4D76-9FF4-6F787129C8AB}" destId="{5AF32FA2-1E37-49D7-84C8-CA6E555EB0FE}" srcOrd="0" destOrd="0" presId="urn:microsoft.com/office/officeart/2005/8/layout/hProcess11"/>
+    <dgm:cxn modelId="{C7E4B504-6A09-437F-96B2-4C581A6D6401}" type="presParOf" srcId="{26365CAF-2D87-4D76-9FF4-6F787129C8AB}" destId="{D36D706A-C640-416B-ADE2-CF43C4C33151}" srcOrd="1" destOrd="0" presId="urn:microsoft.com/office/officeart/2005/8/layout/hProcess11"/>
+    <dgm:cxn modelId="{906A1278-A25B-48B2-97EE-16DAF0716C85}" type="presParOf" srcId="{26365CAF-2D87-4D76-9FF4-6F787129C8AB}" destId="{F1F36710-E08D-4521-9250-D975F64B20AC}" srcOrd="2" destOrd="0" presId="urn:microsoft.com/office/officeart/2005/8/layout/hProcess11"/>
+    <dgm:cxn modelId="{9D2B76CC-574F-435D-9747-4EF922004900}" type="presParOf" srcId="{D1D2845F-99C1-4322-96D0-21CA2E9CC26E}" destId="{6F889190-1E0A-4891-8826-C3D3B6681F71}" srcOrd="5" destOrd="0" presId="urn:microsoft.com/office/officeart/2005/8/layout/hProcess11"/>
+    <dgm:cxn modelId="{EAE0A8B2-D342-4D39-B257-2CE23C7D48E3}" type="presParOf" srcId="{D1D2845F-99C1-4322-96D0-21CA2E9CC26E}" destId="{904D96EA-84D0-4244-ACAA-9457991110FD}" srcOrd="6" destOrd="0" presId="urn:microsoft.com/office/officeart/2005/8/layout/hProcess11"/>
+    <dgm:cxn modelId="{00C98666-F6C0-48DD-9E70-574609F1888A}" type="presParOf" srcId="{904D96EA-84D0-4244-ACAA-9457991110FD}" destId="{2C10C03A-FE6F-40C6-AA00-BA1ACA65A173}" srcOrd="0" destOrd="0" presId="urn:microsoft.com/office/officeart/2005/8/layout/hProcess11"/>
+    <dgm:cxn modelId="{85DDA04C-2011-4794-A265-83F53A089270}" type="presParOf" srcId="{904D96EA-84D0-4244-ACAA-9457991110FD}" destId="{0AC8876B-5464-4621-9905-AFD58102F81A}" srcOrd="1" destOrd="0" presId="urn:microsoft.com/office/officeart/2005/8/layout/hProcess11"/>
+    <dgm:cxn modelId="{1524AF38-D4A4-4285-AE05-B9CEFE613385}" type="presParOf" srcId="{904D96EA-84D0-4244-ACAA-9457991110FD}" destId="{365399EB-FB42-40D2-BAC1-31910F8A8B05}" srcOrd="2" destOrd="0" presId="urn:microsoft.com/office/officeart/2005/8/layout/hProcess11"/>
     <dgm:cxn modelId="{04AEE10A-3590-4898-87BC-EB010026C598}" type="presParOf" srcId="{D1D2845F-99C1-4322-96D0-21CA2E9CC26E}" destId="{C9619FA1-4D66-41DD-B7B8-4FB8FE73BB53}" srcOrd="7" destOrd="0" presId="urn:microsoft.com/office/officeart/2005/8/layout/hProcess11"/>
-    <dgm:cxn modelId="{FA129350-38F1-4DF7-8EFB-5A43B1EEA6D5}" type="presParOf" srcId="{D1D2845F-99C1-4322-96D0-21CA2E9CC26E}" destId="{BB2382C1-398C-418A-BCCE-FBDBC38CDD38}" srcOrd="8" destOrd="0" presId="urn:microsoft.com/office/officeart/2005/8/layout/hProcess11"/>
-    <dgm:cxn modelId="{EC9652B8-1C2E-4C11-A704-EA492AA870D4}" type="presParOf" srcId="{BB2382C1-398C-418A-BCCE-FBDBC38CDD38}" destId="{EDDF4584-9E0C-4D30-B871-596FFD6E58E3}" srcOrd="0" destOrd="0" presId="urn:microsoft.com/office/officeart/2005/8/layout/hProcess11"/>
-    <dgm:cxn modelId="{ECFD9F22-464D-4E03-9FDF-BF9BC104455C}" type="presParOf" srcId="{BB2382C1-398C-418A-BCCE-FBDBC38CDD38}" destId="{780EBB56-20B9-48D1-89EA-459F044A9BFB}" srcOrd="1" destOrd="0" presId="urn:microsoft.com/office/officeart/2005/8/layout/hProcess11"/>
-    <dgm:cxn modelId="{F741E7C9-559F-4EF7-994D-16081E5D63BA}" type="presParOf" srcId="{BB2382C1-398C-418A-BCCE-FBDBC38CDD38}" destId="{0795F89A-E7E3-4231-8282-E608E6F4E778}" srcOrd="2" destOrd="0" presId="urn:microsoft.com/office/officeart/2005/8/layout/hProcess11"/>
-    <dgm:cxn modelId="{0B5E3354-0DA9-4790-A756-4886C64C9191}" type="presParOf" srcId="{D1D2845F-99C1-4322-96D0-21CA2E9CC26E}" destId="{EDF3D2E5-50F6-490D-B86F-3B307637E84F}" srcOrd="9" destOrd="0" presId="urn:microsoft.com/office/officeart/2005/8/layout/hProcess11"/>
-    <dgm:cxn modelId="{ADB5AC1C-A868-4793-917A-BC88468C421F}" type="presParOf" srcId="{D1D2845F-99C1-4322-96D0-21CA2E9CC26E}" destId="{D39AD8BE-3CDE-49A1-86F1-BA87553544AB}" srcOrd="10" destOrd="0" presId="urn:microsoft.com/office/officeart/2005/8/layout/hProcess11"/>
-    <dgm:cxn modelId="{42AF96A3-2CED-490D-8E44-334FF4362FBA}" type="presParOf" srcId="{D39AD8BE-3CDE-49A1-86F1-BA87553544AB}" destId="{281B9DE3-C5D3-4908-9F31-3A66DB9393E3}" srcOrd="0" destOrd="0" presId="urn:microsoft.com/office/officeart/2005/8/layout/hProcess11"/>
-    <dgm:cxn modelId="{2F4EE01A-4F7E-4932-94FF-912EC40E1257}" type="presParOf" srcId="{D39AD8BE-3CDE-49A1-86F1-BA87553544AB}" destId="{197530CB-AB7D-4EE5-A21D-F4DA80B8DA78}" srcOrd="1" destOrd="0" presId="urn:microsoft.com/office/officeart/2005/8/layout/hProcess11"/>
-    <dgm:cxn modelId="{0CDF4852-4BB3-4BA0-8AF8-2C5B759D9033}" type="presParOf" srcId="{D39AD8BE-3CDE-49A1-86F1-BA87553544AB}" destId="{5C51B1A3-9022-4992-A582-FA0C6AC4B0A1}" srcOrd="2" destOrd="0" presId="urn:microsoft.com/office/officeart/2005/8/layout/hProcess11"/>
+    <dgm:cxn modelId="{41035B59-1CE2-49D1-A480-E7CECB61323C}" type="presParOf" srcId="{D1D2845F-99C1-4322-96D0-21CA2E9CC26E}" destId="{56501927-C219-42CA-B756-E6B9E3CDF2CD}" srcOrd="8" destOrd="0" presId="urn:microsoft.com/office/officeart/2005/8/layout/hProcess11"/>
+    <dgm:cxn modelId="{B9C6D188-5A3C-4262-B965-D350D8013861}" type="presParOf" srcId="{56501927-C219-42CA-B756-E6B9E3CDF2CD}" destId="{2B285EC5-A9F1-4DC0-9FDC-48872602578D}" srcOrd="0" destOrd="0" presId="urn:microsoft.com/office/officeart/2005/8/layout/hProcess11"/>
+    <dgm:cxn modelId="{49BE36A4-6ECD-4F01-B739-4F517C8D1832}" type="presParOf" srcId="{56501927-C219-42CA-B756-E6B9E3CDF2CD}" destId="{599E5DEC-4D21-4E60-A204-1D90E1F0001E}" srcOrd="1" destOrd="0" presId="urn:microsoft.com/office/officeart/2005/8/layout/hProcess11"/>
+    <dgm:cxn modelId="{68A0C5E1-AD5E-4BC7-9356-1F2D5F556F7B}" type="presParOf" srcId="{56501927-C219-42CA-B756-E6B9E3CDF2CD}" destId="{5BE228EE-A861-4B7B-B2FF-2BA3A66AFA46}" srcOrd="2" destOrd="0" presId="urn:microsoft.com/office/officeart/2005/8/layout/hProcess11"/>
   </dgm:cxnLst>
   <dgm:bg/>
   <dgm:whole/>
@@ -1500,8 +1480,8 @@
       </dsp:nvSpPr>
       <dsp:spPr>
         <a:xfrm>
-          <a:off x="2181" y="0"/>
-          <a:ext cx="1270196" cy="1366520"/>
+          <a:off x="3490" y="0"/>
+          <a:ext cx="1526175" cy="1366520"/>
         </a:xfrm>
         <a:prstGeom prst="rect">
           <a:avLst/>
@@ -1525,12 +1505,12 @@
         <a:fontRef idx="minor"/>
       </dsp:style>
       <dsp:txBody>
-        <a:bodyPr spcFirstLastPara="0" vert="horz" wrap="square" lIns="78232" tIns="78232" rIns="78232" bIns="78232" numCol="1" spcCol="1270" anchor="b" anchorCtr="0">
+        <a:bodyPr spcFirstLastPara="0" vert="horz" wrap="square" lIns="92456" tIns="92456" rIns="92456" bIns="92456" numCol="1" spcCol="1270" anchor="b" anchorCtr="0">
           <a:noAutofit/>
         </a:bodyPr>
         <a:lstStyle/>
         <a:p>
-          <a:pPr marL="0" lvl="0" indent="0" algn="ctr" defTabSz="488950">
+          <a:pPr marL="0" lvl="0" indent="0" algn="ctr" defTabSz="577850">
             <a:lnSpc>
               <a:spcPct val="90000"/>
             </a:lnSpc>
@@ -1543,15 +1523,15 @@
             <a:buNone/>
           </a:pPr>
           <a:r>
-            <a:rPr lang="en-US" sz="1100" b="0" i="0" kern="1200"/>
+            <a:rPr lang="en-US" sz="1300" b="0" i="0" kern="1200"/>
             <a:t>Intro </a:t>
           </a:r>
-          <a:endParaRPr lang="en-NL" sz="1100" kern="1200"/>
+          <a:endParaRPr lang="en-NL" sz="1300" kern="1200"/>
         </a:p>
       </dsp:txBody>
       <dsp:txXfrm>
-        <a:off x="2181" y="0"/>
-        <a:ext cx="1270196" cy="1366520"/>
+        <a:off x="3490" y="0"/>
+        <a:ext cx="1526175" cy="1366520"/>
       </dsp:txXfrm>
     </dsp:sp>
     <dsp:sp modelId="{730FC698-D42A-4534-AF64-A0B807E5033A}">
@@ -1561,7 +1541,7 @@
       </dsp:nvSpPr>
       <dsp:spPr>
         <a:xfrm>
-          <a:off x="466465" y="1537335"/>
+          <a:off x="595763" y="1537335"/>
           <a:ext cx="341630" cy="341630"/>
         </a:xfrm>
         <a:prstGeom prst="ellipse">
@@ -1610,8 +1590,8 @@
       </dsp:nvSpPr>
       <dsp:spPr>
         <a:xfrm>
-          <a:off x="1335888" y="2049780"/>
-          <a:ext cx="1270196" cy="1366520"/>
+          <a:off x="1605974" y="2049780"/>
+          <a:ext cx="1526175" cy="1366520"/>
         </a:xfrm>
         <a:prstGeom prst="rect">
           <a:avLst/>
@@ -1635,12 +1615,12 @@
         <a:fontRef idx="minor"/>
       </dsp:style>
       <dsp:txBody>
-        <a:bodyPr spcFirstLastPara="0" vert="horz" wrap="square" lIns="78232" tIns="78232" rIns="78232" bIns="78232" numCol="1" spcCol="1270" anchor="t" anchorCtr="0">
+        <a:bodyPr spcFirstLastPara="0" vert="horz" wrap="square" lIns="92456" tIns="92456" rIns="92456" bIns="92456" numCol="1" spcCol="1270" anchor="t" anchorCtr="1">
           <a:noAutofit/>
         </a:bodyPr>
         <a:lstStyle/>
         <a:p>
-          <a:pPr marL="0" lvl="0" indent="0" algn="ctr" defTabSz="488950">
+          <a:pPr marL="0" lvl="0" indent="0" algn="l" defTabSz="577850">
             <a:lnSpc>
               <a:spcPct val="90000"/>
             </a:lnSpc>
@@ -1653,15 +1633,53 @@
             <a:buNone/>
           </a:pPr>
           <a:r>
-            <a:rPr lang="en-US" sz="1100" kern="1200" dirty="0"/>
+            <a:rPr lang="en-US" sz="1300" kern="1200" dirty="0"/>
             <a:t>Arduino with a cable</a:t>
           </a:r>
-          <a:endParaRPr lang="en-NL" sz="1100" kern="1200" dirty="0"/>
+          <a:endParaRPr lang="en-NL" sz="1300" kern="1200" dirty="0"/>
+        </a:p>
+        <a:p>
+          <a:pPr marL="57150" lvl="1" indent="-57150" algn="l" defTabSz="444500">
+            <a:lnSpc>
+              <a:spcPct val="90000"/>
+            </a:lnSpc>
+            <a:spcBef>
+              <a:spcPct val="0"/>
+            </a:spcBef>
+            <a:spcAft>
+              <a:spcPct val="15000"/>
+            </a:spcAft>
+            <a:buChar char="•"/>
+          </a:pPr>
+          <a:r>
+            <a:rPr lang="en-US" sz="1000" kern="1200" dirty="0" err="1"/>
+            <a:t>Firmata</a:t>
+          </a:r>
+          <a:endParaRPr lang="en-NL" sz="1000" kern="1200" dirty="0"/>
+        </a:p>
+        <a:p>
+          <a:pPr marL="57150" lvl="1" indent="-57150" algn="l" defTabSz="444500">
+            <a:lnSpc>
+              <a:spcPct val="90000"/>
+            </a:lnSpc>
+            <a:spcBef>
+              <a:spcPct val="0"/>
+            </a:spcBef>
+            <a:spcAft>
+              <a:spcPct val="15000"/>
+            </a:spcAft>
+            <a:buChar char="•"/>
+          </a:pPr>
+          <a:r>
+            <a:rPr lang="en-US" sz="1000" kern="1200" dirty="0"/>
+            <a:t>Serial</a:t>
+          </a:r>
+          <a:endParaRPr lang="en-NL" sz="1000" kern="1200" dirty="0"/>
         </a:p>
       </dsp:txBody>
       <dsp:txXfrm>
-        <a:off x="1335888" y="2049780"/>
-        <a:ext cx="1270196" cy="1366520"/>
+        <a:off x="1605974" y="2049780"/>
+        <a:ext cx="1526175" cy="1366520"/>
       </dsp:txXfrm>
     </dsp:sp>
     <dsp:sp modelId="{FAD29BD9-F121-47A6-BF6C-4A802A7CE9A7}">
@@ -1671,7 +1689,7 @@
       </dsp:nvSpPr>
       <dsp:spPr>
         <a:xfrm>
-          <a:off x="1800171" y="1537335"/>
+          <a:off x="2198247" y="1537335"/>
           <a:ext cx="341630" cy="341630"/>
         </a:xfrm>
         <a:prstGeom prst="ellipse">
@@ -1713,15 +1731,15 @@
         </a:fontRef>
       </dsp:style>
     </dsp:sp>
-    <dsp:sp modelId="{EE46D11B-5060-42A9-9CE0-772FA52584BA}">
+    <dsp:sp modelId="{5AF32FA2-1E37-49D7-84C8-CA6E555EB0FE}">
       <dsp:nvSpPr>
         <dsp:cNvPr id="0" name=""/>
         <dsp:cNvSpPr/>
       </dsp:nvSpPr>
       <dsp:spPr>
         <a:xfrm>
-          <a:off x="2669594" y="0"/>
-          <a:ext cx="1270196" cy="1366520"/>
+          <a:off x="3208458" y="0"/>
+          <a:ext cx="1526175" cy="1366520"/>
         </a:xfrm>
         <a:prstGeom prst="rect">
           <a:avLst/>
@@ -1745,12 +1763,12 @@
         <a:fontRef idx="minor"/>
       </dsp:style>
       <dsp:txBody>
-        <a:bodyPr spcFirstLastPara="0" vert="horz" wrap="square" lIns="78232" tIns="78232" rIns="78232" bIns="78232" numCol="1" spcCol="1270" anchor="b" anchorCtr="0">
+        <a:bodyPr spcFirstLastPara="0" vert="horz" wrap="square" lIns="92456" tIns="92456" rIns="92456" bIns="92456" numCol="1" spcCol="1270" anchor="b" anchorCtr="0">
           <a:noAutofit/>
         </a:bodyPr>
         <a:lstStyle/>
         <a:p>
-          <a:pPr marL="0" lvl="0" indent="0" algn="ctr" defTabSz="488950">
+          <a:pPr marL="0" lvl="0" indent="0" algn="ctr" defTabSz="577850">
             <a:lnSpc>
               <a:spcPct val="90000"/>
             </a:lnSpc>
@@ -1763,25 +1781,25 @@
             <a:buNone/>
           </a:pPr>
           <a:r>
-            <a:rPr lang="en-US" sz="1100" kern="1200" dirty="0"/>
+            <a:rPr lang="en-US" sz="1300" kern="1200" dirty="0"/>
             <a:t>OSC Basic Communication</a:t>
           </a:r>
-          <a:endParaRPr lang="en-NL" sz="1100" kern="1200" dirty="0"/>
+          <a:endParaRPr lang="en-NL" sz="1300" kern="1200" dirty="0"/>
         </a:p>
       </dsp:txBody>
       <dsp:txXfrm>
-        <a:off x="2669594" y="0"/>
-        <a:ext cx="1270196" cy="1366520"/>
+        <a:off x="3208458" y="0"/>
+        <a:ext cx="1526175" cy="1366520"/>
       </dsp:txXfrm>
     </dsp:sp>
-    <dsp:sp modelId="{F8C0AFF2-BBAD-45D3-A87B-5C2D7FEF33BB}">
+    <dsp:sp modelId="{D36D706A-C640-416B-ADE2-CF43C4C33151}">
       <dsp:nvSpPr>
         <dsp:cNvPr id="0" name=""/>
         <dsp:cNvSpPr/>
       </dsp:nvSpPr>
       <dsp:spPr>
         <a:xfrm>
-          <a:off x="3133878" y="1537335"/>
+          <a:off x="3800731" y="1537335"/>
           <a:ext cx="341630" cy="341630"/>
         </a:xfrm>
         <a:prstGeom prst="ellipse">
@@ -1823,15 +1841,15 @@
         </a:fontRef>
       </dsp:style>
     </dsp:sp>
-    <dsp:sp modelId="{A1E9BEA5-F068-464F-B0EF-9C64547E9C50}">
+    <dsp:sp modelId="{2C10C03A-FE6F-40C6-AA00-BA1ACA65A173}">
       <dsp:nvSpPr>
         <dsp:cNvPr id="0" name=""/>
         <dsp:cNvSpPr/>
       </dsp:nvSpPr>
       <dsp:spPr>
         <a:xfrm>
-          <a:off x="4003301" y="2049780"/>
-          <a:ext cx="1270196" cy="1366520"/>
+          <a:off x="4810942" y="2049780"/>
+          <a:ext cx="1526175" cy="1366520"/>
         </a:xfrm>
         <a:prstGeom prst="rect">
           <a:avLst/>
@@ -1855,12 +1873,12 @@
         <a:fontRef idx="minor"/>
       </dsp:style>
       <dsp:txBody>
-        <a:bodyPr spcFirstLastPara="0" vert="horz" wrap="square" lIns="78232" tIns="78232" rIns="78232" bIns="78232" numCol="1" spcCol="1270" anchor="t" anchorCtr="0">
+        <a:bodyPr spcFirstLastPara="0" vert="horz" wrap="square" lIns="92456" tIns="92456" rIns="92456" bIns="92456" numCol="1" spcCol="1270" anchor="t" anchorCtr="0">
           <a:noAutofit/>
         </a:bodyPr>
         <a:lstStyle/>
         <a:p>
-          <a:pPr marL="0" lvl="0" indent="0" algn="ctr" defTabSz="488950">
+          <a:pPr marL="0" lvl="0" indent="0" algn="ctr" defTabSz="577850">
             <a:lnSpc>
               <a:spcPct val="90000"/>
             </a:lnSpc>
@@ -1873,25 +1891,25 @@
             <a:buNone/>
           </a:pPr>
           <a:r>
-            <a:rPr lang="en-US" sz="1100" kern="1200" dirty="0"/>
+            <a:rPr lang="en-US" sz="1300" kern="1200" dirty="0"/>
             <a:t>Touch OSC</a:t>
           </a:r>
-          <a:endParaRPr lang="en-NL" sz="1100" kern="1200" dirty="0"/>
+          <a:endParaRPr lang="en-NL" sz="1300" kern="1200" dirty="0"/>
         </a:p>
       </dsp:txBody>
       <dsp:txXfrm>
-        <a:off x="4003301" y="2049780"/>
-        <a:ext cx="1270196" cy="1366520"/>
+        <a:off x="4810942" y="2049780"/>
+        <a:ext cx="1526175" cy="1366520"/>
       </dsp:txXfrm>
     </dsp:sp>
-    <dsp:sp modelId="{D14BA5EC-7074-4456-9698-1CC9EAB128F2}">
+    <dsp:sp modelId="{0AC8876B-5464-4621-9905-AFD58102F81A}">
       <dsp:nvSpPr>
         <dsp:cNvPr id="0" name=""/>
         <dsp:cNvSpPr/>
       </dsp:nvSpPr>
       <dsp:spPr>
         <a:xfrm>
-          <a:off x="4467584" y="1537335"/>
+          <a:off x="5403215" y="1537335"/>
           <a:ext cx="341630" cy="341630"/>
         </a:xfrm>
         <a:prstGeom prst="ellipse">
@@ -1933,15 +1951,15 @@
         </a:fontRef>
       </dsp:style>
     </dsp:sp>
-    <dsp:sp modelId="{EDDF4584-9E0C-4D30-B871-596FFD6E58E3}">
+    <dsp:sp modelId="{2B285EC5-A9F1-4DC0-9FDC-48872602578D}">
       <dsp:nvSpPr>
         <dsp:cNvPr id="0" name=""/>
         <dsp:cNvSpPr/>
       </dsp:nvSpPr>
       <dsp:spPr>
         <a:xfrm>
-          <a:off x="5337008" y="0"/>
-          <a:ext cx="1270196" cy="1366520"/>
+          <a:off x="6413427" y="0"/>
+          <a:ext cx="1526175" cy="1366520"/>
         </a:xfrm>
         <a:prstGeom prst="rect">
           <a:avLst/>
@@ -1965,12 +1983,12 @@
         <a:fontRef idx="minor"/>
       </dsp:style>
       <dsp:txBody>
-        <a:bodyPr spcFirstLastPara="0" vert="horz" wrap="square" lIns="78232" tIns="78232" rIns="78232" bIns="78232" numCol="1" spcCol="1270" anchor="b" anchorCtr="0">
+        <a:bodyPr spcFirstLastPara="0" vert="horz" wrap="square" lIns="92456" tIns="92456" rIns="92456" bIns="92456" numCol="1" spcCol="1270" anchor="b" anchorCtr="1">
           <a:noAutofit/>
         </a:bodyPr>
         <a:lstStyle/>
         <a:p>
-          <a:pPr marL="0" lvl="0" indent="0" algn="ctr" defTabSz="488950">
+          <a:pPr marL="0" lvl="0" indent="0" algn="l" defTabSz="577850">
             <a:lnSpc>
               <a:spcPct val="90000"/>
             </a:lnSpc>
@@ -1983,123 +2001,13 @@
             <a:buNone/>
           </a:pPr>
           <a:r>
-            <a:rPr lang="en-US" sz="1100" kern="1200" dirty="0"/>
+            <a:rPr lang="en-US" sz="1300" kern="1200" dirty="0"/>
             <a:t>ESP8266</a:t>
           </a:r>
-          <a:endParaRPr lang="en-NL" sz="1100" kern="1200" dirty="0"/>
-        </a:p>
-      </dsp:txBody>
-      <dsp:txXfrm>
-        <a:off x="5337008" y="0"/>
-        <a:ext cx="1270196" cy="1366520"/>
-      </dsp:txXfrm>
-    </dsp:sp>
-    <dsp:sp modelId="{780EBB56-20B9-48D1-89EA-459F044A9BFB}">
-      <dsp:nvSpPr>
-        <dsp:cNvPr id="0" name=""/>
-        <dsp:cNvSpPr/>
-      </dsp:nvSpPr>
-      <dsp:spPr>
-        <a:xfrm>
-          <a:off x="5801291" y="1537335"/>
-          <a:ext cx="341630" cy="341630"/>
-        </a:xfrm>
-        <a:prstGeom prst="ellipse">
-          <a:avLst/>
-        </a:prstGeom>
-        <a:solidFill>
-          <a:schemeClr val="dk2">
-            <a:hueOff val="0"/>
-            <a:satOff val="0"/>
-            <a:lumOff val="0"/>
-            <a:alphaOff val="0"/>
-          </a:schemeClr>
-        </a:solidFill>
-        <a:ln w="19050" cap="rnd" cmpd="sng" algn="ctr">
-          <a:solidFill>
-            <a:schemeClr val="lt2">
-              <a:hueOff val="0"/>
-              <a:satOff val="0"/>
-              <a:lumOff val="0"/>
-              <a:alphaOff val="0"/>
-            </a:schemeClr>
-          </a:solidFill>
-          <a:prstDash val="solid"/>
-        </a:ln>
-        <a:effectLst/>
-      </dsp:spPr>
-      <dsp:style>
-        <a:lnRef idx="2">
-          <a:scrgbClr r="0" g="0" b="0"/>
-        </a:lnRef>
-        <a:fillRef idx="1">
-          <a:scrgbClr r="0" g="0" b="0"/>
-        </a:fillRef>
-        <a:effectRef idx="0">
-          <a:scrgbClr r="0" g="0" b="0"/>
-        </a:effectRef>
-        <a:fontRef idx="minor">
-          <a:schemeClr val="lt1"/>
-        </a:fontRef>
-      </dsp:style>
-    </dsp:sp>
-    <dsp:sp modelId="{281B9DE3-C5D3-4908-9F31-3A66DB9393E3}">
-      <dsp:nvSpPr>
-        <dsp:cNvPr id="0" name=""/>
-        <dsp:cNvSpPr/>
-      </dsp:nvSpPr>
-      <dsp:spPr>
-        <a:xfrm>
-          <a:off x="6670714" y="2049780"/>
-          <a:ext cx="1270196" cy="1366520"/>
-        </a:xfrm>
-        <a:prstGeom prst="rect">
-          <a:avLst/>
-        </a:prstGeom>
-        <a:noFill/>
-        <a:ln>
-          <a:noFill/>
-        </a:ln>
-        <a:effectLst/>
-      </dsp:spPr>
-      <dsp:style>
-        <a:lnRef idx="0">
-          <a:scrgbClr r="0" g="0" b="0"/>
-        </a:lnRef>
-        <a:fillRef idx="0">
-          <a:scrgbClr r="0" g="0" b="0"/>
-        </a:fillRef>
-        <a:effectRef idx="0">
-          <a:scrgbClr r="0" g="0" b="0"/>
-        </a:effectRef>
-        <a:fontRef idx="minor"/>
-      </dsp:style>
-      <dsp:txBody>
-        <a:bodyPr spcFirstLastPara="0" vert="horz" wrap="square" lIns="78232" tIns="78232" rIns="78232" bIns="78232" numCol="1" spcCol="1270" anchor="t" anchorCtr="1">
-          <a:noAutofit/>
-        </a:bodyPr>
-        <a:lstStyle/>
-        <a:p>
-          <a:pPr marL="0" lvl="0" indent="0" algn="l" defTabSz="488950">
-            <a:lnSpc>
-              <a:spcPct val="90000"/>
-            </a:lnSpc>
-            <a:spcBef>
-              <a:spcPct val="0"/>
-            </a:spcBef>
-            <a:spcAft>
-              <a:spcPct val="35000"/>
-            </a:spcAft>
-            <a:buNone/>
-          </a:pPr>
-          <a:r>
-            <a:rPr lang="en-US" sz="1100" b="0" i="0" kern="1200" dirty="0"/>
-            <a:t>More play:</a:t>
-          </a:r>
-          <a:endParaRPr lang="en-NL" sz="1100" kern="1200" dirty="0"/>
+          <a:endParaRPr lang="en-NL" sz="1300" kern="1200" dirty="0"/>
         </a:p>
         <a:p>
-          <a:pPr marL="57150" lvl="1" indent="-57150" algn="l" defTabSz="400050">
+          <a:pPr marL="57150" lvl="1" indent="-57150" algn="l" defTabSz="444500">
             <a:lnSpc>
               <a:spcPct val="90000"/>
             </a:lnSpc>
@@ -2112,13 +2020,13 @@
             <a:buChar char="•"/>
           </a:pPr>
           <a:r>
-            <a:rPr lang="en-US" sz="900" b="0" i="0" kern="1200" dirty="0"/>
-            <a:t>Body tracking</a:t>
+            <a:rPr lang="en-US" sz="1000" kern="1200" dirty="0"/>
+            <a:t>Sending messages</a:t>
           </a:r>
-          <a:endParaRPr lang="en-NL" sz="900" kern="1200" dirty="0"/>
+          <a:endParaRPr lang="en-NL" sz="1000" kern="1200" dirty="0"/>
         </a:p>
         <a:p>
-          <a:pPr marL="57150" lvl="1" indent="-57150" algn="l" defTabSz="400050">
+          <a:pPr marL="57150" lvl="1" indent="-57150" algn="l" defTabSz="444500">
             <a:lnSpc>
               <a:spcPct val="90000"/>
             </a:lnSpc>
@@ -2131,44 +2039,25 @@
             <a:buChar char="•"/>
           </a:pPr>
           <a:r>
-            <a:rPr lang="en-US" sz="900" b="0" i="0" kern="1200" dirty="0"/>
-            <a:t>Facial recognition</a:t>
+            <a:rPr lang="en-US" sz="1000" kern="1200" dirty="0"/>
+            <a:t>Receiving messages</a:t>
           </a:r>
-          <a:endParaRPr lang="en-NL" sz="900" kern="1200" dirty="0"/>
-        </a:p>
-        <a:p>
-          <a:pPr marL="57150" lvl="1" indent="-57150" algn="l" defTabSz="400050">
-            <a:lnSpc>
-              <a:spcPct val="90000"/>
-            </a:lnSpc>
-            <a:spcBef>
-              <a:spcPct val="0"/>
-            </a:spcBef>
-            <a:spcAft>
-              <a:spcPct val="15000"/>
-            </a:spcAft>
-            <a:buChar char="•"/>
-          </a:pPr>
-          <a:r>
-            <a:rPr lang="en-US" sz="900" kern="1200" dirty="0"/>
-            <a:t>Multiple screens</a:t>
-          </a:r>
-          <a:endParaRPr lang="en-NL" sz="900" kern="1200" dirty="0"/>
+          <a:endParaRPr lang="en-NL" sz="1000" kern="1200" dirty="0"/>
         </a:p>
       </dsp:txBody>
       <dsp:txXfrm>
-        <a:off x="6670714" y="2049780"/>
-        <a:ext cx="1270196" cy="1366520"/>
+        <a:off x="6413427" y="0"/>
+        <a:ext cx="1526175" cy="1366520"/>
       </dsp:txXfrm>
     </dsp:sp>
-    <dsp:sp modelId="{197530CB-AB7D-4EE5-A21D-F4DA80B8DA78}">
+    <dsp:sp modelId="{599E5DEC-4D21-4E60-A204-1D90E1F0001E}">
       <dsp:nvSpPr>
         <dsp:cNvPr id="0" name=""/>
         <dsp:cNvSpPr/>
       </dsp:nvSpPr>
       <dsp:spPr>
         <a:xfrm>
-          <a:off x="7134998" y="1537335"/>
+          <a:off x="7005699" y="1537335"/>
           <a:ext cx="341630" cy="341630"/>
         </a:xfrm>
         <a:prstGeom prst="ellipse">
@@ -4030,7 +3919,7 @@
             <a:fld id="{B61BEF0D-F0BB-DE4B-95CE-6DB70DBA9567}" type="datetimeFigureOut">
               <a:rPr lang="en-US" smtClean="0"/>
               <a:pPr/>
-              <a:t>4/17/2024</a:t>
+              <a:t>4/21/2024</a:t>
             </a:fld>
             <a:endParaRPr lang="en-US" dirty="0"/>
           </a:p>
@@ -5014,7 +4903,7 @@
             <a:fld id="{B61BEF0D-F0BB-DE4B-95CE-6DB70DBA9567}" type="datetimeFigureOut">
               <a:rPr lang="en-US" smtClean="0"/>
               <a:pPr/>
-              <a:t>4/17/2024</a:t>
+              <a:t>4/21/2024</a:t>
             </a:fld>
             <a:endParaRPr lang="en-US" dirty="0"/>
           </a:p>
@@ -5886,7 +5775,7 @@
             <a:fld id="{B61BEF0D-F0BB-DE4B-95CE-6DB70DBA9567}" type="datetimeFigureOut">
               <a:rPr lang="en-US" smtClean="0"/>
               <a:pPr/>
-              <a:t>4/17/2024</a:t>
+              <a:t>4/21/2024</a:t>
             </a:fld>
             <a:endParaRPr lang="en-US" dirty="0"/>
           </a:p>
@@ -6909,7 +6798,7 @@
             <a:fld id="{B61BEF0D-F0BB-DE4B-95CE-6DB70DBA9567}" type="datetimeFigureOut">
               <a:rPr lang="en-US" smtClean="0"/>
               <a:pPr/>
-              <a:t>4/17/2024</a:t>
+              <a:t>4/21/2024</a:t>
             </a:fld>
             <a:endParaRPr lang="en-US" dirty="0"/>
           </a:p>
@@ -7831,7 +7720,7 @@
             <a:fld id="{B61BEF0D-F0BB-DE4B-95CE-6DB70DBA9567}" type="datetimeFigureOut">
               <a:rPr lang="en-US" smtClean="0"/>
               <a:pPr/>
-              <a:t>4/17/2024</a:t>
+              <a:t>4/21/2024</a:t>
             </a:fld>
             <a:endParaRPr lang="en-US" dirty="0"/>
           </a:p>
@@ -8489,7 +8378,7 @@
             <a:fld id="{B61BEF0D-F0BB-DE4B-95CE-6DB70DBA9567}" type="datetimeFigureOut">
               <a:rPr lang="en-US" smtClean="0"/>
               <a:pPr/>
-              <a:t>4/17/2024</a:t>
+              <a:t>4/21/2024</a:t>
             </a:fld>
             <a:endParaRPr lang="en-US" dirty="0"/>
           </a:p>
@@ -9348,7 +9237,7 @@
             <a:fld id="{B61BEF0D-F0BB-DE4B-95CE-6DB70DBA9567}" type="datetimeFigureOut">
               <a:rPr lang="en-US" smtClean="0"/>
               <a:pPr/>
-              <a:t>4/17/2024</a:t>
+              <a:t>4/21/2024</a:t>
             </a:fld>
             <a:endParaRPr lang="en-US" dirty="0"/>
           </a:p>
@@ -9533,7 +9422,7 @@
             <a:fld id="{B61BEF0D-F0BB-DE4B-95CE-6DB70DBA9567}" type="datetimeFigureOut">
               <a:rPr lang="en-US" smtClean="0"/>
               <a:pPr/>
-              <a:t>4/17/2024</a:t>
+              <a:t>4/21/2024</a:t>
             </a:fld>
             <a:endParaRPr lang="en-US" dirty="0"/>
           </a:p>
@@ -10392,7 +10281,7 @@
             <a:fld id="{B61BEF0D-F0BB-DE4B-95CE-6DB70DBA9567}" type="datetimeFigureOut">
               <a:rPr lang="en-US" smtClean="0"/>
               <a:pPr/>
-              <a:t>4/17/2024</a:t>
+              <a:t>4/21/2024</a:t>
             </a:fld>
             <a:endParaRPr lang="en-US" dirty="0"/>
           </a:p>
@@ -10619,7 +10508,7 @@
             <a:fld id="{B61BEF0D-F0BB-DE4B-95CE-6DB70DBA9567}" type="datetimeFigureOut">
               <a:rPr lang="en-US" smtClean="0"/>
               <a:pPr/>
-              <a:t>4/17/2024</a:t>
+              <a:t>4/21/2024</a:t>
             </a:fld>
             <a:endParaRPr lang="en-US" dirty="0"/>
           </a:p>
@@ -11546,7 +11435,7 @@
             <a:fld id="{B61BEF0D-F0BB-DE4B-95CE-6DB70DBA9567}" type="datetimeFigureOut">
               <a:rPr lang="en-US" smtClean="0"/>
               <a:pPr/>
-              <a:t>4/17/2024</a:t>
+              <a:t>4/21/2024</a:t>
             </a:fld>
             <a:endParaRPr lang="en-US" dirty="0"/>
           </a:p>
@@ -11832,7 +11721,7 @@
             <a:fld id="{B61BEF0D-F0BB-DE4B-95CE-6DB70DBA9567}" type="datetimeFigureOut">
               <a:rPr lang="en-US" smtClean="0"/>
               <a:pPr/>
-              <a:t>4/17/2024</a:t>
+              <a:t>4/21/2024</a:t>
             </a:fld>
             <a:endParaRPr lang="en-US" dirty="0"/>
           </a:p>
@@ -12224,7 +12113,7 @@
             <a:fld id="{B61BEF0D-F0BB-DE4B-95CE-6DB70DBA9567}" type="datetimeFigureOut">
               <a:rPr lang="en-US" smtClean="0"/>
               <a:pPr/>
-              <a:t>4/17/2024</a:t>
+              <a:t>4/21/2024</a:t>
             </a:fld>
             <a:endParaRPr lang="en-US" dirty="0"/>
           </a:p>
@@ -12352,7 +12241,7 @@
             <a:fld id="{B61BEF0D-F0BB-DE4B-95CE-6DB70DBA9567}" type="datetimeFigureOut">
               <a:rPr lang="en-US" smtClean="0"/>
               <a:pPr/>
-              <a:t>4/17/2024</a:t>
+              <a:t>4/21/2024</a:t>
             </a:fld>
             <a:endParaRPr lang="en-US" dirty="0"/>
           </a:p>
@@ -12449,7 +12338,7 @@
             <a:fld id="{B61BEF0D-F0BB-DE4B-95CE-6DB70DBA9567}" type="datetimeFigureOut">
               <a:rPr lang="en-US" smtClean="0"/>
               <a:pPr/>
-              <a:t>4/17/2024</a:t>
+              <a:t>4/21/2024</a:t>
             </a:fld>
             <a:endParaRPr lang="en-US" dirty="0"/>
           </a:p>
@@ -13422,7 +13311,7 @@
             <a:fld id="{B61BEF0D-F0BB-DE4B-95CE-6DB70DBA9567}" type="datetimeFigureOut">
               <a:rPr lang="en-US" smtClean="0"/>
               <a:pPr/>
-              <a:t>4/17/2024</a:t>
+              <a:t>4/21/2024</a:t>
             </a:fld>
             <a:endParaRPr lang="en-US" dirty="0"/>
           </a:p>
@@ -14419,7 +14308,7 @@
             <a:fld id="{B61BEF0D-F0BB-DE4B-95CE-6DB70DBA9567}" type="datetimeFigureOut">
               <a:rPr lang="en-US" smtClean="0"/>
               <a:pPr/>
-              <a:t>4/17/2024</a:t>
+              <a:t>4/21/2024</a:t>
             </a:fld>
             <a:endParaRPr lang="en-US" dirty="0"/>
           </a:p>
@@ -15305,7 +15194,7 @@
             <a:fld id="{B61BEF0D-F0BB-DE4B-95CE-6DB70DBA9567}" type="datetimeFigureOut">
               <a:rPr lang="en-US" smtClean="0"/>
               <a:pPr/>
-              <a:t>4/17/2024</a:t>
+              <a:t>4/21/2024</a:t>
             </a:fld>
             <a:endParaRPr lang="en-US" dirty="0"/>
           </a:p>
@@ -16535,6 +16424,3681 @@
   <p:cSld>
     <p:bg>
       <p:bgPr>
+        <a:blipFill rotWithShape="1">
+          <a:blip r:embed="rId2">
+            <a:duotone>
+              <a:schemeClr val="bg2">
+                <a:shade val="69000"/>
+                <a:hueMod val="108000"/>
+                <a:satMod val="164000"/>
+                <a:lumMod val="74000"/>
+              </a:schemeClr>
+              <a:schemeClr val="bg2">
+                <a:tint val="96000"/>
+                <a:hueMod val="88000"/>
+                <a:satMod val="140000"/>
+                <a:lumMod val="132000"/>
+              </a:schemeClr>
+            </a:duotone>
+          </a:blip>
+          <a:stretch/>
+        </a:blipFill>
+        <a:effectLst/>
+      </p:bgPr>
+    </p:bg>
+    <p:spTree>
+      <p:nvGrpSpPr>
+        <p:cNvPr id="1" name=""/>
+        <p:cNvGrpSpPr/>
+        <p:nvPr/>
+      </p:nvGrpSpPr>
+      <p:grpSpPr>
+        <a:xfrm>
+          <a:off x="0" y="0"/>
+          <a:ext cx="0" cy="0"/>
+          <a:chOff x="0" y="0"/>
+          <a:chExt cx="0" cy="0"/>
+        </a:xfrm>
+      </p:grpSpPr>
+      <p:sp useBgFill="1">
+        <p:nvSpPr>
+          <p:cNvPr id="30" name="Rectangle 29">
+            <a:extLst>
+              <a:ext uri="{FF2B5EF4-FFF2-40B4-BE49-F238E27FC236}">
+                <a16:creationId xmlns:a16="http://schemas.microsoft.com/office/drawing/2014/main" id="{C314C310-850D-4491-AA52-C75BEA68B68C}"/>
+              </a:ext>
+              <a:ext uri="{C183D7F6-B498-43B3-948B-1728B52AA6E4}">
+                <adec:decorative xmlns:adec="http://schemas.microsoft.com/office/drawing/2017/decorative" val="1"/>
+              </a:ext>
+            </a:extLst>
+          </p:cNvPr>
+          <p:cNvSpPr>
+            <a:spLocks noGrp="1" noRot="1" noChangeAspect="1" noMove="1" noResize="1" noEditPoints="1" noAdjustHandles="1" noChangeArrowheads="1" noChangeShapeType="1" noTextEdit="1"/>
+          </p:cNvSpPr>
+          <p:nvPr>
+            <p:extLst>
+              <p:ext uri="{386F3935-93C4-4BCD-93E2-E3B085C9AB24}">
+                <p16:designElem xmlns:p16="http://schemas.microsoft.com/office/powerpoint/2015/main" val="1"/>
+              </p:ext>
+            </p:extLst>
+          </p:nvPr>
+        </p:nvSpPr>
+        <p:spPr>
+          <a:xfrm>
+            <a:off x="0" y="0"/>
+            <a:ext cx="12192000" cy="6858000"/>
+          </a:xfrm>
+          <a:prstGeom prst="rect">
+            <a:avLst/>
+          </a:prstGeom>
+          <a:ln>
+            <a:noFill/>
+          </a:ln>
+        </p:spPr>
+        <p:style>
+          <a:lnRef idx="2">
+            <a:schemeClr val="accent1">
+              <a:shade val="50000"/>
+            </a:schemeClr>
+          </a:lnRef>
+          <a:fillRef idx="1">
+            <a:schemeClr val="accent1"/>
+          </a:fillRef>
+          <a:effectRef idx="0">
+            <a:schemeClr val="accent1"/>
+          </a:effectRef>
+          <a:fontRef idx="minor">
+            <a:schemeClr val="lt1"/>
+          </a:fontRef>
+        </p:style>
+        <p:txBody>
+          <a:bodyPr rtlCol="0" anchor="ctr"/>
+          <a:lstStyle/>
+          <a:p>
+            <a:pPr algn="ctr"/>
+            <a:endParaRPr lang="en-US"/>
+          </a:p>
+        </p:txBody>
+      </p:sp>
+      <p:grpSp>
+        <p:nvGrpSpPr>
+          <p:cNvPr id="32" name="Group 31">
+            <a:extLst>
+              <a:ext uri="{FF2B5EF4-FFF2-40B4-BE49-F238E27FC236}">
+                <a16:creationId xmlns:a16="http://schemas.microsoft.com/office/drawing/2014/main" id="{D4EC3799-3F52-48CE-85CC-83AED368EB42}"/>
+              </a:ext>
+              <a:ext uri="{C183D7F6-B498-43B3-948B-1728B52AA6E4}">
+                <adec:decorative xmlns:adec="http://schemas.microsoft.com/office/drawing/2017/decorative" val="1"/>
+              </a:ext>
+            </a:extLst>
+          </p:cNvPr>
+          <p:cNvGrpSpPr>
+            <a:grpSpLocks noGrp="1" noUngrp="1" noRot="1" noChangeAspect="1" noMove="1" noResize="1"/>
+          </p:cNvGrpSpPr>
+          <p:nvPr>
+            <p:extLst>
+              <p:ext uri="{386F3935-93C4-4BCD-93E2-E3B085C9AB24}">
+                <p16:designElem xmlns:p16="http://schemas.microsoft.com/office/powerpoint/2015/main" val="1"/>
+              </p:ext>
+            </p:extLst>
+          </p:nvPr>
+        </p:nvGrpSpPr>
+        <p:grpSpPr>
+          <a:xfrm>
+            <a:off x="0" y="0"/>
+            <a:ext cx="12192000" cy="6858000"/>
+            <a:chOff x="0" y="0"/>
+            <a:chExt cx="12192000" cy="6858000"/>
+          </a:xfrm>
+        </p:grpSpPr>
+        <p:sp>
+          <p:nvSpPr>
+            <p:cNvPr id="33" name="Rectangle 32">
+              <a:extLst>
+                <a:ext uri="{FF2B5EF4-FFF2-40B4-BE49-F238E27FC236}">
+                  <a16:creationId xmlns:a16="http://schemas.microsoft.com/office/drawing/2014/main" id="{F3FC2939-BF10-4CBC-904B-74A17D4B9C35}"/>
+                </a:ext>
+                <a:ext uri="{C183D7F6-B498-43B3-948B-1728B52AA6E4}">
+                  <adec:decorative xmlns:adec="http://schemas.microsoft.com/office/drawing/2017/decorative" val="1"/>
+                </a:ext>
+              </a:extLst>
+            </p:cNvPr>
+            <p:cNvSpPr/>
+            <p:nvPr>
+              <p:extLst>
+                <p:ext uri="{386F3935-93C4-4BCD-93E2-E3B085C9AB24}">
+                  <p16:designElem xmlns:p16="http://schemas.microsoft.com/office/powerpoint/2015/main" val="1"/>
+                </p:ext>
+              </p:extLst>
+            </p:nvPr>
+          </p:nvSpPr>
+          <p:spPr>
+            <a:xfrm>
+              <a:off x="0" y="0"/>
+              <a:ext cx="12192000" cy="6858000"/>
+            </a:xfrm>
+            <a:prstGeom prst="rect">
+              <a:avLst/>
+            </a:prstGeom>
+            <a:noFill/>
+            <a:ln>
+              <a:noFill/>
+            </a:ln>
+          </p:spPr>
+          <p:style>
+            <a:lnRef idx="2">
+              <a:schemeClr val="accent1">
+                <a:shade val="50000"/>
+              </a:schemeClr>
+            </a:lnRef>
+            <a:fillRef idx="1">
+              <a:schemeClr val="accent1"/>
+            </a:fillRef>
+            <a:effectRef idx="0">
+              <a:schemeClr val="accent1"/>
+            </a:effectRef>
+            <a:fontRef idx="minor">
+              <a:schemeClr val="lt1"/>
+            </a:fontRef>
+          </p:style>
+          <p:txBody>
+            <a:bodyPr/>
+            <a:lstStyle/>
+            <a:p>
+              <a:endParaRPr lang="en-NL"/>
+            </a:p>
+          </p:txBody>
+        </p:sp>
+        <p:sp>
+          <p:nvSpPr>
+            <p:cNvPr id="34" name="Freeform 5">
+              <a:extLst>
+                <a:ext uri="{FF2B5EF4-FFF2-40B4-BE49-F238E27FC236}">
+                  <a16:creationId xmlns:a16="http://schemas.microsoft.com/office/drawing/2014/main" id="{266B6D5D-11B6-40A6-9CEF-F0B0D104C5C6}"/>
+                </a:ext>
+                <a:ext uri="{C183D7F6-B498-43B3-948B-1728B52AA6E4}">
+                  <adec:decorative xmlns:adec="http://schemas.microsoft.com/office/drawing/2017/decorative" val="1"/>
+                </a:ext>
+              </a:extLst>
+            </p:cNvPr>
+            <p:cNvSpPr>
+              <a:spLocks noEditPoints="1"/>
+            </p:cNvSpPr>
+            <p:nvPr>
+              <p:extLst>
+                <p:ext uri="{386F3935-93C4-4BCD-93E2-E3B085C9AB24}">
+                  <p16:designElem xmlns:p16="http://schemas.microsoft.com/office/powerpoint/2015/main" val="1"/>
+                </p:ext>
+              </p:extLst>
+            </p:nvPr>
+          </p:nvSpPr>
+          <p:spPr bwMode="gray">
+            <a:xfrm>
+              <a:off x="0" y="1587"/>
+              <a:ext cx="12192000" cy="6856413"/>
+            </a:xfrm>
+            <a:custGeom>
+              <a:avLst/>
+              <a:gdLst/>
+              <a:ahLst/>
+              <a:cxnLst/>
+              <a:rect l="0" t="0" r="r" b="b"/>
+              <a:pathLst>
+                <a:path w="15356" h="8638">
+                  <a:moveTo>
+                    <a:pt x="0" y="0"/>
+                  </a:moveTo>
+                  <a:lnTo>
+                    <a:pt x="0" y="8638"/>
+                  </a:lnTo>
+                  <a:lnTo>
+                    <a:pt x="15356" y="8638"/>
+                  </a:lnTo>
+                  <a:lnTo>
+                    <a:pt x="15356" y="0"/>
+                  </a:lnTo>
+                  <a:lnTo>
+                    <a:pt x="0" y="0"/>
+                  </a:lnTo>
+                  <a:close/>
+                  <a:moveTo>
+                    <a:pt x="14748" y="8038"/>
+                  </a:moveTo>
+                  <a:lnTo>
+                    <a:pt x="600" y="8038"/>
+                  </a:lnTo>
+                  <a:lnTo>
+                    <a:pt x="600" y="592"/>
+                  </a:lnTo>
+                  <a:lnTo>
+                    <a:pt x="14748" y="592"/>
+                  </a:lnTo>
+                  <a:lnTo>
+                    <a:pt x="14748" y="8038"/>
+                  </a:lnTo>
+                  <a:close/>
+                </a:path>
+              </a:pathLst>
+            </a:custGeom>
+            <a:solidFill>
+              <a:srgbClr val="FFFFFF"/>
+            </a:solidFill>
+            <a:ln>
+              <a:noFill/>
+            </a:ln>
+          </p:spPr>
+          <p:txBody>
+            <a:bodyPr/>
+            <a:lstStyle/>
+            <a:p>
+              <a:endParaRPr lang="en-NL"/>
+            </a:p>
+          </p:txBody>
+        </p:sp>
+      </p:grpSp>
+      <p:sp>
+        <p:nvSpPr>
+          <p:cNvPr id="2" name="Title 1">
+            <a:extLst>
+              <a:ext uri="{FF2B5EF4-FFF2-40B4-BE49-F238E27FC236}">
+                <a16:creationId xmlns:a16="http://schemas.microsoft.com/office/drawing/2014/main" id="{A06C1891-CB81-2C31-7671-ACC3AD23C2A8}"/>
+              </a:ext>
+            </a:extLst>
+          </p:cNvPr>
+          <p:cNvSpPr>
+            <a:spLocks noGrp="1"/>
+          </p:cNvSpPr>
+          <p:nvPr>
+            <p:ph type="title"/>
+          </p:nvPr>
+        </p:nvSpPr>
+        <p:spPr>
+          <a:xfrm>
+            <a:off x="836247" y="1085549"/>
+            <a:ext cx="3430947" cy="4686903"/>
+          </a:xfrm>
+        </p:spPr>
+        <p:txBody>
+          <a:bodyPr anchor="ctr">
+            <a:normAutofit/>
+          </a:bodyPr>
+          <a:lstStyle/>
+          <a:p>
+            <a:pPr algn="r"/>
+            <a:r>
+              <a:rPr lang="en-US">
+                <a:solidFill>
+                  <a:schemeClr val="tx1"/>
+                </a:solidFill>
+              </a:rPr>
+              <a:t>Firmata protocol</a:t>
+            </a:r>
+            <a:endParaRPr lang="en-NL">
+              <a:solidFill>
+                <a:schemeClr val="tx1"/>
+              </a:solidFill>
+            </a:endParaRPr>
+          </a:p>
+        </p:txBody>
+      </p:sp>
+      <p:cxnSp>
+        <p:nvCxnSpPr>
+          <p:cNvPr id="36" name="Straight Connector 35">
+            <a:extLst>
+              <a:ext uri="{FF2B5EF4-FFF2-40B4-BE49-F238E27FC236}">
+                <a16:creationId xmlns:a16="http://schemas.microsoft.com/office/drawing/2014/main" id="{789E20C7-BB50-4317-93C7-90C8ED80B275}"/>
+              </a:ext>
+              <a:ext uri="{C183D7F6-B498-43B3-948B-1728B52AA6E4}">
+                <adec:decorative xmlns:adec="http://schemas.microsoft.com/office/drawing/2017/decorative" val="1"/>
+              </a:ext>
+            </a:extLst>
+          </p:cNvPr>
+          <p:cNvCxnSpPr>
+            <a:cxnSpLocks noGrp="1" noRot="1" noChangeAspect="1" noMove="1" noResize="1" noEditPoints="1" noAdjustHandles="1" noChangeArrowheads="1" noChangeShapeType="1"/>
+          </p:cNvCxnSpPr>
+          <p:nvPr>
+            <p:extLst>
+              <p:ext uri="{386F3935-93C4-4BCD-93E2-E3B085C9AB24}">
+                <p16:designElem xmlns:p16="http://schemas.microsoft.com/office/powerpoint/2015/main" val="1"/>
+              </p:ext>
+            </p:extLst>
+          </p:nvPr>
+        </p:nvCxnSpPr>
+        <p:spPr>
+          <a:xfrm>
+            <a:off x="4654296" y="1930986"/>
+            <a:ext cx="0" cy="3200400"/>
+          </a:xfrm>
+          <a:prstGeom prst="line">
+            <a:avLst/>
+          </a:prstGeom>
+          <a:ln w="15875" cap="sq">
+            <a:solidFill>
+              <a:schemeClr val="tx1"/>
+            </a:solidFill>
+            <a:miter lim="800000"/>
+          </a:ln>
+        </p:spPr>
+        <p:style>
+          <a:lnRef idx="1">
+            <a:schemeClr val="accent1"/>
+          </a:lnRef>
+          <a:fillRef idx="0">
+            <a:schemeClr val="accent1"/>
+          </a:fillRef>
+          <a:effectRef idx="0">
+            <a:schemeClr val="accent1"/>
+          </a:effectRef>
+          <a:fontRef idx="minor">
+            <a:schemeClr val="tx1"/>
+          </a:fontRef>
+        </p:style>
+      </p:cxnSp>
+      <p:sp>
+        <p:nvSpPr>
+          <p:cNvPr id="3" name="Content Placeholder 2">
+            <a:extLst>
+              <a:ext uri="{FF2B5EF4-FFF2-40B4-BE49-F238E27FC236}">
+                <a16:creationId xmlns:a16="http://schemas.microsoft.com/office/drawing/2014/main" id="{5BCC26AC-4C0F-C375-AFC7-979B216DDC14}"/>
+              </a:ext>
+            </a:extLst>
+          </p:cNvPr>
+          <p:cNvSpPr>
+            <a:spLocks noGrp="1"/>
+          </p:cNvSpPr>
+          <p:nvPr>
+            <p:ph idx="1"/>
+          </p:nvPr>
+        </p:nvSpPr>
+        <p:spPr>
+          <a:xfrm>
+            <a:off x="5041399" y="1085549"/>
+            <a:ext cx="5579707" cy="4686903"/>
+          </a:xfrm>
+        </p:spPr>
+        <p:txBody>
+          <a:bodyPr anchor="ctr">
+            <a:normAutofit/>
+          </a:bodyPr>
+          <a:lstStyle/>
+          <a:p>
+            <a:r>
+              <a:rPr lang="en-US" dirty="0">
+                <a:solidFill>
+                  <a:schemeClr val="tx1"/>
+                </a:solidFill>
+              </a:rPr>
+              <a:t>Arduino library for communication with Arduino boards.</a:t>
+            </a:r>
+          </a:p>
+          <a:p>
+            <a:pPr lvl="1"/>
+            <a:r>
+              <a:rPr lang="en-US" dirty="0">
+                <a:solidFill>
+                  <a:schemeClr val="tx1"/>
+                </a:solidFill>
+              </a:rPr>
+              <a:t>Good to send data to the board and control devices that do not need logic.</a:t>
+            </a:r>
+          </a:p>
+          <a:p>
+            <a:pPr lvl="1"/>
+            <a:r>
+              <a:rPr lang="en-US" dirty="0">
+                <a:solidFill>
+                  <a:schemeClr val="tx1"/>
+                </a:solidFill>
+              </a:rPr>
+              <a:t>Not so good to receive detailed data</a:t>
+            </a:r>
+          </a:p>
+          <a:p>
+            <a:pPr lvl="1"/>
+            <a:r>
+              <a:rPr lang="en-US" dirty="0">
+                <a:solidFill>
+                  <a:schemeClr val="tx1"/>
+                </a:solidFill>
+              </a:rPr>
+              <a:t>For TD it needs a cable</a:t>
+            </a:r>
+          </a:p>
+          <a:p>
+            <a:pPr lvl="1"/>
+            <a:endParaRPr lang="en-NL" dirty="0">
+              <a:solidFill>
+                <a:schemeClr val="tx1"/>
+              </a:solidFill>
+            </a:endParaRPr>
+          </a:p>
+        </p:txBody>
+      </p:sp>
+      <p:sp>
+        <p:nvSpPr>
+          <p:cNvPr id="38" name="Footer Placeholder 4">
+            <a:extLst>
+              <a:ext uri="{FF2B5EF4-FFF2-40B4-BE49-F238E27FC236}">
+                <a16:creationId xmlns:a16="http://schemas.microsoft.com/office/drawing/2014/main" id="{0308D749-5984-4BB8-A788-A85D24304A0A}"/>
+              </a:ext>
+              <a:ext uri="{C183D7F6-B498-43B3-948B-1728B52AA6E4}">
+                <adec:decorative xmlns:adec="http://schemas.microsoft.com/office/drawing/2017/decorative" val="1"/>
+              </a:ext>
+            </a:extLst>
+          </p:cNvPr>
+          <p:cNvSpPr txBox="1">
+            <a:spLocks noGrp="1" noRot="1" noChangeAspect="1" noMove="1" noResize="1" noEditPoints="1" noAdjustHandles="1" noChangeArrowheads="1" noChangeShapeType="1" noTextEdit="1"/>
+          </p:cNvSpPr>
+          <p:nvPr>
+            <p:extLst>
+              <p:ext uri="{386F3935-93C4-4BCD-93E2-E3B085C9AB24}">
+                <p16:designElem xmlns:p16="http://schemas.microsoft.com/office/powerpoint/2015/main" val="1"/>
+              </p:ext>
+            </p:extLst>
+          </p:nvPr>
+        </p:nvSpPr>
+        <p:spPr bwMode="gray">
+          <a:xfrm>
+            <a:off x="561110" y="6391838"/>
+            <a:ext cx="3859795" cy="304801"/>
+          </a:xfrm>
+          <a:prstGeom prst="rect">
+            <a:avLst/>
+          </a:prstGeom>
+        </p:spPr>
+        <p:txBody>
+          <a:bodyPr vert="horz" lIns="91440" tIns="45720" rIns="91440" bIns="45720" rtlCol="0" anchor="ctr"/>
+          <a:lstStyle>
+            <a:defPPr>
+              <a:defRPr lang="en-US"/>
+            </a:defPPr>
+            <a:lvl1pPr marL="0" algn="l" defTabSz="457200" rtl="0" eaLnBrk="1" latinLnBrk="0" hangingPunct="1">
+              <a:defRPr sz="1000" b="0" i="0" kern="1200">
+                <a:solidFill>
+                  <a:schemeClr val="bg1">
+                    <a:alpha val="60000"/>
+                  </a:schemeClr>
+                </a:solidFill>
+                <a:latin typeface="+mn-lt"/>
+                <a:ea typeface="+mn-ea"/>
+                <a:cs typeface="+mn-cs"/>
+              </a:defRPr>
+            </a:lvl1pPr>
+            <a:lvl2pPr marL="457200" algn="l" defTabSz="457200" rtl="0" eaLnBrk="1" latinLnBrk="0" hangingPunct="1">
+              <a:defRPr sz="1800" kern="1200">
+                <a:solidFill>
+                  <a:schemeClr val="tx1"/>
+                </a:solidFill>
+                <a:latin typeface="+mn-lt"/>
+                <a:ea typeface="+mn-ea"/>
+                <a:cs typeface="+mn-cs"/>
+              </a:defRPr>
+            </a:lvl2pPr>
+            <a:lvl3pPr marL="914400" algn="l" defTabSz="457200" rtl="0" eaLnBrk="1" latinLnBrk="0" hangingPunct="1">
+              <a:defRPr sz="1800" kern="1200">
+                <a:solidFill>
+                  <a:schemeClr val="tx1"/>
+                </a:solidFill>
+                <a:latin typeface="+mn-lt"/>
+                <a:ea typeface="+mn-ea"/>
+                <a:cs typeface="+mn-cs"/>
+              </a:defRPr>
+            </a:lvl3pPr>
+            <a:lvl4pPr marL="1371600" algn="l" defTabSz="457200" rtl="0" eaLnBrk="1" latinLnBrk="0" hangingPunct="1">
+              <a:defRPr sz="1800" kern="1200">
+                <a:solidFill>
+                  <a:schemeClr val="tx1"/>
+                </a:solidFill>
+                <a:latin typeface="+mn-lt"/>
+                <a:ea typeface="+mn-ea"/>
+                <a:cs typeface="+mn-cs"/>
+              </a:defRPr>
+            </a:lvl4pPr>
+            <a:lvl5pPr marL="1828800" algn="l" defTabSz="457200" rtl="0" eaLnBrk="1" latinLnBrk="0" hangingPunct="1">
+              <a:defRPr sz="1800" kern="1200">
+                <a:solidFill>
+                  <a:schemeClr val="tx1"/>
+                </a:solidFill>
+                <a:latin typeface="+mn-lt"/>
+                <a:ea typeface="+mn-ea"/>
+                <a:cs typeface="+mn-cs"/>
+              </a:defRPr>
+            </a:lvl5pPr>
+            <a:lvl6pPr marL="2286000" algn="l" defTabSz="457200" rtl="0" eaLnBrk="1" latinLnBrk="0" hangingPunct="1">
+              <a:defRPr sz="1800" kern="1200">
+                <a:solidFill>
+                  <a:schemeClr val="tx1"/>
+                </a:solidFill>
+                <a:latin typeface="+mn-lt"/>
+                <a:ea typeface="+mn-ea"/>
+                <a:cs typeface="+mn-cs"/>
+              </a:defRPr>
+            </a:lvl6pPr>
+            <a:lvl7pPr marL="2743200" algn="l" defTabSz="457200" rtl="0" eaLnBrk="1" latinLnBrk="0" hangingPunct="1">
+              <a:defRPr sz="1800" kern="1200">
+                <a:solidFill>
+                  <a:schemeClr val="tx1"/>
+                </a:solidFill>
+                <a:latin typeface="+mn-lt"/>
+                <a:ea typeface="+mn-ea"/>
+                <a:cs typeface="+mn-cs"/>
+              </a:defRPr>
+            </a:lvl7pPr>
+            <a:lvl8pPr marL="3200400" algn="l" defTabSz="457200" rtl="0" eaLnBrk="1" latinLnBrk="0" hangingPunct="1">
+              <a:defRPr sz="1800" kern="1200">
+                <a:solidFill>
+                  <a:schemeClr val="tx1"/>
+                </a:solidFill>
+                <a:latin typeface="+mn-lt"/>
+                <a:ea typeface="+mn-ea"/>
+                <a:cs typeface="+mn-cs"/>
+              </a:defRPr>
+            </a:lvl8pPr>
+            <a:lvl9pPr marL="3657600" algn="l" defTabSz="457200" rtl="0" eaLnBrk="1" latinLnBrk="0" hangingPunct="1">
+              <a:defRPr sz="1800" kern="1200">
+                <a:solidFill>
+                  <a:schemeClr val="tx1"/>
+                </a:solidFill>
+                <a:latin typeface="+mn-lt"/>
+                <a:ea typeface="+mn-ea"/>
+                <a:cs typeface="+mn-cs"/>
+              </a:defRPr>
+            </a:lvl9pPr>
+          </a:lstStyle>
+          <a:p>
+            <a:endParaRPr lang="en-US" b="1" dirty="0">
+              <a:solidFill>
+                <a:srgbClr val="B31166"/>
+              </a:solidFill>
+            </a:endParaRPr>
+          </a:p>
+        </p:txBody>
+      </p:sp>
+      <p:sp>
+        <p:nvSpPr>
+          <p:cNvPr id="40" name="Date Placeholder 3">
+            <a:extLst>
+              <a:ext uri="{FF2B5EF4-FFF2-40B4-BE49-F238E27FC236}">
+                <a16:creationId xmlns:a16="http://schemas.microsoft.com/office/drawing/2014/main" id="{95B8172D-A4C8-41B4-8991-78BBEC4039D5}"/>
+              </a:ext>
+              <a:ext uri="{C183D7F6-B498-43B3-948B-1728B52AA6E4}">
+                <adec:decorative xmlns:adec="http://schemas.microsoft.com/office/drawing/2017/decorative" val="1"/>
+              </a:ext>
+            </a:extLst>
+          </p:cNvPr>
+          <p:cNvSpPr txBox="1">
+            <a:spLocks noGrp="1" noRot="1" noChangeAspect="1" noMove="1" noResize="1" noEditPoints="1" noAdjustHandles="1" noChangeArrowheads="1" noChangeShapeType="1" noTextEdit="1"/>
+          </p:cNvSpPr>
+          <p:nvPr>
+            <p:extLst>
+              <p:ext uri="{386F3935-93C4-4BCD-93E2-E3B085C9AB24}">
+                <p16:designElem xmlns:p16="http://schemas.microsoft.com/office/powerpoint/2015/main" val="1"/>
+              </p:ext>
+            </p:extLst>
+          </p:nvPr>
+        </p:nvSpPr>
+        <p:spPr bwMode="gray">
+          <a:xfrm>
+            <a:off x="7718854" y="6391839"/>
+            <a:ext cx="2997637" cy="304798"/>
+          </a:xfrm>
+          <a:prstGeom prst="rect">
+            <a:avLst/>
+          </a:prstGeom>
+        </p:spPr>
+        <p:txBody>
+          <a:bodyPr vert="horz" lIns="91440" tIns="45720" rIns="91440" bIns="45720" rtlCol="0" anchor="t"/>
+          <a:lstStyle>
+            <a:defPPr>
+              <a:defRPr lang="en-US"/>
+            </a:defPPr>
+            <a:lvl1pPr marL="0" algn="l" defTabSz="457200" rtl="0" eaLnBrk="1" latinLnBrk="0" hangingPunct="1">
+              <a:defRPr sz="1000" b="0" i="0" kern="1200">
+                <a:solidFill>
+                  <a:schemeClr val="bg1">
+                    <a:alpha val="60000"/>
+                  </a:schemeClr>
+                </a:solidFill>
+                <a:latin typeface="+mn-lt"/>
+                <a:ea typeface="+mn-ea"/>
+                <a:cs typeface="+mn-cs"/>
+              </a:defRPr>
+            </a:lvl1pPr>
+            <a:lvl2pPr marL="457200" algn="l" defTabSz="457200" rtl="0" eaLnBrk="1" latinLnBrk="0" hangingPunct="1">
+              <a:defRPr sz="1800" kern="1200">
+                <a:solidFill>
+                  <a:schemeClr val="tx1"/>
+                </a:solidFill>
+                <a:latin typeface="+mn-lt"/>
+                <a:ea typeface="+mn-ea"/>
+                <a:cs typeface="+mn-cs"/>
+              </a:defRPr>
+            </a:lvl2pPr>
+            <a:lvl3pPr marL="914400" algn="l" defTabSz="457200" rtl="0" eaLnBrk="1" latinLnBrk="0" hangingPunct="1">
+              <a:defRPr sz="1800" kern="1200">
+                <a:solidFill>
+                  <a:schemeClr val="tx1"/>
+                </a:solidFill>
+                <a:latin typeface="+mn-lt"/>
+                <a:ea typeface="+mn-ea"/>
+                <a:cs typeface="+mn-cs"/>
+              </a:defRPr>
+            </a:lvl3pPr>
+            <a:lvl4pPr marL="1371600" algn="l" defTabSz="457200" rtl="0" eaLnBrk="1" latinLnBrk="0" hangingPunct="1">
+              <a:defRPr sz="1800" kern="1200">
+                <a:solidFill>
+                  <a:schemeClr val="tx1"/>
+                </a:solidFill>
+                <a:latin typeface="+mn-lt"/>
+                <a:ea typeface="+mn-ea"/>
+                <a:cs typeface="+mn-cs"/>
+              </a:defRPr>
+            </a:lvl4pPr>
+            <a:lvl5pPr marL="1828800" algn="l" defTabSz="457200" rtl="0" eaLnBrk="1" latinLnBrk="0" hangingPunct="1">
+              <a:defRPr sz="1800" kern="1200">
+                <a:solidFill>
+                  <a:schemeClr val="tx1"/>
+                </a:solidFill>
+                <a:latin typeface="+mn-lt"/>
+                <a:ea typeface="+mn-ea"/>
+                <a:cs typeface="+mn-cs"/>
+              </a:defRPr>
+            </a:lvl5pPr>
+            <a:lvl6pPr marL="2286000" algn="l" defTabSz="457200" rtl="0" eaLnBrk="1" latinLnBrk="0" hangingPunct="1">
+              <a:defRPr sz="1800" kern="1200">
+                <a:solidFill>
+                  <a:schemeClr val="tx1"/>
+                </a:solidFill>
+                <a:latin typeface="+mn-lt"/>
+                <a:ea typeface="+mn-ea"/>
+                <a:cs typeface="+mn-cs"/>
+              </a:defRPr>
+            </a:lvl6pPr>
+            <a:lvl7pPr marL="2743200" algn="l" defTabSz="457200" rtl="0" eaLnBrk="1" latinLnBrk="0" hangingPunct="1">
+              <a:defRPr sz="1800" kern="1200">
+                <a:solidFill>
+                  <a:schemeClr val="tx1"/>
+                </a:solidFill>
+                <a:latin typeface="+mn-lt"/>
+                <a:ea typeface="+mn-ea"/>
+                <a:cs typeface="+mn-cs"/>
+              </a:defRPr>
+            </a:lvl7pPr>
+            <a:lvl8pPr marL="3200400" algn="l" defTabSz="457200" rtl="0" eaLnBrk="1" latinLnBrk="0" hangingPunct="1">
+              <a:defRPr sz="1800" kern="1200">
+                <a:solidFill>
+                  <a:schemeClr val="tx1"/>
+                </a:solidFill>
+                <a:latin typeface="+mn-lt"/>
+                <a:ea typeface="+mn-ea"/>
+                <a:cs typeface="+mn-cs"/>
+              </a:defRPr>
+            </a:lvl8pPr>
+            <a:lvl9pPr marL="3657600" algn="l" defTabSz="457200" rtl="0" eaLnBrk="1" latinLnBrk="0" hangingPunct="1">
+              <a:defRPr sz="1800" kern="1200">
+                <a:solidFill>
+                  <a:schemeClr val="tx1"/>
+                </a:solidFill>
+                <a:latin typeface="+mn-lt"/>
+                <a:ea typeface="+mn-ea"/>
+                <a:cs typeface="+mn-cs"/>
+              </a:defRPr>
+            </a:lvl9pPr>
+          </a:lstStyle>
+          <a:p>
+            <a:pPr algn="r"/>
+            <a:endParaRPr lang="en-US" b="1" dirty="0">
+              <a:solidFill>
+                <a:srgbClr val="B31166"/>
+              </a:solidFill>
+            </a:endParaRPr>
+          </a:p>
+        </p:txBody>
+      </p:sp>
+    </p:spTree>
+    <p:extLst>
+      <p:ext uri="{BB962C8B-B14F-4D97-AF65-F5344CB8AC3E}">
+        <p14:creationId xmlns:p14="http://schemas.microsoft.com/office/powerpoint/2010/main" val="914265223"/>
+      </p:ext>
+    </p:extLst>
+  </p:cSld>
+  <p:clrMapOvr>
+    <a:overrideClrMapping bg1="dk1" tx1="lt1" bg2="dk2" tx2="lt2" accent1="accent1" accent2="accent2" accent3="accent3" accent4="accent4" accent5="accent5" accent6="accent6" hlink="hlink" folHlink="folHlink"/>
+  </p:clrMapOvr>
+</p:sld>
+</file>
+
+<file path=ppt/slides/slide11.xml><?xml version="1.0" encoding="utf-8"?>
+<p:sld xmlns:a="http://schemas.openxmlformats.org/drawingml/2006/main" xmlns:r="http://schemas.openxmlformats.org/officeDocument/2006/relationships" xmlns:p="http://schemas.openxmlformats.org/presentationml/2006/main">
+  <p:cSld>
+    <p:bg>
+      <p:bgPr>
+        <a:blipFill rotWithShape="1">
+          <a:blip r:embed="rId2">
+            <a:duotone>
+              <a:schemeClr val="bg2">
+                <a:shade val="69000"/>
+                <a:hueMod val="108000"/>
+                <a:satMod val="164000"/>
+                <a:lumMod val="74000"/>
+              </a:schemeClr>
+              <a:schemeClr val="bg2">
+                <a:tint val="96000"/>
+                <a:hueMod val="88000"/>
+                <a:satMod val="140000"/>
+                <a:lumMod val="132000"/>
+              </a:schemeClr>
+            </a:duotone>
+          </a:blip>
+          <a:stretch/>
+        </a:blipFill>
+        <a:effectLst/>
+      </p:bgPr>
+    </p:bg>
+    <p:spTree>
+      <p:nvGrpSpPr>
+        <p:cNvPr id="1" name=""/>
+        <p:cNvGrpSpPr/>
+        <p:nvPr/>
+      </p:nvGrpSpPr>
+      <p:grpSpPr>
+        <a:xfrm>
+          <a:off x="0" y="0"/>
+          <a:ext cx="0" cy="0"/>
+          <a:chOff x="0" y="0"/>
+          <a:chExt cx="0" cy="0"/>
+        </a:xfrm>
+      </p:grpSpPr>
+      <p:sp useBgFill="1">
+        <p:nvSpPr>
+          <p:cNvPr id="21" name="Rectangle 20">
+            <a:extLst>
+              <a:ext uri="{FF2B5EF4-FFF2-40B4-BE49-F238E27FC236}">
+                <a16:creationId xmlns:a16="http://schemas.microsoft.com/office/drawing/2014/main" id="{C314C310-850D-4491-AA52-C75BEA68B68C}"/>
+              </a:ext>
+              <a:ext uri="{C183D7F6-B498-43B3-948B-1728B52AA6E4}">
+                <adec:decorative xmlns:adec="http://schemas.microsoft.com/office/drawing/2017/decorative" val="1"/>
+              </a:ext>
+            </a:extLst>
+          </p:cNvPr>
+          <p:cNvSpPr>
+            <a:spLocks noGrp="1" noRot="1" noChangeAspect="1" noMove="1" noResize="1" noEditPoints="1" noAdjustHandles="1" noChangeArrowheads="1" noChangeShapeType="1" noTextEdit="1"/>
+          </p:cNvSpPr>
+          <p:nvPr>
+            <p:extLst>
+              <p:ext uri="{386F3935-93C4-4BCD-93E2-E3B085C9AB24}">
+                <p16:designElem xmlns:p16="http://schemas.microsoft.com/office/powerpoint/2015/main" val="1"/>
+              </p:ext>
+            </p:extLst>
+          </p:nvPr>
+        </p:nvSpPr>
+        <p:spPr>
+          <a:xfrm>
+            <a:off x="0" y="0"/>
+            <a:ext cx="12192000" cy="6858000"/>
+          </a:xfrm>
+          <a:prstGeom prst="rect">
+            <a:avLst/>
+          </a:prstGeom>
+          <a:ln>
+            <a:noFill/>
+          </a:ln>
+        </p:spPr>
+        <p:style>
+          <a:lnRef idx="2">
+            <a:schemeClr val="accent1">
+              <a:shade val="50000"/>
+            </a:schemeClr>
+          </a:lnRef>
+          <a:fillRef idx="1">
+            <a:schemeClr val="accent1"/>
+          </a:fillRef>
+          <a:effectRef idx="0">
+            <a:schemeClr val="accent1"/>
+          </a:effectRef>
+          <a:fontRef idx="minor">
+            <a:schemeClr val="lt1"/>
+          </a:fontRef>
+        </p:style>
+        <p:txBody>
+          <a:bodyPr rtlCol="0" anchor="ctr"/>
+          <a:lstStyle/>
+          <a:p>
+            <a:pPr algn="ctr"/>
+            <a:endParaRPr lang="en-US"/>
+          </a:p>
+        </p:txBody>
+      </p:sp>
+      <p:grpSp>
+        <p:nvGrpSpPr>
+          <p:cNvPr id="23" name="Group 22">
+            <a:extLst>
+              <a:ext uri="{FF2B5EF4-FFF2-40B4-BE49-F238E27FC236}">
+                <a16:creationId xmlns:a16="http://schemas.microsoft.com/office/drawing/2014/main" id="{D4EC3799-3F52-48CE-85CC-83AED368EB42}"/>
+              </a:ext>
+              <a:ext uri="{C183D7F6-B498-43B3-948B-1728B52AA6E4}">
+                <adec:decorative xmlns:adec="http://schemas.microsoft.com/office/drawing/2017/decorative" val="1"/>
+              </a:ext>
+            </a:extLst>
+          </p:cNvPr>
+          <p:cNvGrpSpPr>
+            <a:grpSpLocks noGrp="1" noUngrp="1" noRot="1" noChangeAspect="1" noMove="1" noResize="1"/>
+          </p:cNvGrpSpPr>
+          <p:nvPr>
+            <p:extLst>
+              <p:ext uri="{386F3935-93C4-4BCD-93E2-E3B085C9AB24}">
+                <p16:designElem xmlns:p16="http://schemas.microsoft.com/office/powerpoint/2015/main" val="1"/>
+              </p:ext>
+            </p:extLst>
+          </p:nvPr>
+        </p:nvGrpSpPr>
+        <p:grpSpPr>
+          <a:xfrm>
+            <a:off x="0" y="0"/>
+            <a:ext cx="12192000" cy="6858000"/>
+            <a:chOff x="0" y="0"/>
+            <a:chExt cx="12192000" cy="6858000"/>
+          </a:xfrm>
+        </p:grpSpPr>
+        <p:sp>
+          <p:nvSpPr>
+            <p:cNvPr id="24" name="Rectangle 23">
+              <a:extLst>
+                <a:ext uri="{FF2B5EF4-FFF2-40B4-BE49-F238E27FC236}">
+                  <a16:creationId xmlns:a16="http://schemas.microsoft.com/office/drawing/2014/main" id="{F3FC2939-BF10-4CBC-904B-74A17D4B9C35}"/>
+                </a:ext>
+                <a:ext uri="{C183D7F6-B498-43B3-948B-1728B52AA6E4}">
+                  <adec:decorative xmlns:adec="http://schemas.microsoft.com/office/drawing/2017/decorative" val="1"/>
+                </a:ext>
+              </a:extLst>
+            </p:cNvPr>
+            <p:cNvSpPr/>
+            <p:nvPr>
+              <p:extLst>
+                <p:ext uri="{386F3935-93C4-4BCD-93E2-E3B085C9AB24}">
+                  <p16:designElem xmlns:p16="http://schemas.microsoft.com/office/powerpoint/2015/main" val="1"/>
+                </p:ext>
+              </p:extLst>
+            </p:nvPr>
+          </p:nvSpPr>
+          <p:spPr>
+            <a:xfrm>
+              <a:off x="0" y="0"/>
+              <a:ext cx="12192000" cy="6858000"/>
+            </a:xfrm>
+            <a:prstGeom prst="rect">
+              <a:avLst/>
+            </a:prstGeom>
+            <a:noFill/>
+            <a:ln>
+              <a:noFill/>
+            </a:ln>
+          </p:spPr>
+          <p:style>
+            <a:lnRef idx="2">
+              <a:schemeClr val="accent1">
+                <a:shade val="50000"/>
+              </a:schemeClr>
+            </a:lnRef>
+            <a:fillRef idx="1">
+              <a:schemeClr val="accent1"/>
+            </a:fillRef>
+            <a:effectRef idx="0">
+              <a:schemeClr val="accent1"/>
+            </a:effectRef>
+            <a:fontRef idx="minor">
+              <a:schemeClr val="lt1"/>
+            </a:fontRef>
+          </p:style>
+          <p:txBody>
+            <a:bodyPr/>
+            <a:lstStyle/>
+            <a:p>
+              <a:endParaRPr lang="en-NL"/>
+            </a:p>
+          </p:txBody>
+        </p:sp>
+        <p:sp>
+          <p:nvSpPr>
+            <p:cNvPr id="25" name="Freeform 5">
+              <a:extLst>
+                <a:ext uri="{FF2B5EF4-FFF2-40B4-BE49-F238E27FC236}">
+                  <a16:creationId xmlns:a16="http://schemas.microsoft.com/office/drawing/2014/main" id="{266B6D5D-11B6-40A6-9CEF-F0B0D104C5C6}"/>
+                </a:ext>
+                <a:ext uri="{C183D7F6-B498-43B3-948B-1728B52AA6E4}">
+                  <adec:decorative xmlns:adec="http://schemas.microsoft.com/office/drawing/2017/decorative" val="1"/>
+                </a:ext>
+              </a:extLst>
+            </p:cNvPr>
+            <p:cNvSpPr>
+              <a:spLocks noEditPoints="1"/>
+            </p:cNvSpPr>
+            <p:nvPr>
+              <p:extLst>
+                <p:ext uri="{386F3935-93C4-4BCD-93E2-E3B085C9AB24}">
+                  <p16:designElem xmlns:p16="http://schemas.microsoft.com/office/powerpoint/2015/main" val="1"/>
+                </p:ext>
+              </p:extLst>
+            </p:nvPr>
+          </p:nvSpPr>
+          <p:spPr bwMode="gray">
+            <a:xfrm>
+              <a:off x="0" y="1587"/>
+              <a:ext cx="12192000" cy="6856413"/>
+            </a:xfrm>
+            <a:custGeom>
+              <a:avLst/>
+              <a:gdLst/>
+              <a:ahLst/>
+              <a:cxnLst/>
+              <a:rect l="0" t="0" r="r" b="b"/>
+              <a:pathLst>
+                <a:path w="15356" h="8638">
+                  <a:moveTo>
+                    <a:pt x="0" y="0"/>
+                  </a:moveTo>
+                  <a:lnTo>
+                    <a:pt x="0" y="8638"/>
+                  </a:lnTo>
+                  <a:lnTo>
+                    <a:pt x="15356" y="8638"/>
+                  </a:lnTo>
+                  <a:lnTo>
+                    <a:pt x="15356" y="0"/>
+                  </a:lnTo>
+                  <a:lnTo>
+                    <a:pt x="0" y="0"/>
+                  </a:lnTo>
+                  <a:close/>
+                  <a:moveTo>
+                    <a:pt x="14748" y="8038"/>
+                  </a:moveTo>
+                  <a:lnTo>
+                    <a:pt x="600" y="8038"/>
+                  </a:lnTo>
+                  <a:lnTo>
+                    <a:pt x="600" y="592"/>
+                  </a:lnTo>
+                  <a:lnTo>
+                    <a:pt x="14748" y="592"/>
+                  </a:lnTo>
+                  <a:lnTo>
+                    <a:pt x="14748" y="8038"/>
+                  </a:lnTo>
+                  <a:close/>
+                </a:path>
+              </a:pathLst>
+            </a:custGeom>
+            <a:solidFill>
+              <a:srgbClr val="FFFFFF"/>
+            </a:solidFill>
+            <a:ln>
+              <a:noFill/>
+            </a:ln>
+          </p:spPr>
+          <p:txBody>
+            <a:bodyPr/>
+            <a:lstStyle/>
+            <a:p>
+              <a:endParaRPr lang="en-NL"/>
+            </a:p>
+          </p:txBody>
+        </p:sp>
+      </p:grpSp>
+      <p:sp>
+        <p:nvSpPr>
+          <p:cNvPr id="2" name="Title 1">
+            <a:extLst>
+              <a:ext uri="{FF2B5EF4-FFF2-40B4-BE49-F238E27FC236}">
+                <a16:creationId xmlns:a16="http://schemas.microsoft.com/office/drawing/2014/main" id="{CFD3CFCA-D2ED-8773-2525-2372A7EFB98B}"/>
+              </a:ext>
+            </a:extLst>
+          </p:cNvPr>
+          <p:cNvSpPr>
+            <a:spLocks noGrp="1"/>
+          </p:cNvSpPr>
+          <p:nvPr>
+            <p:ph type="title"/>
+          </p:nvPr>
+        </p:nvSpPr>
+        <p:spPr>
+          <a:xfrm>
+            <a:off x="836247" y="1085549"/>
+            <a:ext cx="3430947" cy="4686903"/>
+          </a:xfrm>
+        </p:spPr>
+        <p:txBody>
+          <a:bodyPr anchor="ctr">
+            <a:normAutofit/>
+          </a:bodyPr>
+          <a:lstStyle/>
+          <a:p>
+            <a:pPr algn="r"/>
+            <a:r>
+              <a:rPr lang="en-US">
+                <a:solidFill>
+                  <a:schemeClr val="tx1"/>
+                </a:solidFill>
+              </a:rPr>
+              <a:t>Serial </a:t>
+            </a:r>
+            <a:br>
+              <a:rPr lang="en-US">
+                <a:solidFill>
+                  <a:schemeClr val="tx1"/>
+                </a:solidFill>
+              </a:rPr>
+            </a:br>
+            <a:r>
+              <a:rPr lang="en-US">
+                <a:solidFill>
+                  <a:schemeClr val="tx1"/>
+                </a:solidFill>
+              </a:rPr>
+              <a:t>protocol</a:t>
+            </a:r>
+            <a:endParaRPr lang="en-NL">
+              <a:solidFill>
+                <a:schemeClr val="tx1"/>
+              </a:solidFill>
+            </a:endParaRPr>
+          </a:p>
+        </p:txBody>
+      </p:sp>
+      <p:cxnSp>
+        <p:nvCxnSpPr>
+          <p:cNvPr id="27" name="Straight Connector 26">
+            <a:extLst>
+              <a:ext uri="{FF2B5EF4-FFF2-40B4-BE49-F238E27FC236}">
+                <a16:creationId xmlns:a16="http://schemas.microsoft.com/office/drawing/2014/main" id="{789E20C7-BB50-4317-93C7-90C8ED80B275}"/>
+              </a:ext>
+              <a:ext uri="{C183D7F6-B498-43B3-948B-1728B52AA6E4}">
+                <adec:decorative xmlns:adec="http://schemas.microsoft.com/office/drawing/2017/decorative" val="1"/>
+              </a:ext>
+            </a:extLst>
+          </p:cNvPr>
+          <p:cNvCxnSpPr>
+            <a:cxnSpLocks noGrp="1" noRot="1" noChangeAspect="1" noMove="1" noResize="1" noEditPoints="1" noAdjustHandles="1" noChangeArrowheads="1" noChangeShapeType="1"/>
+          </p:cNvCxnSpPr>
+          <p:nvPr>
+            <p:extLst>
+              <p:ext uri="{386F3935-93C4-4BCD-93E2-E3B085C9AB24}">
+                <p16:designElem xmlns:p16="http://schemas.microsoft.com/office/powerpoint/2015/main" val="1"/>
+              </p:ext>
+            </p:extLst>
+          </p:nvPr>
+        </p:nvCxnSpPr>
+        <p:spPr>
+          <a:xfrm>
+            <a:off x="4654296" y="1930986"/>
+            <a:ext cx="0" cy="3200400"/>
+          </a:xfrm>
+          <a:prstGeom prst="line">
+            <a:avLst/>
+          </a:prstGeom>
+          <a:ln w="15875" cap="sq">
+            <a:solidFill>
+              <a:schemeClr val="tx1"/>
+            </a:solidFill>
+            <a:miter lim="800000"/>
+          </a:ln>
+        </p:spPr>
+        <p:style>
+          <a:lnRef idx="1">
+            <a:schemeClr val="accent1"/>
+          </a:lnRef>
+          <a:fillRef idx="0">
+            <a:schemeClr val="accent1"/>
+          </a:fillRef>
+          <a:effectRef idx="0">
+            <a:schemeClr val="accent1"/>
+          </a:effectRef>
+          <a:fontRef idx="minor">
+            <a:schemeClr val="tx1"/>
+          </a:fontRef>
+        </p:style>
+      </p:cxnSp>
+      <p:sp>
+        <p:nvSpPr>
+          <p:cNvPr id="3" name="Content Placeholder 2">
+            <a:extLst>
+              <a:ext uri="{FF2B5EF4-FFF2-40B4-BE49-F238E27FC236}">
+                <a16:creationId xmlns:a16="http://schemas.microsoft.com/office/drawing/2014/main" id="{4823D29D-FCF3-7E09-DCC5-948A59DCF621}"/>
+              </a:ext>
+            </a:extLst>
+          </p:cNvPr>
+          <p:cNvSpPr>
+            <a:spLocks noGrp="1"/>
+          </p:cNvSpPr>
+          <p:nvPr>
+            <p:ph idx="1"/>
+          </p:nvPr>
+        </p:nvSpPr>
+        <p:spPr>
+          <a:xfrm>
+            <a:off x="5041399" y="1085549"/>
+            <a:ext cx="5579707" cy="4686903"/>
+          </a:xfrm>
+        </p:spPr>
+        <p:txBody>
+          <a:bodyPr anchor="ctr">
+            <a:normAutofit/>
+          </a:bodyPr>
+          <a:lstStyle/>
+          <a:p>
+            <a:r>
+              <a:rPr lang="en-US" dirty="0">
+                <a:solidFill>
+                  <a:schemeClr val="tx1"/>
+                </a:solidFill>
+              </a:rPr>
+              <a:t>The basic communication protocol for Arduino boards</a:t>
+            </a:r>
+          </a:p>
+          <a:p>
+            <a:pPr lvl="1"/>
+            <a:r>
+              <a:rPr lang="en-US" dirty="0">
+                <a:solidFill>
+                  <a:schemeClr val="tx1"/>
+                </a:solidFill>
+              </a:rPr>
+              <a:t>Very good to get detailed data from sensors</a:t>
+            </a:r>
+          </a:p>
+          <a:p>
+            <a:pPr lvl="1"/>
+            <a:r>
+              <a:rPr lang="en-US" dirty="0">
+                <a:solidFill>
+                  <a:schemeClr val="tx1"/>
+                </a:solidFill>
+              </a:rPr>
+              <a:t>Quite some work to send data back to the board</a:t>
+            </a:r>
+          </a:p>
+          <a:p>
+            <a:pPr lvl="1"/>
+            <a:r>
+              <a:rPr lang="en-US" dirty="0">
+                <a:solidFill>
+                  <a:schemeClr val="tx1"/>
+                </a:solidFill>
+              </a:rPr>
+              <a:t>It needs a cable</a:t>
+            </a:r>
+            <a:endParaRPr lang="en-NL" dirty="0">
+              <a:solidFill>
+                <a:schemeClr val="tx1"/>
+              </a:solidFill>
+            </a:endParaRPr>
+          </a:p>
+        </p:txBody>
+      </p:sp>
+      <p:sp>
+        <p:nvSpPr>
+          <p:cNvPr id="29" name="Footer Placeholder 4">
+            <a:extLst>
+              <a:ext uri="{FF2B5EF4-FFF2-40B4-BE49-F238E27FC236}">
+                <a16:creationId xmlns:a16="http://schemas.microsoft.com/office/drawing/2014/main" id="{0308D749-5984-4BB8-A788-A85D24304A0A}"/>
+              </a:ext>
+              <a:ext uri="{C183D7F6-B498-43B3-948B-1728B52AA6E4}">
+                <adec:decorative xmlns:adec="http://schemas.microsoft.com/office/drawing/2017/decorative" val="1"/>
+              </a:ext>
+            </a:extLst>
+          </p:cNvPr>
+          <p:cNvSpPr txBox="1">
+            <a:spLocks noGrp="1" noRot="1" noChangeAspect="1" noMove="1" noResize="1" noEditPoints="1" noAdjustHandles="1" noChangeArrowheads="1" noChangeShapeType="1" noTextEdit="1"/>
+          </p:cNvSpPr>
+          <p:nvPr>
+            <p:extLst>
+              <p:ext uri="{386F3935-93C4-4BCD-93E2-E3B085C9AB24}">
+                <p16:designElem xmlns:p16="http://schemas.microsoft.com/office/powerpoint/2015/main" val="1"/>
+              </p:ext>
+            </p:extLst>
+          </p:nvPr>
+        </p:nvSpPr>
+        <p:spPr bwMode="gray">
+          <a:xfrm>
+            <a:off x="561110" y="6391838"/>
+            <a:ext cx="3859795" cy="304801"/>
+          </a:xfrm>
+          <a:prstGeom prst="rect">
+            <a:avLst/>
+          </a:prstGeom>
+        </p:spPr>
+        <p:txBody>
+          <a:bodyPr vert="horz" lIns="91440" tIns="45720" rIns="91440" bIns="45720" rtlCol="0" anchor="ctr"/>
+          <a:lstStyle>
+            <a:defPPr>
+              <a:defRPr lang="en-US"/>
+            </a:defPPr>
+            <a:lvl1pPr marL="0" algn="l" defTabSz="457200" rtl="0" eaLnBrk="1" latinLnBrk="0" hangingPunct="1">
+              <a:defRPr sz="1000" b="0" i="0" kern="1200">
+                <a:solidFill>
+                  <a:schemeClr val="bg1">
+                    <a:alpha val="60000"/>
+                  </a:schemeClr>
+                </a:solidFill>
+                <a:latin typeface="+mn-lt"/>
+                <a:ea typeface="+mn-ea"/>
+                <a:cs typeface="+mn-cs"/>
+              </a:defRPr>
+            </a:lvl1pPr>
+            <a:lvl2pPr marL="457200" algn="l" defTabSz="457200" rtl="0" eaLnBrk="1" latinLnBrk="0" hangingPunct="1">
+              <a:defRPr sz="1800" kern="1200">
+                <a:solidFill>
+                  <a:schemeClr val="tx1"/>
+                </a:solidFill>
+                <a:latin typeface="+mn-lt"/>
+                <a:ea typeface="+mn-ea"/>
+                <a:cs typeface="+mn-cs"/>
+              </a:defRPr>
+            </a:lvl2pPr>
+            <a:lvl3pPr marL="914400" algn="l" defTabSz="457200" rtl="0" eaLnBrk="1" latinLnBrk="0" hangingPunct="1">
+              <a:defRPr sz="1800" kern="1200">
+                <a:solidFill>
+                  <a:schemeClr val="tx1"/>
+                </a:solidFill>
+                <a:latin typeface="+mn-lt"/>
+                <a:ea typeface="+mn-ea"/>
+                <a:cs typeface="+mn-cs"/>
+              </a:defRPr>
+            </a:lvl3pPr>
+            <a:lvl4pPr marL="1371600" algn="l" defTabSz="457200" rtl="0" eaLnBrk="1" latinLnBrk="0" hangingPunct="1">
+              <a:defRPr sz="1800" kern="1200">
+                <a:solidFill>
+                  <a:schemeClr val="tx1"/>
+                </a:solidFill>
+                <a:latin typeface="+mn-lt"/>
+                <a:ea typeface="+mn-ea"/>
+                <a:cs typeface="+mn-cs"/>
+              </a:defRPr>
+            </a:lvl4pPr>
+            <a:lvl5pPr marL="1828800" algn="l" defTabSz="457200" rtl="0" eaLnBrk="1" latinLnBrk="0" hangingPunct="1">
+              <a:defRPr sz="1800" kern="1200">
+                <a:solidFill>
+                  <a:schemeClr val="tx1"/>
+                </a:solidFill>
+                <a:latin typeface="+mn-lt"/>
+                <a:ea typeface="+mn-ea"/>
+                <a:cs typeface="+mn-cs"/>
+              </a:defRPr>
+            </a:lvl5pPr>
+            <a:lvl6pPr marL="2286000" algn="l" defTabSz="457200" rtl="0" eaLnBrk="1" latinLnBrk="0" hangingPunct="1">
+              <a:defRPr sz="1800" kern="1200">
+                <a:solidFill>
+                  <a:schemeClr val="tx1"/>
+                </a:solidFill>
+                <a:latin typeface="+mn-lt"/>
+                <a:ea typeface="+mn-ea"/>
+                <a:cs typeface="+mn-cs"/>
+              </a:defRPr>
+            </a:lvl6pPr>
+            <a:lvl7pPr marL="2743200" algn="l" defTabSz="457200" rtl="0" eaLnBrk="1" latinLnBrk="0" hangingPunct="1">
+              <a:defRPr sz="1800" kern="1200">
+                <a:solidFill>
+                  <a:schemeClr val="tx1"/>
+                </a:solidFill>
+                <a:latin typeface="+mn-lt"/>
+                <a:ea typeface="+mn-ea"/>
+                <a:cs typeface="+mn-cs"/>
+              </a:defRPr>
+            </a:lvl7pPr>
+            <a:lvl8pPr marL="3200400" algn="l" defTabSz="457200" rtl="0" eaLnBrk="1" latinLnBrk="0" hangingPunct="1">
+              <a:defRPr sz="1800" kern="1200">
+                <a:solidFill>
+                  <a:schemeClr val="tx1"/>
+                </a:solidFill>
+                <a:latin typeface="+mn-lt"/>
+                <a:ea typeface="+mn-ea"/>
+                <a:cs typeface="+mn-cs"/>
+              </a:defRPr>
+            </a:lvl8pPr>
+            <a:lvl9pPr marL="3657600" algn="l" defTabSz="457200" rtl="0" eaLnBrk="1" latinLnBrk="0" hangingPunct="1">
+              <a:defRPr sz="1800" kern="1200">
+                <a:solidFill>
+                  <a:schemeClr val="tx1"/>
+                </a:solidFill>
+                <a:latin typeface="+mn-lt"/>
+                <a:ea typeface="+mn-ea"/>
+                <a:cs typeface="+mn-cs"/>
+              </a:defRPr>
+            </a:lvl9pPr>
+          </a:lstStyle>
+          <a:p>
+            <a:endParaRPr lang="en-US" b="1" dirty="0">
+              <a:solidFill>
+                <a:srgbClr val="B31166"/>
+              </a:solidFill>
+            </a:endParaRPr>
+          </a:p>
+        </p:txBody>
+      </p:sp>
+      <p:sp>
+        <p:nvSpPr>
+          <p:cNvPr id="31" name="Date Placeholder 3">
+            <a:extLst>
+              <a:ext uri="{FF2B5EF4-FFF2-40B4-BE49-F238E27FC236}">
+                <a16:creationId xmlns:a16="http://schemas.microsoft.com/office/drawing/2014/main" id="{95B8172D-A4C8-41B4-8991-78BBEC4039D5}"/>
+              </a:ext>
+              <a:ext uri="{C183D7F6-B498-43B3-948B-1728B52AA6E4}">
+                <adec:decorative xmlns:adec="http://schemas.microsoft.com/office/drawing/2017/decorative" val="1"/>
+              </a:ext>
+            </a:extLst>
+          </p:cNvPr>
+          <p:cNvSpPr txBox="1">
+            <a:spLocks noGrp="1" noRot="1" noChangeAspect="1" noMove="1" noResize="1" noEditPoints="1" noAdjustHandles="1" noChangeArrowheads="1" noChangeShapeType="1" noTextEdit="1"/>
+          </p:cNvSpPr>
+          <p:nvPr>
+            <p:extLst>
+              <p:ext uri="{386F3935-93C4-4BCD-93E2-E3B085C9AB24}">
+                <p16:designElem xmlns:p16="http://schemas.microsoft.com/office/powerpoint/2015/main" val="1"/>
+              </p:ext>
+            </p:extLst>
+          </p:nvPr>
+        </p:nvSpPr>
+        <p:spPr bwMode="gray">
+          <a:xfrm>
+            <a:off x="7718854" y="6391839"/>
+            <a:ext cx="2997637" cy="304798"/>
+          </a:xfrm>
+          <a:prstGeom prst="rect">
+            <a:avLst/>
+          </a:prstGeom>
+        </p:spPr>
+        <p:txBody>
+          <a:bodyPr vert="horz" lIns="91440" tIns="45720" rIns="91440" bIns="45720" rtlCol="0" anchor="t"/>
+          <a:lstStyle>
+            <a:defPPr>
+              <a:defRPr lang="en-US"/>
+            </a:defPPr>
+            <a:lvl1pPr marL="0" algn="l" defTabSz="457200" rtl="0" eaLnBrk="1" latinLnBrk="0" hangingPunct="1">
+              <a:defRPr sz="1000" b="0" i="0" kern="1200">
+                <a:solidFill>
+                  <a:schemeClr val="bg1">
+                    <a:alpha val="60000"/>
+                  </a:schemeClr>
+                </a:solidFill>
+                <a:latin typeface="+mn-lt"/>
+                <a:ea typeface="+mn-ea"/>
+                <a:cs typeface="+mn-cs"/>
+              </a:defRPr>
+            </a:lvl1pPr>
+            <a:lvl2pPr marL="457200" algn="l" defTabSz="457200" rtl="0" eaLnBrk="1" latinLnBrk="0" hangingPunct="1">
+              <a:defRPr sz="1800" kern="1200">
+                <a:solidFill>
+                  <a:schemeClr val="tx1"/>
+                </a:solidFill>
+                <a:latin typeface="+mn-lt"/>
+                <a:ea typeface="+mn-ea"/>
+                <a:cs typeface="+mn-cs"/>
+              </a:defRPr>
+            </a:lvl2pPr>
+            <a:lvl3pPr marL="914400" algn="l" defTabSz="457200" rtl="0" eaLnBrk="1" latinLnBrk="0" hangingPunct="1">
+              <a:defRPr sz="1800" kern="1200">
+                <a:solidFill>
+                  <a:schemeClr val="tx1"/>
+                </a:solidFill>
+                <a:latin typeface="+mn-lt"/>
+                <a:ea typeface="+mn-ea"/>
+                <a:cs typeface="+mn-cs"/>
+              </a:defRPr>
+            </a:lvl3pPr>
+            <a:lvl4pPr marL="1371600" algn="l" defTabSz="457200" rtl="0" eaLnBrk="1" latinLnBrk="0" hangingPunct="1">
+              <a:defRPr sz="1800" kern="1200">
+                <a:solidFill>
+                  <a:schemeClr val="tx1"/>
+                </a:solidFill>
+                <a:latin typeface="+mn-lt"/>
+                <a:ea typeface="+mn-ea"/>
+                <a:cs typeface="+mn-cs"/>
+              </a:defRPr>
+            </a:lvl4pPr>
+            <a:lvl5pPr marL="1828800" algn="l" defTabSz="457200" rtl="0" eaLnBrk="1" latinLnBrk="0" hangingPunct="1">
+              <a:defRPr sz="1800" kern="1200">
+                <a:solidFill>
+                  <a:schemeClr val="tx1"/>
+                </a:solidFill>
+                <a:latin typeface="+mn-lt"/>
+                <a:ea typeface="+mn-ea"/>
+                <a:cs typeface="+mn-cs"/>
+              </a:defRPr>
+            </a:lvl5pPr>
+            <a:lvl6pPr marL="2286000" algn="l" defTabSz="457200" rtl="0" eaLnBrk="1" latinLnBrk="0" hangingPunct="1">
+              <a:defRPr sz="1800" kern="1200">
+                <a:solidFill>
+                  <a:schemeClr val="tx1"/>
+                </a:solidFill>
+                <a:latin typeface="+mn-lt"/>
+                <a:ea typeface="+mn-ea"/>
+                <a:cs typeface="+mn-cs"/>
+              </a:defRPr>
+            </a:lvl6pPr>
+            <a:lvl7pPr marL="2743200" algn="l" defTabSz="457200" rtl="0" eaLnBrk="1" latinLnBrk="0" hangingPunct="1">
+              <a:defRPr sz="1800" kern="1200">
+                <a:solidFill>
+                  <a:schemeClr val="tx1"/>
+                </a:solidFill>
+                <a:latin typeface="+mn-lt"/>
+                <a:ea typeface="+mn-ea"/>
+                <a:cs typeface="+mn-cs"/>
+              </a:defRPr>
+            </a:lvl7pPr>
+            <a:lvl8pPr marL="3200400" algn="l" defTabSz="457200" rtl="0" eaLnBrk="1" latinLnBrk="0" hangingPunct="1">
+              <a:defRPr sz="1800" kern="1200">
+                <a:solidFill>
+                  <a:schemeClr val="tx1"/>
+                </a:solidFill>
+                <a:latin typeface="+mn-lt"/>
+                <a:ea typeface="+mn-ea"/>
+                <a:cs typeface="+mn-cs"/>
+              </a:defRPr>
+            </a:lvl8pPr>
+            <a:lvl9pPr marL="3657600" algn="l" defTabSz="457200" rtl="0" eaLnBrk="1" latinLnBrk="0" hangingPunct="1">
+              <a:defRPr sz="1800" kern="1200">
+                <a:solidFill>
+                  <a:schemeClr val="tx1"/>
+                </a:solidFill>
+                <a:latin typeface="+mn-lt"/>
+                <a:ea typeface="+mn-ea"/>
+                <a:cs typeface="+mn-cs"/>
+              </a:defRPr>
+            </a:lvl9pPr>
+          </a:lstStyle>
+          <a:p>
+            <a:pPr algn="r"/>
+            <a:endParaRPr lang="en-US" b="1" dirty="0">
+              <a:solidFill>
+                <a:srgbClr val="B31166"/>
+              </a:solidFill>
+            </a:endParaRPr>
+          </a:p>
+        </p:txBody>
+      </p:sp>
+    </p:spTree>
+    <p:extLst>
+      <p:ext uri="{BB962C8B-B14F-4D97-AF65-F5344CB8AC3E}">
+        <p14:creationId xmlns:p14="http://schemas.microsoft.com/office/powerpoint/2010/main" val="4242738546"/>
+      </p:ext>
+    </p:extLst>
+  </p:cSld>
+  <p:clrMapOvr>
+    <a:overrideClrMapping bg1="dk1" tx1="lt1" bg2="dk2" tx2="lt2" accent1="accent1" accent2="accent2" accent3="accent3" accent4="accent4" accent5="accent5" accent6="accent6" hlink="hlink" folHlink="folHlink"/>
+  </p:clrMapOvr>
+</p:sld>
+</file>
+
+<file path=ppt/slides/slide12.xml><?xml version="1.0" encoding="utf-8"?>
+<p:sld xmlns:a="http://schemas.openxmlformats.org/drawingml/2006/main" xmlns:r="http://schemas.openxmlformats.org/officeDocument/2006/relationships" xmlns:p="http://schemas.openxmlformats.org/presentationml/2006/main">
+  <p:cSld>
+    <p:bg>
+      <p:bgPr>
+        <a:blipFill rotWithShape="1">
+          <a:blip r:embed="rId2">
+            <a:duotone>
+              <a:schemeClr val="bg2">
+                <a:shade val="69000"/>
+                <a:hueMod val="108000"/>
+                <a:satMod val="164000"/>
+                <a:lumMod val="74000"/>
+              </a:schemeClr>
+              <a:schemeClr val="bg2">
+                <a:tint val="96000"/>
+                <a:hueMod val="88000"/>
+                <a:satMod val="140000"/>
+                <a:lumMod val="132000"/>
+              </a:schemeClr>
+            </a:duotone>
+          </a:blip>
+          <a:stretch/>
+        </a:blipFill>
+        <a:effectLst/>
+      </p:bgPr>
+    </p:bg>
+    <p:spTree>
+      <p:nvGrpSpPr>
+        <p:cNvPr id="1" name=""/>
+        <p:cNvGrpSpPr/>
+        <p:nvPr/>
+      </p:nvGrpSpPr>
+      <p:grpSpPr>
+        <a:xfrm>
+          <a:off x="0" y="0"/>
+          <a:ext cx="0" cy="0"/>
+          <a:chOff x="0" y="0"/>
+          <a:chExt cx="0" cy="0"/>
+        </a:xfrm>
+      </p:grpSpPr>
+      <p:grpSp>
+        <p:nvGrpSpPr>
+          <p:cNvPr id="8" name="Group 7">
+            <a:extLst>
+              <a:ext uri="{FF2B5EF4-FFF2-40B4-BE49-F238E27FC236}">
+                <a16:creationId xmlns:a16="http://schemas.microsoft.com/office/drawing/2014/main" id="{46AC64B6-5299-4EDC-A5BA-C486DE605216}"/>
+              </a:ext>
+              <a:ext uri="{C183D7F6-B498-43B3-948B-1728B52AA6E4}">
+                <adec:decorative xmlns:adec="http://schemas.microsoft.com/office/drawing/2017/decorative" val="1"/>
+              </a:ext>
+            </a:extLst>
+          </p:cNvPr>
+          <p:cNvGrpSpPr>
+            <a:grpSpLocks noGrp="1" noUngrp="1" noRot="1" noChangeAspect="1" noMove="1" noResize="1"/>
+          </p:cNvGrpSpPr>
+          <p:nvPr>
+            <p:extLst>
+              <p:ext uri="{386F3935-93C4-4BCD-93E2-E3B085C9AB24}">
+                <p16:designElem xmlns:p16="http://schemas.microsoft.com/office/powerpoint/2015/main" val="1"/>
+              </p:ext>
+            </p:extLst>
+          </p:nvPr>
+        </p:nvGrpSpPr>
+        <p:grpSpPr>
+          <a:xfrm>
+            <a:off x="-1588" y="0"/>
+            <a:ext cx="12193588" cy="6861555"/>
+            <a:chOff x="-1588" y="0"/>
+            <a:chExt cx="12193588" cy="6861555"/>
+          </a:xfrm>
+        </p:grpSpPr>
+        <p:sp>
+          <p:nvSpPr>
+            <p:cNvPr id="9" name="Rectangle 8">
+              <a:extLst>
+                <a:ext uri="{FF2B5EF4-FFF2-40B4-BE49-F238E27FC236}">
+                  <a16:creationId xmlns:a16="http://schemas.microsoft.com/office/drawing/2014/main" id="{BA11BA08-D406-4EBC-80F9-8C9B138602F0}"/>
+                </a:ext>
+                <a:ext uri="{C183D7F6-B498-43B3-948B-1728B52AA6E4}">
+                  <adec:decorative xmlns:adec="http://schemas.microsoft.com/office/drawing/2017/decorative" val="1"/>
+                </a:ext>
+              </a:extLst>
+            </p:cNvPr>
+            <p:cNvSpPr/>
+            <p:nvPr>
+              <p:extLst>
+                <p:ext uri="{386F3935-93C4-4BCD-93E2-E3B085C9AB24}">
+                  <p16:designElem xmlns:p16="http://schemas.microsoft.com/office/powerpoint/2015/main" val="1"/>
+                </p:ext>
+              </p:extLst>
+            </p:nvPr>
+          </p:nvSpPr>
+          <p:spPr>
+            <a:xfrm>
+              <a:off x="0" y="0"/>
+              <a:ext cx="12192000" cy="6858000"/>
+            </a:xfrm>
+            <a:prstGeom prst="rect">
+              <a:avLst/>
+            </a:prstGeom>
+            <a:blipFill>
+              <a:blip r:embed="rId2">
+                <a:duotone>
+                  <a:schemeClr val="dk2">
+                    <a:shade val="69000"/>
+                    <a:hueMod val="108000"/>
+                    <a:satMod val="164000"/>
+                    <a:lumMod val="74000"/>
+                  </a:schemeClr>
+                  <a:schemeClr val="dk2">
+                    <a:tint val="96000"/>
+                    <a:hueMod val="88000"/>
+                    <a:satMod val="140000"/>
+                    <a:lumMod val="132000"/>
+                  </a:schemeClr>
+                </a:duotone>
+              </a:blip>
+              <a:stretch>
+                <a:fillRect/>
+              </a:stretch>
+            </a:blipFill>
+            <a:ln>
+              <a:noFill/>
+            </a:ln>
+          </p:spPr>
+          <p:style>
+            <a:lnRef idx="2">
+              <a:schemeClr val="accent1">
+                <a:shade val="50000"/>
+              </a:schemeClr>
+            </a:lnRef>
+            <a:fillRef idx="1">
+              <a:schemeClr val="accent1"/>
+            </a:fillRef>
+            <a:effectRef idx="0">
+              <a:schemeClr val="accent1"/>
+            </a:effectRef>
+            <a:fontRef idx="minor">
+              <a:schemeClr val="lt1"/>
+            </a:fontRef>
+          </p:style>
+          <p:txBody>
+            <a:bodyPr/>
+            <a:lstStyle/>
+            <a:p>
+              <a:endParaRPr lang="en-NL"/>
+            </a:p>
+          </p:txBody>
+        </p:sp>
+        <p:sp>
+          <p:nvSpPr>
+            <p:cNvPr id="10" name="Oval 9">
+              <a:extLst>
+                <a:ext uri="{FF2B5EF4-FFF2-40B4-BE49-F238E27FC236}">
+                  <a16:creationId xmlns:a16="http://schemas.microsoft.com/office/drawing/2014/main" id="{1CD848F9-F2DE-446B-8417-F43DDB43661E}"/>
+                </a:ext>
+                <a:ext uri="{C183D7F6-B498-43B3-948B-1728B52AA6E4}">
+                  <adec:decorative xmlns:adec="http://schemas.microsoft.com/office/drawing/2017/decorative" val="1"/>
+                </a:ext>
+              </a:extLst>
+            </p:cNvPr>
+            <p:cNvSpPr/>
+            <p:nvPr>
+              <p:extLst>
+                <p:ext uri="{386F3935-93C4-4BCD-93E2-E3B085C9AB24}">
+                  <p16:designElem xmlns:p16="http://schemas.microsoft.com/office/powerpoint/2015/main" val="1"/>
+                </p:ext>
+              </p:extLst>
+            </p:nvPr>
+          </p:nvSpPr>
+          <p:spPr>
+            <a:xfrm>
+              <a:off x="8761412" y="1828800"/>
+              <a:ext cx="2819400" cy="2819400"/>
+            </a:xfrm>
+            <a:prstGeom prst="ellipse">
+              <a:avLst/>
+            </a:prstGeom>
+            <a:gradFill flip="none" rotWithShape="1">
+              <a:gsLst>
+                <a:gs pos="0">
+                  <a:schemeClr val="accent5">
+                    <a:alpha val="7000"/>
+                  </a:schemeClr>
+                </a:gs>
+                <a:gs pos="69000">
+                  <a:schemeClr val="accent5">
+                    <a:alpha val="0"/>
+                  </a:schemeClr>
+                </a:gs>
+                <a:gs pos="36000">
+                  <a:schemeClr val="accent5">
+                    <a:alpha val="6000"/>
+                  </a:schemeClr>
+                </a:gs>
+              </a:gsLst>
+              <a:path path="circle">
+                <a:fillToRect l="50000" t="50000" r="50000" b="50000"/>
+              </a:path>
+              <a:tileRect/>
+            </a:gradFill>
+            <a:ln>
+              <a:noFill/>
+            </a:ln>
+            <a:effectLst/>
+          </p:spPr>
+          <p:style>
+            <a:lnRef idx="1">
+              <a:schemeClr val="accent1"/>
+            </a:lnRef>
+            <a:fillRef idx="3">
+              <a:schemeClr val="accent1"/>
+            </a:fillRef>
+            <a:effectRef idx="2">
+              <a:schemeClr val="accent1"/>
+            </a:effectRef>
+            <a:fontRef idx="minor">
+              <a:schemeClr val="lt1"/>
+            </a:fontRef>
+          </p:style>
+          <p:txBody>
+            <a:bodyPr/>
+            <a:lstStyle/>
+            <a:p>
+              <a:endParaRPr lang="en-NL"/>
+            </a:p>
+          </p:txBody>
+        </p:sp>
+        <p:sp>
+          <p:nvSpPr>
+            <p:cNvPr id="11" name="Oval 10">
+              <a:extLst>
+                <a:ext uri="{FF2B5EF4-FFF2-40B4-BE49-F238E27FC236}">
+                  <a16:creationId xmlns:a16="http://schemas.microsoft.com/office/drawing/2014/main" id="{2950ADE9-C1AB-43FC-837A-4805DF5D7606}"/>
+                </a:ext>
+                <a:ext uri="{C183D7F6-B498-43B3-948B-1728B52AA6E4}">
+                  <adec:decorative xmlns:adec="http://schemas.microsoft.com/office/drawing/2017/decorative" val="1"/>
+                </a:ext>
+              </a:extLst>
+            </p:cNvPr>
+            <p:cNvSpPr/>
+            <p:nvPr>
+              <p:extLst>
+                <p:ext uri="{386F3935-93C4-4BCD-93E2-E3B085C9AB24}">
+                  <p16:designElem xmlns:p16="http://schemas.microsoft.com/office/powerpoint/2015/main" val="1"/>
+                </p:ext>
+              </p:extLst>
+            </p:nvPr>
+          </p:nvSpPr>
+          <p:spPr>
+            <a:xfrm>
+              <a:off x="8761412" y="5870955"/>
+              <a:ext cx="990600" cy="990600"/>
+            </a:xfrm>
+            <a:prstGeom prst="ellipse">
+              <a:avLst/>
+            </a:prstGeom>
+            <a:gradFill flip="none" rotWithShape="1">
+              <a:gsLst>
+                <a:gs pos="0">
+                  <a:schemeClr val="accent5">
+                    <a:alpha val="14000"/>
+                  </a:schemeClr>
+                </a:gs>
+                <a:gs pos="66000">
+                  <a:schemeClr val="accent5">
+                    <a:alpha val="0"/>
+                  </a:schemeClr>
+                </a:gs>
+                <a:gs pos="36000">
+                  <a:schemeClr val="accent5">
+                    <a:alpha val="7000"/>
+                  </a:schemeClr>
+                </a:gs>
+              </a:gsLst>
+              <a:path path="circle">
+                <a:fillToRect l="50000" t="50000" r="50000" b="50000"/>
+              </a:path>
+              <a:tileRect/>
+            </a:gradFill>
+            <a:ln>
+              <a:noFill/>
+            </a:ln>
+            <a:effectLst/>
+          </p:spPr>
+          <p:style>
+            <a:lnRef idx="1">
+              <a:schemeClr val="accent1"/>
+            </a:lnRef>
+            <a:fillRef idx="3">
+              <a:schemeClr val="accent1"/>
+            </a:fillRef>
+            <a:effectRef idx="2">
+              <a:schemeClr val="accent1"/>
+            </a:effectRef>
+            <a:fontRef idx="minor">
+              <a:schemeClr val="lt1"/>
+            </a:fontRef>
+          </p:style>
+          <p:txBody>
+            <a:bodyPr/>
+            <a:lstStyle/>
+            <a:p>
+              <a:endParaRPr lang="en-NL"/>
+            </a:p>
+          </p:txBody>
+        </p:sp>
+        <p:sp>
+          <p:nvSpPr>
+            <p:cNvPr id="12" name="Oval 11">
+              <a:extLst>
+                <a:ext uri="{FF2B5EF4-FFF2-40B4-BE49-F238E27FC236}">
+                  <a16:creationId xmlns:a16="http://schemas.microsoft.com/office/drawing/2014/main" id="{B4A32DB1-B927-4CC4-86F7-62404124F1A4}"/>
+                </a:ext>
+                <a:ext uri="{C183D7F6-B498-43B3-948B-1728B52AA6E4}">
+                  <adec:decorative xmlns:adec="http://schemas.microsoft.com/office/drawing/2017/decorative" val="1"/>
+                </a:ext>
+              </a:extLst>
+            </p:cNvPr>
+            <p:cNvSpPr/>
+            <p:nvPr>
+              <p:extLst>
+                <p:ext uri="{386F3935-93C4-4BCD-93E2-E3B085C9AB24}">
+                  <p16:designElem xmlns:p16="http://schemas.microsoft.com/office/powerpoint/2015/main" val="1"/>
+                </p:ext>
+              </p:extLst>
+            </p:nvPr>
+          </p:nvSpPr>
+          <p:spPr>
+            <a:xfrm>
+              <a:off x="-1588" y="2667000"/>
+              <a:ext cx="4191000" cy="4191000"/>
+            </a:xfrm>
+            <a:prstGeom prst="ellipse">
+              <a:avLst/>
+            </a:prstGeom>
+            <a:gradFill flip="none" rotWithShape="1">
+              <a:gsLst>
+                <a:gs pos="0">
+                  <a:schemeClr val="accent5">
+                    <a:alpha val="11000"/>
+                  </a:schemeClr>
+                </a:gs>
+                <a:gs pos="75000">
+                  <a:schemeClr val="accent5">
+                    <a:alpha val="0"/>
+                  </a:schemeClr>
+                </a:gs>
+                <a:gs pos="36000">
+                  <a:schemeClr val="accent5">
+                    <a:alpha val="10000"/>
+                  </a:schemeClr>
+                </a:gs>
+              </a:gsLst>
+              <a:path path="circle">
+                <a:fillToRect l="50000" t="50000" r="50000" b="50000"/>
+              </a:path>
+              <a:tileRect/>
+            </a:gradFill>
+            <a:ln>
+              <a:noFill/>
+            </a:ln>
+            <a:effectLst/>
+          </p:spPr>
+          <p:style>
+            <a:lnRef idx="1">
+              <a:schemeClr val="accent1"/>
+            </a:lnRef>
+            <a:fillRef idx="3">
+              <a:schemeClr val="accent1"/>
+            </a:fillRef>
+            <a:effectRef idx="2">
+              <a:schemeClr val="accent1"/>
+            </a:effectRef>
+            <a:fontRef idx="minor">
+              <a:schemeClr val="lt1"/>
+            </a:fontRef>
+          </p:style>
+          <p:txBody>
+            <a:bodyPr/>
+            <a:lstStyle/>
+            <a:p>
+              <a:endParaRPr lang="en-NL"/>
+            </a:p>
+          </p:txBody>
+        </p:sp>
+        <p:sp>
+          <p:nvSpPr>
+            <p:cNvPr id="13" name="Freeform 5">
+              <a:extLst>
+                <a:ext uri="{FF2B5EF4-FFF2-40B4-BE49-F238E27FC236}">
+                  <a16:creationId xmlns:a16="http://schemas.microsoft.com/office/drawing/2014/main" id="{D096476B-32CF-4EEC-A4D2-18B931E5829E}"/>
+                </a:ext>
+                <a:ext uri="{C183D7F6-B498-43B3-948B-1728B52AA6E4}">
+                  <adec:decorative xmlns:adec="http://schemas.microsoft.com/office/drawing/2017/decorative" val="1"/>
+                </a:ext>
+              </a:extLst>
+            </p:cNvPr>
+            <p:cNvSpPr>
+              <a:spLocks noEditPoints="1"/>
+            </p:cNvSpPr>
+            <p:nvPr>
+              <p:extLst>
+                <p:ext uri="{386F3935-93C4-4BCD-93E2-E3B085C9AB24}">
+                  <p16:designElem xmlns:p16="http://schemas.microsoft.com/office/powerpoint/2015/main" val="1"/>
+                </p:ext>
+              </p:extLst>
+            </p:nvPr>
+          </p:nvSpPr>
+          <p:spPr bwMode="gray">
+            <a:xfrm>
+              <a:off x="0" y="1587"/>
+              <a:ext cx="12192000" cy="6856413"/>
+            </a:xfrm>
+            <a:custGeom>
+              <a:avLst/>
+              <a:gdLst/>
+              <a:ahLst/>
+              <a:cxnLst/>
+              <a:rect l="0" t="0" r="r" b="b"/>
+              <a:pathLst>
+                <a:path w="15356" h="8638">
+                  <a:moveTo>
+                    <a:pt x="0" y="0"/>
+                  </a:moveTo>
+                  <a:lnTo>
+                    <a:pt x="0" y="8638"/>
+                  </a:lnTo>
+                  <a:lnTo>
+                    <a:pt x="15356" y="8638"/>
+                  </a:lnTo>
+                  <a:lnTo>
+                    <a:pt x="15356" y="0"/>
+                  </a:lnTo>
+                  <a:lnTo>
+                    <a:pt x="0" y="0"/>
+                  </a:lnTo>
+                  <a:close/>
+                  <a:moveTo>
+                    <a:pt x="14748" y="8038"/>
+                  </a:moveTo>
+                  <a:lnTo>
+                    <a:pt x="600" y="8038"/>
+                  </a:lnTo>
+                  <a:lnTo>
+                    <a:pt x="600" y="592"/>
+                  </a:lnTo>
+                  <a:lnTo>
+                    <a:pt x="14748" y="592"/>
+                  </a:lnTo>
+                  <a:lnTo>
+                    <a:pt x="14748" y="8038"/>
+                  </a:lnTo>
+                  <a:close/>
+                </a:path>
+              </a:pathLst>
+            </a:custGeom>
+            <a:solidFill>
+              <a:schemeClr val="bg1"/>
+            </a:solidFill>
+            <a:ln>
+              <a:noFill/>
+            </a:ln>
+          </p:spPr>
+          <p:txBody>
+            <a:bodyPr/>
+            <a:lstStyle/>
+            <a:p>
+              <a:endParaRPr lang="en-NL"/>
+            </a:p>
+          </p:txBody>
+        </p:sp>
+      </p:grpSp>
+      <p:sp>
+        <p:nvSpPr>
+          <p:cNvPr id="15" name="Rectangle 14">
+            <a:extLst>
+              <a:ext uri="{FF2B5EF4-FFF2-40B4-BE49-F238E27FC236}">
+                <a16:creationId xmlns:a16="http://schemas.microsoft.com/office/drawing/2014/main" id="{CB300B9C-C1F6-47BC-A43F-3B172CD7FF3C}"/>
+              </a:ext>
+              <a:ext uri="{C183D7F6-B498-43B3-948B-1728B52AA6E4}">
+                <adec:decorative xmlns:adec="http://schemas.microsoft.com/office/drawing/2017/decorative" val="1"/>
+              </a:ext>
+            </a:extLst>
+          </p:cNvPr>
+          <p:cNvSpPr>
+            <a:spLocks noGrp="1" noRot="1" noChangeAspect="1" noMove="1" noResize="1" noEditPoints="1" noAdjustHandles="1" noChangeArrowheads="1" noChangeShapeType="1" noTextEdit="1"/>
+          </p:cNvSpPr>
+          <p:nvPr>
+            <p:extLst>
+              <p:ext uri="{386F3935-93C4-4BCD-93E2-E3B085C9AB24}">
+                <p16:designElem xmlns:p16="http://schemas.microsoft.com/office/powerpoint/2015/main" val="1"/>
+              </p:ext>
+            </p:extLst>
+          </p:nvPr>
+        </p:nvSpPr>
+        <p:spPr>
+          <a:xfrm>
+            <a:off x="10437812" y="0"/>
+            <a:ext cx="685800" cy="1143000"/>
+          </a:xfrm>
+          <a:prstGeom prst="rect">
+            <a:avLst/>
+          </a:prstGeom>
+          <a:solidFill>
+            <a:schemeClr val="accent1"/>
+          </a:solidFill>
+          <a:ln>
+            <a:noFill/>
+          </a:ln>
+        </p:spPr>
+        <p:style>
+          <a:lnRef idx="1">
+            <a:schemeClr val="accent1"/>
+          </a:lnRef>
+          <a:fillRef idx="3">
+            <a:schemeClr val="accent1"/>
+          </a:fillRef>
+          <a:effectRef idx="2">
+            <a:schemeClr val="accent1"/>
+          </a:effectRef>
+          <a:fontRef idx="minor">
+            <a:schemeClr val="lt1"/>
+          </a:fontRef>
+        </p:style>
+        <p:txBody>
+          <a:bodyPr/>
+          <a:lstStyle/>
+          <a:p>
+            <a:endParaRPr lang="en-NL"/>
+          </a:p>
+        </p:txBody>
+      </p:sp>
+      <p:grpSp>
+        <p:nvGrpSpPr>
+          <p:cNvPr id="17" name="Group 16">
+            <a:extLst>
+              <a:ext uri="{FF2B5EF4-FFF2-40B4-BE49-F238E27FC236}">
+                <a16:creationId xmlns:a16="http://schemas.microsoft.com/office/drawing/2014/main" id="{F1ECA4FE-7D2F-4576-B767-3A5F5ABFE90F}"/>
+              </a:ext>
+              <a:ext uri="{C183D7F6-B498-43B3-948B-1728B52AA6E4}">
+                <adec:decorative xmlns:adec="http://schemas.microsoft.com/office/drawing/2017/decorative" val="1"/>
+              </a:ext>
+            </a:extLst>
+          </p:cNvPr>
+          <p:cNvGrpSpPr>
+            <a:grpSpLocks noGrp="1" noUngrp="1" noRot="1" noChangeAspect="1" noMove="1" noResize="1"/>
+          </p:cNvGrpSpPr>
+          <p:nvPr>
+            <p:extLst>
+              <p:ext uri="{386F3935-93C4-4BCD-93E2-E3B085C9AB24}">
+                <p16:designElem xmlns:p16="http://schemas.microsoft.com/office/powerpoint/2015/main" val="1"/>
+              </p:ext>
+            </p:extLst>
+          </p:nvPr>
+        </p:nvGrpSpPr>
+        <p:grpSpPr>
+          <a:xfrm>
+            <a:off x="0" y="0"/>
+            <a:ext cx="12192000" cy="6858000"/>
+            <a:chOff x="0" y="0"/>
+            <a:chExt cx="12192000" cy="6858000"/>
+          </a:xfrm>
+        </p:grpSpPr>
+        <p:sp useBgFill="1">
+          <p:nvSpPr>
+            <p:cNvPr id="18" name="Rectangle 17">
+              <a:extLst>
+                <a:ext uri="{FF2B5EF4-FFF2-40B4-BE49-F238E27FC236}">
+                  <a16:creationId xmlns:a16="http://schemas.microsoft.com/office/drawing/2014/main" id="{5969441E-5462-4859-86CD-1737FDE36046}"/>
+                </a:ext>
+                <a:ext uri="{C183D7F6-B498-43B3-948B-1728B52AA6E4}">
+                  <adec:decorative xmlns:adec="http://schemas.microsoft.com/office/drawing/2017/decorative" val="1"/>
+                </a:ext>
+              </a:extLst>
+            </p:cNvPr>
+            <p:cNvSpPr/>
+            <p:nvPr>
+              <p:extLst>
+                <p:ext uri="{386F3935-93C4-4BCD-93E2-E3B085C9AB24}">
+                  <p16:designElem xmlns:p16="http://schemas.microsoft.com/office/powerpoint/2015/main" val="1"/>
+                </p:ext>
+              </p:extLst>
+            </p:nvPr>
+          </p:nvSpPr>
+          <p:spPr>
+            <a:xfrm>
+              <a:off x="0" y="0"/>
+              <a:ext cx="12192000" cy="6858000"/>
+            </a:xfrm>
+            <a:prstGeom prst="rect">
+              <a:avLst/>
+            </a:prstGeom>
+            <a:ln>
+              <a:noFill/>
+            </a:ln>
+          </p:spPr>
+          <p:style>
+            <a:lnRef idx="2">
+              <a:schemeClr val="accent1">
+                <a:shade val="50000"/>
+              </a:schemeClr>
+            </a:lnRef>
+            <a:fillRef idx="1">
+              <a:schemeClr val="accent1"/>
+            </a:fillRef>
+            <a:effectRef idx="0">
+              <a:schemeClr val="accent1"/>
+            </a:effectRef>
+            <a:fontRef idx="minor">
+              <a:schemeClr val="lt1"/>
+            </a:fontRef>
+          </p:style>
+          <p:txBody>
+            <a:bodyPr/>
+            <a:lstStyle/>
+            <a:p>
+              <a:endParaRPr lang="en-NL"/>
+            </a:p>
+          </p:txBody>
+        </p:sp>
+        <p:sp>
+          <p:nvSpPr>
+            <p:cNvPr id="19" name="Freeform 5">
+              <a:extLst>
+                <a:ext uri="{FF2B5EF4-FFF2-40B4-BE49-F238E27FC236}">
+                  <a16:creationId xmlns:a16="http://schemas.microsoft.com/office/drawing/2014/main" id="{596BD4B5-6833-40CC-96FE-EDC675634264}"/>
+                </a:ext>
+                <a:ext uri="{C183D7F6-B498-43B3-948B-1728B52AA6E4}">
+                  <adec:decorative xmlns:adec="http://schemas.microsoft.com/office/drawing/2017/decorative" val="1"/>
+                </a:ext>
+              </a:extLst>
+            </p:cNvPr>
+            <p:cNvSpPr>
+              <a:spLocks noEditPoints="1"/>
+            </p:cNvSpPr>
+            <p:nvPr>
+              <p:extLst>
+                <p:ext uri="{386F3935-93C4-4BCD-93E2-E3B085C9AB24}">
+                  <p16:designElem xmlns:p16="http://schemas.microsoft.com/office/powerpoint/2015/main" val="1"/>
+                </p:ext>
+              </p:extLst>
+            </p:nvPr>
+          </p:nvSpPr>
+          <p:spPr bwMode="gray">
+            <a:xfrm>
+              <a:off x="0" y="1587"/>
+              <a:ext cx="12192000" cy="6856413"/>
+            </a:xfrm>
+            <a:custGeom>
+              <a:avLst/>
+              <a:gdLst/>
+              <a:ahLst/>
+              <a:cxnLst/>
+              <a:rect l="0" t="0" r="r" b="b"/>
+              <a:pathLst>
+                <a:path w="15356" h="8638">
+                  <a:moveTo>
+                    <a:pt x="0" y="0"/>
+                  </a:moveTo>
+                  <a:lnTo>
+                    <a:pt x="0" y="8638"/>
+                  </a:lnTo>
+                  <a:lnTo>
+                    <a:pt x="15356" y="8638"/>
+                  </a:lnTo>
+                  <a:lnTo>
+                    <a:pt x="15356" y="0"/>
+                  </a:lnTo>
+                  <a:lnTo>
+                    <a:pt x="0" y="0"/>
+                  </a:lnTo>
+                  <a:close/>
+                  <a:moveTo>
+                    <a:pt x="14748" y="8038"/>
+                  </a:moveTo>
+                  <a:lnTo>
+                    <a:pt x="600" y="8038"/>
+                  </a:lnTo>
+                  <a:lnTo>
+                    <a:pt x="600" y="592"/>
+                  </a:lnTo>
+                  <a:lnTo>
+                    <a:pt x="14748" y="592"/>
+                  </a:lnTo>
+                  <a:lnTo>
+                    <a:pt x="14748" y="8038"/>
+                  </a:lnTo>
+                  <a:close/>
+                </a:path>
+              </a:pathLst>
+            </a:custGeom>
+            <a:solidFill>
+              <a:srgbClr val="FFFFFF"/>
+            </a:solidFill>
+            <a:ln>
+              <a:noFill/>
+            </a:ln>
+          </p:spPr>
+          <p:txBody>
+            <a:bodyPr/>
+            <a:lstStyle/>
+            <a:p>
+              <a:endParaRPr lang="en-NL"/>
+            </a:p>
+          </p:txBody>
+        </p:sp>
+      </p:grpSp>
+      <p:sp>
+        <p:nvSpPr>
+          <p:cNvPr id="2" name="Title 1">
+            <a:extLst>
+              <a:ext uri="{FF2B5EF4-FFF2-40B4-BE49-F238E27FC236}">
+                <a16:creationId xmlns:a16="http://schemas.microsoft.com/office/drawing/2014/main" id="{BA9C9FAD-71E7-E826-1DF0-ACC9733A955C}"/>
+              </a:ext>
+            </a:extLst>
+          </p:cNvPr>
+          <p:cNvSpPr>
+            <a:spLocks noGrp="1"/>
+          </p:cNvSpPr>
+          <p:nvPr>
+            <p:ph type="title"/>
+          </p:nvPr>
+        </p:nvSpPr>
+        <p:spPr>
+          <a:xfrm>
+            <a:off x="1683171" y="1169773"/>
+            <a:ext cx="8825658" cy="2870161"/>
+          </a:xfrm>
+        </p:spPr>
+        <p:txBody>
+          <a:bodyPr vert="horz" lIns="91440" tIns="45720" rIns="91440" bIns="45720" rtlCol="0" anchor="b">
+            <a:normAutofit/>
+          </a:bodyPr>
+          <a:lstStyle/>
+          <a:p>
+            <a:pPr algn="ctr"/>
+            <a:r>
+              <a:rPr lang="en-US" sz="5400" b="0">
+                <a:solidFill>
+                  <a:schemeClr val="tx1"/>
+                </a:solidFill>
+                <a:latin typeface="+mj-lt"/>
+              </a:rPr>
+              <a:t>Hands on</a:t>
+            </a:r>
+          </a:p>
+        </p:txBody>
+      </p:sp>
+      <p:sp>
+        <p:nvSpPr>
+          <p:cNvPr id="3" name="Content Placeholder 2">
+            <a:extLst>
+              <a:ext uri="{FF2B5EF4-FFF2-40B4-BE49-F238E27FC236}">
+                <a16:creationId xmlns:a16="http://schemas.microsoft.com/office/drawing/2014/main" id="{ED9D2C36-A460-DB0A-8810-0206C74A6DCC}"/>
+              </a:ext>
+            </a:extLst>
+          </p:cNvPr>
+          <p:cNvSpPr>
+            <a:spLocks noGrp="1"/>
+          </p:cNvSpPr>
+          <p:nvPr>
+            <p:ph idx="1"/>
+          </p:nvPr>
+        </p:nvSpPr>
+        <p:spPr>
+          <a:xfrm>
+            <a:off x="1683171" y="4293441"/>
+            <a:ext cx="8825658" cy="1234148"/>
+          </a:xfrm>
+        </p:spPr>
+        <p:txBody>
+          <a:bodyPr vert="horz" lIns="91440" tIns="45720" rIns="91440" bIns="45720" rtlCol="0" anchor="t">
+            <a:normAutofit/>
+          </a:bodyPr>
+          <a:lstStyle/>
+          <a:p>
+            <a:pPr marL="0" indent="0" algn="ctr">
+              <a:buNone/>
+            </a:pPr>
+            <a:r>
+              <a:rPr lang="en-US" sz="2000" cap="all" dirty="0">
+                <a:solidFill>
+                  <a:schemeClr val="tx2">
+                    <a:lumMod val="40000"/>
+                    <a:lumOff val="60000"/>
+                  </a:schemeClr>
+                </a:solidFill>
+                <a:latin typeface="+mn-lt"/>
+              </a:rPr>
+              <a:t>Use your sensor set-up to make your animation interactive</a:t>
+            </a:r>
+          </a:p>
+        </p:txBody>
+      </p:sp>
+      <p:cxnSp>
+        <p:nvCxnSpPr>
+          <p:cNvPr id="21" name="Straight Connector 20">
+            <a:extLst>
+              <a:ext uri="{FF2B5EF4-FFF2-40B4-BE49-F238E27FC236}">
+                <a16:creationId xmlns:a16="http://schemas.microsoft.com/office/drawing/2014/main" id="{E81F53E2-F556-42FA-8D24-113839EE19F8}"/>
+              </a:ext>
+              <a:ext uri="{C183D7F6-B498-43B3-948B-1728B52AA6E4}">
+                <adec:decorative xmlns:adec="http://schemas.microsoft.com/office/drawing/2017/decorative" val="1"/>
+              </a:ext>
+            </a:extLst>
+          </p:cNvPr>
+          <p:cNvCxnSpPr>
+            <a:cxnSpLocks noGrp="1" noRot="1" noChangeAspect="1" noMove="1" noResize="1" noEditPoints="1" noAdjustHandles="1" noChangeArrowheads="1" noChangeShapeType="1"/>
+          </p:cNvCxnSpPr>
+          <p:nvPr>
+            <p:extLst>
+              <p:ext uri="{386F3935-93C4-4BCD-93E2-E3B085C9AB24}">
+                <p16:designElem xmlns:p16="http://schemas.microsoft.com/office/powerpoint/2015/main" val="1"/>
+              </p:ext>
+            </p:extLst>
+          </p:nvPr>
+        </p:nvCxnSpPr>
+        <p:spPr>
+          <a:xfrm>
+            <a:off x="5758249" y="4166888"/>
+            <a:ext cx="675502" cy="0"/>
+          </a:xfrm>
+          <a:prstGeom prst="line">
+            <a:avLst/>
+          </a:prstGeom>
+          <a:ln w="12700">
+            <a:solidFill>
+              <a:schemeClr val="accent1">
+                <a:lumMod val="60000"/>
+                <a:lumOff val="40000"/>
+              </a:schemeClr>
+            </a:solidFill>
+          </a:ln>
+        </p:spPr>
+        <p:style>
+          <a:lnRef idx="1">
+            <a:schemeClr val="accent1"/>
+          </a:lnRef>
+          <a:fillRef idx="0">
+            <a:schemeClr val="accent1"/>
+          </a:fillRef>
+          <a:effectRef idx="0">
+            <a:schemeClr val="accent1"/>
+          </a:effectRef>
+          <a:fontRef idx="minor">
+            <a:schemeClr val="tx1"/>
+          </a:fontRef>
+        </p:style>
+      </p:cxnSp>
+    </p:spTree>
+    <p:extLst>
+      <p:ext uri="{BB962C8B-B14F-4D97-AF65-F5344CB8AC3E}">
+        <p14:creationId xmlns:p14="http://schemas.microsoft.com/office/powerpoint/2010/main" val="3453307720"/>
+      </p:ext>
+    </p:extLst>
+  </p:cSld>
+  <p:clrMapOvr>
+    <a:overrideClrMapping bg1="dk1" tx1="lt1" bg2="dk2" tx2="lt2" accent1="accent1" accent2="accent2" accent3="accent3" accent4="accent4" accent5="accent5" accent6="accent6" hlink="hlink" folHlink="folHlink"/>
+  </p:clrMapOvr>
+  <p:timing>
+    <p:tnLst>
+      <p:par>
+        <p:cTn id="1" dur="indefinite" restart="never" nodeType="tmRoot">
+          <p:childTnLst>
+            <p:seq concurrent="1" nextAc="seek">
+              <p:cTn id="2" dur="indefinite" nodeType="mainSeq">
+                <p:childTnLst>
+                  <p:par>
+                    <p:cTn id="3" fill="hold">
+                      <p:stCondLst>
+                        <p:cond delay="indefinite"/>
+                        <p:cond evt="onBegin" delay="0">
+                          <p:tn val="2"/>
+                        </p:cond>
+                      </p:stCondLst>
+                      <p:childTnLst>
+                        <p:par>
+                          <p:cTn id="4" fill="hold">
+                            <p:stCondLst>
+                              <p:cond delay="0"/>
+                            </p:stCondLst>
+                            <p:childTnLst>
+                              <p:par>
+                                <p:cTn id="5" presetID="10" presetClass="entr" presetSubtype="0" fill="hold" grpId="0" nodeType="withEffect">
+                                  <p:stCondLst>
+                                    <p:cond delay="500"/>
+                                  </p:stCondLst>
+                                  <p:iterate>
+                                    <p:tmPct val="10000"/>
+                                  </p:iterate>
+                                  <p:childTnLst>
+                                    <p:set>
+                                      <p:cBhvr>
+                                        <p:cTn id="6" dur="1" fill="hold">
+                                          <p:stCondLst>
+                                            <p:cond delay="0"/>
+                                          </p:stCondLst>
+                                        </p:cTn>
+                                        <p:tgtEl>
+                                          <p:spTgt spid="2"/>
+                                        </p:tgtEl>
+                                        <p:attrNameLst>
+                                          <p:attrName>style.visibility</p:attrName>
+                                        </p:attrNameLst>
+                                      </p:cBhvr>
+                                      <p:to>
+                                        <p:strVal val="visible"/>
+                                      </p:to>
+                                    </p:set>
+                                    <p:animEffect transition="in" filter="fade">
+                                      <p:cBhvr>
+                                        <p:cTn id="7" dur="700"/>
+                                        <p:tgtEl>
+                                          <p:spTgt spid="2"/>
+                                        </p:tgtEl>
+                                      </p:cBhvr>
+                                    </p:animEffect>
+                                  </p:childTnLst>
+                                </p:cTn>
+                              </p:par>
+                            </p:childTnLst>
+                          </p:cTn>
+                        </p:par>
+                      </p:childTnLst>
+                    </p:cTn>
+                  </p:par>
+                </p:childTnLst>
+              </p:cTn>
+              <p:prevCondLst>
+                <p:cond evt="onPrev" delay="0">
+                  <p:tgtEl>
+                    <p:sldTgt/>
+                  </p:tgtEl>
+                </p:cond>
+              </p:prevCondLst>
+              <p:nextCondLst>
+                <p:cond evt="onNext" delay="0">
+                  <p:tgtEl>
+                    <p:sldTgt/>
+                  </p:tgtEl>
+                </p:cond>
+              </p:nextCondLst>
+            </p:seq>
+          </p:childTnLst>
+        </p:cTn>
+      </p:par>
+    </p:tnLst>
+    <p:bldLst>
+      <p:bldP spid="2" grpId="0"/>
+    </p:bldLst>
+  </p:timing>
+</p:sld>
+</file>
+
+<file path=ppt/slides/slide13.xml><?xml version="1.0" encoding="utf-8"?>
+<p:sld xmlns:a="http://schemas.openxmlformats.org/drawingml/2006/main" xmlns:r="http://schemas.openxmlformats.org/officeDocument/2006/relationships" xmlns:p="http://schemas.openxmlformats.org/presentationml/2006/main">
+  <p:cSld>
+    <p:spTree>
+      <p:nvGrpSpPr>
+        <p:cNvPr id="1" name=""/>
+        <p:cNvGrpSpPr/>
+        <p:nvPr/>
+      </p:nvGrpSpPr>
+      <p:grpSpPr>
+        <a:xfrm>
+          <a:off x="0" y="0"/>
+          <a:ext cx="0" cy="0"/>
+          <a:chOff x="0" y="0"/>
+          <a:chExt cx="0" cy="0"/>
+        </a:xfrm>
+      </p:grpSpPr>
+      <p:sp>
+        <p:nvSpPr>
+          <p:cNvPr id="2" name="Title 1">
+            <a:extLst>
+              <a:ext uri="{FF2B5EF4-FFF2-40B4-BE49-F238E27FC236}">
+                <a16:creationId xmlns:a16="http://schemas.microsoft.com/office/drawing/2014/main" id="{99EB659E-A28D-798F-22EF-76DFE2C01905}"/>
+              </a:ext>
+            </a:extLst>
+          </p:cNvPr>
+          <p:cNvSpPr>
+            <a:spLocks noGrp="1"/>
+          </p:cNvSpPr>
+          <p:nvPr>
+            <p:ph type="title"/>
+          </p:nvPr>
+        </p:nvSpPr>
+        <p:spPr/>
+        <p:txBody>
+          <a:bodyPr/>
+          <a:lstStyle/>
+          <a:p>
+            <a:r>
+              <a:rPr lang="en-US" dirty="0"/>
+              <a:t>Open Sound Control (OSC)</a:t>
+            </a:r>
+            <a:endParaRPr lang="en-NL" dirty="0"/>
+          </a:p>
+        </p:txBody>
+      </p:sp>
+      <p:sp>
+        <p:nvSpPr>
+          <p:cNvPr id="3" name="Content Placeholder 2">
+            <a:extLst>
+              <a:ext uri="{FF2B5EF4-FFF2-40B4-BE49-F238E27FC236}">
+                <a16:creationId xmlns:a16="http://schemas.microsoft.com/office/drawing/2014/main" id="{A66D7779-5197-40D4-A92C-C3E504CB7FA0}"/>
+              </a:ext>
+            </a:extLst>
+          </p:cNvPr>
+          <p:cNvSpPr>
+            <a:spLocks noGrp="1"/>
+          </p:cNvSpPr>
+          <p:nvPr>
+            <p:ph idx="1"/>
+          </p:nvPr>
+        </p:nvSpPr>
+        <p:spPr/>
+        <p:txBody>
+          <a:bodyPr/>
+          <a:lstStyle/>
+          <a:p>
+            <a:r>
+              <a:rPr lang="en-US" dirty="0"/>
+              <a:t>Protocol based on messages which can be transported across the internet.</a:t>
+            </a:r>
+          </a:p>
+          <a:p>
+            <a:pPr lvl="1"/>
+            <a:r>
+              <a:rPr lang="en-US" dirty="0"/>
+              <a:t>You do not need cables, just the same </a:t>
+            </a:r>
+            <a:r>
+              <a:rPr lang="en-US" dirty="0" err="1"/>
+              <a:t>WiFi</a:t>
+            </a:r>
+            <a:r>
+              <a:rPr lang="en-US" dirty="0"/>
+              <a:t> and open ports.</a:t>
+            </a:r>
+          </a:p>
+          <a:p>
+            <a:pPr lvl="1"/>
+            <a:r>
+              <a:rPr lang="en-US" dirty="0"/>
+              <a:t>Standard message build up to send and receive message</a:t>
+            </a:r>
+          </a:p>
+          <a:p>
+            <a:pPr lvl="1"/>
+            <a:r>
+              <a:rPr lang="en-US" dirty="0"/>
+              <a:t>Out of the box TD need to send and receive messages</a:t>
+            </a:r>
+          </a:p>
+          <a:p>
+            <a:r>
+              <a:rPr lang="en-US" dirty="0"/>
+              <a:t> Nowadays many apps integrate OSC communication</a:t>
+            </a:r>
+            <a:endParaRPr lang="en-NL" dirty="0"/>
+          </a:p>
+        </p:txBody>
+      </p:sp>
+    </p:spTree>
+    <p:extLst>
+      <p:ext uri="{BB962C8B-B14F-4D97-AF65-F5344CB8AC3E}">
+        <p14:creationId xmlns:p14="http://schemas.microsoft.com/office/powerpoint/2010/main" val="2739539741"/>
+      </p:ext>
+    </p:extLst>
+  </p:cSld>
+  <p:clrMapOvr>
+    <a:masterClrMapping/>
+  </p:clrMapOvr>
+</p:sld>
+</file>
+
+<file path=ppt/slides/slide14.xml><?xml version="1.0" encoding="utf-8"?>
+<p:sld xmlns:a="http://schemas.openxmlformats.org/drawingml/2006/main" xmlns:r="http://schemas.openxmlformats.org/officeDocument/2006/relationships" xmlns:p="http://schemas.openxmlformats.org/presentationml/2006/main">
+  <p:cSld>
+    <p:spTree>
+      <p:nvGrpSpPr>
+        <p:cNvPr id="1" name=""/>
+        <p:cNvGrpSpPr/>
+        <p:nvPr/>
+      </p:nvGrpSpPr>
+      <p:grpSpPr>
+        <a:xfrm>
+          <a:off x="0" y="0"/>
+          <a:ext cx="0" cy="0"/>
+          <a:chOff x="0" y="0"/>
+          <a:chExt cx="0" cy="0"/>
+        </a:xfrm>
+      </p:grpSpPr>
+      <p:sp>
+        <p:nvSpPr>
+          <p:cNvPr id="2" name="Title 1">
+            <a:extLst>
+              <a:ext uri="{FF2B5EF4-FFF2-40B4-BE49-F238E27FC236}">
+                <a16:creationId xmlns:a16="http://schemas.microsoft.com/office/drawing/2014/main" id="{389F0878-093C-271E-0037-CC40F20A8C3F}"/>
+              </a:ext>
+            </a:extLst>
+          </p:cNvPr>
+          <p:cNvSpPr>
+            <a:spLocks noGrp="1"/>
+          </p:cNvSpPr>
+          <p:nvPr>
+            <p:ph type="title"/>
+          </p:nvPr>
+        </p:nvSpPr>
+        <p:spPr/>
+        <p:txBody>
+          <a:bodyPr/>
+          <a:lstStyle/>
+          <a:p>
+            <a:r>
+              <a:rPr lang="en-US" dirty="0" err="1"/>
+              <a:t>TouchOSC</a:t>
+            </a:r>
+            <a:endParaRPr lang="en-NL" dirty="0"/>
+          </a:p>
+        </p:txBody>
+      </p:sp>
+      <p:sp>
+        <p:nvSpPr>
+          <p:cNvPr id="3" name="Content Placeholder 2">
+            <a:extLst>
+              <a:ext uri="{FF2B5EF4-FFF2-40B4-BE49-F238E27FC236}">
+                <a16:creationId xmlns:a16="http://schemas.microsoft.com/office/drawing/2014/main" id="{5EA75592-3CA3-C3B8-E152-3F0431EFEE78}"/>
+              </a:ext>
+            </a:extLst>
+          </p:cNvPr>
+          <p:cNvSpPr>
+            <a:spLocks noGrp="1"/>
+          </p:cNvSpPr>
+          <p:nvPr>
+            <p:ph idx="1"/>
+          </p:nvPr>
+        </p:nvSpPr>
+        <p:spPr/>
+        <p:txBody>
+          <a:bodyPr/>
+          <a:lstStyle/>
+          <a:p>
+            <a:r>
+              <a:rPr lang="en-US" dirty="0"/>
+              <a:t>A touchscreen </a:t>
+            </a:r>
+            <a:r>
+              <a:rPr lang="en-GB" dirty="0"/>
+              <a:t>MIDI and OSC control app</a:t>
+            </a:r>
+          </a:p>
+          <a:p>
+            <a:pPr lvl="1"/>
+            <a:r>
+              <a:rPr lang="en-GB" dirty="0"/>
+              <a:t>Very stable</a:t>
+            </a:r>
+          </a:p>
+          <a:p>
+            <a:pPr lvl="1"/>
+            <a:r>
+              <a:rPr lang="en-GB" dirty="0"/>
+              <a:t>Integrates with everything</a:t>
+            </a:r>
+            <a:endParaRPr lang="en-NL" dirty="0"/>
+          </a:p>
+        </p:txBody>
+      </p:sp>
+    </p:spTree>
+    <p:extLst>
+      <p:ext uri="{BB962C8B-B14F-4D97-AF65-F5344CB8AC3E}">
+        <p14:creationId xmlns:p14="http://schemas.microsoft.com/office/powerpoint/2010/main" val="3736764462"/>
+      </p:ext>
+    </p:extLst>
+  </p:cSld>
+  <p:clrMapOvr>
+    <a:masterClrMapping/>
+  </p:clrMapOvr>
+</p:sld>
+</file>
+
+<file path=ppt/slides/slide15.xml><?xml version="1.0" encoding="utf-8"?>
+<p:sld xmlns:a="http://schemas.openxmlformats.org/drawingml/2006/main" xmlns:r="http://schemas.openxmlformats.org/officeDocument/2006/relationships" xmlns:p="http://schemas.openxmlformats.org/presentationml/2006/main">
+  <p:cSld>
+    <p:bg>
+      <p:bgPr>
+        <a:blipFill rotWithShape="1">
+          <a:blip r:embed="rId2">
+            <a:duotone>
+              <a:schemeClr val="bg2">
+                <a:shade val="69000"/>
+                <a:hueMod val="108000"/>
+                <a:satMod val="164000"/>
+                <a:lumMod val="74000"/>
+              </a:schemeClr>
+              <a:schemeClr val="bg2">
+                <a:tint val="96000"/>
+                <a:hueMod val="88000"/>
+                <a:satMod val="140000"/>
+                <a:lumMod val="132000"/>
+              </a:schemeClr>
+            </a:duotone>
+          </a:blip>
+          <a:stretch/>
+        </a:blipFill>
+        <a:effectLst/>
+      </p:bgPr>
+    </p:bg>
+    <p:spTree>
+      <p:nvGrpSpPr>
+        <p:cNvPr id="1" name=""/>
+        <p:cNvGrpSpPr/>
+        <p:nvPr/>
+      </p:nvGrpSpPr>
+      <p:grpSpPr>
+        <a:xfrm>
+          <a:off x="0" y="0"/>
+          <a:ext cx="0" cy="0"/>
+          <a:chOff x="0" y="0"/>
+          <a:chExt cx="0" cy="0"/>
+        </a:xfrm>
+      </p:grpSpPr>
+      <p:grpSp>
+        <p:nvGrpSpPr>
+          <p:cNvPr id="8" name="Group 7">
+            <a:extLst>
+              <a:ext uri="{FF2B5EF4-FFF2-40B4-BE49-F238E27FC236}">
+                <a16:creationId xmlns:a16="http://schemas.microsoft.com/office/drawing/2014/main" id="{46AC64B6-5299-4EDC-A5BA-C486DE605216}"/>
+              </a:ext>
+              <a:ext uri="{C183D7F6-B498-43B3-948B-1728B52AA6E4}">
+                <adec:decorative xmlns:adec="http://schemas.microsoft.com/office/drawing/2017/decorative" val="1"/>
+              </a:ext>
+            </a:extLst>
+          </p:cNvPr>
+          <p:cNvGrpSpPr>
+            <a:grpSpLocks noGrp="1" noUngrp="1" noRot="1" noChangeAspect="1" noMove="1" noResize="1"/>
+          </p:cNvGrpSpPr>
+          <p:nvPr>
+            <p:extLst>
+              <p:ext uri="{386F3935-93C4-4BCD-93E2-E3B085C9AB24}">
+                <p16:designElem xmlns:p16="http://schemas.microsoft.com/office/powerpoint/2015/main" val="1"/>
+              </p:ext>
+            </p:extLst>
+          </p:nvPr>
+        </p:nvGrpSpPr>
+        <p:grpSpPr>
+          <a:xfrm>
+            <a:off x="-1588" y="0"/>
+            <a:ext cx="12193588" cy="6861555"/>
+            <a:chOff x="-1588" y="0"/>
+            <a:chExt cx="12193588" cy="6861555"/>
+          </a:xfrm>
+        </p:grpSpPr>
+        <p:sp>
+          <p:nvSpPr>
+            <p:cNvPr id="9" name="Rectangle 8">
+              <a:extLst>
+                <a:ext uri="{FF2B5EF4-FFF2-40B4-BE49-F238E27FC236}">
+                  <a16:creationId xmlns:a16="http://schemas.microsoft.com/office/drawing/2014/main" id="{BA11BA08-D406-4EBC-80F9-8C9B138602F0}"/>
+                </a:ext>
+                <a:ext uri="{C183D7F6-B498-43B3-948B-1728B52AA6E4}">
+                  <adec:decorative xmlns:adec="http://schemas.microsoft.com/office/drawing/2017/decorative" val="1"/>
+                </a:ext>
+              </a:extLst>
+            </p:cNvPr>
+            <p:cNvSpPr/>
+            <p:nvPr>
+              <p:extLst>
+                <p:ext uri="{386F3935-93C4-4BCD-93E2-E3B085C9AB24}">
+                  <p16:designElem xmlns:p16="http://schemas.microsoft.com/office/powerpoint/2015/main" val="1"/>
+                </p:ext>
+              </p:extLst>
+            </p:nvPr>
+          </p:nvSpPr>
+          <p:spPr>
+            <a:xfrm>
+              <a:off x="0" y="0"/>
+              <a:ext cx="12192000" cy="6858000"/>
+            </a:xfrm>
+            <a:prstGeom prst="rect">
+              <a:avLst/>
+            </a:prstGeom>
+            <a:blipFill>
+              <a:blip r:embed="rId2">
+                <a:duotone>
+                  <a:schemeClr val="dk2">
+                    <a:shade val="69000"/>
+                    <a:hueMod val="108000"/>
+                    <a:satMod val="164000"/>
+                    <a:lumMod val="74000"/>
+                  </a:schemeClr>
+                  <a:schemeClr val="dk2">
+                    <a:tint val="96000"/>
+                    <a:hueMod val="88000"/>
+                    <a:satMod val="140000"/>
+                    <a:lumMod val="132000"/>
+                  </a:schemeClr>
+                </a:duotone>
+              </a:blip>
+              <a:stretch>
+                <a:fillRect/>
+              </a:stretch>
+            </a:blipFill>
+            <a:ln>
+              <a:noFill/>
+            </a:ln>
+          </p:spPr>
+          <p:style>
+            <a:lnRef idx="2">
+              <a:schemeClr val="accent1">
+                <a:shade val="50000"/>
+              </a:schemeClr>
+            </a:lnRef>
+            <a:fillRef idx="1">
+              <a:schemeClr val="accent1"/>
+            </a:fillRef>
+            <a:effectRef idx="0">
+              <a:schemeClr val="accent1"/>
+            </a:effectRef>
+            <a:fontRef idx="minor">
+              <a:schemeClr val="lt1"/>
+            </a:fontRef>
+          </p:style>
+          <p:txBody>
+            <a:bodyPr/>
+            <a:lstStyle/>
+            <a:p>
+              <a:endParaRPr lang="en-NL"/>
+            </a:p>
+          </p:txBody>
+        </p:sp>
+        <p:sp>
+          <p:nvSpPr>
+            <p:cNvPr id="10" name="Oval 9">
+              <a:extLst>
+                <a:ext uri="{FF2B5EF4-FFF2-40B4-BE49-F238E27FC236}">
+                  <a16:creationId xmlns:a16="http://schemas.microsoft.com/office/drawing/2014/main" id="{1CD848F9-F2DE-446B-8417-F43DDB43661E}"/>
+                </a:ext>
+                <a:ext uri="{C183D7F6-B498-43B3-948B-1728B52AA6E4}">
+                  <adec:decorative xmlns:adec="http://schemas.microsoft.com/office/drawing/2017/decorative" val="1"/>
+                </a:ext>
+              </a:extLst>
+            </p:cNvPr>
+            <p:cNvSpPr/>
+            <p:nvPr>
+              <p:extLst>
+                <p:ext uri="{386F3935-93C4-4BCD-93E2-E3B085C9AB24}">
+                  <p16:designElem xmlns:p16="http://schemas.microsoft.com/office/powerpoint/2015/main" val="1"/>
+                </p:ext>
+              </p:extLst>
+            </p:nvPr>
+          </p:nvSpPr>
+          <p:spPr>
+            <a:xfrm>
+              <a:off x="8761412" y="1828800"/>
+              <a:ext cx="2819400" cy="2819400"/>
+            </a:xfrm>
+            <a:prstGeom prst="ellipse">
+              <a:avLst/>
+            </a:prstGeom>
+            <a:gradFill flip="none" rotWithShape="1">
+              <a:gsLst>
+                <a:gs pos="0">
+                  <a:schemeClr val="accent5">
+                    <a:alpha val="7000"/>
+                  </a:schemeClr>
+                </a:gs>
+                <a:gs pos="69000">
+                  <a:schemeClr val="accent5">
+                    <a:alpha val="0"/>
+                  </a:schemeClr>
+                </a:gs>
+                <a:gs pos="36000">
+                  <a:schemeClr val="accent5">
+                    <a:alpha val="6000"/>
+                  </a:schemeClr>
+                </a:gs>
+              </a:gsLst>
+              <a:path path="circle">
+                <a:fillToRect l="50000" t="50000" r="50000" b="50000"/>
+              </a:path>
+              <a:tileRect/>
+            </a:gradFill>
+            <a:ln>
+              <a:noFill/>
+            </a:ln>
+            <a:effectLst/>
+          </p:spPr>
+          <p:style>
+            <a:lnRef idx="1">
+              <a:schemeClr val="accent1"/>
+            </a:lnRef>
+            <a:fillRef idx="3">
+              <a:schemeClr val="accent1"/>
+            </a:fillRef>
+            <a:effectRef idx="2">
+              <a:schemeClr val="accent1"/>
+            </a:effectRef>
+            <a:fontRef idx="minor">
+              <a:schemeClr val="lt1"/>
+            </a:fontRef>
+          </p:style>
+          <p:txBody>
+            <a:bodyPr/>
+            <a:lstStyle/>
+            <a:p>
+              <a:endParaRPr lang="en-NL"/>
+            </a:p>
+          </p:txBody>
+        </p:sp>
+        <p:sp>
+          <p:nvSpPr>
+            <p:cNvPr id="11" name="Oval 10">
+              <a:extLst>
+                <a:ext uri="{FF2B5EF4-FFF2-40B4-BE49-F238E27FC236}">
+                  <a16:creationId xmlns:a16="http://schemas.microsoft.com/office/drawing/2014/main" id="{2950ADE9-C1AB-43FC-837A-4805DF5D7606}"/>
+                </a:ext>
+                <a:ext uri="{C183D7F6-B498-43B3-948B-1728B52AA6E4}">
+                  <adec:decorative xmlns:adec="http://schemas.microsoft.com/office/drawing/2017/decorative" val="1"/>
+                </a:ext>
+              </a:extLst>
+            </p:cNvPr>
+            <p:cNvSpPr/>
+            <p:nvPr>
+              <p:extLst>
+                <p:ext uri="{386F3935-93C4-4BCD-93E2-E3B085C9AB24}">
+                  <p16:designElem xmlns:p16="http://schemas.microsoft.com/office/powerpoint/2015/main" val="1"/>
+                </p:ext>
+              </p:extLst>
+            </p:nvPr>
+          </p:nvSpPr>
+          <p:spPr>
+            <a:xfrm>
+              <a:off x="8761412" y="5870955"/>
+              <a:ext cx="990600" cy="990600"/>
+            </a:xfrm>
+            <a:prstGeom prst="ellipse">
+              <a:avLst/>
+            </a:prstGeom>
+            <a:gradFill flip="none" rotWithShape="1">
+              <a:gsLst>
+                <a:gs pos="0">
+                  <a:schemeClr val="accent5">
+                    <a:alpha val="14000"/>
+                  </a:schemeClr>
+                </a:gs>
+                <a:gs pos="66000">
+                  <a:schemeClr val="accent5">
+                    <a:alpha val="0"/>
+                  </a:schemeClr>
+                </a:gs>
+                <a:gs pos="36000">
+                  <a:schemeClr val="accent5">
+                    <a:alpha val="7000"/>
+                  </a:schemeClr>
+                </a:gs>
+              </a:gsLst>
+              <a:path path="circle">
+                <a:fillToRect l="50000" t="50000" r="50000" b="50000"/>
+              </a:path>
+              <a:tileRect/>
+            </a:gradFill>
+            <a:ln>
+              <a:noFill/>
+            </a:ln>
+            <a:effectLst/>
+          </p:spPr>
+          <p:style>
+            <a:lnRef idx="1">
+              <a:schemeClr val="accent1"/>
+            </a:lnRef>
+            <a:fillRef idx="3">
+              <a:schemeClr val="accent1"/>
+            </a:fillRef>
+            <a:effectRef idx="2">
+              <a:schemeClr val="accent1"/>
+            </a:effectRef>
+            <a:fontRef idx="minor">
+              <a:schemeClr val="lt1"/>
+            </a:fontRef>
+          </p:style>
+          <p:txBody>
+            <a:bodyPr/>
+            <a:lstStyle/>
+            <a:p>
+              <a:endParaRPr lang="en-NL"/>
+            </a:p>
+          </p:txBody>
+        </p:sp>
+        <p:sp>
+          <p:nvSpPr>
+            <p:cNvPr id="12" name="Oval 11">
+              <a:extLst>
+                <a:ext uri="{FF2B5EF4-FFF2-40B4-BE49-F238E27FC236}">
+                  <a16:creationId xmlns:a16="http://schemas.microsoft.com/office/drawing/2014/main" id="{B4A32DB1-B927-4CC4-86F7-62404124F1A4}"/>
+                </a:ext>
+                <a:ext uri="{C183D7F6-B498-43B3-948B-1728B52AA6E4}">
+                  <adec:decorative xmlns:adec="http://schemas.microsoft.com/office/drawing/2017/decorative" val="1"/>
+                </a:ext>
+              </a:extLst>
+            </p:cNvPr>
+            <p:cNvSpPr/>
+            <p:nvPr>
+              <p:extLst>
+                <p:ext uri="{386F3935-93C4-4BCD-93E2-E3B085C9AB24}">
+                  <p16:designElem xmlns:p16="http://schemas.microsoft.com/office/powerpoint/2015/main" val="1"/>
+                </p:ext>
+              </p:extLst>
+            </p:nvPr>
+          </p:nvSpPr>
+          <p:spPr>
+            <a:xfrm>
+              <a:off x="-1588" y="2667000"/>
+              <a:ext cx="4191000" cy="4191000"/>
+            </a:xfrm>
+            <a:prstGeom prst="ellipse">
+              <a:avLst/>
+            </a:prstGeom>
+            <a:gradFill flip="none" rotWithShape="1">
+              <a:gsLst>
+                <a:gs pos="0">
+                  <a:schemeClr val="accent5">
+                    <a:alpha val="11000"/>
+                  </a:schemeClr>
+                </a:gs>
+                <a:gs pos="75000">
+                  <a:schemeClr val="accent5">
+                    <a:alpha val="0"/>
+                  </a:schemeClr>
+                </a:gs>
+                <a:gs pos="36000">
+                  <a:schemeClr val="accent5">
+                    <a:alpha val="10000"/>
+                  </a:schemeClr>
+                </a:gs>
+              </a:gsLst>
+              <a:path path="circle">
+                <a:fillToRect l="50000" t="50000" r="50000" b="50000"/>
+              </a:path>
+              <a:tileRect/>
+            </a:gradFill>
+            <a:ln>
+              <a:noFill/>
+            </a:ln>
+            <a:effectLst/>
+          </p:spPr>
+          <p:style>
+            <a:lnRef idx="1">
+              <a:schemeClr val="accent1"/>
+            </a:lnRef>
+            <a:fillRef idx="3">
+              <a:schemeClr val="accent1"/>
+            </a:fillRef>
+            <a:effectRef idx="2">
+              <a:schemeClr val="accent1"/>
+            </a:effectRef>
+            <a:fontRef idx="minor">
+              <a:schemeClr val="lt1"/>
+            </a:fontRef>
+          </p:style>
+          <p:txBody>
+            <a:bodyPr/>
+            <a:lstStyle/>
+            <a:p>
+              <a:endParaRPr lang="en-NL"/>
+            </a:p>
+          </p:txBody>
+        </p:sp>
+        <p:sp>
+          <p:nvSpPr>
+            <p:cNvPr id="13" name="Freeform 5">
+              <a:extLst>
+                <a:ext uri="{FF2B5EF4-FFF2-40B4-BE49-F238E27FC236}">
+                  <a16:creationId xmlns:a16="http://schemas.microsoft.com/office/drawing/2014/main" id="{D096476B-32CF-4EEC-A4D2-18B931E5829E}"/>
+                </a:ext>
+                <a:ext uri="{C183D7F6-B498-43B3-948B-1728B52AA6E4}">
+                  <adec:decorative xmlns:adec="http://schemas.microsoft.com/office/drawing/2017/decorative" val="1"/>
+                </a:ext>
+              </a:extLst>
+            </p:cNvPr>
+            <p:cNvSpPr>
+              <a:spLocks noEditPoints="1"/>
+            </p:cNvSpPr>
+            <p:nvPr>
+              <p:extLst>
+                <p:ext uri="{386F3935-93C4-4BCD-93E2-E3B085C9AB24}">
+                  <p16:designElem xmlns:p16="http://schemas.microsoft.com/office/powerpoint/2015/main" val="1"/>
+                </p:ext>
+              </p:extLst>
+            </p:nvPr>
+          </p:nvSpPr>
+          <p:spPr bwMode="gray">
+            <a:xfrm>
+              <a:off x="0" y="1587"/>
+              <a:ext cx="12192000" cy="6856413"/>
+            </a:xfrm>
+            <a:custGeom>
+              <a:avLst/>
+              <a:gdLst/>
+              <a:ahLst/>
+              <a:cxnLst/>
+              <a:rect l="0" t="0" r="r" b="b"/>
+              <a:pathLst>
+                <a:path w="15356" h="8638">
+                  <a:moveTo>
+                    <a:pt x="0" y="0"/>
+                  </a:moveTo>
+                  <a:lnTo>
+                    <a:pt x="0" y="8638"/>
+                  </a:lnTo>
+                  <a:lnTo>
+                    <a:pt x="15356" y="8638"/>
+                  </a:lnTo>
+                  <a:lnTo>
+                    <a:pt x="15356" y="0"/>
+                  </a:lnTo>
+                  <a:lnTo>
+                    <a:pt x="0" y="0"/>
+                  </a:lnTo>
+                  <a:close/>
+                  <a:moveTo>
+                    <a:pt x="14748" y="8038"/>
+                  </a:moveTo>
+                  <a:lnTo>
+                    <a:pt x="600" y="8038"/>
+                  </a:lnTo>
+                  <a:lnTo>
+                    <a:pt x="600" y="592"/>
+                  </a:lnTo>
+                  <a:lnTo>
+                    <a:pt x="14748" y="592"/>
+                  </a:lnTo>
+                  <a:lnTo>
+                    <a:pt x="14748" y="8038"/>
+                  </a:lnTo>
+                  <a:close/>
+                </a:path>
+              </a:pathLst>
+            </a:custGeom>
+            <a:solidFill>
+              <a:schemeClr val="bg1"/>
+            </a:solidFill>
+            <a:ln>
+              <a:noFill/>
+            </a:ln>
+          </p:spPr>
+          <p:txBody>
+            <a:bodyPr/>
+            <a:lstStyle/>
+            <a:p>
+              <a:endParaRPr lang="en-NL"/>
+            </a:p>
+          </p:txBody>
+        </p:sp>
+      </p:grpSp>
+      <p:sp>
+        <p:nvSpPr>
+          <p:cNvPr id="15" name="Rectangle 14">
+            <a:extLst>
+              <a:ext uri="{FF2B5EF4-FFF2-40B4-BE49-F238E27FC236}">
+                <a16:creationId xmlns:a16="http://schemas.microsoft.com/office/drawing/2014/main" id="{CB300B9C-C1F6-47BC-A43F-3B172CD7FF3C}"/>
+              </a:ext>
+              <a:ext uri="{C183D7F6-B498-43B3-948B-1728B52AA6E4}">
+                <adec:decorative xmlns:adec="http://schemas.microsoft.com/office/drawing/2017/decorative" val="1"/>
+              </a:ext>
+            </a:extLst>
+          </p:cNvPr>
+          <p:cNvSpPr>
+            <a:spLocks noGrp="1" noRot="1" noChangeAspect="1" noMove="1" noResize="1" noEditPoints="1" noAdjustHandles="1" noChangeArrowheads="1" noChangeShapeType="1" noTextEdit="1"/>
+          </p:cNvSpPr>
+          <p:nvPr>
+            <p:extLst>
+              <p:ext uri="{386F3935-93C4-4BCD-93E2-E3B085C9AB24}">
+                <p16:designElem xmlns:p16="http://schemas.microsoft.com/office/powerpoint/2015/main" val="1"/>
+              </p:ext>
+            </p:extLst>
+          </p:nvPr>
+        </p:nvSpPr>
+        <p:spPr>
+          <a:xfrm>
+            <a:off x="10437812" y="0"/>
+            <a:ext cx="685800" cy="1143000"/>
+          </a:xfrm>
+          <a:prstGeom prst="rect">
+            <a:avLst/>
+          </a:prstGeom>
+          <a:solidFill>
+            <a:schemeClr val="accent1"/>
+          </a:solidFill>
+          <a:ln>
+            <a:noFill/>
+          </a:ln>
+        </p:spPr>
+        <p:style>
+          <a:lnRef idx="1">
+            <a:schemeClr val="accent1"/>
+          </a:lnRef>
+          <a:fillRef idx="3">
+            <a:schemeClr val="accent1"/>
+          </a:fillRef>
+          <a:effectRef idx="2">
+            <a:schemeClr val="accent1"/>
+          </a:effectRef>
+          <a:fontRef idx="minor">
+            <a:schemeClr val="lt1"/>
+          </a:fontRef>
+        </p:style>
+        <p:txBody>
+          <a:bodyPr/>
+          <a:lstStyle/>
+          <a:p>
+            <a:endParaRPr lang="en-NL"/>
+          </a:p>
+        </p:txBody>
+      </p:sp>
+      <p:grpSp>
+        <p:nvGrpSpPr>
+          <p:cNvPr id="17" name="Group 16">
+            <a:extLst>
+              <a:ext uri="{FF2B5EF4-FFF2-40B4-BE49-F238E27FC236}">
+                <a16:creationId xmlns:a16="http://schemas.microsoft.com/office/drawing/2014/main" id="{F1ECA4FE-7D2F-4576-B767-3A5F5ABFE90F}"/>
+              </a:ext>
+              <a:ext uri="{C183D7F6-B498-43B3-948B-1728B52AA6E4}">
+                <adec:decorative xmlns:adec="http://schemas.microsoft.com/office/drawing/2017/decorative" val="1"/>
+              </a:ext>
+            </a:extLst>
+          </p:cNvPr>
+          <p:cNvGrpSpPr>
+            <a:grpSpLocks noGrp="1" noUngrp="1" noRot="1" noChangeAspect="1" noMove="1" noResize="1"/>
+          </p:cNvGrpSpPr>
+          <p:nvPr>
+            <p:extLst>
+              <p:ext uri="{386F3935-93C4-4BCD-93E2-E3B085C9AB24}">
+                <p16:designElem xmlns:p16="http://schemas.microsoft.com/office/powerpoint/2015/main" val="1"/>
+              </p:ext>
+            </p:extLst>
+          </p:nvPr>
+        </p:nvGrpSpPr>
+        <p:grpSpPr>
+          <a:xfrm>
+            <a:off x="0" y="0"/>
+            <a:ext cx="12192000" cy="6858000"/>
+            <a:chOff x="0" y="0"/>
+            <a:chExt cx="12192000" cy="6858000"/>
+          </a:xfrm>
+        </p:grpSpPr>
+        <p:sp useBgFill="1">
+          <p:nvSpPr>
+            <p:cNvPr id="18" name="Rectangle 17">
+              <a:extLst>
+                <a:ext uri="{FF2B5EF4-FFF2-40B4-BE49-F238E27FC236}">
+                  <a16:creationId xmlns:a16="http://schemas.microsoft.com/office/drawing/2014/main" id="{5969441E-5462-4859-86CD-1737FDE36046}"/>
+                </a:ext>
+                <a:ext uri="{C183D7F6-B498-43B3-948B-1728B52AA6E4}">
+                  <adec:decorative xmlns:adec="http://schemas.microsoft.com/office/drawing/2017/decorative" val="1"/>
+                </a:ext>
+              </a:extLst>
+            </p:cNvPr>
+            <p:cNvSpPr/>
+            <p:nvPr>
+              <p:extLst>
+                <p:ext uri="{386F3935-93C4-4BCD-93E2-E3B085C9AB24}">
+                  <p16:designElem xmlns:p16="http://schemas.microsoft.com/office/powerpoint/2015/main" val="1"/>
+                </p:ext>
+              </p:extLst>
+            </p:nvPr>
+          </p:nvSpPr>
+          <p:spPr>
+            <a:xfrm>
+              <a:off x="0" y="0"/>
+              <a:ext cx="12192000" cy="6858000"/>
+            </a:xfrm>
+            <a:prstGeom prst="rect">
+              <a:avLst/>
+            </a:prstGeom>
+            <a:ln>
+              <a:noFill/>
+            </a:ln>
+          </p:spPr>
+          <p:style>
+            <a:lnRef idx="2">
+              <a:schemeClr val="accent1">
+                <a:shade val="50000"/>
+              </a:schemeClr>
+            </a:lnRef>
+            <a:fillRef idx="1">
+              <a:schemeClr val="accent1"/>
+            </a:fillRef>
+            <a:effectRef idx="0">
+              <a:schemeClr val="accent1"/>
+            </a:effectRef>
+            <a:fontRef idx="minor">
+              <a:schemeClr val="lt1"/>
+            </a:fontRef>
+          </p:style>
+          <p:txBody>
+            <a:bodyPr/>
+            <a:lstStyle/>
+            <a:p>
+              <a:endParaRPr lang="en-NL"/>
+            </a:p>
+          </p:txBody>
+        </p:sp>
+        <p:sp>
+          <p:nvSpPr>
+            <p:cNvPr id="19" name="Freeform 5">
+              <a:extLst>
+                <a:ext uri="{FF2B5EF4-FFF2-40B4-BE49-F238E27FC236}">
+                  <a16:creationId xmlns:a16="http://schemas.microsoft.com/office/drawing/2014/main" id="{596BD4B5-6833-40CC-96FE-EDC675634264}"/>
+                </a:ext>
+                <a:ext uri="{C183D7F6-B498-43B3-948B-1728B52AA6E4}">
+                  <adec:decorative xmlns:adec="http://schemas.microsoft.com/office/drawing/2017/decorative" val="1"/>
+                </a:ext>
+              </a:extLst>
+            </p:cNvPr>
+            <p:cNvSpPr>
+              <a:spLocks noEditPoints="1"/>
+            </p:cNvSpPr>
+            <p:nvPr>
+              <p:extLst>
+                <p:ext uri="{386F3935-93C4-4BCD-93E2-E3B085C9AB24}">
+                  <p16:designElem xmlns:p16="http://schemas.microsoft.com/office/powerpoint/2015/main" val="1"/>
+                </p:ext>
+              </p:extLst>
+            </p:nvPr>
+          </p:nvSpPr>
+          <p:spPr bwMode="gray">
+            <a:xfrm>
+              <a:off x="0" y="1587"/>
+              <a:ext cx="12192000" cy="6856413"/>
+            </a:xfrm>
+            <a:custGeom>
+              <a:avLst/>
+              <a:gdLst/>
+              <a:ahLst/>
+              <a:cxnLst/>
+              <a:rect l="0" t="0" r="r" b="b"/>
+              <a:pathLst>
+                <a:path w="15356" h="8638">
+                  <a:moveTo>
+                    <a:pt x="0" y="0"/>
+                  </a:moveTo>
+                  <a:lnTo>
+                    <a:pt x="0" y="8638"/>
+                  </a:lnTo>
+                  <a:lnTo>
+                    <a:pt x="15356" y="8638"/>
+                  </a:lnTo>
+                  <a:lnTo>
+                    <a:pt x="15356" y="0"/>
+                  </a:lnTo>
+                  <a:lnTo>
+                    <a:pt x="0" y="0"/>
+                  </a:lnTo>
+                  <a:close/>
+                  <a:moveTo>
+                    <a:pt x="14748" y="8038"/>
+                  </a:moveTo>
+                  <a:lnTo>
+                    <a:pt x="600" y="8038"/>
+                  </a:lnTo>
+                  <a:lnTo>
+                    <a:pt x="600" y="592"/>
+                  </a:lnTo>
+                  <a:lnTo>
+                    <a:pt x="14748" y="592"/>
+                  </a:lnTo>
+                  <a:lnTo>
+                    <a:pt x="14748" y="8038"/>
+                  </a:lnTo>
+                  <a:close/>
+                </a:path>
+              </a:pathLst>
+            </a:custGeom>
+            <a:solidFill>
+              <a:srgbClr val="FFFFFF"/>
+            </a:solidFill>
+            <a:ln>
+              <a:noFill/>
+            </a:ln>
+          </p:spPr>
+          <p:txBody>
+            <a:bodyPr/>
+            <a:lstStyle/>
+            <a:p>
+              <a:endParaRPr lang="en-NL"/>
+            </a:p>
+          </p:txBody>
+        </p:sp>
+      </p:grpSp>
+      <p:sp>
+        <p:nvSpPr>
+          <p:cNvPr id="2" name="Title 1">
+            <a:extLst>
+              <a:ext uri="{FF2B5EF4-FFF2-40B4-BE49-F238E27FC236}">
+                <a16:creationId xmlns:a16="http://schemas.microsoft.com/office/drawing/2014/main" id="{5439001B-C6D9-7F20-10CC-DFFDEBAA7DF9}"/>
+              </a:ext>
+            </a:extLst>
+          </p:cNvPr>
+          <p:cNvSpPr>
+            <a:spLocks noGrp="1"/>
+          </p:cNvSpPr>
+          <p:nvPr>
+            <p:ph type="title"/>
+          </p:nvPr>
+        </p:nvSpPr>
+        <p:spPr>
+          <a:xfrm>
+            <a:off x="1683171" y="1169773"/>
+            <a:ext cx="8825658" cy="2870161"/>
+          </a:xfrm>
+        </p:spPr>
+        <p:txBody>
+          <a:bodyPr vert="horz" lIns="91440" tIns="45720" rIns="91440" bIns="45720" rtlCol="0" anchor="b">
+            <a:normAutofit/>
+          </a:bodyPr>
+          <a:lstStyle/>
+          <a:p>
+            <a:pPr algn="ctr"/>
+            <a:r>
+              <a:rPr lang="en-US" sz="5400" b="0">
+                <a:solidFill>
+                  <a:schemeClr val="tx1"/>
+                </a:solidFill>
+                <a:latin typeface="+mj-lt"/>
+              </a:rPr>
+              <a:t>Hands on</a:t>
+            </a:r>
+          </a:p>
+        </p:txBody>
+      </p:sp>
+      <p:sp>
+        <p:nvSpPr>
+          <p:cNvPr id="3" name="Content Placeholder 2">
+            <a:extLst>
+              <a:ext uri="{FF2B5EF4-FFF2-40B4-BE49-F238E27FC236}">
+                <a16:creationId xmlns:a16="http://schemas.microsoft.com/office/drawing/2014/main" id="{F5E26930-6E9F-5B56-6FB2-26BC3AA77D3B}"/>
+              </a:ext>
+            </a:extLst>
+          </p:cNvPr>
+          <p:cNvSpPr>
+            <a:spLocks noGrp="1"/>
+          </p:cNvSpPr>
+          <p:nvPr>
+            <p:ph idx="1"/>
+          </p:nvPr>
+        </p:nvSpPr>
+        <p:spPr>
+          <a:xfrm>
+            <a:off x="1683171" y="4293441"/>
+            <a:ext cx="8825658" cy="1234148"/>
+          </a:xfrm>
+        </p:spPr>
+        <p:txBody>
+          <a:bodyPr vert="horz" lIns="91440" tIns="45720" rIns="91440" bIns="45720" rtlCol="0" anchor="t">
+            <a:normAutofit/>
+          </a:bodyPr>
+          <a:lstStyle/>
+          <a:p>
+            <a:pPr marL="0" indent="0" algn="ctr">
+              <a:buNone/>
+            </a:pPr>
+            <a:r>
+              <a:rPr lang="en-US" sz="2000" cap="all" dirty="0">
+                <a:solidFill>
+                  <a:schemeClr val="tx2">
+                    <a:lumMod val="40000"/>
+                    <a:lumOff val="60000"/>
+                  </a:schemeClr>
+                </a:solidFill>
+                <a:latin typeface="+mn-lt"/>
+              </a:rPr>
+              <a:t>Make a </a:t>
+            </a:r>
+            <a:r>
+              <a:rPr lang="en-US" sz="2000" cap="all" dirty="0" err="1">
+                <a:solidFill>
+                  <a:schemeClr val="tx2">
+                    <a:lumMod val="40000"/>
+                    <a:lumOff val="60000"/>
+                  </a:schemeClr>
+                </a:solidFill>
+                <a:latin typeface="+mn-lt"/>
+              </a:rPr>
+              <a:t>touchOSC</a:t>
+            </a:r>
+            <a:r>
+              <a:rPr lang="en-US" sz="2000" cap="all" dirty="0">
+                <a:solidFill>
+                  <a:schemeClr val="tx2">
+                    <a:lumMod val="40000"/>
+                    <a:lumOff val="60000"/>
+                  </a:schemeClr>
+                </a:solidFill>
+                <a:latin typeface="+mn-lt"/>
+              </a:rPr>
+              <a:t> interface to make your animation interactive</a:t>
+            </a:r>
+          </a:p>
+        </p:txBody>
+      </p:sp>
+      <p:cxnSp>
+        <p:nvCxnSpPr>
+          <p:cNvPr id="21" name="Straight Connector 20">
+            <a:extLst>
+              <a:ext uri="{FF2B5EF4-FFF2-40B4-BE49-F238E27FC236}">
+                <a16:creationId xmlns:a16="http://schemas.microsoft.com/office/drawing/2014/main" id="{E81F53E2-F556-42FA-8D24-113839EE19F8}"/>
+              </a:ext>
+              <a:ext uri="{C183D7F6-B498-43B3-948B-1728B52AA6E4}">
+                <adec:decorative xmlns:adec="http://schemas.microsoft.com/office/drawing/2017/decorative" val="1"/>
+              </a:ext>
+            </a:extLst>
+          </p:cNvPr>
+          <p:cNvCxnSpPr>
+            <a:cxnSpLocks noGrp="1" noRot="1" noChangeAspect="1" noMove="1" noResize="1" noEditPoints="1" noAdjustHandles="1" noChangeArrowheads="1" noChangeShapeType="1"/>
+          </p:cNvCxnSpPr>
+          <p:nvPr>
+            <p:extLst>
+              <p:ext uri="{386F3935-93C4-4BCD-93E2-E3B085C9AB24}">
+                <p16:designElem xmlns:p16="http://schemas.microsoft.com/office/powerpoint/2015/main" val="1"/>
+              </p:ext>
+            </p:extLst>
+          </p:nvPr>
+        </p:nvCxnSpPr>
+        <p:spPr>
+          <a:xfrm>
+            <a:off x="5758249" y="4166888"/>
+            <a:ext cx="675502" cy="0"/>
+          </a:xfrm>
+          <a:prstGeom prst="line">
+            <a:avLst/>
+          </a:prstGeom>
+          <a:ln w="12700">
+            <a:solidFill>
+              <a:schemeClr val="accent1">
+                <a:lumMod val="60000"/>
+                <a:lumOff val="40000"/>
+              </a:schemeClr>
+            </a:solidFill>
+          </a:ln>
+        </p:spPr>
+        <p:style>
+          <a:lnRef idx="1">
+            <a:schemeClr val="accent1"/>
+          </a:lnRef>
+          <a:fillRef idx="0">
+            <a:schemeClr val="accent1"/>
+          </a:fillRef>
+          <a:effectRef idx="0">
+            <a:schemeClr val="accent1"/>
+          </a:effectRef>
+          <a:fontRef idx="minor">
+            <a:schemeClr val="tx1"/>
+          </a:fontRef>
+        </p:style>
+      </p:cxnSp>
+    </p:spTree>
+    <p:extLst>
+      <p:ext uri="{BB962C8B-B14F-4D97-AF65-F5344CB8AC3E}">
+        <p14:creationId xmlns:p14="http://schemas.microsoft.com/office/powerpoint/2010/main" val="2984658357"/>
+      </p:ext>
+    </p:extLst>
+  </p:cSld>
+  <p:clrMapOvr>
+    <a:overrideClrMapping bg1="dk1" tx1="lt1" bg2="dk2" tx2="lt2" accent1="accent1" accent2="accent2" accent3="accent3" accent4="accent4" accent5="accent5" accent6="accent6" hlink="hlink" folHlink="folHlink"/>
+  </p:clrMapOvr>
+  <p:timing>
+    <p:tnLst>
+      <p:par>
+        <p:cTn id="1" dur="indefinite" restart="never" nodeType="tmRoot">
+          <p:childTnLst>
+            <p:seq concurrent="1" nextAc="seek">
+              <p:cTn id="2" dur="indefinite" nodeType="mainSeq">
+                <p:childTnLst>
+                  <p:par>
+                    <p:cTn id="3" fill="hold">
+                      <p:stCondLst>
+                        <p:cond delay="indefinite"/>
+                        <p:cond evt="onBegin" delay="0">
+                          <p:tn val="2"/>
+                        </p:cond>
+                      </p:stCondLst>
+                      <p:childTnLst>
+                        <p:par>
+                          <p:cTn id="4" fill="hold">
+                            <p:stCondLst>
+                              <p:cond delay="0"/>
+                            </p:stCondLst>
+                            <p:childTnLst>
+                              <p:par>
+                                <p:cTn id="5" presetID="10" presetClass="entr" presetSubtype="0" fill="hold" grpId="0" nodeType="withEffect">
+                                  <p:stCondLst>
+                                    <p:cond delay="500"/>
+                                  </p:stCondLst>
+                                  <p:iterate>
+                                    <p:tmPct val="10000"/>
+                                  </p:iterate>
+                                  <p:childTnLst>
+                                    <p:set>
+                                      <p:cBhvr>
+                                        <p:cTn id="6" dur="1" fill="hold">
+                                          <p:stCondLst>
+                                            <p:cond delay="0"/>
+                                          </p:stCondLst>
+                                        </p:cTn>
+                                        <p:tgtEl>
+                                          <p:spTgt spid="2"/>
+                                        </p:tgtEl>
+                                        <p:attrNameLst>
+                                          <p:attrName>style.visibility</p:attrName>
+                                        </p:attrNameLst>
+                                      </p:cBhvr>
+                                      <p:to>
+                                        <p:strVal val="visible"/>
+                                      </p:to>
+                                    </p:set>
+                                    <p:animEffect transition="in" filter="fade">
+                                      <p:cBhvr>
+                                        <p:cTn id="7" dur="700"/>
+                                        <p:tgtEl>
+                                          <p:spTgt spid="2"/>
+                                        </p:tgtEl>
+                                      </p:cBhvr>
+                                    </p:animEffect>
+                                  </p:childTnLst>
+                                </p:cTn>
+                              </p:par>
+                            </p:childTnLst>
+                          </p:cTn>
+                        </p:par>
+                      </p:childTnLst>
+                    </p:cTn>
+                  </p:par>
+                </p:childTnLst>
+              </p:cTn>
+              <p:prevCondLst>
+                <p:cond evt="onPrev" delay="0">
+                  <p:tgtEl>
+                    <p:sldTgt/>
+                  </p:tgtEl>
+                </p:cond>
+              </p:prevCondLst>
+              <p:nextCondLst>
+                <p:cond evt="onNext" delay="0">
+                  <p:tgtEl>
+                    <p:sldTgt/>
+                  </p:tgtEl>
+                </p:cond>
+              </p:nextCondLst>
+            </p:seq>
+          </p:childTnLst>
+        </p:cTn>
+      </p:par>
+    </p:tnLst>
+    <p:bldLst>
+      <p:bldP spid="2" grpId="0"/>
+    </p:bldLst>
+  </p:timing>
+</p:sld>
+</file>
+
+<file path=ppt/slides/slide16.xml><?xml version="1.0" encoding="utf-8"?>
+<p:sld xmlns:a="http://schemas.openxmlformats.org/drawingml/2006/main" xmlns:r="http://schemas.openxmlformats.org/officeDocument/2006/relationships" xmlns:p="http://schemas.openxmlformats.org/presentationml/2006/main">
+  <p:cSld>
+    <p:bg>
+      <p:bgPr>
         <a:solidFill>
           <a:schemeClr val="bg1"/>
         </a:solidFill>
@@ -16555,12 +20119,673 @@
           <a:chExt cx="0" cy="0"/>
         </a:xfrm>
       </p:grpSpPr>
+      <p:grpSp>
+        <p:nvGrpSpPr>
+          <p:cNvPr id="1031" name="Group 1030">
+            <a:extLst>
+              <a:ext uri="{FF2B5EF4-FFF2-40B4-BE49-F238E27FC236}">
+                <a16:creationId xmlns:a16="http://schemas.microsoft.com/office/drawing/2014/main" id="{ABEA2F5B-C6EF-489E-A73C-BFDD2CF65B45}"/>
+              </a:ext>
+              <a:ext uri="{C183D7F6-B498-43B3-948B-1728B52AA6E4}">
+                <adec:decorative xmlns:adec="http://schemas.microsoft.com/office/drawing/2017/decorative" val="1"/>
+              </a:ext>
+            </a:extLst>
+          </p:cNvPr>
+          <p:cNvGrpSpPr>
+            <a:grpSpLocks noGrp="1" noUngrp="1" noRot="1" noChangeAspect="1" noMove="1" noResize="1"/>
+          </p:cNvGrpSpPr>
+          <p:nvPr>
+            <p:extLst>
+              <p:ext uri="{386F3935-93C4-4BCD-93E2-E3B085C9AB24}">
+                <p16:designElem xmlns:p16="http://schemas.microsoft.com/office/powerpoint/2015/main" val="1"/>
+              </p:ext>
+            </p:extLst>
+          </p:nvPr>
+        </p:nvGrpSpPr>
+        <p:grpSpPr>
+          <a:xfrm>
+            <a:off x="0" y="0"/>
+            <a:ext cx="12193588" cy="6866790"/>
+            <a:chOff x="0" y="0"/>
+            <a:chExt cx="12193588" cy="6866790"/>
+          </a:xfrm>
+        </p:grpSpPr>
+        <p:sp>
+          <p:nvSpPr>
+            <p:cNvPr id="1032" name="Rectangle 1031">
+              <a:extLst>
+                <a:ext uri="{FF2B5EF4-FFF2-40B4-BE49-F238E27FC236}">
+                  <a16:creationId xmlns:a16="http://schemas.microsoft.com/office/drawing/2014/main" id="{383A635D-BD9D-41E9-A9DB-257C3E9A6082}"/>
+                </a:ext>
+                <a:ext uri="{C183D7F6-B498-43B3-948B-1728B52AA6E4}">
+                  <adec:decorative xmlns:adec="http://schemas.microsoft.com/office/drawing/2017/decorative" val="1"/>
+                </a:ext>
+              </a:extLst>
+            </p:cNvPr>
+            <p:cNvSpPr/>
+            <p:nvPr>
+              <p:extLst>
+                <p:ext uri="{386F3935-93C4-4BCD-93E2-E3B085C9AB24}">
+                  <p16:designElem xmlns:p16="http://schemas.microsoft.com/office/powerpoint/2015/main" val="1"/>
+                </p:ext>
+              </p:extLst>
+            </p:nvPr>
+          </p:nvSpPr>
+          <p:spPr>
+            <a:xfrm>
+              <a:off x="1588" y="8790"/>
+              <a:ext cx="12192000" cy="6858000"/>
+            </a:xfrm>
+            <a:prstGeom prst="rect">
+              <a:avLst/>
+            </a:prstGeom>
+            <a:blipFill>
+              <a:blip r:embed="rId2">
+                <a:duotone>
+                  <a:schemeClr val="dk2">
+                    <a:shade val="69000"/>
+                    <a:hueMod val="108000"/>
+                    <a:satMod val="164000"/>
+                    <a:lumMod val="74000"/>
+                  </a:schemeClr>
+                  <a:schemeClr val="dk2">
+                    <a:tint val="96000"/>
+                    <a:hueMod val="88000"/>
+                    <a:satMod val="140000"/>
+                    <a:lumMod val="132000"/>
+                  </a:schemeClr>
+                </a:duotone>
+              </a:blip>
+              <a:stretch>
+                <a:fillRect/>
+              </a:stretch>
+            </a:blipFill>
+            <a:ln>
+              <a:noFill/>
+            </a:ln>
+          </p:spPr>
+          <p:style>
+            <a:lnRef idx="2">
+              <a:schemeClr val="accent1">
+                <a:shade val="50000"/>
+              </a:schemeClr>
+            </a:lnRef>
+            <a:fillRef idx="1">
+              <a:schemeClr val="accent1"/>
+            </a:fillRef>
+            <a:effectRef idx="0">
+              <a:schemeClr val="accent1"/>
+            </a:effectRef>
+            <a:fontRef idx="minor">
+              <a:schemeClr val="lt1"/>
+            </a:fontRef>
+          </p:style>
+          <p:txBody>
+            <a:bodyPr/>
+            <a:lstStyle/>
+            <a:p>
+              <a:endParaRPr lang="en-NL"/>
+            </a:p>
+          </p:txBody>
+        </p:sp>
+        <p:sp>
+          <p:nvSpPr>
+            <p:cNvPr id="1033" name="Freeform 5">
+              <a:extLst>
+                <a:ext uri="{FF2B5EF4-FFF2-40B4-BE49-F238E27FC236}">
+                  <a16:creationId xmlns:a16="http://schemas.microsoft.com/office/drawing/2014/main" id="{3ABEB35E-87CA-4CD5-90A1-A343D17DEED7}"/>
+                </a:ext>
+                <a:ext uri="{C183D7F6-B498-43B3-948B-1728B52AA6E4}">
+                  <adec:decorative xmlns:adec="http://schemas.microsoft.com/office/drawing/2017/decorative" val="1"/>
+                </a:ext>
+              </a:extLst>
+            </p:cNvPr>
+            <p:cNvSpPr>
+              <a:spLocks noEditPoints="1"/>
+            </p:cNvSpPr>
+            <p:nvPr>
+              <p:extLst>
+                <p:ext uri="{386F3935-93C4-4BCD-93E2-E3B085C9AB24}">
+                  <p16:designElem xmlns:p16="http://schemas.microsoft.com/office/powerpoint/2015/main" val="1"/>
+                </p:ext>
+              </p:extLst>
+            </p:nvPr>
+          </p:nvSpPr>
+          <p:spPr bwMode="gray">
+            <a:xfrm>
+              <a:off x="0" y="10377"/>
+              <a:ext cx="12192000" cy="6856413"/>
+            </a:xfrm>
+            <a:custGeom>
+              <a:avLst/>
+              <a:gdLst/>
+              <a:ahLst/>
+              <a:cxnLst/>
+              <a:rect l="0" t="0" r="r" b="b"/>
+              <a:pathLst>
+                <a:path w="15356" h="8638">
+                  <a:moveTo>
+                    <a:pt x="0" y="0"/>
+                  </a:moveTo>
+                  <a:lnTo>
+                    <a:pt x="0" y="8638"/>
+                  </a:lnTo>
+                  <a:lnTo>
+                    <a:pt x="15356" y="8638"/>
+                  </a:lnTo>
+                  <a:lnTo>
+                    <a:pt x="15356" y="0"/>
+                  </a:lnTo>
+                  <a:lnTo>
+                    <a:pt x="0" y="0"/>
+                  </a:lnTo>
+                  <a:close/>
+                  <a:moveTo>
+                    <a:pt x="14748" y="8038"/>
+                  </a:moveTo>
+                  <a:lnTo>
+                    <a:pt x="600" y="8038"/>
+                  </a:lnTo>
+                  <a:lnTo>
+                    <a:pt x="600" y="592"/>
+                  </a:lnTo>
+                  <a:lnTo>
+                    <a:pt x="14748" y="592"/>
+                  </a:lnTo>
+                  <a:lnTo>
+                    <a:pt x="14748" y="8038"/>
+                  </a:lnTo>
+                  <a:close/>
+                </a:path>
+              </a:pathLst>
+            </a:custGeom>
+            <a:solidFill>
+              <a:schemeClr val="bg1"/>
+            </a:solidFill>
+            <a:ln>
+              <a:noFill/>
+            </a:ln>
+          </p:spPr>
+          <p:txBody>
+            <a:bodyPr/>
+            <a:lstStyle/>
+            <a:p>
+              <a:endParaRPr lang="en-NL"/>
+            </a:p>
+          </p:txBody>
+        </p:sp>
+        <p:sp>
+          <p:nvSpPr>
+            <p:cNvPr id="1034" name="Freeform 5">
+              <a:extLst>
+                <a:ext uri="{FF2B5EF4-FFF2-40B4-BE49-F238E27FC236}">
+                  <a16:creationId xmlns:a16="http://schemas.microsoft.com/office/drawing/2014/main" id="{E3EBD4A2-086A-4FBD-BBCB-6F2751A0B2F7}"/>
+                </a:ext>
+                <a:ext uri="{C183D7F6-B498-43B3-948B-1728B52AA6E4}">
+                  <adec:decorative xmlns:adec="http://schemas.microsoft.com/office/drawing/2017/decorative" val="1"/>
+                </a:ext>
+              </a:extLst>
+            </p:cNvPr>
+            <p:cNvSpPr/>
+            <p:nvPr>
+              <p:extLst>
+                <p:ext uri="{386F3935-93C4-4BCD-93E2-E3B085C9AB24}">
+                  <p16:designElem xmlns:p16="http://schemas.microsoft.com/office/powerpoint/2015/main" val="1"/>
+                </p:ext>
+              </p:extLst>
+            </p:nvPr>
+          </p:nvSpPr>
+          <p:spPr bwMode="gray">
+            <a:xfrm rot="16200000">
+              <a:off x="4852752" y="2783987"/>
+              <a:ext cx="6053670" cy="1254558"/>
+            </a:xfrm>
+            <a:custGeom>
+              <a:avLst/>
+              <a:gdLst/>
+              <a:ahLst/>
+              <a:cxnLst/>
+              <a:rect l="l" t="t" r="r" b="b"/>
+              <a:pathLst>
+                <a:path w="10000" h="8000">
+                  <a:moveTo>
+                    <a:pt x="0" y="0"/>
+                  </a:moveTo>
+                  <a:lnTo>
+                    <a:pt x="0" y="7970"/>
+                  </a:lnTo>
+                  <a:lnTo>
+                    <a:pt x="10000" y="8000"/>
+                  </a:lnTo>
+                  <a:lnTo>
+                    <a:pt x="10000" y="7"/>
+                  </a:lnTo>
+                  <a:lnTo>
+                    <a:pt x="10000" y="7"/>
+                  </a:lnTo>
+                  <a:lnTo>
+                    <a:pt x="9773" y="156"/>
+                  </a:lnTo>
+                  <a:lnTo>
+                    <a:pt x="9547" y="298"/>
+                  </a:lnTo>
+                  <a:lnTo>
+                    <a:pt x="9320" y="437"/>
+                  </a:lnTo>
+                  <a:lnTo>
+                    <a:pt x="9092" y="556"/>
+                  </a:lnTo>
+                  <a:lnTo>
+                    <a:pt x="8865" y="676"/>
+                  </a:lnTo>
+                  <a:lnTo>
+                    <a:pt x="8637" y="788"/>
+                  </a:lnTo>
+                  <a:lnTo>
+                    <a:pt x="8412" y="884"/>
+                  </a:lnTo>
+                  <a:lnTo>
+                    <a:pt x="8184" y="975"/>
+                  </a:lnTo>
+                  <a:lnTo>
+                    <a:pt x="7957" y="1058"/>
+                  </a:lnTo>
+                  <a:lnTo>
+                    <a:pt x="7734" y="1130"/>
+                  </a:lnTo>
+                  <a:lnTo>
+                    <a:pt x="7508" y="1202"/>
+                  </a:lnTo>
+                  <a:lnTo>
+                    <a:pt x="7285" y="1262"/>
+                  </a:lnTo>
+                  <a:lnTo>
+                    <a:pt x="7062" y="1309"/>
+                  </a:lnTo>
+                  <a:lnTo>
+                    <a:pt x="6840" y="1358"/>
+                  </a:lnTo>
+                  <a:lnTo>
+                    <a:pt x="6620" y="1399"/>
+                  </a:lnTo>
+                  <a:lnTo>
+                    <a:pt x="6402" y="1428"/>
+                  </a:lnTo>
+                  <a:lnTo>
+                    <a:pt x="6184" y="1453"/>
+                  </a:lnTo>
+                  <a:lnTo>
+                    <a:pt x="5968" y="1477"/>
+                  </a:lnTo>
+                  <a:lnTo>
+                    <a:pt x="5755" y="1488"/>
+                  </a:lnTo>
+                  <a:lnTo>
+                    <a:pt x="5542" y="1500"/>
+                  </a:lnTo>
+                  <a:lnTo>
+                    <a:pt x="5332" y="1506"/>
+                  </a:lnTo>
+                  <a:lnTo>
+                    <a:pt x="5124" y="1500"/>
+                  </a:lnTo>
+                  <a:lnTo>
+                    <a:pt x="4918" y="1500"/>
+                  </a:lnTo>
+                  <a:lnTo>
+                    <a:pt x="4714" y="1488"/>
+                  </a:lnTo>
+                  <a:lnTo>
+                    <a:pt x="4514" y="1470"/>
+                  </a:lnTo>
+                  <a:lnTo>
+                    <a:pt x="4316" y="1453"/>
+                  </a:lnTo>
+                  <a:lnTo>
+                    <a:pt x="4122" y="1434"/>
+                  </a:lnTo>
+                  <a:lnTo>
+                    <a:pt x="3929" y="1405"/>
+                  </a:lnTo>
+                  <a:lnTo>
+                    <a:pt x="3739" y="1374"/>
+                  </a:lnTo>
+                  <a:lnTo>
+                    <a:pt x="3553" y="1346"/>
+                  </a:lnTo>
+                  <a:lnTo>
+                    <a:pt x="3190" y="1267"/>
+                  </a:lnTo>
+                  <a:lnTo>
+                    <a:pt x="2842" y="1183"/>
+                  </a:lnTo>
+                  <a:lnTo>
+                    <a:pt x="2508" y="1095"/>
+                  </a:lnTo>
+                  <a:lnTo>
+                    <a:pt x="2192" y="998"/>
+                  </a:lnTo>
+                  <a:lnTo>
+                    <a:pt x="1890" y="897"/>
+                  </a:lnTo>
+                  <a:lnTo>
+                    <a:pt x="1610" y="788"/>
+                  </a:lnTo>
+                  <a:lnTo>
+                    <a:pt x="1347" y="681"/>
+                  </a:lnTo>
+                  <a:lnTo>
+                    <a:pt x="1105" y="574"/>
+                  </a:lnTo>
+                  <a:lnTo>
+                    <a:pt x="883" y="473"/>
+                  </a:lnTo>
+                  <a:lnTo>
+                    <a:pt x="686" y="377"/>
+                  </a:lnTo>
+                  <a:lnTo>
+                    <a:pt x="508" y="286"/>
+                  </a:lnTo>
+                  <a:lnTo>
+                    <a:pt x="358" y="210"/>
+                  </a:lnTo>
+                  <a:lnTo>
+                    <a:pt x="232" y="138"/>
+                  </a:lnTo>
+                  <a:lnTo>
+                    <a:pt x="59" y="35"/>
+                  </a:lnTo>
+                  <a:lnTo>
+                    <a:pt x="0" y="0"/>
+                  </a:lnTo>
+                  <a:lnTo>
+                    <a:pt x="0" y="0"/>
+                  </a:lnTo>
+                  <a:close/>
+                </a:path>
+              </a:pathLst>
+            </a:custGeom>
+            <a:solidFill>
+              <a:schemeClr val="bg1"/>
+            </a:solidFill>
+            <a:ln>
+              <a:noFill/>
+            </a:ln>
+          </p:spPr>
+          <p:txBody>
+            <a:bodyPr/>
+            <a:lstStyle/>
+            <a:p>
+              <a:endParaRPr lang="en-NL"/>
+            </a:p>
+          </p:txBody>
+        </p:sp>
+        <p:sp>
+          <p:nvSpPr>
+            <p:cNvPr id="1035" name="Freeform 5">
+              <a:extLst>
+                <a:ext uri="{FF2B5EF4-FFF2-40B4-BE49-F238E27FC236}">
+                  <a16:creationId xmlns:a16="http://schemas.microsoft.com/office/drawing/2014/main" id="{C25C2449-D9BF-4AF3-8840-28AD977671F7}"/>
+                </a:ext>
+                <a:ext uri="{C183D7F6-B498-43B3-948B-1728B52AA6E4}">
+                  <adec:decorative xmlns:adec="http://schemas.microsoft.com/office/drawing/2017/decorative" val="1"/>
+                </a:ext>
+              </a:extLst>
+            </p:cNvPr>
+            <p:cNvSpPr/>
+            <p:nvPr>
+              <p:extLst>
+                <p:ext uri="{386F3935-93C4-4BCD-93E2-E3B085C9AB24}">
+                  <p16:designElem xmlns:p16="http://schemas.microsoft.com/office/powerpoint/2015/main" val="1"/>
+                </p:ext>
+              </p:extLst>
+            </p:nvPr>
+          </p:nvSpPr>
+          <p:spPr bwMode="gray">
+            <a:xfrm rot="15922489">
+              <a:off x="5760914" y="1808344"/>
+              <a:ext cx="3299407" cy="440924"/>
+            </a:xfrm>
+            <a:custGeom>
+              <a:avLst/>
+              <a:gdLst/>
+              <a:ahLst/>
+              <a:cxnLst/>
+              <a:rect l="l" t="t" r="r" b="b"/>
+              <a:pathLst>
+                <a:path w="10000" h="5291">
+                  <a:moveTo>
+                    <a:pt x="85" y="2532"/>
+                  </a:moveTo>
+                  <a:cubicBezTo>
+                    <a:pt x="1736" y="3911"/>
+                    <a:pt x="7524" y="5298"/>
+                    <a:pt x="9958" y="5291"/>
+                  </a:cubicBezTo>
+                  <a:cubicBezTo>
+                    <a:pt x="9989" y="1958"/>
+                    <a:pt x="9969" y="3333"/>
+                    <a:pt x="10000" y="0"/>
+                  </a:cubicBezTo>
+                  <a:lnTo>
+                    <a:pt x="10000" y="0"/>
+                  </a:lnTo>
+                  <a:lnTo>
+                    <a:pt x="9667" y="204"/>
+                  </a:lnTo>
+                  <a:lnTo>
+                    <a:pt x="9334" y="400"/>
+                  </a:lnTo>
+                  <a:lnTo>
+                    <a:pt x="9001" y="590"/>
+                  </a:lnTo>
+                  <a:lnTo>
+                    <a:pt x="8667" y="753"/>
+                  </a:lnTo>
+                  <a:lnTo>
+                    <a:pt x="8333" y="917"/>
+                  </a:lnTo>
+                  <a:lnTo>
+                    <a:pt x="7999" y="1071"/>
+                  </a:lnTo>
+                  <a:lnTo>
+                    <a:pt x="7669" y="1202"/>
+                  </a:lnTo>
+                  <a:lnTo>
+                    <a:pt x="7333" y="1325"/>
+                  </a:lnTo>
+                  <a:lnTo>
+                    <a:pt x="7000" y="1440"/>
+                  </a:lnTo>
+                  <a:lnTo>
+                    <a:pt x="6673" y="1538"/>
+                  </a:lnTo>
+                  <a:lnTo>
+                    <a:pt x="6340" y="1636"/>
+                  </a:lnTo>
+                  <a:lnTo>
+                    <a:pt x="6013" y="1719"/>
+                  </a:lnTo>
+                  <a:lnTo>
+                    <a:pt x="5686" y="1784"/>
+                  </a:lnTo>
+                  <a:lnTo>
+                    <a:pt x="5359" y="1850"/>
+                  </a:lnTo>
+                  <a:lnTo>
+                    <a:pt x="5036" y="1906"/>
+                  </a:lnTo>
+                  <a:lnTo>
+                    <a:pt x="4717" y="1948"/>
+                  </a:lnTo>
+                  <a:lnTo>
+                    <a:pt x="4396" y="1980"/>
+                  </a:lnTo>
+                  <a:lnTo>
+                    <a:pt x="4079" y="2013"/>
+                  </a:lnTo>
+                  <a:lnTo>
+                    <a:pt x="3766" y="2029"/>
+                  </a:lnTo>
+                  <a:lnTo>
+                    <a:pt x="3454" y="2046"/>
+                  </a:lnTo>
+                  <a:lnTo>
+                    <a:pt x="3145" y="2053"/>
+                  </a:lnTo>
+                  <a:lnTo>
+                    <a:pt x="2839" y="2046"/>
+                  </a:lnTo>
+                  <a:lnTo>
+                    <a:pt x="2537" y="2046"/>
+                  </a:lnTo>
+                  <a:lnTo>
+                    <a:pt x="2238" y="2029"/>
+                  </a:lnTo>
+                  <a:lnTo>
+                    <a:pt x="1943" y="2004"/>
+                  </a:lnTo>
+                  <a:lnTo>
+                    <a:pt x="1653" y="1980"/>
+                  </a:lnTo>
+                  <a:lnTo>
+                    <a:pt x="1368" y="1955"/>
+                  </a:lnTo>
+                  <a:lnTo>
+                    <a:pt x="1085" y="1915"/>
+                  </a:lnTo>
+                  <a:lnTo>
+                    <a:pt x="806" y="1873"/>
+                  </a:lnTo>
+                  <a:lnTo>
+                    <a:pt x="533" y="1833"/>
+                  </a:lnTo>
+                  <a:lnTo>
+                    <a:pt x="0" y="1726"/>
+                  </a:lnTo>
+                  <a:cubicBezTo>
+                    <a:pt x="28" y="1995"/>
+                    <a:pt x="57" y="2263"/>
+                    <a:pt x="85" y="2532"/>
+                  </a:cubicBezTo>
+                  <a:close/>
+                </a:path>
+              </a:pathLst>
+            </a:custGeom>
+            <a:solidFill>
+              <a:schemeClr val="bg1">
+                <a:alpha val="20000"/>
+              </a:schemeClr>
+            </a:solidFill>
+            <a:ln>
+              <a:noFill/>
+            </a:ln>
+          </p:spPr>
+          <p:txBody>
+            <a:bodyPr/>
+            <a:lstStyle/>
+            <a:p>
+              <a:endParaRPr lang="en-NL"/>
+            </a:p>
+          </p:txBody>
+        </p:sp>
+        <p:sp>
+          <p:nvSpPr>
+            <p:cNvPr id="1036" name="Rectangle 1035">
+              <a:extLst>
+                <a:ext uri="{FF2B5EF4-FFF2-40B4-BE49-F238E27FC236}">
+                  <a16:creationId xmlns:a16="http://schemas.microsoft.com/office/drawing/2014/main" id="{A77B7CC9-5309-4AF0-AE58-7C7518CD931D}"/>
+                </a:ext>
+                <a:ext uri="{C183D7F6-B498-43B3-948B-1728B52AA6E4}">
+                  <adec:decorative xmlns:adec="http://schemas.microsoft.com/office/drawing/2017/decorative" val="1"/>
+                </a:ext>
+              </a:extLst>
+            </p:cNvPr>
+            <p:cNvSpPr/>
+            <p:nvPr>
+              <p:extLst>
+                <p:ext uri="{386F3935-93C4-4BCD-93E2-E3B085C9AB24}">
+                  <p16:designElem xmlns:p16="http://schemas.microsoft.com/office/powerpoint/2015/main" val="1"/>
+                </p:ext>
+              </p:extLst>
+            </p:nvPr>
+          </p:nvSpPr>
+          <p:spPr>
+            <a:xfrm>
+              <a:off x="7763389" y="0"/>
+              <a:ext cx="4428611" cy="6858000"/>
+            </a:xfrm>
+            <a:prstGeom prst="rect">
+              <a:avLst/>
+            </a:prstGeom>
+            <a:solidFill>
+              <a:schemeClr val="bg1"/>
+            </a:solidFill>
+            <a:ln>
+              <a:noFill/>
+            </a:ln>
+          </p:spPr>
+          <p:style>
+            <a:lnRef idx="2">
+              <a:schemeClr val="accent1">
+                <a:shade val="50000"/>
+              </a:schemeClr>
+            </a:lnRef>
+            <a:fillRef idx="1">
+              <a:schemeClr val="accent1"/>
+            </a:fillRef>
+            <a:effectRef idx="0">
+              <a:schemeClr val="accent1"/>
+            </a:effectRef>
+            <a:fontRef idx="minor">
+              <a:schemeClr val="lt1"/>
+            </a:fontRef>
+          </p:style>
+          <p:txBody>
+            <a:bodyPr rtlCol="0" anchor="ctr"/>
+            <a:lstStyle/>
+            <a:p>
+              <a:pPr marL="0" marR="0" lvl="0" indent="0" algn="ctr" defTabSz="914400" rtl="0" eaLnBrk="1" fontAlgn="auto" latinLnBrk="0" hangingPunct="1">
+                <a:lnSpc>
+                  <a:spcPct val="100000"/>
+                </a:lnSpc>
+                <a:spcBef>
+                  <a:spcPts val="0"/>
+                </a:spcBef>
+                <a:spcAft>
+                  <a:spcPts val="0"/>
+                </a:spcAft>
+                <a:buClrTx/>
+                <a:buSzTx/>
+                <a:buFontTx/>
+                <a:buNone/>
+                <a:tabLst/>
+                <a:defRPr/>
+              </a:pPr>
+              <a:endParaRPr kumimoji="0" lang="en-US" sz="1800" b="0" i="0" u="none" strike="noStrike" kern="1200" cap="none" spc="0" normalizeH="0" baseline="0" noProof="0">
+                <a:ln>
+                  <a:noFill/>
+                </a:ln>
+                <a:solidFill>
+                  <a:prstClr val="white"/>
+                </a:solidFill>
+                <a:effectLst/>
+                <a:uLnTx/>
+                <a:uFillTx/>
+                <a:latin typeface="Century Gothic" panose="020B0502020202020204"/>
+                <a:ea typeface="+mn-ea"/>
+                <a:cs typeface="+mn-cs"/>
+              </a:endParaRPr>
+            </a:p>
+          </p:txBody>
+        </p:sp>
+      </p:grpSp>
       <p:sp>
         <p:nvSpPr>
           <p:cNvPr id="2" name="Title 1">
             <a:extLst>
               <a:ext uri="{FF2B5EF4-FFF2-40B4-BE49-F238E27FC236}">
-                <a16:creationId xmlns:a16="http://schemas.microsoft.com/office/drawing/2014/main" id="{1456509C-DE2D-E29A-0641-3ADFB676E85C}"/>
+                <a16:creationId xmlns:a16="http://schemas.microsoft.com/office/drawing/2014/main" id="{81F664A8-B286-7055-33E9-C76F732FD90D}"/>
               </a:ext>
             </a:extLst>
           </p:cNvPr>
@@ -16573,8 +20798,8 @@
         </p:nvSpPr>
         <p:spPr>
           <a:xfrm>
-            <a:off x="1154954" y="973669"/>
-            <a:ext cx="8825659" cy="706964"/>
+            <a:off x="639098" y="629265"/>
+            <a:ext cx="6417160" cy="1622322"/>
           </a:xfrm>
         </p:spPr>
         <p:txBody>
@@ -16584,9 +20809,10 @@
           <a:lstStyle/>
           <a:p>
             <a:r>
-              <a:rPr lang="en-GB" dirty="0"/>
-              <a:t>Git repository for these workshops</a:t>
+              <a:rPr lang="en-US"/>
+              <a:t>ESP8266</a:t>
             </a:r>
+            <a:endParaRPr lang="en-NL" dirty="0"/>
           </a:p>
         </p:txBody>
       </p:sp>
@@ -16595,7 +20821,7 @@
           <p:cNvPr id="3" name="Content Placeholder 2">
             <a:extLst>
               <a:ext uri="{FF2B5EF4-FFF2-40B4-BE49-F238E27FC236}">
-                <a16:creationId xmlns:a16="http://schemas.microsoft.com/office/drawing/2014/main" id="{81E36EF8-C069-FFA9-CB2B-B4827089AB45}"/>
+                <a16:creationId xmlns:a16="http://schemas.microsoft.com/office/drawing/2014/main" id="{DC7E8308-F3CF-8B13-3743-43B868D4101D}"/>
               </a:ext>
             </a:extLst>
           </p:cNvPr>
@@ -16608,8 +20834,8 @@
         </p:nvSpPr>
         <p:spPr>
           <a:xfrm>
-            <a:off x="5980954" y="2603500"/>
-            <a:ext cx="5211979" cy="3416300"/>
+            <a:off x="639098" y="2418735"/>
+            <a:ext cx="6417160" cy="3811740"/>
           </a:xfrm>
         </p:spPr>
         <p:txBody>
@@ -16619,49 +20845,219 @@
           <a:lstStyle/>
           <a:p>
             <a:r>
-              <a:rPr lang="en-GB" dirty="0"/>
-              <a:t>https://github.com/Rauleal/TouchDesigner_Bauhaus_workshop</a:t>
+              <a:rPr lang="en-US" dirty="0">
+                <a:solidFill>
+                  <a:schemeClr val="bg1"/>
+                </a:solidFill>
+              </a:rPr>
+              <a:t>Cheap microcontroller alternative to </a:t>
+            </a:r>
+            <a:r>
+              <a:rPr lang="en-US" dirty="0" err="1">
+                <a:solidFill>
+                  <a:schemeClr val="bg1"/>
+                </a:solidFill>
+              </a:rPr>
+              <a:t>arduino</a:t>
+            </a:r>
+            <a:r>
+              <a:rPr lang="en-US" dirty="0">
+                <a:solidFill>
+                  <a:schemeClr val="bg1"/>
+                </a:solidFill>
+              </a:rPr>
+              <a:t> </a:t>
             </a:r>
           </a:p>
           <a:p>
-            <a:endParaRPr lang="en-GB" dirty="0"/>
+            <a:pPr lvl="1"/>
+            <a:r>
+              <a:rPr lang="en-US" dirty="0">
+                <a:solidFill>
+                  <a:schemeClr val="bg1"/>
+                </a:solidFill>
+              </a:rPr>
+              <a:t>Arduino cost 14 to 30 euros, this one costs 4 to 6 euros</a:t>
+            </a:r>
+          </a:p>
+          <a:p>
+            <a:r>
+              <a:rPr lang="en-US" dirty="0">
+                <a:solidFill>
+                  <a:schemeClr val="bg1"/>
+                </a:solidFill>
+              </a:rPr>
+              <a:t>Integrated </a:t>
+            </a:r>
+            <a:r>
+              <a:rPr lang="en-US" dirty="0" err="1">
+                <a:solidFill>
+                  <a:schemeClr val="bg1"/>
+                </a:solidFill>
+              </a:rPr>
+              <a:t>WiFi</a:t>
+            </a:r>
+            <a:r>
+              <a:rPr lang="en-US" dirty="0">
+                <a:solidFill>
+                  <a:schemeClr val="bg1"/>
+                </a:solidFill>
+              </a:rPr>
+              <a:t> and Bluetooth connectivity</a:t>
+            </a:r>
+          </a:p>
+          <a:p>
+            <a:pPr lvl="1"/>
+            <a:r>
+              <a:rPr lang="en-US" dirty="0">
+                <a:solidFill>
+                  <a:schemeClr val="bg1"/>
+                </a:solidFill>
+              </a:rPr>
+              <a:t>you can connect wirelessly</a:t>
+            </a:r>
+          </a:p>
+          <a:p>
+            <a:pPr lvl="1"/>
+            <a:r>
+              <a:rPr lang="en-US" dirty="0">
+                <a:solidFill>
+                  <a:schemeClr val="bg1"/>
+                </a:solidFill>
+              </a:rPr>
+              <a:t>Ideal to connect things to a Mac</a:t>
+            </a:r>
+          </a:p>
+          <a:p>
+            <a:pPr marL="457200" lvl="1" indent="0">
+              <a:buNone/>
+            </a:pPr>
+            <a:endParaRPr lang="en-US" dirty="0">
+              <a:solidFill>
+                <a:schemeClr val="bg1"/>
+              </a:solidFill>
+            </a:endParaRPr>
+          </a:p>
+          <a:p>
+            <a:pPr lvl="1"/>
+            <a:endParaRPr lang="en-NL" dirty="0">
+              <a:solidFill>
+                <a:schemeClr val="bg1"/>
+              </a:solidFill>
+            </a:endParaRPr>
           </a:p>
         </p:txBody>
       </p:sp>
       <p:pic>
         <p:nvPicPr>
-          <p:cNvPr id="6" name="Picture 5" descr="A qr code on a white background&#10;&#10;Description automatically generated">
+          <p:cNvPr id="1026" name="Picture 2" descr="NodeMCU Lua V3 ESP8266 WIFI with CH340C">
             <a:extLst>
               <a:ext uri="{FF2B5EF4-FFF2-40B4-BE49-F238E27FC236}">
-                <a16:creationId xmlns:a16="http://schemas.microsoft.com/office/drawing/2014/main" id="{7F3F36FB-32F6-47C0-4108-C5CB112991F6}"/>
+                <a16:creationId xmlns:a16="http://schemas.microsoft.com/office/drawing/2014/main" id="{C7B0F6B1-5337-0B07-0C93-36AA3BB3E621}"/>
               </a:ext>
             </a:extLst>
           </p:cNvPr>
           <p:cNvPicPr>
-            <a:picLocks noChangeAspect="1"/>
+            <a:picLocks noChangeAspect="1" noChangeArrowheads="1"/>
           </p:cNvPicPr>
           <p:nvPr/>
         </p:nvPicPr>
         <p:blipFill>
-          <a:blip r:embed="rId2"/>
+          <a:blip r:embed="rId3">
+            <a:extLst>
+              <a:ext uri="{28A0092B-C50C-407E-A947-70E740481C1C}">
+                <a14:useLocalDpi xmlns:a14="http://schemas.microsoft.com/office/drawing/2010/main" val="0"/>
+              </a:ext>
+            </a:extLst>
+          </a:blip>
           <a:stretch>
             <a:fillRect/>
           </a:stretch>
         </p:blipFill>
-        <p:spPr>
+        <p:spPr bwMode="auto">
           <a:xfrm>
-            <a:off x="1660570" y="2696005"/>
-            <a:ext cx="3188326" cy="3188326"/>
+            <a:off x="7864220" y="1598129"/>
+            <a:ext cx="3679323" cy="3679323"/>
           </a:xfrm>
           <a:prstGeom prst="rect">
             <a:avLst/>
           </a:prstGeom>
+          <a:noFill/>
+          <a:extLst>
+            <a:ext uri="{909E8E84-426E-40DD-AFC4-6F175D3DCCD1}">
+              <a14:hiddenFill xmlns:a14="http://schemas.microsoft.com/office/drawing/2010/main">
+                <a:solidFill>
+                  <a:srgbClr val="FFFFFF"/>
+                </a:solidFill>
+              </a14:hiddenFill>
+            </a:ext>
+          </a:extLst>
         </p:spPr>
       </p:pic>
+      <p:sp>
+        <p:nvSpPr>
+          <p:cNvPr id="1038" name="Rectangle 1037">
+            <a:extLst>
+              <a:ext uri="{FF2B5EF4-FFF2-40B4-BE49-F238E27FC236}">
+                <a16:creationId xmlns:a16="http://schemas.microsoft.com/office/drawing/2014/main" id="{65E02BB6-9053-4979-968B-17E0EF2A5811}"/>
+              </a:ext>
+              <a:ext uri="{C183D7F6-B498-43B3-948B-1728B52AA6E4}">
+                <adec:decorative xmlns:adec="http://schemas.microsoft.com/office/drawing/2017/decorative" val="1"/>
+              </a:ext>
+            </a:extLst>
+          </p:cNvPr>
+          <p:cNvSpPr>
+            <a:spLocks noGrp="1" noRot="1" noChangeAspect="1" noMove="1" noResize="1" noEditPoints="1" noAdjustHandles="1" noChangeArrowheads="1" noChangeShapeType="1" noTextEdit="1"/>
+          </p:cNvSpPr>
+          <p:nvPr>
+            <p:extLst>
+              <p:ext uri="{386F3935-93C4-4BCD-93E2-E3B085C9AB24}">
+                <p16:designElem xmlns:p16="http://schemas.microsoft.com/office/powerpoint/2015/main" val="1"/>
+              </p:ext>
+            </p:extLst>
+          </p:nvPr>
+        </p:nvSpPr>
+        <p:spPr>
+          <a:xfrm>
+            <a:off x="10437812" y="0"/>
+            <a:ext cx="685800" cy="1143000"/>
+          </a:xfrm>
+          <a:prstGeom prst="rect">
+            <a:avLst/>
+          </a:prstGeom>
+          <a:solidFill>
+            <a:schemeClr val="accent1"/>
+          </a:solidFill>
+          <a:ln>
+            <a:noFill/>
+          </a:ln>
+        </p:spPr>
+        <p:style>
+          <a:lnRef idx="1">
+            <a:schemeClr val="accent1"/>
+          </a:lnRef>
+          <a:fillRef idx="3">
+            <a:schemeClr val="accent1"/>
+          </a:fillRef>
+          <a:effectRef idx="2">
+            <a:schemeClr val="accent1"/>
+          </a:effectRef>
+          <a:fontRef idx="minor">
+            <a:schemeClr val="lt1"/>
+          </a:fontRef>
+        </p:style>
+        <p:txBody>
+          <a:bodyPr/>
+          <a:lstStyle/>
+          <a:p>
+            <a:endParaRPr lang="en-NL"/>
+          </a:p>
+        </p:txBody>
+      </p:sp>
     </p:spTree>
     <p:extLst>
       <p:ext uri="{BB962C8B-B14F-4D97-AF65-F5344CB8AC3E}">
-        <p14:creationId xmlns:p14="http://schemas.microsoft.com/office/powerpoint/2010/main" val="22761770"/>
+        <p14:creationId xmlns:p14="http://schemas.microsoft.com/office/powerpoint/2010/main" val="1174904557"/>
       </p:ext>
     </p:extLst>
   </p:cSld>
@@ -16671,7 +21067,1710 @@
 </p:sld>
 </file>
 
-<file path=ppt/slides/slide11.xml><?xml version="1.0" encoding="utf-8"?>
+<file path=ppt/slides/slide17.xml><?xml version="1.0" encoding="utf-8"?>
+<p:sld xmlns:a="http://schemas.openxmlformats.org/drawingml/2006/main" xmlns:r="http://schemas.openxmlformats.org/officeDocument/2006/relationships" xmlns:p="http://schemas.openxmlformats.org/presentationml/2006/main">
+  <p:cSld>
+    <p:spTree>
+      <p:nvGrpSpPr>
+        <p:cNvPr id="1" name=""/>
+        <p:cNvGrpSpPr/>
+        <p:nvPr/>
+      </p:nvGrpSpPr>
+      <p:grpSpPr>
+        <a:xfrm>
+          <a:off x="0" y="0"/>
+          <a:ext cx="0" cy="0"/>
+          <a:chOff x="0" y="0"/>
+          <a:chExt cx="0" cy="0"/>
+        </a:xfrm>
+      </p:grpSpPr>
+      <p:sp>
+        <p:nvSpPr>
+          <p:cNvPr id="2" name="Title 1">
+            <a:extLst>
+              <a:ext uri="{FF2B5EF4-FFF2-40B4-BE49-F238E27FC236}">
+                <a16:creationId xmlns:a16="http://schemas.microsoft.com/office/drawing/2014/main" id="{193AFAB8-E10D-7EF0-B980-103D1C3B8F73}"/>
+              </a:ext>
+            </a:extLst>
+          </p:cNvPr>
+          <p:cNvSpPr>
+            <a:spLocks noGrp="1"/>
+          </p:cNvSpPr>
+          <p:nvPr>
+            <p:ph type="title"/>
+          </p:nvPr>
+        </p:nvSpPr>
+        <p:spPr/>
+        <p:txBody>
+          <a:bodyPr/>
+          <a:lstStyle/>
+          <a:p>
+            <a:r>
+              <a:rPr lang="en-US" dirty="0"/>
+              <a:t>ESP8266 Installation</a:t>
+            </a:r>
+            <a:endParaRPr lang="en-NL" dirty="0"/>
+          </a:p>
+        </p:txBody>
+      </p:sp>
+      <p:sp>
+        <p:nvSpPr>
+          <p:cNvPr id="3" name="Content Placeholder 2">
+            <a:extLst>
+              <a:ext uri="{FF2B5EF4-FFF2-40B4-BE49-F238E27FC236}">
+                <a16:creationId xmlns:a16="http://schemas.microsoft.com/office/drawing/2014/main" id="{CFC26745-D531-A944-8A9D-CBF8E60575AB}"/>
+              </a:ext>
+            </a:extLst>
+          </p:cNvPr>
+          <p:cNvSpPr>
+            <a:spLocks noGrp="1"/>
+          </p:cNvSpPr>
+          <p:nvPr>
+            <p:ph idx="1"/>
+          </p:nvPr>
+        </p:nvSpPr>
+        <p:spPr/>
+        <p:txBody>
+          <a:bodyPr/>
+          <a:lstStyle/>
+          <a:p>
+            <a:r>
+              <a:rPr lang="en-US" dirty="0"/>
+              <a:t>Follow installation instructions here </a:t>
+            </a:r>
+            <a:r>
+              <a:rPr lang="en-US" dirty="0">
+                <a:hlinkClick r:id="rId2"/>
+              </a:rPr>
+              <a:t>https://randomnerdtutorials.com/how-to-install-esp8266-board-arduino-ide/</a:t>
+            </a:r>
+            <a:endParaRPr lang="en-US" dirty="0"/>
+          </a:p>
+          <a:p>
+            <a:pPr lvl="1"/>
+            <a:r>
+              <a:rPr lang="en-US" dirty="0"/>
+              <a:t>If you can not find the port, install the </a:t>
+            </a:r>
+            <a:r>
+              <a:rPr lang="en-US" dirty="0" err="1"/>
+              <a:t>usb</a:t>
+            </a:r>
+            <a:r>
+              <a:rPr lang="en-US" dirty="0"/>
+              <a:t> drivers alsohttps://randomnerdtutorials.com/install-esp32-esp8266-usb-drivers-cp210x-windows/</a:t>
+            </a:r>
+          </a:p>
+          <a:p>
+            <a:r>
+              <a:rPr lang="en-US" dirty="0"/>
+              <a:t>Install OSC Arduino library</a:t>
+            </a:r>
+            <a:endParaRPr lang="en-NL" dirty="0"/>
+          </a:p>
+        </p:txBody>
+      </p:sp>
+    </p:spTree>
+    <p:extLst>
+      <p:ext uri="{BB962C8B-B14F-4D97-AF65-F5344CB8AC3E}">
+        <p14:creationId xmlns:p14="http://schemas.microsoft.com/office/powerpoint/2010/main" val="1001757971"/>
+      </p:ext>
+    </p:extLst>
+  </p:cSld>
+  <p:clrMapOvr>
+    <a:masterClrMapping/>
+  </p:clrMapOvr>
+</p:sld>
+</file>
+
+<file path=ppt/slides/slide18.xml><?xml version="1.0" encoding="utf-8"?>
+<p:sld xmlns:a="http://schemas.openxmlformats.org/drawingml/2006/main" xmlns:r="http://schemas.openxmlformats.org/officeDocument/2006/relationships" xmlns:p="http://schemas.openxmlformats.org/presentationml/2006/main">
+  <p:cSld>
+    <p:bg>
+      <p:bgPr>
+        <a:blipFill rotWithShape="1">
+          <a:blip r:embed="rId2">
+            <a:duotone>
+              <a:schemeClr val="bg2">
+                <a:shade val="69000"/>
+                <a:hueMod val="108000"/>
+                <a:satMod val="164000"/>
+                <a:lumMod val="74000"/>
+              </a:schemeClr>
+              <a:schemeClr val="bg2">
+                <a:tint val="96000"/>
+                <a:hueMod val="88000"/>
+                <a:satMod val="140000"/>
+                <a:lumMod val="132000"/>
+              </a:schemeClr>
+            </a:duotone>
+          </a:blip>
+          <a:stretch/>
+        </a:blipFill>
+        <a:effectLst/>
+      </p:bgPr>
+    </p:bg>
+    <p:spTree>
+      <p:nvGrpSpPr>
+        <p:cNvPr id="1" name=""/>
+        <p:cNvGrpSpPr/>
+        <p:nvPr/>
+      </p:nvGrpSpPr>
+      <p:grpSpPr>
+        <a:xfrm>
+          <a:off x="0" y="0"/>
+          <a:ext cx="0" cy="0"/>
+          <a:chOff x="0" y="0"/>
+          <a:chExt cx="0" cy="0"/>
+        </a:xfrm>
+      </p:grpSpPr>
+      <p:grpSp>
+        <p:nvGrpSpPr>
+          <p:cNvPr id="8" name="Group 7">
+            <a:extLst>
+              <a:ext uri="{FF2B5EF4-FFF2-40B4-BE49-F238E27FC236}">
+                <a16:creationId xmlns:a16="http://schemas.microsoft.com/office/drawing/2014/main" id="{46AC64B6-5299-4EDC-A5BA-C486DE605216}"/>
+              </a:ext>
+              <a:ext uri="{C183D7F6-B498-43B3-948B-1728B52AA6E4}">
+                <adec:decorative xmlns:adec="http://schemas.microsoft.com/office/drawing/2017/decorative" val="1"/>
+              </a:ext>
+            </a:extLst>
+          </p:cNvPr>
+          <p:cNvGrpSpPr>
+            <a:grpSpLocks noGrp="1" noUngrp="1" noRot="1" noChangeAspect="1" noMove="1" noResize="1"/>
+          </p:cNvGrpSpPr>
+          <p:nvPr>
+            <p:extLst>
+              <p:ext uri="{386F3935-93C4-4BCD-93E2-E3B085C9AB24}">
+                <p16:designElem xmlns:p16="http://schemas.microsoft.com/office/powerpoint/2015/main" val="1"/>
+              </p:ext>
+            </p:extLst>
+          </p:nvPr>
+        </p:nvGrpSpPr>
+        <p:grpSpPr>
+          <a:xfrm>
+            <a:off x="-1588" y="0"/>
+            <a:ext cx="12193588" cy="6861555"/>
+            <a:chOff x="-1588" y="0"/>
+            <a:chExt cx="12193588" cy="6861555"/>
+          </a:xfrm>
+        </p:grpSpPr>
+        <p:sp>
+          <p:nvSpPr>
+            <p:cNvPr id="9" name="Rectangle 8">
+              <a:extLst>
+                <a:ext uri="{FF2B5EF4-FFF2-40B4-BE49-F238E27FC236}">
+                  <a16:creationId xmlns:a16="http://schemas.microsoft.com/office/drawing/2014/main" id="{BA11BA08-D406-4EBC-80F9-8C9B138602F0}"/>
+                </a:ext>
+                <a:ext uri="{C183D7F6-B498-43B3-948B-1728B52AA6E4}">
+                  <adec:decorative xmlns:adec="http://schemas.microsoft.com/office/drawing/2017/decorative" val="1"/>
+                </a:ext>
+              </a:extLst>
+            </p:cNvPr>
+            <p:cNvSpPr/>
+            <p:nvPr>
+              <p:extLst>
+                <p:ext uri="{386F3935-93C4-4BCD-93E2-E3B085C9AB24}">
+                  <p16:designElem xmlns:p16="http://schemas.microsoft.com/office/powerpoint/2015/main" val="1"/>
+                </p:ext>
+              </p:extLst>
+            </p:nvPr>
+          </p:nvSpPr>
+          <p:spPr>
+            <a:xfrm>
+              <a:off x="0" y="0"/>
+              <a:ext cx="12192000" cy="6858000"/>
+            </a:xfrm>
+            <a:prstGeom prst="rect">
+              <a:avLst/>
+            </a:prstGeom>
+            <a:blipFill>
+              <a:blip r:embed="rId2">
+                <a:duotone>
+                  <a:schemeClr val="dk2">
+                    <a:shade val="69000"/>
+                    <a:hueMod val="108000"/>
+                    <a:satMod val="164000"/>
+                    <a:lumMod val="74000"/>
+                  </a:schemeClr>
+                  <a:schemeClr val="dk2">
+                    <a:tint val="96000"/>
+                    <a:hueMod val="88000"/>
+                    <a:satMod val="140000"/>
+                    <a:lumMod val="132000"/>
+                  </a:schemeClr>
+                </a:duotone>
+              </a:blip>
+              <a:stretch>
+                <a:fillRect/>
+              </a:stretch>
+            </a:blipFill>
+            <a:ln>
+              <a:noFill/>
+            </a:ln>
+          </p:spPr>
+          <p:style>
+            <a:lnRef idx="2">
+              <a:schemeClr val="accent1">
+                <a:shade val="50000"/>
+              </a:schemeClr>
+            </a:lnRef>
+            <a:fillRef idx="1">
+              <a:schemeClr val="accent1"/>
+            </a:fillRef>
+            <a:effectRef idx="0">
+              <a:schemeClr val="accent1"/>
+            </a:effectRef>
+            <a:fontRef idx="minor">
+              <a:schemeClr val="lt1"/>
+            </a:fontRef>
+          </p:style>
+          <p:txBody>
+            <a:bodyPr/>
+            <a:lstStyle/>
+            <a:p>
+              <a:endParaRPr lang="en-NL"/>
+            </a:p>
+          </p:txBody>
+        </p:sp>
+        <p:sp>
+          <p:nvSpPr>
+            <p:cNvPr id="10" name="Oval 9">
+              <a:extLst>
+                <a:ext uri="{FF2B5EF4-FFF2-40B4-BE49-F238E27FC236}">
+                  <a16:creationId xmlns:a16="http://schemas.microsoft.com/office/drawing/2014/main" id="{1CD848F9-F2DE-446B-8417-F43DDB43661E}"/>
+                </a:ext>
+                <a:ext uri="{C183D7F6-B498-43B3-948B-1728B52AA6E4}">
+                  <adec:decorative xmlns:adec="http://schemas.microsoft.com/office/drawing/2017/decorative" val="1"/>
+                </a:ext>
+              </a:extLst>
+            </p:cNvPr>
+            <p:cNvSpPr/>
+            <p:nvPr>
+              <p:extLst>
+                <p:ext uri="{386F3935-93C4-4BCD-93E2-E3B085C9AB24}">
+                  <p16:designElem xmlns:p16="http://schemas.microsoft.com/office/powerpoint/2015/main" val="1"/>
+                </p:ext>
+              </p:extLst>
+            </p:nvPr>
+          </p:nvSpPr>
+          <p:spPr>
+            <a:xfrm>
+              <a:off x="8761412" y="1828800"/>
+              <a:ext cx="2819400" cy="2819400"/>
+            </a:xfrm>
+            <a:prstGeom prst="ellipse">
+              <a:avLst/>
+            </a:prstGeom>
+            <a:gradFill flip="none" rotWithShape="1">
+              <a:gsLst>
+                <a:gs pos="0">
+                  <a:schemeClr val="accent5">
+                    <a:alpha val="7000"/>
+                  </a:schemeClr>
+                </a:gs>
+                <a:gs pos="69000">
+                  <a:schemeClr val="accent5">
+                    <a:alpha val="0"/>
+                  </a:schemeClr>
+                </a:gs>
+                <a:gs pos="36000">
+                  <a:schemeClr val="accent5">
+                    <a:alpha val="6000"/>
+                  </a:schemeClr>
+                </a:gs>
+              </a:gsLst>
+              <a:path path="circle">
+                <a:fillToRect l="50000" t="50000" r="50000" b="50000"/>
+              </a:path>
+              <a:tileRect/>
+            </a:gradFill>
+            <a:ln>
+              <a:noFill/>
+            </a:ln>
+            <a:effectLst/>
+          </p:spPr>
+          <p:style>
+            <a:lnRef idx="1">
+              <a:schemeClr val="accent1"/>
+            </a:lnRef>
+            <a:fillRef idx="3">
+              <a:schemeClr val="accent1"/>
+            </a:fillRef>
+            <a:effectRef idx="2">
+              <a:schemeClr val="accent1"/>
+            </a:effectRef>
+            <a:fontRef idx="minor">
+              <a:schemeClr val="lt1"/>
+            </a:fontRef>
+          </p:style>
+          <p:txBody>
+            <a:bodyPr/>
+            <a:lstStyle/>
+            <a:p>
+              <a:endParaRPr lang="en-NL"/>
+            </a:p>
+          </p:txBody>
+        </p:sp>
+        <p:sp>
+          <p:nvSpPr>
+            <p:cNvPr id="11" name="Oval 10">
+              <a:extLst>
+                <a:ext uri="{FF2B5EF4-FFF2-40B4-BE49-F238E27FC236}">
+                  <a16:creationId xmlns:a16="http://schemas.microsoft.com/office/drawing/2014/main" id="{2950ADE9-C1AB-43FC-837A-4805DF5D7606}"/>
+                </a:ext>
+                <a:ext uri="{C183D7F6-B498-43B3-948B-1728B52AA6E4}">
+                  <adec:decorative xmlns:adec="http://schemas.microsoft.com/office/drawing/2017/decorative" val="1"/>
+                </a:ext>
+              </a:extLst>
+            </p:cNvPr>
+            <p:cNvSpPr/>
+            <p:nvPr>
+              <p:extLst>
+                <p:ext uri="{386F3935-93C4-4BCD-93E2-E3B085C9AB24}">
+                  <p16:designElem xmlns:p16="http://schemas.microsoft.com/office/powerpoint/2015/main" val="1"/>
+                </p:ext>
+              </p:extLst>
+            </p:nvPr>
+          </p:nvSpPr>
+          <p:spPr>
+            <a:xfrm>
+              <a:off x="8761412" y="5870955"/>
+              <a:ext cx="990600" cy="990600"/>
+            </a:xfrm>
+            <a:prstGeom prst="ellipse">
+              <a:avLst/>
+            </a:prstGeom>
+            <a:gradFill flip="none" rotWithShape="1">
+              <a:gsLst>
+                <a:gs pos="0">
+                  <a:schemeClr val="accent5">
+                    <a:alpha val="14000"/>
+                  </a:schemeClr>
+                </a:gs>
+                <a:gs pos="66000">
+                  <a:schemeClr val="accent5">
+                    <a:alpha val="0"/>
+                  </a:schemeClr>
+                </a:gs>
+                <a:gs pos="36000">
+                  <a:schemeClr val="accent5">
+                    <a:alpha val="7000"/>
+                  </a:schemeClr>
+                </a:gs>
+              </a:gsLst>
+              <a:path path="circle">
+                <a:fillToRect l="50000" t="50000" r="50000" b="50000"/>
+              </a:path>
+              <a:tileRect/>
+            </a:gradFill>
+            <a:ln>
+              <a:noFill/>
+            </a:ln>
+            <a:effectLst/>
+          </p:spPr>
+          <p:style>
+            <a:lnRef idx="1">
+              <a:schemeClr val="accent1"/>
+            </a:lnRef>
+            <a:fillRef idx="3">
+              <a:schemeClr val="accent1"/>
+            </a:fillRef>
+            <a:effectRef idx="2">
+              <a:schemeClr val="accent1"/>
+            </a:effectRef>
+            <a:fontRef idx="minor">
+              <a:schemeClr val="lt1"/>
+            </a:fontRef>
+          </p:style>
+          <p:txBody>
+            <a:bodyPr/>
+            <a:lstStyle/>
+            <a:p>
+              <a:endParaRPr lang="en-NL"/>
+            </a:p>
+          </p:txBody>
+        </p:sp>
+        <p:sp>
+          <p:nvSpPr>
+            <p:cNvPr id="12" name="Oval 11">
+              <a:extLst>
+                <a:ext uri="{FF2B5EF4-FFF2-40B4-BE49-F238E27FC236}">
+                  <a16:creationId xmlns:a16="http://schemas.microsoft.com/office/drawing/2014/main" id="{B4A32DB1-B927-4CC4-86F7-62404124F1A4}"/>
+                </a:ext>
+                <a:ext uri="{C183D7F6-B498-43B3-948B-1728B52AA6E4}">
+                  <adec:decorative xmlns:adec="http://schemas.microsoft.com/office/drawing/2017/decorative" val="1"/>
+                </a:ext>
+              </a:extLst>
+            </p:cNvPr>
+            <p:cNvSpPr/>
+            <p:nvPr>
+              <p:extLst>
+                <p:ext uri="{386F3935-93C4-4BCD-93E2-E3B085C9AB24}">
+                  <p16:designElem xmlns:p16="http://schemas.microsoft.com/office/powerpoint/2015/main" val="1"/>
+                </p:ext>
+              </p:extLst>
+            </p:nvPr>
+          </p:nvSpPr>
+          <p:spPr>
+            <a:xfrm>
+              <a:off x="-1588" y="2667000"/>
+              <a:ext cx="4191000" cy="4191000"/>
+            </a:xfrm>
+            <a:prstGeom prst="ellipse">
+              <a:avLst/>
+            </a:prstGeom>
+            <a:gradFill flip="none" rotWithShape="1">
+              <a:gsLst>
+                <a:gs pos="0">
+                  <a:schemeClr val="accent5">
+                    <a:alpha val="11000"/>
+                  </a:schemeClr>
+                </a:gs>
+                <a:gs pos="75000">
+                  <a:schemeClr val="accent5">
+                    <a:alpha val="0"/>
+                  </a:schemeClr>
+                </a:gs>
+                <a:gs pos="36000">
+                  <a:schemeClr val="accent5">
+                    <a:alpha val="10000"/>
+                  </a:schemeClr>
+                </a:gs>
+              </a:gsLst>
+              <a:path path="circle">
+                <a:fillToRect l="50000" t="50000" r="50000" b="50000"/>
+              </a:path>
+              <a:tileRect/>
+            </a:gradFill>
+            <a:ln>
+              <a:noFill/>
+            </a:ln>
+            <a:effectLst/>
+          </p:spPr>
+          <p:style>
+            <a:lnRef idx="1">
+              <a:schemeClr val="accent1"/>
+            </a:lnRef>
+            <a:fillRef idx="3">
+              <a:schemeClr val="accent1"/>
+            </a:fillRef>
+            <a:effectRef idx="2">
+              <a:schemeClr val="accent1"/>
+            </a:effectRef>
+            <a:fontRef idx="minor">
+              <a:schemeClr val="lt1"/>
+            </a:fontRef>
+          </p:style>
+          <p:txBody>
+            <a:bodyPr/>
+            <a:lstStyle/>
+            <a:p>
+              <a:endParaRPr lang="en-NL"/>
+            </a:p>
+          </p:txBody>
+        </p:sp>
+        <p:sp>
+          <p:nvSpPr>
+            <p:cNvPr id="13" name="Freeform 5">
+              <a:extLst>
+                <a:ext uri="{FF2B5EF4-FFF2-40B4-BE49-F238E27FC236}">
+                  <a16:creationId xmlns:a16="http://schemas.microsoft.com/office/drawing/2014/main" id="{D096476B-32CF-4EEC-A4D2-18B931E5829E}"/>
+                </a:ext>
+                <a:ext uri="{C183D7F6-B498-43B3-948B-1728B52AA6E4}">
+                  <adec:decorative xmlns:adec="http://schemas.microsoft.com/office/drawing/2017/decorative" val="1"/>
+                </a:ext>
+              </a:extLst>
+            </p:cNvPr>
+            <p:cNvSpPr>
+              <a:spLocks noEditPoints="1"/>
+            </p:cNvSpPr>
+            <p:nvPr>
+              <p:extLst>
+                <p:ext uri="{386F3935-93C4-4BCD-93E2-E3B085C9AB24}">
+                  <p16:designElem xmlns:p16="http://schemas.microsoft.com/office/powerpoint/2015/main" val="1"/>
+                </p:ext>
+              </p:extLst>
+            </p:nvPr>
+          </p:nvSpPr>
+          <p:spPr bwMode="gray">
+            <a:xfrm>
+              <a:off x="0" y="1587"/>
+              <a:ext cx="12192000" cy="6856413"/>
+            </a:xfrm>
+            <a:custGeom>
+              <a:avLst/>
+              <a:gdLst/>
+              <a:ahLst/>
+              <a:cxnLst/>
+              <a:rect l="0" t="0" r="r" b="b"/>
+              <a:pathLst>
+                <a:path w="15356" h="8638">
+                  <a:moveTo>
+                    <a:pt x="0" y="0"/>
+                  </a:moveTo>
+                  <a:lnTo>
+                    <a:pt x="0" y="8638"/>
+                  </a:lnTo>
+                  <a:lnTo>
+                    <a:pt x="15356" y="8638"/>
+                  </a:lnTo>
+                  <a:lnTo>
+                    <a:pt x="15356" y="0"/>
+                  </a:lnTo>
+                  <a:lnTo>
+                    <a:pt x="0" y="0"/>
+                  </a:lnTo>
+                  <a:close/>
+                  <a:moveTo>
+                    <a:pt x="14748" y="8038"/>
+                  </a:moveTo>
+                  <a:lnTo>
+                    <a:pt x="600" y="8038"/>
+                  </a:lnTo>
+                  <a:lnTo>
+                    <a:pt x="600" y="592"/>
+                  </a:lnTo>
+                  <a:lnTo>
+                    <a:pt x="14748" y="592"/>
+                  </a:lnTo>
+                  <a:lnTo>
+                    <a:pt x="14748" y="8038"/>
+                  </a:lnTo>
+                  <a:close/>
+                </a:path>
+              </a:pathLst>
+            </a:custGeom>
+            <a:solidFill>
+              <a:schemeClr val="bg1"/>
+            </a:solidFill>
+            <a:ln>
+              <a:noFill/>
+            </a:ln>
+          </p:spPr>
+          <p:txBody>
+            <a:bodyPr/>
+            <a:lstStyle/>
+            <a:p>
+              <a:endParaRPr lang="en-NL"/>
+            </a:p>
+          </p:txBody>
+        </p:sp>
+      </p:grpSp>
+      <p:sp>
+        <p:nvSpPr>
+          <p:cNvPr id="15" name="Rectangle 14">
+            <a:extLst>
+              <a:ext uri="{FF2B5EF4-FFF2-40B4-BE49-F238E27FC236}">
+                <a16:creationId xmlns:a16="http://schemas.microsoft.com/office/drawing/2014/main" id="{CB300B9C-C1F6-47BC-A43F-3B172CD7FF3C}"/>
+              </a:ext>
+              <a:ext uri="{C183D7F6-B498-43B3-948B-1728B52AA6E4}">
+                <adec:decorative xmlns:adec="http://schemas.microsoft.com/office/drawing/2017/decorative" val="1"/>
+              </a:ext>
+            </a:extLst>
+          </p:cNvPr>
+          <p:cNvSpPr>
+            <a:spLocks noGrp="1" noRot="1" noChangeAspect="1" noMove="1" noResize="1" noEditPoints="1" noAdjustHandles="1" noChangeArrowheads="1" noChangeShapeType="1" noTextEdit="1"/>
+          </p:cNvSpPr>
+          <p:nvPr>
+            <p:extLst>
+              <p:ext uri="{386F3935-93C4-4BCD-93E2-E3B085C9AB24}">
+                <p16:designElem xmlns:p16="http://schemas.microsoft.com/office/powerpoint/2015/main" val="1"/>
+              </p:ext>
+            </p:extLst>
+          </p:nvPr>
+        </p:nvSpPr>
+        <p:spPr>
+          <a:xfrm>
+            <a:off x="10437812" y="0"/>
+            <a:ext cx="685800" cy="1143000"/>
+          </a:xfrm>
+          <a:prstGeom prst="rect">
+            <a:avLst/>
+          </a:prstGeom>
+          <a:solidFill>
+            <a:schemeClr val="accent1"/>
+          </a:solidFill>
+          <a:ln>
+            <a:noFill/>
+          </a:ln>
+        </p:spPr>
+        <p:style>
+          <a:lnRef idx="1">
+            <a:schemeClr val="accent1"/>
+          </a:lnRef>
+          <a:fillRef idx="3">
+            <a:schemeClr val="accent1"/>
+          </a:fillRef>
+          <a:effectRef idx="2">
+            <a:schemeClr val="accent1"/>
+          </a:effectRef>
+          <a:fontRef idx="minor">
+            <a:schemeClr val="lt1"/>
+          </a:fontRef>
+        </p:style>
+        <p:txBody>
+          <a:bodyPr/>
+          <a:lstStyle/>
+          <a:p>
+            <a:endParaRPr lang="en-NL"/>
+          </a:p>
+        </p:txBody>
+      </p:sp>
+      <p:grpSp>
+        <p:nvGrpSpPr>
+          <p:cNvPr id="17" name="Group 16">
+            <a:extLst>
+              <a:ext uri="{FF2B5EF4-FFF2-40B4-BE49-F238E27FC236}">
+                <a16:creationId xmlns:a16="http://schemas.microsoft.com/office/drawing/2014/main" id="{F1ECA4FE-7D2F-4576-B767-3A5F5ABFE90F}"/>
+              </a:ext>
+              <a:ext uri="{C183D7F6-B498-43B3-948B-1728B52AA6E4}">
+                <adec:decorative xmlns:adec="http://schemas.microsoft.com/office/drawing/2017/decorative" val="1"/>
+              </a:ext>
+            </a:extLst>
+          </p:cNvPr>
+          <p:cNvGrpSpPr>
+            <a:grpSpLocks noGrp="1" noUngrp="1" noRot="1" noChangeAspect="1" noMove="1" noResize="1"/>
+          </p:cNvGrpSpPr>
+          <p:nvPr>
+            <p:extLst>
+              <p:ext uri="{386F3935-93C4-4BCD-93E2-E3B085C9AB24}">
+                <p16:designElem xmlns:p16="http://schemas.microsoft.com/office/powerpoint/2015/main" val="1"/>
+              </p:ext>
+            </p:extLst>
+          </p:nvPr>
+        </p:nvGrpSpPr>
+        <p:grpSpPr>
+          <a:xfrm>
+            <a:off x="0" y="0"/>
+            <a:ext cx="12192000" cy="6858000"/>
+            <a:chOff x="0" y="0"/>
+            <a:chExt cx="12192000" cy="6858000"/>
+          </a:xfrm>
+        </p:grpSpPr>
+        <p:sp useBgFill="1">
+          <p:nvSpPr>
+            <p:cNvPr id="18" name="Rectangle 17">
+              <a:extLst>
+                <a:ext uri="{FF2B5EF4-FFF2-40B4-BE49-F238E27FC236}">
+                  <a16:creationId xmlns:a16="http://schemas.microsoft.com/office/drawing/2014/main" id="{5969441E-5462-4859-86CD-1737FDE36046}"/>
+                </a:ext>
+                <a:ext uri="{C183D7F6-B498-43B3-948B-1728B52AA6E4}">
+                  <adec:decorative xmlns:adec="http://schemas.microsoft.com/office/drawing/2017/decorative" val="1"/>
+                </a:ext>
+              </a:extLst>
+            </p:cNvPr>
+            <p:cNvSpPr/>
+            <p:nvPr>
+              <p:extLst>
+                <p:ext uri="{386F3935-93C4-4BCD-93E2-E3B085C9AB24}">
+                  <p16:designElem xmlns:p16="http://schemas.microsoft.com/office/powerpoint/2015/main" val="1"/>
+                </p:ext>
+              </p:extLst>
+            </p:nvPr>
+          </p:nvSpPr>
+          <p:spPr>
+            <a:xfrm>
+              <a:off x="0" y="0"/>
+              <a:ext cx="12192000" cy="6858000"/>
+            </a:xfrm>
+            <a:prstGeom prst="rect">
+              <a:avLst/>
+            </a:prstGeom>
+            <a:ln>
+              <a:noFill/>
+            </a:ln>
+          </p:spPr>
+          <p:style>
+            <a:lnRef idx="2">
+              <a:schemeClr val="accent1">
+                <a:shade val="50000"/>
+              </a:schemeClr>
+            </a:lnRef>
+            <a:fillRef idx="1">
+              <a:schemeClr val="accent1"/>
+            </a:fillRef>
+            <a:effectRef idx="0">
+              <a:schemeClr val="accent1"/>
+            </a:effectRef>
+            <a:fontRef idx="minor">
+              <a:schemeClr val="lt1"/>
+            </a:fontRef>
+          </p:style>
+          <p:txBody>
+            <a:bodyPr/>
+            <a:lstStyle/>
+            <a:p>
+              <a:endParaRPr lang="en-NL"/>
+            </a:p>
+          </p:txBody>
+        </p:sp>
+        <p:sp>
+          <p:nvSpPr>
+            <p:cNvPr id="19" name="Freeform 5">
+              <a:extLst>
+                <a:ext uri="{FF2B5EF4-FFF2-40B4-BE49-F238E27FC236}">
+                  <a16:creationId xmlns:a16="http://schemas.microsoft.com/office/drawing/2014/main" id="{596BD4B5-6833-40CC-96FE-EDC675634264}"/>
+                </a:ext>
+                <a:ext uri="{C183D7F6-B498-43B3-948B-1728B52AA6E4}">
+                  <adec:decorative xmlns:adec="http://schemas.microsoft.com/office/drawing/2017/decorative" val="1"/>
+                </a:ext>
+              </a:extLst>
+            </p:cNvPr>
+            <p:cNvSpPr>
+              <a:spLocks noEditPoints="1"/>
+            </p:cNvSpPr>
+            <p:nvPr>
+              <p:extLst>
+                <p:ext uri="{386F3935-93C4-4BCD-93E2-E3B085C9AB24}">
+                  <p16:designElem xmlns:p16="http://schemas.microsoft.com/office/powerpoint/2015/main" val="1"/>
+                </p:ext>
+              </p:extLst>
+            </p:nvPr>
+          </p:nvSpPr>
+          <p:spPr bwMode="gray">
+            <a:xfrm>
+              <a:off x="0" y="1587"/>
+              <a:ext cx="12192000" cy="6856413"/>
+            </a:xfrm>
+            <a:custGeom>
+              <a:avLst/>
+              <a:gdLst/>
+              <a:ahLst/>
+              <a:cxnLst/>
+              <a:rect l="0" t="0" r="r" b="b"/>
+              <a:pathLst>
+                <a:path w="15356" h="8638">
+                  <a:moveTo>
+                    <a:pt x="0" y="0"/>
+                  </a:moveTo>
+                  <a:lnTo>
+                    <a:pt x="0" y="8638"/>
+                  </a:lnTo>
+                  <a:lnTo>
+                    <a:pt x="15356" y="8638"/>
+                  </a:lnTo>
+                  <a:lnTo>
+                    <a:pt x="15356" y="0"/>
+                  </a:lnTo>
+                  <a:lnTo>
+                    <a:pt x="0" y="0"/>
+                  </a:lnTo>
+                  <a:close/>
+                  <a:moveTo>
+                    <a:pt x="14748" y="8038"/>
+                  </a:moveTo>
+                  <a:lnTo>
+                    <a:pt x="600" y="8038"/>
+                  </a:lnTo>
+                  <a:lnTo>
+                    <a:pt x="600" y="592"/>
+                  </a:lnTo>
+                  <a:lnTo>
+                    <a:pt x="14748" y="592"/>
+                  </a:lnTo>
+                  <a:lnTo>
+                    <a:pt x="14748" y="8038"/>
+                  </a:lnTo>
+                  <a:close/>
+                </a:path>
+              </a:pathLst>
+            </a:custGeom>
+            <a:solidFill>
+              <a:srgbClr val="FFFFFF"/>
+            </a:solidFill>
+            <a:ln>
+              <a:noFill/>
+            </a:ln>
+          </p:spPr>
+          <p:txBody>
+            <a:bodyPr/>
+            <a:lstStyle/>
+            <a:p>
+              <a:endParaRPr lang="en-NL"/>
+            </a:p>
+          </p:txBody>
+        </p:sp>
+      </p:grpSp>
+      <p:sp>
+        <p:nvSpPr>
+          <p:cNvPr id="2" name="Title 1">
+            <a:extLst>
+              <a:ext uri="{FF2B5EF4-FFF2-40B4-BE49-F238E27FC236}">
+                <a16:creationId xmlns:a16="http://schemas.microsoft.com/office/drawing/2014/main" id="{06B466A1-76F4-CA89-C9C3-7069BFC01308}"/>
+              </a:ext>
+            </a:extLst>
+          </p:cNvPr>
+          <p:cNvSpPr>
+            <a:spLocks noGrp="1"/>
+          </p:cNvSpPr>
+          <p:nvPr>
+            <p:ph type="title"/>
+          </p:nvPr>
+        </p:nvSpPr>
+        <p:spPr>
+          <a:xfrm>
+            <a:off x="1683171" y="1169773"/>
+            <a:ext cx="8825658" cy="2870161"/>
+          </a:xfrm>
+        </p:spPr>
+        <p:txBody>
+          <a:bodyPr vert="horz" lIns="91440" tIns="45720" rIns="91440" bIns="45720" rtlCol="0" anchor="b">
+            <a:normAutofit/>
+          </a:bodyPr>
+          <a:lstStyle/>
+          <a:p>
+            <a:pPr algn="ctr"/>
+            <a:r>
+              <a:rPr lang="en-US" sz="5400" b="0">
+                <a:solidFill>
+                  <a:schemeClr val="tx1"/>
+                </a:solidFill>
+                <a:latin typeface="+mj-lt"/>
+              </a:rPr>
+              <a:t>Hands On</a:t>
+            </a:r>
+          </a:p>
+        </p:txBody>
+      </p:sp>
+      <p:sp>
+        <p:nvSpPr>
+          <p:cNvPr id="3" name="Content Placeholder 2">
+            <a:extLst>
+              <a:ext uri="{FF2B5EF4-FFF2-40B4-BE49-F238E27FC236}">
+                <a16:creationId xmlns:a16="http://schemas.microsoft.com/office/drawing/2014/main" id="{6B62AF47-6166-D464-6321-F2FBA6A72F3E}"/>
+              </a:ext>
+            </a:extLst>
+          </p:cNvPr>
+          <p:cNvSpPr>
+            <a:spLocks noGrp="1"/>
+          </p:cNvSpPr>
+          <p:nvPr>
+            <p:ph idx="1"/>
+          </p:nvPr>
+        </p:nvSpPr>
+        <p:spPr>
+          <a:xfrm>
+            <a:off x="1683171" y="4293441"/>
+            <a:ext cx="8825658" cy="1234148"/>
+          </a:xfrm>
+        </p:spPr>
+        <p:txBody>
+          <a:bodyPr vert="horz" lIns="91440" tIns="45720" rIns="91440" bIns="45720" rtlCol="0" anchor="t">
+            <a:normAutofit/>
+          </a:bodyPr>
+          <a:lstStyle/>
+          <a:p>
+            <a:pPr marL="0" indent="0" algn="ctr">
+              <a:buNone/>
+            </a:pPr>
+            <a:r>
+              <a:rPr lang="en-US" sz="2000" cap="all" dirty="0">
+                <a:solidFill>
+                  <a:schemeClr val="tx2">
+                    <a:lumMod val="40000"/>
+                    <a:lumOff val="60000"/>
+                  </a:schemeClr>
+                </a:solidFill>
+                <a:latin typeface="+mn-lt"/>
+              </a:rPr>
+              <a:t>Transform your sensor set-up and interactivity into a wireless system</a:t>
+            </a:r>
+          </a:p>
+        </p:txBody>
+      </p:sp>
+      <p:cxnSp>
+        <p:nvCxnSpPr>
+          <p:cNvPr id="21" name="Straight Connector 20">
+            <a:extLst>
+              <a:ext uri="{FF2B5EF4-FFF2-40B4-BE49-F238E27FC236}">
+                <a16:creationId xmlns:a16="http://schemas.microsoft.com/office/drawing/2014/main" id="{E81F53E2-F556-42FA-8D24-113839EE19F8}"/>
+              </a:ext>
+              <a:ext uri="{C183D7F6-B498-43B3-948B-1728B52AA6E4}">
+                <adec:decorative xmlns:adec="http://schemas.microsoft.com/office/drawing/2017/decorative" val="1"/>
+              </a:ext>
+            </a:extLst>
+          </p:cNvPr>
+          <p:cNvCxnSpPr>
+            <a:cxnSpLocks noGrp="1" noRot="1" noChangeAspect="1" noMove="1" noResize="1" noEditPoints="1" noAdjustHandles="1" noChangeArrowheads="1" noChangeShapeType="1"/>
+          </p:cNvCxnSpPr>
+          <p:nvPr>
+            <p:extLst>
+              <p:ext uri="{386F3935-93C4-4BCD-93E2-E3B085C9AB24}">
+                <p16:designElem xmlns:p16="http://schemas.microsoft.com/office/powerpoint/2015/main" val="1"/>
+              </p:ext>
+            </p:extLst>
+          </p:nvPr>
+        </p:nvCxnSpPr>
+        <p:spPr>
+          <a:xfrm>
+            <a:off x="5758249" y="4166888"/>
+            <a:ext cx="675502" cy="0"/>
+          </a:xfrm>
+          <a:prstGeom prst="line">
+            <a:avLst/>
+          </a:prstGeom>
+          <a:ln w="12700">
+            <a:solidFill>
+              <a:schemeClr val="accent1">
+                <a:lumMod val="60000"/>
+                <a:lumOff val="40000"/>
+              </a:schemeClr>
+            </a:solidFill>
+          </a:ln>
+        </p:spPr>
+        <p:style>
+          <a:lnRef idx="1">
+            <a:schemeClr val="accent1"/>
+          </a:lnRef>
+          <a:fillRef idx="0">
+            <a:schemeClr val="accent1"/>
+          </a:fillRef>
+          <a:effectRef idx="0">
+            <a:schemeClr val="accent1"/>
+          </a:effectRef>
+          <a:fontRef idx="minor">
+            <a:schemeClr val="tx1"/>
+          </a:fontRef>
+        </p:style>
+      </p:cxnSp>
+    </p:spTree>
+    <p:extLst>
+      <p:ext uri="{BB962C8B-B14F-4D97-AF65-F5344CB8AC3E}">
+        <p14:creationId xmlns:p14="http://schemas.microsoft.com/office/powerpoint/2010/main" val="236910786"/>
+      </p:ext>
+    </p:extLst>
+  </p:cSld>
+  <p:clrMapOvr>
+    <a:overrideClrMapping bg1="dk1" tx1="lt1" bg2="dk2" tx2="lt2" accent1="accent1" accent2="accent2" accent3="accent3" accent4="accent4" accent5="accent5" accent6="accent6" hlink="hlink" folHlink="folHlink"/>
+  </p:clrMapOvr>
+</p:sld>
+</file>
+
+<file path=ppt/slides/slide19.xml><?xml version="1.0" encoding="utf-8"?>
+<p:sld xmlns:a="http://schemas.openxmlformats.org/drawingml/2006/main" xmlns:r="http://schemas.openxmlformats.org/officeDocument/2006/relationships" xmlns:p="http://schemas.openxmlformats.org/presentationml/2006/main">
+  <p:cSld>
+    <p:spTree>
+      <p:nvGrpSpPr>
+        <p:cNvPr id="1" name=""/>
+        <p:cNvGrpSpPr/>
+        <p:nvPr/>
+      </p:nvGrpSpPr>
+      <p:grpSpPr>
+        <a:xfrm>
+          <a:off x="0" y="0"/>
+          <a:ext cx="0" cy="0"/>
+          <a:chOff x="0" y="0"/>
+          <a:chExt cx="0" cy="0"/>
+        </a:xfrm>
+      </p:grpSpPr>
+      <p:sp>
+        <p:nvSpPr>
+          <p:cNvPr id="2" name="Title 1">
+            <a:extLst>
+              <a:ext uri="{FF2B5EF4-FFF2-40B4-BE49-F238E27FC236}">
+                <a16:creationId xmlns:a16="http://schemas.microsoft.com/office/drawing/2014/main" id="{7E811F86-39DF-B30E-9F7D-53D8FF9A2242}"/>
+              </a:ext>
+            </a:extLst>
+          </p:cNvPr>
+          <p:cNvSpPr>
+            <a:spLocks noGrp="1"/>
+          </p:cNvSpPr>
+          <p:nvPr>
+            <p:ph type="title"/>
+          </p:nvPr>
+        </p:nvSpPr>
+        <p:spPr/>
+        <p:txBody>
+          <a:bodyPr/>
+          <a:lstStyle/>
+          <a:p>
+            <a:r>
+              <a:rPr lang="en-US" dirty="0"/>
+              <a:t>Architecture for installations</a:t>
+            </a:r>
+            <a:endParaRPr lang="en-NL" dirty="0"/>
+          </a:p>
+        </p:txBody>
+      </p:sp>
+      <p:pic>
+        <p:nvPicPr>
+          <p:cNvPr id="4" name="Picture 2" descr="NodeMCU Lua V3 ESP8266 WIFI with CH340C">
+            <a:extLst>
+              <a:ext uri="{FF2B5EF4-FFF2-40B4-BE49-F238E27FC236}">
+                <a16:creationId xmlns:a16="http://schemas.microsoft.com/office/drawing/2014/main" id="{3AAB4F6D-6B1D-A646-A414-696F73B74A66}"/>
+              </a:ext>
+            </a:extLst>
+          </p:cNvPr>
+          <p:cNvPicPr>
+            <a:picLocks noChangeAspect="1" noChangeArrowheads="1"/>
+          </p:cNvPicPr>
+          <p:nvPr/>
+        </p:nvPicPr>
+        <p:blipFill>
+          <a:blip r:embed="rId2">
+            <a:extLst>
+              <a:ext uri="{28A0092B-C50C-407E-A947-70E740481C1C}">
+                <a14:useLocalDpi xmlns:a14="http://schemas.microsoft.com/office/drawing/2010/main" val="0"/>
+              </a:ext>
+            </a:extLst>
+          </a:blip>
+          <a:stretch>
+            <a:fillRect/>
+          </a:stretch>
+        </p:blipFill>
+        <p:spPr bwMode="auto">
+          <a:xfrm>
+            <a:off x="2571545" y="4823941"/>
+            <a:ext cx="1318526" cy="1318526"/>
+          </a:xfrm>
+          <a:prstGeom prst="rect">
+            <a:avLst/>
+          </a:prstGeom>
+          <a:noFill/>
+          <a:extLst>
+            <a:ext uri="{909E8E84-426E-40DD-AFC4-6F175D3DCCD1}">
+              <a14:hiddenFill xmlns:a14="http://schemas.microsoft.com/office/drawing/2010/main">
+                <a:solidFill>
+                  <a:srgbClr val="FFFFFF"/>
+                </a:solidFill>
+              </a14:hiddenFill>
+            </a:ext>
+          </a:extLst>
+        </p:spPr>
+      </p:pic>
+      <p:pic>
+        <p:nvPicPr>
+          <p:cNvPr id="5" name="Picture 2" descr="NodeMCU Lua V3 ESP8266 WIFI with CH340C">
+            <a:extLst>
+              <a:ext uri="{FF2B5EF4-FFF2-40B4-BE49-F238E27FC236}">
+                <a16:creationId xmlns:a16="http://schemas.microsoft.com/office/drawing/2014/main" id="{6EA6F815-8407-EA11-9178-3B9FC46BFFAF}"/>
+              </a:ext>
+            </a:extLst>
+          </p:cNvPr>
+          <p:cNvPicPr>
+            <a:picLocks noChangeAspect="1" noChangeArrowheads="1"/>
+          </p:cNvPicPr>
+          <p:nvPr/>
+        </p:nvPicPr>
+        <p:blipFill>
+          <a:blip r:embed="rId2">
+            <a:extLst>
+              <a:ext uri="{28A0092B-C50C-407E-A947-70E740481C1C}">
+                <a14:useLocalDpi xmlns:a14="http://schemas.microsoft.com/office/drawing/2010/main" val="0"/>
+              </a:ext>
+            </a:extLst>
+          </a:blip>
+          <a:stretch>
+            <a:fillRect/>
+          </a:stretch>
+        </p:blipFill>
+        <p:spPr bwMode="auto">
+          <a:xfrm>
+            <a:off x="8418160" y="4738701"/>
+            <a:ext cx="1318526" cy="1318526"/>
+          </a:xfrm>
+          <a:prstGeom prst="rect">
+            <a:avLst/>
+          </a:prstGeom>
+          <a:noFill/>
+          <a:extLst>
+            <a:ext uri="{909E8E84-426E-40DD-AFC4-6F175D3DCCD1}">
+              <a14:hiddenFill xmlns:a14="http://schemas.microsoft.com/office/drawing/2010/main">
+                <a:solidFill>
+                  <a:srgbClr val="FFFFFF"/>
+                </a:solidFill>
+              </a14:hiddenFill>
+            </a:ext>
+          </a:extLst>
+        </p:spPr>
+      </p:pic>
+      <p:sp>
+        <p:nvSpPr>
+          <p:cNvPr id="6" name="Rectangle: Rounded Corners 5">
+            <a:extLst>
+              <a:ext uri="{FF2B5EF4-FFF2-40B4-BE49-F238E27FC236}">
+                <a16:creationId xmlns:a16="http://schemas.microsoft.com/office/drawing/2014/main" id="{65AA4302-EDAD-E67D-2EC3-E257B60FC44B}"/>
+              </a:ext>
+            </a:extLst>
+          </p:cNvPr>
+          <p:cNvSpPr/>
+          <p:nvPr/>
+        </p:nvSpPr>
+        <p:spPr>
+          <a:xfrm>
+            <a:off x="1432420" y="5217109"/>
+            <a:ext cx="1139125" cy="532190"/>
+          </a:xfrm>
+          <a:prstGeom prst="roundRect">
+            <a:avLst/>
+          </a:prstGeom>
+        </p:spPr>
+        <p:style>
+          <a:lnRef idx="2">
+            <a:schemeClr val="accent6">
+              <a:shade val="15000"/>
+            </a:schemeClr>
+          </a:lnRef>
+          <a:fillRef idx="1">
+            <a:schemeClr val="accent6"/>
+          </a:fillRef>
+          <a:effectRef idx="0">
+            <a:schemeClr val="accent6"/>
+          </a:effectRef>
+          <a:fontRef idx="minor">
+            <a:schemeClr val="lt1"/>
+          </a:fontRef>
+        </p:style>
+        <p:txBody>
+          <a:bodyPr rtlCol="0" anchor="ctr"/>
+          <a:lstStyle/>
+          <a:p>
+            <a:pPr algn="ctr"/>
+            <a:r>
+              <a:rPr lang="en-US" sz="1100" dirty="0"/>
+              <a:t>Raw sensor data collection</a:t>
+            </a:r>
+            <a:endParaRPr lang="en-NL" sz="1100" dirty="0"/>
+          </a:p>
+        </p:txBody>
+      </p:sp>
+      <p:sp>
+        <p:nvSpPr>
+          <p:cNvPr id="7" name="Rectangle: Rounded Corners 6">
+            <a:extLst>
+              <a:ext uri="{FF2B5EF4-FFF2-40B4-BE49-F238E27FC236}">
+                <a16:creationId xmlns:a16="http://schemas.microsoft.com/office/drawing/2014/main" id="{B0C07DE6-2240-248B-624C-5D5F722AD085}"/>
+              </a:ext>
+            </a:extLst>
+          </p:cNvPr>
+          <p:cNvSpPr/>
+          <p:nvPr/>
+        </p:nvSpPr>
+        <p:spPr>
+          <a:xfrm>
+            <a:off x="3633414" y="2650586"/>
+            <a:ext cx="1139125" cy="532190"/>
+          </a:xfrm>
+          <a:prstGeom prst="roundRect">
+            <a:avLst/>
+          </a:prstGeom>
+        </p:spPr>
+        <p:style>
+          <a:lnRef idx="2">
+            <a:schemeClr val="accent6">
+              <a:shade val="15000"/>
+            </a:schemeClr>
+          </a:lnRef>
+          <a:fillRef idx="1">
+            <a:schemeClr val="accent6"/>
+          </a:fillRef>
+          <a:effectRef idx="0">
+            <a:schemeClr val="accent6"/>
+          </a:effectRef>
+          <a:fontRef idx="minor">
+            <a:schemeClr val="lt1"/>
+          </a:fontRef>
+        </p:style>
+        <p:txBody>
+          <a:bodyPr rtlCol="0" anchor="ctr"/>
+          <a:lstStyle/>
+          <a:p>
+            <a:pPr algn="ctr"/>
+            <a:r>
+              <a:rPr lang="en-US" sz="1100" dirty="0"/>
+              <a:t>Data Processing</a:t>
+            </a:r>
+            <a:endParaRPr lang="en-NL" sz="1100" dirty="0"/>
+          </a:p>
+        </p:txBody>
+      </p:sp>
+      <p:sp>
+        <p:nvSpPr>
+          <p:cNvPr id="8" name="Rectangle: Rounded Corners 7">
+            <a:extLst>
+              <a:ext uri="{FF2B5EF4-FFF2-40B4-BE49-F238E27FC236}">
+                <a16:creationId xmlns:a16="http://schemas.microsoft.com/office/drawing/2014/main" id="{16588355-3195-2227-83C9-870115151513}"/>
+              </a:ext>
+            </a:extLst>
+          </p:cNvPr>
+          <p:cNvSpPr/>
+          <p:nvPr/>
+        </p:nvSpPr>
+        <p:spPr>
+          <a:xfrm>
+            <a:off x="4909338" y="2650586"/>
+            <a:ext cx="1139125" cy="532190"/>
+          </a:xfrm>
+          <a:prstGeom prst="roundRect">
+            <a:avLst/>
+          </a:prstGeom>
+        </p:spPr>
+        <p:style>
+          <a:lnRef idx="2">
+            <a:schemeClr val="accent6">
+              <a:shade val="15000"/>
+            </a:schemeClr>
+          </a:lnRef>
+          <a:fillRef idx="1">
+            <a:schemeClr val="accent6"/>
+          </a:fillRef>
+          <a:effectRef idx="0">
+            <a:schemeClr val="accent6"/>
+          </a:effectRef>
+          <a:fontRef idx="minor">
+            <a:schemeClr val="lt1"/>
+          </a:fontRef>
+        </p:style>
+        <p:txBody>
+          <a:bodyPr rtlCol="0" anchor="ctr"/>
+          <a:lstStyle/>
+          <a:p>
+            <a:pPr algn="ctr"/>
+            <a:r>
+              <a:rPr lang="en-US" sz="1100" dirty="0"/>
+              <a:t>Visualization</a:t>
+            </a:r>
+            <a:endParaRPr lang="en-NL" sz="1100" dirty="0"/>
+          </a:p>
+        </p:txBody>
+      </p:sp>
+      <p:sp>
+        <p:nvSpPr>
+          <p:cNvPr id="9" name="Rectangle: Rounded Corners 8">
+            <a:extLst>
+              <a:ext uri="{FF2B5EF4-FFF2-40B4-BE49-F238E27FC236}">
+                <a16:creationId xmlns:a16="http://schemas.microsoft.com/office/drawing/2014/main" id="{D38B92D1-3681-64E6-A2D9-17DE3367AF2F}"/>
+              </a:ext>
+            </a:extLst>
+          </p:cNvPr>
+          <p:cNvSpPr/>
+          <p:nvPr/>
+        </p:nvSpPr>
+        <p:spPr>
+          <a:xfrm>
+            <a:off x="6185262" y="2650586"/>
+            <a:ext cx="1215324" cy="532190"/>
+          </a:xfrm>
+          <a:prstGeom prst="roundRect">
+            <a:avLst/>
+          </a:prstGeom>
+        </p:spPr>
+        <p:style>
+          <a:lnRef idx="2">
+            <a:schemeClr val="accent6">
+              <a:shade val="15000"/>
+            </a:schemeClr>
+          </a:lnRef>
+          <a:fillRef idx="1">
+            <a:schemeClr val="accent6"/>
+          </a:fillRef>
+          <a:effectRef idx="0">
+            <a:schemeClr val="accent6"/>
+          </a:effectRef>
+          <a:fontRef idx="minor">
+            <a:schemeClr val="lt1"/>
+          </a:fontRef>
+        </p:style>
+        <p:txBody>
+          <a:bodyPr rtlCol="0" anchor="ctr"/>
+          <a:lstStyle/>
+          <a:p>
+            <a:pPr algn="ctr"/>
+            <a:r>
+              <a:rPr lang="en-US" sz="1100" dirty="0"/>
+              <a:t>Orchestration</a:t>
+            </a:r>
+            <a:endParaRPr lang="en-NL" sz="1100" dirty="0"/>
+          </a:p>
+        </p:txBody>
+      </p:sp>
+      <p:sp>
+        <p:nvSpPr>
+          <p:cNvPr id="10" name="Rectangle: Rounded Corners 9">
+            <a:extLst>
+              <a:ext uri="{FF2B5EF4-FFF2-40B4-BE49-F238E27FC236}">
+                <a16:creationId xmlns:a16="http://schemas.microsoft.com/office/drawing/2014/main" id="{38A30F61-58CA-854A-B9C1-6530F4CC30BA}"/>
+              </a:ext>
+            </a:extLst>
+          </p:cNvPr>
+          <p:cNvSpPr/>
+          <p:nvPr/>
+        </p:nvSpPr>
+        <p:spPr>
+          <a:xfrm>
+            <a:off x="9630177" y="5184772"/>
+            <a:ext cx="1215324" cy="532190"/>
+          </a:xfrm>
+          <a:prstGeom prst="roundRect">
+            <a:avLst/>
+          </a:prstGeom>
+        </p:spPr>
+        <p:style>
+          <a:lnRef idx="2">
+            <a:schemeClr val="accent6">
+              <a:shade val="15000"/>
+            </a:schemeClr>
+          </a:lnRef>
+          <a:fillRef idx="1">
+            <a:schemeClr val="accent6"/>
+          </a:fillRef>
+          <a:effectRef idx="0">
+            <a:schemeClr val="accent6"/>
+          </a:effectRef>
+          <a:fontRef idx="minor">
+            <a:schemeClr val="lt1"/>
+          </a:fontRef>
+        </p:style>
+        <p:txBody>
+          <a:bodyPr rtlCol="0" anchor="ctr"/>
+          <a:lstStyle/>
+          <a:p>
+            <a:pPr algn="ctr"/>
+            <a:r>
+              <a:rPr lang="en-US" sz="1100" dirty="0"/>
+              <a:t>Device Control</a:t>
+            </a:r>
+            <a:endParaRPr lang="en-NL" sz="1100" dirty="0"/>
+          </a:p>
+        </p:txBody>
+      </p:sp>
+      <p:sp>
+        <p:nvSpPr>
+          <p:cNvPr id="11" name="Rectangle: Rounded Corners 10">
+            <a:extLst>
+              <a:ext uri="{FF2B5EF4-FFF2-40B4-BE49-F238E27FC236}">
+                <a16:creationId xmlns:a16="http://schemas.microsoft.com/office/drawing/2014/main" id="{0DA90DB1-4EF8-A117-A2DA-8A98A402BBD8}"/>
+              </a:ext>
+            </a:extLst>
+          </p:cNvPr>
+          <p:cNvSpPr/>
+          <p:nvPr/>
+        </p:nvSpPr>
+        <p:spPr>
+          <a:xfrm>
+            <a:off x="7537385" y="2677477"/>
+            <a:ext cx="1215324" cy="532190"/>
+          </a:xfrm>
+          <a:prstGeom prst="roundRect">
+            <a:avLst/>
+          </a:prstGeom>
+        </p:spPr>
+        <p:style>
+          <a:lnRef idx="2">
+            <a:schemeClr val="accent6">
+              <a:shade val="15000"/>
+            </a:schemeClr>
+          </a:lnRef>
+          <a:fillRef idx="1">
+            <a:schemeClr val="accent6"/>
+          </a:fillRef>
+          <a:effectRef idx="0">
+            <a:schemeClr val="accent6"/>
+          </a:effectRef>
+          <a:fontRef idx="minor">
+            <a:schemeClr val="lt1"/>
+          </a:fontRef>
+        </p:style>
+        <p:txBody>
+          <a:bodyPr rtlCol="0" anchor="ctr"/>
+          <a:lstStyle/>
+          <a:p>
+            <a:pPr algn="ctr"/>
+            <a:r>
+              <a:rPr lang="en-US" sz="1100" dirty="0"/>
+              <a:t>Logic</a:t>
+            </a:r>
+            <a:endParaRPr lang="en-NL" sz="1100" dirty="0"/>
+          </a:p>
+        </p:txBody>
+      </p:sp>
+      <p:grpSp>
+        <p:nvGrpSpPr>
+          <p:cNvPr id="15" name="Group 14">
+            <a:extLst>
+              <a:ext uri="{FF2B5EF4-FFF2-40B4-BE49-F238E27FC236}">
+                <a16:creationId xmlns:a16="http://schemas.microsoft.com/office/drawing/2014/main" id="{DE78067F-16E1-F340-769B-A704F47D6F60}"/>
+              </a:ext>
+            </a:extLst>
+          </p:cNvPr>
+          <p:cNvGrpSpPr/>
+          <p:nvPr/>
+        </p:nvGrpSpPr>
+        <p:grpSpPr>
+          <a:xfrm>
+            <a:off x="5324782" y="3068319"/>
+            <a:ext cx="1542437" cy="1542437"/>
+            <a:chOff x="5377163" y="2228130"/>
+            <a:chExt cx="1542437" cy="1542437"/>
+          </a:xfrm>
+        </p:grpSpPr>
+        <p:pic>
+          <p:nvPicPr>
+            <p:cNvPr id="2050" name="Picture 2" descr="Touchdesigner | Patchstorage">
+              <a:extLst>
+                <a:ext uri="{FF2B5EF4-FFF2-40B4-BE49-F238E27FC236}">
+                  <a16:creationId xmlns:a16="http://schemas.microsoft.com/office/drawing/2014/main" id="{04F4C2B9-4135-6D1B-2D39-91A0CA592AD2}"/>
+                </a:ext>
+              </a:extLst>
+            </p:cNvPr>
+            <p:cNvPicPr>
+              <a:picLocks noChangeAspect="1" noChangeArrowheads="1"/>
+            </p:cNvPicPr>
+            <p:nvPr/>
+          </p:nvPicPr>
+          <p:blipFill>
+            <a:blip r:embed="rId3">
+              <a:extLst>
+                <a:ext uri="{28A0092B-C50C-407E-A947-70E740481C1C}">
+                  <a14:useLocalDpi xmlns:a14="http://schemas.microsoft.com/office/drawing/2010/main" val="0"/>
+                </a:ext>
+              </a:extLst>
+            </a:blip>
+            <a:srcRect/>
+            <a:stretch>
+              <a:fillRect/>
+            </a:stretch>
+          </p:blipFill>
+          <p:spPr bwMode="auto">
+            <a:xfrm>
+              <a:off x="5916545" y="2691689"/>
+              <a:ext cx="453587" cy="453587"/>
+            </a:xfrm>
+            <a:prstGeom prst="rect">
+              <a:avLst/>
+            </a:prstGeom>
+            <a:noFill/>
+            <a:extLst>
+              <a:ext uri="{909E8E84-426E-40DD-AFC4-6F175D3DCCD1}">
+                <a14:hiddenFill xmlns:a14="http://schemas.microsoft.com/office/drawing/2010/main">
+                  <a:solidFill>
+                    <a:srgbClr val="FFFFFF"/>
+                  </a:solidFill>
+                </a14:hiddenFill>
+              </a:ext>
+            </a:extLst>
+          </p:spPr>
+        </p:pic>
+        <p:pic>
+          <p:nvPicPr>
+            <p:cNvPr id="13" name="Graphic 12" descr="Laptop with solid fill">
+              <a:extLst>
+                <a:ext uri="{FF2B5EF4-FFF2-40B4-BE49-F238E27FC236}">
+                  <a16:creationId xmlns:a16="http://schemas.microsoft.com/office/drawing/2014/main" id="{8504D727-A271-99C8-A8C2-73F84DA41AF2}"/>
+                </a:ext>
+              </a:extLst>
+            </p:cNvPr>
+            <p:cNvPicPr>
+              <a:picLocks noChangeAspect="1"/>
+            </p:cNvPicPr>
+            <p:nvPr/>
+          </p:nvPicPr>
+          <p:blipFill>
+            <a:blip r:embed="rId4">
+              <a:extLst>
+                <a:ext uri="{96DAC541-7B7A-43D3-8B79-37D633B846F1}">
+                  <asvg:svgBlip xmlns:asvg="http://schemas.microsoft.com/office/drawing/2016/SVG/main" r:embed="rId5"/>
+                </a:ext>
+              </a:extLst>
+            </a:blip>
+            <a:stretch>
+              <a:fillRect/>
+            </a:stretch>
+          </p:blipFill>
+          <p:spPr>
+            <a:xfrm>
+              <a:off x="5377163" y="2228130"/>
+              <a:ext cx="1542437" cy="1542437"/>
+            </a:xfrm>
+            <a:prstGeom prst="rect">
+              <a:avLst/>
+            </a:prstGeom>
+          </p:spPr>
+        </p:pic>
+      </p:grpSp>
+      <p:cxnSp>
+        <p:nvCxnSpPr>
+          <p:cNvPr id="20" name="Connector: Elbow 19">
+            <a:extLst>
+              <a:ext uri="{FF2B5EF4-FFF2-40B4-BE49-F238E27FC236}">
+                <a16:creationId xmlns:a16="http://schemas.microsoft.com/office/drawing/2014/main" id="{598E1E4E-0C60-B9B5-1224-58701F72339A}"/>
+              </a:ext>
+            </a:extLst>
+          </p:cNvPr>
+          <p:cNvCxnSpPr>
+            <a:cxnSpLocks/>
+          </p:cNvCxnSpPr>
+          <p:nvPr/>
+        </p:nvCxnSpPr>
+        <p:spPr>
+          <a:xfrm flipV="1">
+            <a:off x="3542900" y="3839537"/>
+            <a:ext cx="1711680" cy="1643667"/>
+          </a:xfrm>
+          <a:prstGeom prst="bentConnector3">
+            <a:avLst>
+              <a:gd name="adj1" fmla="val 50000"/>
+            </a:avLst>
+          </a:prstGeom>
+          <a:ln>
+            <a:tailEnd type="triangle"/>
+          </a:ln>
+        </p:spPr>
+        <p:style>
+          <a:lnRef idx="1">
+            <a:schemeClr val="dk1"/>
+          </a:lnRef>
+          <a:fillRef idx="0">
+            <a:schemeClr val="dk1"/>
+          </a:fillRef>
+          <a:effectRef idx="0">
+            <a:schemeClr val="dk1"/>
+          </a:effectRef>
+          <a:fontRef idx="minor">
+            <a:schemeClr val="tx1"/>
+          </a:fontRef>
+        </p:style>
+      </p:cxnSp>
+      <p:cxnSp>
+        <p:nvCxnSpPr>
+          <p:cNvPr id="23" name="Connector: Elbow 22">
+            <a:extLst>
+              <a:ext uri="{FF2B5EF4-FFF2-40B4-BE49-F238E27FC236}">
+                <a16:creationId xmlns:a16="http://schemas.microsoft.com/office/drawing/2014/main" id="{2DC0EF36-8AEF-EAB6-DED6-E55F04AC2CC0}"/>
+              </a:ext>
+            </a:extLst>
+          </p:cNvPr>
+          <p:cNvCxnSpPr>
+            <a:cxnSpLocks/>
+          </p:cNvCxnSpPr>
+          <p:nvPr/>
+        </p:nvCxnSpPr>
+        <p:spPr>
+          <a:xfrm>
+            <a:off x="6792926" y="3839539"/>
+            <a:ext cx="1906753" cy="1558425"/>
+          </a:xfrm>
+          <a:prstGeom prst="bentConnector3">
+            <a:avLst>
+              <a:gd name="adj1" fmla="val 50000"/>
+            </a:avLst>
+          </a:prstGeom>
+          <a:ln>
+            <a:tailEnd type="triangle"/>
+          </a:ln>
+        </p:spPr>
+        <p:style>
+          <a:lnRef idx="1">
+            <a:schemeClr val="dk1"/>
+          </a:lnRef>
+          <a:fillRef idx="0">
+            <a:schemeClr val="dk1"/>
+          </a:fillRef>
+          <a:effectRef idx="0">
+            <a:schemeClr val="dk1"/>
+          </a:effectRef>
+          <a:fontRef idx="minor">
+            <a:schemeClr val="tx1"/>
+          </a:fontRef>
+        </p:style>
+      </p:cxnSp>
+    </p:spTree>
+    <p:extLst>
+      <p:ext uri="{BB962C8B-B14F-4D97-AF65-F5344CB8AC3E}">
+        <p14:creationId xmlns:p14="http://schemas.microsoft.com/office/powerpoint/2010/main" val="1830225745"/>
+      </p:ext>
+    </p:extLst>
+  </p:cSld>
+  <p:clrMapOvr>
+    <a:masterClrMapping/>
+  </p:clrMapOvr>
+</p:sld>
+</file>
+
+<file path=ppt/slides/slide2.xml><?xml version="1.0" encoding="utf-8"?>
+<p:sld xmlns:a="http://schemas.openxmlformats.org/drawingml/2006/main" xmlns:r="http://schemas.openxmlformats.org/officeDocument/2006/relationships" xmlns:p="http://schemas.openxmlformats.org/presentationml/2006/main">
+  <p:cSld>
+    <p:spTree>
+      <p:nvGrpSpPr>
+        <p:cNvPr id="1" name=""/>
+        <p:cNvGrpSpPr/>
+        <p:nvPr/>
+      </p:nvGrpSpPr>
+      <p:grpSpPr>
+        <a:xfrm>
+          <a:off x="0" y="0"/>
+          <a:ext cx="0" cy="0"/>
+          <a:chOff x="0" y="0"/>
+          <a:chExt cx="0" cy="0"/>
+        </a:xfrm>
+      </p:grpSpPr>
+      <p:sp>
+        <p:nvSpPr>
+          <p:cNvPr id="3" name="Content Placeholder 2">
+            <a:extLst>
+              <a:ext uri="{FF2B5EF4-FFF2-40B4-BE49-F238E27FC236}">
+                <a16:creationId xmlns:a16="http://schemas.microsoft.com/office/drawing/2014/main" id="{5D771DC3-6EAB-8BD5-AC6E-9DF45C4C8E7F}"/>
+              </a:ext>
+            </a:extLst>
+          </p:cNvPr>
+          <p:cNvSpPr>
+            <a:spLocks noGrp="1"/>
+          </p:cNvSpPr>
+          <p:nvPr>
+            <p:ph idx="4294967295"/>
+          </p:nvPr>
+        </p:nvSpPr>
+        <p:spPr>
+          <a:xfrm>
+            <a:off x="1100380" y="2107555"/>
+            <a:ext cx="8824913" cy="3416300"/>
+          </a:xfrm>
+        </p:spPr>
+        <p:txBody>
+          <a:bodyPr/>
+          <a:lstStyle/>
+          <a:p>
+            <a:pPr marL="0" indent="0">
+              <a:buNone/>
+            </a:pPr>
+            <a:r>
+              <a:rPr lang="en-GB" sz="6600" dirty="0">
+                <a:latin typeface="Bauhaus 93"/>
+              </a:rPr>
+              <a:t>Hi my name </a:t>
+            </a:r>
+          </a:p>
+          <a:p>
+            <a:pPr marL="0" indent="0">
+              <a:buNone/>
+            </a:pPr>
+            <a:r>
+              <a:rPr lang="en-GB" sz="6600" dirty="0">
+                <a:latin typeface="Bauhaus 93"/>
+              </a:rPr>
+              <a:t>is Raul Leal</a:t>
+            </a:r>
+            <a:endParaRPr lang="en-GB" dirty="0">
+              <a:latin typeface="Bauhaus 93"/>
+            </a:endParaRPr>
+          </a:p>
+        </p:txBody>
+      </p:sp>
+    </p:spTree>
+    <p:extLst>
+      <p:ext uri="{BB962C8B-B14F-4D97-AF65-F5344CB8AC3E}">
+        <p14:creationId xmlns:p14="http://schemas.microsoft.com/office/powerpoint/2010/main" val="1970454230"/>
+      </p:ext>
+    </p:extLst>
+  </p:cSld>
+  <p:clrMapOvr>
+    <a:masterClrMapping/>
+  </p:clrMapOvr>
+</p:sld>
+</file>
+
+<file path=ppt/slides/slide20.xml><?xml version="1.0" encoding="utf-8"?>
 <p:sld xmlns:a="http://schemas.openxmlformats.org/drawingml/2006/main" xmlns:r="http://schemas.openxmlformats.org/officeDocument/2006/relationships" xmlns:p="http://schemas.openxmlformats.org/presentationml/2006/main">
   <p:cSld>
     <p:bg>
@@ -17845,7 +23944,7 @@
 </p:sld>
 </file>
 
-<file path=ppt/slides/slide12.xml><?xml version="1.0" encoding="utf-8"?>
+<file path=ppt/slides/slide21.xml><?xml version="1.0" encoding="utf-8"?>
 <p:sld xmlns:a="http://schemas.openxmlformats.org/drawingml/2006/main" xmlns:r="http://schemas.openxmlformats.org/officeDocument/2006/relationships" xmlns:p="http://schemas.openxmlformats.org/presentationml/2006/main">
   <p:cSld>
     <p:bg>
@@ -18928,7 +25027,7 @@
 </p:sld>
 </file>
 
-<file path=ppt/slides/slide13.xml><?xml version="1.0" encoding="utf-8"?>
+<file path=ppt/slides/slide22.xml><?xml version="1.0" encoding="utf-8"?>
 <p:sld xmlns:a="http://schemas.openxmlformats.org/drawingml/2006/main" xmlns:r="http://schemas.openxmlformats.org/officeDocument/2006/relationships" xmlns:p="http://schemas.openxmlformats.org/presentationml/2006/main">
   <p:cSld>
     <p:spTree>
@@ -18997,6 +25096,13 @@
           <a:p>
             <a:r>
               <a:rPr lang="en-US" dirty="0"/>
+              <a:t>Utrecht CCU</a:t>
+            </a:r>
+          </a:p>
+          <a:p>
+            <a:pPr lvl="1"/>
+            <a:r>
+              <a:rPr lang="en-US" dirty="0"/>
               <a:t>25</a:t>
             </a:r>
             <a:r>
@@ -19005,7 +25111,7 @@
             </a:r>
             <a:r>
               <a:rPr lang="en-US" dirty="0"/>
-              <a:t> </a:t>
+              <a:t> April </a:t>
             </a:r>
             <a:r>
               <a:rPr lang="en-US" dirty="0" err="1"/>
@@ -19014,6 +25120,227 @@
             <a:r>
               <a:rPr lang="en-US" dirty="0"/>
               <a:t> meetup</a:t>
+            </a:r>
+          </a:p>
+          <a:p>
+            <a:r>
+              <a:rPr lang="en-US" dirty="0"/>
+              <a:t>Berlin</a:t>
+            </a:r>
+          </a:p>
+          <a:p>
+            <a:pPr lvl="1"/>
+            <a:r>
+              <a:rPr lang="en-US" dirty="0"/>
+              <a:t>22-23 May – European </a:t>
+            </a:r>
+            <a:r>
+              <a:rPr lang="en-US" dirty="0" err="1"/>
+              <a:t>TouchDesigner</a:t>
+            </a:r>
+            <a:r>
+              <a:rPr lang="en-US" dirty="0"/>
+              <a:t> event- Also online</a:t>
+            </a:r>
+          </a:p>
+          <a:p>
+            <a:r>
+              <a:rPr lang="en-US" dirty="0"/>
+              <a:t>Amsterdam </a:t>
+            </a:r>
+          </a:p>
+          <a:p>
+            <a:pPr lvl="1"/>
+            <a:r>
+              <a:rPr lang="en-US" dirty="0"/>
+              <a:t>28 May – </a:t>
+            </a:r>
+            <a:r>
+              <a:rPr lang="en-US" dirty="0" err="1"/>
+              <a:t>TouchDesigner</a:t>
+            </a:r>
+            <a:r>
+              <a:rPr lang="en-US" dirty="0"/>
+              <a:t> meet up (Amaze/y=f(x))</a:t>
+            </a:r>
+          </a:p>
+          <a:p>
+            <a:r>
+              <a:rPr lang="en-US" dirty="0"/>
+              <a:t>Online</a:t>
+            </a:r>
+          </a:p>
+          <a:p>
+            <a:pPr lvl="1"/>
+            <a:r>
+              <a:rPr lang="en-US" dirty="0"/>
+              <a:t>NODE institute - Summer sessions 2024</a:t>
+            </a:r>
+            <a:endParaRPr lang="en-NL" dirty="0"/>
+          </a:p>
+        </p:txBody>
+      </p:sp>
+    </p:spTree>
+    <p:extLst>
+      <p:ext uri="{BB962C8B-B14F-4D97-AF65-F5344CB8AC3E}">
+        <p14:creationId xmlns:p14="http://schemas.microsoft.com/office/powerpoint/2010/main" val="2100401794"/>
+      </p:ext>
+    </p:extLst>
+  </p:cSld>
+  <p:clrMapOvr>
+    <a:masterClrMapping/>
+  </p:clrMapOvr>
+</p:sld>
+</file>
+
+<file path=ppt/slides/slide3.xml><?xml version="1.0" encoding="utf-8"?>
+<p:sld xmlns:a="http://schemas.openxmlformats.org/drawingml/2006/main" xmlns:r="http://schemas.openxmlformats.org/officeDocument/2006/relationships" xmlns:p="http://schemas.openxmlformats.org/presentationml/2006/main">
+  <p:cSld>
+    <p:spTree>
+      <p:nvGrpSpPr>
+        <p:cNvPr id="1" name=""/>
+        <p:cNvGrpSpPr/>
+        <p:nvPr/>
+      </p:nvGrpSpPr>
+      <p:grpSpPr>
+        <a:xfrm>
+          <a:off x="0" y="0"/>
+          <a:ext cx="0" cy="0"/>
+          <a:chOff x="0" y="0"/>
+          <a:chExt cx="0" cy="0"/>
+        </a:xfrm>
+      </p:grpSpPr>
+      <p:sp>
+        <p:nvSpPr>
+          <p:cNvPr id="2" name="Title 1">
+            <a:extLst>
+              <a:ext uri="{FF2B5EF4-FFF2-40B4-BE49-F238E27FC236}">
+                <a16:creationId xmlns:a16="http://schemas.microsoft.com/office/drawing/2014/main" id="{7E7E14DC-0815-36A6-99C9-AC268EA7F465}"/>
+              </a:ext>
+            </a:extLst>
+          </p:cNvPr>
+          <p:cNvSpPr>
+            <a:spLocks noGrp="1"/>
+          </p:cNvSpPr>
+          <p:nvPr>
+            <p:ph type="title"/>
+          </p:nvPr>
+        </p:nvSpPr>
+        <p:spPr/>
+        <p:txBody>
+          <a:bodyPr/>
+          <a:lstStyle/>
+          <a:p>
+            <a:r>
+              <a:rPr lang="en-US" dirty="0"/>
+              <a:t>Coming up</a:t>
+            </a:r>
+            <a:endParaRPr lang="en-NL" dirty="0"/>
+          </a:p>
+        </p:txBody>
+      </p:sp>
+      <p:sp>
+        <p:nvSpPr>
+          <p:cNvPr id="3" name="Content Placeholder 2">
+            <a:extLst>
+              <a:ext uri="{FF2B5EF4-FFF2-40B4-BE49-F238E27FC236}">
+                <a16:creationId xmlns:a16="http://schemas.microsoft.com/office/drawing/2014/main" id="{E69A897A-520A-98A9-DDEF-9597FAD15746}"/>
+              </a:ext>
+            </a:extLst>
+          </p:cNvPr>
+          <p:cNvSpPr>
+            <a:spLocks noGrp="1"/>
+          </p:cNvSpPr>
+          <p:nvPr>
+            <p:ph idx="1"/>
+          </p:nvPr>
+        </p:nvSpPr>
+        <p:spPr/>
+        <p:txBody>
+          <a:bodyPr/>
+          <a:lstStyle/>
+          <a:p>
+            <a:r>
+              <a:rPr lang="en-US" dirty="0"/>
+              <a:t>Utrecht CCU</a:t>
+            </a:r>
+          </a:p>
+          <a:p>
+            <a:pPr lvl="1"/>
+            <a:r>
+              <a:rPr lang="en-US" dirty="0"/>
+              <a:t>25</a:t>
+            </a:r>
+            <a:r>
+              <a:rPr lang="en-US" baseline="30000" dirty="0"/>
+              <a:t>th</a:t>
+            </a:r>
+            <a:r>
+              <a:rPr lang="en-US" dirty="0"/>
+              <a:t> April </a:t>
+            </a:r>
+            <a:r>
+              <a:rPr lang="en-US" dirty="0" err="1"/>
+              <a:t>TouchDesigner</a:t>
+            </a:r>
+            <a:r>
+              <a:rPr lang="en-US" dirty="0"/>
+              <a:t> meetup</a:t>
+            </a:r>
+          </a:p>
+          <a:p>
+            <a:r>
+              <a:rPr lang="en-US" dirty="0"/>
+              <a:t>Berlin</a:t>
+            </a:r>
+          </a:p>
+          <a:p>
+            <a:pPr lvl="1"/>
+            <a:r>
+              <a:rPr lang="en-US" dirty="0"/>
+              <a:t>22-23 May – European </a:t>
+            </a:r>
+            <a:r>
+              <a:rPr lang="en-US" dirty="0" err="1"/>
+              <a:t>TouchDesigner</a:t>
+            </a:r>
+            <a:r>
+              <a:rPr lang="en-US" dirty="0"/>
+              <a:t> event- Also online</a:t>
+            </a:r>
+          </a:p>
+          <a:p>
+            <a:r>
+              <a:rPr lang="en-US" dirty="0"/>
+              <a:t>Amsterdam </a:t>
+            </a:r>
+          </a:p>
+          <a:p>
+            <a:pPr lvl="1"/>
+            <a:r>
+              <a:rPr lang="en-US" dirty="0"/>
+              <a:t>28 May – </a:t>
+            </a:r>
+            <a:r>
+              <a:rPr lang="en-US" dirty="0" err="1"/>
+              <a:t>TouchDesigner</a:t>
+            </a:r>
+            <a:r>
+              <a:rPr lang="en-US" dirty="0"/>
+              <a:t> meet up (Amaze/y=f(x))</a:t>
+            </a:r>
+          </a:p>
+          <a:p>
+            <a:r>
+              <a:rPr lang="en-US" dirty="0"/>
+              <a:t>Online</a:t>
+            </a:r>
+          </a:p>
+          <a:p>
+            <a:pPr lvl="1"/>
+            <a:r>
+              <a:rPr lang="en-US" dirty="0"/>
+              <a:t>NODE institute - Summer sessions 2024</a:t>
             </a:r>
             <a:endParaRPr lang="en-NL" dirty="0"/>
           </a:p>
@@ -19032,7 +25359,7 @@
 </p:sld>
 </file>
 
-<file path=ppt/slides/slide2.xml><?xml version="1.0" encoding="utf-8"?>
+<file path=ppt/slides/slide4.xml><?xml version="1.0" encoding="utf-8"?>
 <p:sld xmlns:a="http://schemas.openxmlformats.org/drawingml/2006/main" xmlns:r="http://schemas.openxmlformats.org/officeDocument/2006/relationships" xmlns:p="http://schemas.openxmlformats.org/presentationml/2006/main">
   <p:cSld>
     <p:spTree>
@@ -19051,10 +25378,55 @@
       </p:grpSpPr>
       <p:sp>
         <p:nvSpPr>
-          <p:cNvPr id="3" name="Content Placeholder 2">
+          <p:cNvPr id="3" name="TextBox 2">
             <a:extLst>
               <a:ext uri="{FF2B5EF4-FFF2-40B4-BE49-F238E27FC236}">
-                <a16:creationId xmlns:a16="http://schemas.microsoft.com/office/drawing/2014/main" id="{5D771DC3-6EAB-8BD5-AC6E-9DF45C4C8E7F}"/>
+                <a16:creationId xmlns:a16="http://schemas.microsoft.com/office/drawing/2014/main" id="{2A4E4CDD-E72E-57B4-807F-439332AC39CF}"/>
+              </a:ext>
+            </a:extLst>
+          </p:cNvPr>
+          <p:cNvSpPr txBox="1"/>
+          <p:nvPr/>
+        </p:nvSpPr>
+        <p:spPr bwMode="auto">
+          <a:xfrm>
+            <a:off x="7530826" y="4896129"/>
+            <a:ext cx="2651233" cy="312458"/>
+          </a:xfrm>
+          <a:prstGeom prst="rect">
+            <a:avLst/>
+          </a:prstGeom>
+          <a:noFill/>
+        </p:spPr>
+        <p:txBody>
+          <a:bodyPr vertOverflow="overflow" horzOverflow="overflow" vert="horz" wrap="square" lIns="91440" tIns="45720" rIns="91440" bIns="45720" numCol="1" spcCol="0" rtlCol="0" fromWordArt="0" anchor="t" anchorCtr="0" forceAA="0" compatLnSpc="0">
+            <a:spAutoFit/>
+          </a:bodyPr>
+          <a:lstStyle/>
+          <a:p>
+            <a:pPr>
+              <a:defRPr/>
+            </a:pPr>
+            <a:r>
+              <a:rPr lang="en-US" sz="1400" b="0" i="0" u="none" strike="noStrike" cap="none" spc="0" dirty="0">
+                <a:solidFill>
+                  <a:srgbClr val="000000"/>
+                </a:solidFill>
+                <a:latin typeface="Arial"/>
+                <a:cs typeface="Arial"/>
+              </a:rPr>
+              <a:t>https://discord.gg/gP4c43Yg</a:t>
+            </a:r>
+            <a:endParaRPr dirty="0"/>
+          </a:p>
+        </p:txBody>
+      </p:sp>
+      <p:sp>
+        <p:nvSpPr>
+          <p:cNvPr id="5" name="Title 4">
+            <a:extLst>
+              <a:ext uri="{FF2B5EF4-FFF2-40B4-BE49-F238E27FC236}">
+                <a16:creationId xmlns:a16="http://schemas.microsoft.com/office/drawing/2014/main" id="{A5ACC4BF-30BC-1F53-A13C-402374592C75}"/>
               </a:ext>
             </a:extLst>
           </p:cNvPr>
@@ -19062,49 +25434,102 @@
             <a:spLocks noGrp="1"/>
           </p:cNvSpPr>
           <p:nvPr>
-            <p:ph idx="4294967295"/>
+            <p:ph type="title"/>
           </p:nvPr>
         </p:nvSpPr>
-        <p:spPr>
-          <a:xfrm>
-            <a:off x="1100380" y="2107555"/>
-            <a:ext cx="8824913" cy="3416300"/>
-          </a:xfrm>
-        </p:spPr>
+        <p:spPr/>
         <p:txBody>
           <a:bodyPr/>
           <a:lstStyle/>
           <a:p>
-            <a:pPr marL="0" indent="0">
-              <a:buNone/>
-            </a:pPr>
             <a:r>
-              <a:rPr lang="en-GB" sz="6600" dirty="0">
-                <a:latin typeface="Bauhaus 93"/>
-              </a:rPr>
-              <a:t>Hi my name </a:t>
+              <a:rPr lang="en-US" dirty="0" err="1"/>
+              <a:t>Practial</a:t>
+            </a:r>
+            <a:r>
+              <a:rPr lang="en-US" dirty="0"/>
+              <a:t> Info</a:t>
+            </a:r>
+            <a:endParaRPr lang="en-NL" dirty="0"/>
+          </a:p>
+        </p:txBody>
+      </p:sp>
+      <p:pic>
+        <p:nvPicPr>
+          <p:cNvPr id="7" name="Picture 6" descr="A qr code on a white background&#10;&#10;Description automatically generated">
+            <a:extLst>
+              <a:ext uri="{FF2B5EF4-FFF2-40B4-BE49-F238E27FC236}">
+                <a16:creationId xmlns:a16="http://schemas.microsoft.com/office/drawing/2014/main" id="{340E3767-2374-B5FC-7E6C-501D29B81BB8}"/>
+              </a:ext>
+            </a:extLst>
+          </p:cNvPr>
+          <p:cNvPicPr>
+            <a:picLocks noChangeAspect="1"/>
+          </p:cNvPicPr>
+          <p:nvPr/>
+        </p:nvPicPr>
+        <p:blipFill>
+          <a:blip r:embed="rId2"/>
+          <a:stretch>
+            <a:fillRect/>
+          </a:stretch>
+        </p:blipFill>
+        <p:spPr>
+          <a:xfrm>
+            <a:off x="7704445" y="2754394"/>
+            <a:ext cx="2031983" cy="2031983"/>
+          </a:xfrm>
+          <a:prstGeom prst="rect">
+            <a:avLst/>
+          </a:prstGeom>
+        </p:spPr>
+      </p:pic>
+      <p:sp>
+        <p:nvSpPr>
+          <p:cNvPr id="8" name="TextBox 7">
+            <a:extLst>
+              <a:ext uri="{FF2B5EF4-FFF2-40B4-BE49-F238E27FC236}">
+                <a16:creationId xmlns:a16="http://schemas.microsoft.com/office/drawing/2014/main" id="{9C2CB31E-53D0-4A0F-6F70-35C37C7C38B0}"/>
+              </a:ext>
+            </a:extLst>
+          </p:cNvPr>
+          <p:cNvSpPr txBox="1"/>
+          <p:nvPr/>
+        </p:nvSpPr>
+        <p:spPr>
+          <a:xfrm>
+            <a:off x="1301858" y="3170220"/>
+            <a:ext cx="4161293" cy="1200329"/>
+          </a:xfrm>
+          <a:prstGeom prst="rect">
+            <a:avLst/>
+          </a:prstGeom>
+          <a:noFill/>
+        </p:spPr>
+        <p:txBody>
+          <a:bodyPr wrap="square" rtlCol="0">
+            <a:spAutoFit/>
+          </a:bodyPr>
+          <a:lstStyle/>
+          <a:p>
+            <a:r>
+              <a:rPr lang="en-US" sz="3600" dirty="0"/>
+              <a:t>WIFI: CCU</a:t>
             </a:r>
           </a:p>
           <a:p>
-            <a:pPr marL="0" indent="0">
-              <a:buNone/>
-            </a:pPr>
             <a:r>
-              <a:rPr lang="en-GB" sz="6600" dirty="0">
-                <a:latin typeface="Bauhaus 93"/>
-              </a:rPr>
-              <a:t>is Raul Leal</a:t>
+              <a:rPr lang="en-US" sz="3600" dirty="0"/>
+              <a:t>WW: Code03084</a:t>
             </a:r>
-            <a:endParaRPr lang="en-GB" dirty="0">
-              <a:latin typeface="Bauhaus 93"/>
-            </a:endParaRPr>
+            <a:endParaRPr lang="en-NL" sz="3600" dirty="0"/>
           </a:p>
         </p:txBody>
       </p:sp>
     </p:spTree>
     <p:extLst>
       <p:ext uri="{BB962C8B-B14F-4D97-AF65-F5344CB8AC3E}">
-        <p14:creationId xmlns:p14="http://schemas.microsoft.com/office/powerpoint/2010/main" val="1970454230"/>
+        <p14:creationId xmlns:p14="http://schemas.microsoft.com/office/powerpoint/2010/main" val="1849438902"/>
       </p:ext>
     </p:extLst>
   </p:cSld>
@@ -19114,7 +25539,7 @@
 </p:sld>
 </file>
 
-<file path=ppt/slides/slide3.xml><?xml version="1.0" encoding="utf-8"?>
+<file path=ppt/slides/slide5.xml><?xml version="1.0" encoding="utf-8"?>
 <p:sld xmlns:a="http://schemas.openxmlformats.org/drawingml/2006/main" xmlns:r="http://schemas.openxmlformats.org/officeDocument/2006/relationships" xmlns:p="http://schemas.openxmlformats.org/presentationml/2006/main">
   <p:cSld>
     <p:bg>
@@ -20188,7 +26613,7 @@
 </p:sld>
 </file>
 
-<file path=ppt/slides/slide4.xml><?xml version="1.0" encoding="utf-8"?>
+<file path=ppt/slides/slide6.xml><?xml version="1.0" encoding="utf-8"?>
 <p:sld xmlns:a="http://schemas.openxmlformats.org/drawingml/2006/main" xmlns:r="http://schemas.openxmlformats.org/officeDocument/2006/relationships" xmlns:p="http://schemas.openxmlformats.org/presentationml/2006/main">
   <p:cSld>
     <p:spTree>
@@ -20417,7 +26842,169 @@
 </p:sld>
 </file>
 
-<file path=ppt/slides/slide5.xml><?xml version="1.0" encoding="utf-8"?>
+<file path=ppt/slides/slide7.xml><?xml version="1.0" encoding="utf-8"?>
+<p:sld xmlns:a="http://schemas.openxmlformats.org/drawingml/2006/main" xmlns:r="http://schemas.openxmlformats.org/officeDocument/2006/relationships" xmlns:p="http://schemas.openxmlformats.org/presentationml/2006/main">
+  <p:cSld>
+    <p:spTree>
+      <p:nvGrpSpPr>
+        <p:cNvPr id="1" name=""/>
+        <p:cNvGrpSpPr/>
+        <p:nvPr/>
+      </p:nvGrpSpPr>
+      <p:grpSpPr>
+        <a:xfrm>
+          <a:off x="0" y="0"/>
+          <a:ext cx="0" cy="0"/>
+          <a:chOff x="0" y="0"/>
+          <a:chExt cx="0" cy="0"/>
+        </a:xfrm>
+      </p:grpSpPr>
+      <p:sp>
+        <p:nvSpPr>
+          <p:cNvPr id="2" name="Title 1">
+            <a:extLst>
+              <a:ext uri="{FF2B5EF4-FFF2-40B4-BE49-F238E27FC236}">
+                <a16:creationId xmlns:a16="http://schemas.microsoft.com/office/drawing/2014/main" id="{19289193-0674-CABB-0946-E855EFAF68E2}"/>
+              </a:ext>
+            </a:extLst>
+          </p:cNvPr>
+          <p:cNvSpPr>
+            <a:spLocks noGrp="1"/>
+          </p:cNvSpPr>
+          <p:nvPr>
+            <p:ph type="title"/>
+          </p:nvPr>
+        </p:nvSpPr>
+        <p:spPr/>
+        <p:txBody>
+          <a:bodyPr/>
+          <a:lstStyle/>
+          <a:p>
+            <a:r>
+              <a:rPr lang="en-US" dirty="0"/>
+              <a:t>The workshop structure</a:t>
+            </a:r>
+            <a:endParaRPr lang="en-NL" dirty="0"/>
+          </a:p>
+        </p:txBody>
+      </p:sp>
+      <p:graphicFrame>
+        <p:nvGraphicFramePr>
+          <p:cNvPr id="4" name="Content Placeholder 3">
+            <a:extLst>
+              <a:ext uri="{FF2B5EF4-FFF2-40B4-BE49-F238E27FC236}">
+                <a16:creationId xmlns:a16="http://schemas.microsoft.com/office/drawing/2014/main" id="{EFB929B2-5502-AD5F-7116-5550D6EE9EF9}"/>
+              </a:ext>
+            </a:extLst>
+          </p:cNvPr>
+          <p:cNvGraphicFramePr>
+            <a:graphicFrameLocks noGrp="1"/>
+          </p:cNvGraphicFramePr>
+          <p:nvPr>
+            <p:ph idx="1"/>
+            <p:extLst>
+              <p:ext uri="{D42A27DB-BD31-4B8C-83A1-F6EECF244321}">
+                <p14:modId xmlns:p14="http://schemas.microsoft.com/office/powerpoint/2010/main" val="1486499262"/>
+              </p:ext>
+            </p:extLst>
+          </p:nvPr>
+        </p:nvGraphicFramePr>
+        <p:xfrm>
+          <a:off x="1154954" y="2603500"/>
+          <a:ext cx="8825659" cy="3416300"/>
+        </p:xfrm>
+        <a:graphic>
+          <a:graphicData uri="http://schemas.openxmlformats.org/drawingml/2006/diagram">
+            <dgm:relIds xmlns:dgm="http://schemas.openxmlformats.org/drawingml/2006/diagram" xmlns:r="http://schemas.openxmlformats.org/officeDocument/2006/relationships" r:dm="rId2" r:lo="rId3" r:qs="rId4" r:cs="rId5"/>
+          </a:graphicData>
+        </a:graphic>
+      </p:graphicFrame>
+      <p:pic>
+        <p:nvPicPr>
+          <p:cNvPr id="5" name="Graphic 4" descr="Coffee with solid fill">
+            <a:extLst>
+              <a:ext uri="{FF2B5EF4-FFF2-40B4-BE49-F238E27FC236}">
+                <a16:creationId xmlns:a16="http://schemas.microsoft.com/office/drawing/2014/main" id="{6E1FEDD3-8FE2-F3A6-B3D4-F4B69C8D0704}"/>
+              </a:ext>
+            </a:extLst>
+          </p:cNvPr>
+          <p:cNvPicPr>
+            <a:picLocks noChangeAspect="1"/>
+          </p:cNvPicPr>
+          <p:nvPr/>
+        </p:nvPicPr>
+        <p:blipFill>
+          <a:blip r:embed="rId7">
+            <a:extLst>
+              <a:ext uri="{96DAC541-7B7A-43D3-8B79-37D633B846F1}">
+                <asvg:svgBlip xmlns:asvg="http://schemas.microsoft.com/office/drawing/2016/SVG/main" r:embed="rId8"/>
+              </a:ext>
+            </a:extLst>
+          </a:blip>
+          <a:stretch>
+            <a:fillRect/>
+          </a:stretch>
+        </p:blipFill>
+        <p:spPr>
+          <a:xfrm>
+            <a:off x="6987153" y="3513983"/>
+            <a:ext cx="733841" cy="733841"/>
+          </a:xfrm>
+          <a:prstGeom prst="rect">
+            <a:avLst/>
+          </a:prstGeom>
+        </p:spPr>
+      </p:pic>
+      <p:pic>
+        <p:nvPicPr>
+          <p:cNvPr id="3" name="Graphic 2" descr="Coffee with solid fill">
+            <a:extLst>
+              <a:ext uri="{FF2B5EF4-FFF2-40B4-BE49-F238E27FC236}">
+                <a16:creationId xmlns:a16="http://schemas.microsoft.com/office/drawing/2014/main" id="{9ED74D52-B851-7BE7-C00B-9735AFD53071}"/>
+              </a:ext>
+            </a:extLst>
+          </p:cNvPr>
+          <p:cNvPicPr>
+            <a:picLocks noChangeAspect="1"/>
+          </p:cNvPicPr>
+          <p:nvPr/>
+        </p:nvPicPr>
+        <p:blipFill>
+          <a:blip r:embed="rId7">
+            <a:extLst>
+              <a:ext uri="{96DAC541-7B7A-43D3-8B79-37D633B846F1}">
+                <asvg:svgBlip xmlns:asvg="http://schemas.microsoft.com/office/drawing/2016/SVG/main" r:embed="rId8"/>
+              </a:ext>
+            </a:extLst>
+          </a:blip>
+          <a:stretch>
+            <a:fillRect/>
+          </a:stretch>
+        </p:blipFill>
+        <p:spPr>
+          <a:xfrm>
+            <a:off x="3846163" y="3577809"/>
+            <a:ext cx="733841" cy="733841"/>
+          </a:xfrm>
+          <a:prstGeom prst="rect">
+            <a:avLst/>
+          </a:prstGeom>
+        </p:spPr>
+      </p:pic>
+    </p:spTree>
+    <p:extLst>
+      <p:ext uri="{BB962C8B-B14F-4D97-AF65-F5344CB8AC3E}">
+        <p14:creationId xmlns:p14="http://schemas.microsoft.com/office/powerpoint/2010/main" val="1216353968"/>
+      </p:ext>
+    </p:extLst>
+  </p:cSld>
+  <p:clrMapOvr>
+    <a:masterClrMapping/>
+  </p:clrMapOvr>
+</p:sld>
+</file>
+
+<file path=ppt/slides/slide8.xml><?xml version="1.0" encoding="utf-8"?>
 <p:sld xmlns:a="http://schemas.openxmlformats.org/drawingml/2006/main" xmlns:r="http://schemas.openxmlformats.org/officeDocument/2006/relationships" xmlns:p="http://schemas.openxmlformats.org/presentationml/2006/main">
   <p:cSld>
     <p:spTree>
@@ -20678,8 +27265,8 @@
         </p:nvSpPr>
         <p:spPr>
           <a:xfrm>
-            <a:off x="3952722" y="5767263"/>
-            <a:ext cx="4286558" cy="584775"/>
+            <a:off x="3866162" y="5767263"/>
+            <a:ext cx="4459682" cy="584775"/>
           </a:xfrm>
           <a:prstGeom prst="rect">
             <a:avLst/>
@@ -20697,19 +27284,7 @@
               <a:rPr lang="en-GB" sz="2000" b="1" dirty="0">
                 <a:latin typeface="ITC Avant Garde Pro Bk" panose="020B0502020202020204" pitchFamily="34" charset="0"/>
               </a:rPr>
-              <a:t>It is an </a:t>
-            </a:r>
-            <a:r>
-              <a:rPr lang="en-GB" sz="2000" b="1" dirty="0" err="1">
-                <a:latin typeface="ITC Avant Garde Pro Bk" panose="020B0502020202020204" pitchFamily="34" charset="0"/>
-              </a:rPr>
-              <a:t>intractive</a:t>
-            </a:r>
-            <a:r>
-              <a:rPr lang="en-GB" sz="2000" b="1" dirty="0">
-                <a:latin typeface="ITC Avant Garde Pro Bk" panose="020B0502020202020204" pitchFamily="34" charset="0"/>
-              </a:rPr>
-              <a:t> 2d animation, </a:t>
+              <a:t>It is an interactive 2d animation, </a:t>
             </a:r>
           </a:p>
           <a:p>
@@ -21135,9 +27710,17 @@
 </p:sld>
 </file>
 
-<file path=ppt/slides/slide6.xml><?xml version="1.0" encoding="utf-8"?>
+<file path=ppt/slides/slide9.xml><?xml version="1.0" encoding="utf-8"?>
 <p:sld xmlns:a="http://schemas.openxmlformats.org/drawingml/2006/main" xmlns:r="http://schemas.openxmlformats.org/officeDocument/2006/relationships" xmlns:p="http://schemas.openxmlformats.org/presentationml/2006/main">
   <p:cSld>
+    <p:bg>
+      <p:bgPr>
+        <a:solidFill>
+          <a:schemeClr val="bg1"/>
+        </a:solidFill>
+        <a:effectLst/>
+      </p:bgPr>
+    </p:bg>
     <p:spTree>
       <p:nvGrpSpPr>
         <p:cNvPr id="1" name=""/>
@@ -21157,7 +27740,7 @@
           <p:cNvPr id="2" name="Title 1">
             <a:extLst>
               <a:ext uri="{FF2B5EF4-FFF2-40B4-BE49-F238E27FC236}">
-                <a16:creationId xmlns:a16="http://schemas.microsoft.com/office/drawing/2014/main" id="{19289193-0674-CABB-0946-E855EFAF68E2}"/>
+                <a16:creationId xmlns:a16="http://schemas.microsoft.com/office/drawing/2014/main" id="{1456509C-DE2D-E29A-0641-3ADFB676E85C}"/>
               </a:ext>
             </a:extLst>
           </p:cNvPr>
@@ -21168,277 +27751,31 @@
             <p:ph type="title"/>
           </p:nvPr>
         </p:nvSpPr>
-        <p:spPr/>
+        <p:spPr>
+          <a:xfrm>
+            <a:off x="1154954" y="973669"/>
+            <a:ext cx="8825659" cy="706964"/>
+          </a:xfrm>
+        </p:spPr>
         <p:txBody>
-          <a:bodyPr/>
+          <a:bodyPr>
+            <a:normAutofit/>
+          </a:bodyPr>
           <a:lstStyle/>
           <a:p>
             <a:r>
-              <a:rPr lang="en-US" dirty="0"/>
-              <a:t>The workshop structure</a:t>
+              <a:rPr lang="en-GB" dirty="0"/>
+              <a:t>Git repository for these workshops</a:t>
             </a:r>
-            <a:endParaRPr lang="en-NL" dirty="0"/>
-          </a:p>
-        </p:txBody>
-      </p:sp>
-      <p:graphicFrame>
-        <p:nvGraphicFramePr>
-          <p:cNvPr id="4" name="Content Placeholder 3">
-            <a:extLst>
-              <a:ext uri="{FF2B5EF4-FFF2-40B4-BE49-F238E27FC236}">
-                <a16:creationId xmlns:a16="http://schemas.microsoft.com/office/drawing/2014/main" id="{EFB929B2-5502-AD5F-7116-5550D6EE9EF9}"/>
-              </a:ext>
-            </a:extLst>
-          </p:cNvPr>
-          <p:cNvGraphicFramePr>
-            <a:graphicFrameLocks noGrp="1"/>
-          </p:cNvGraphicFramePr>
-          <p:nvPr>
-            <p:ph idx="1"/>
-            <p:extLst>
-              <p:ext uri="{D42A27DB-BD31-4B8C-83A1-F6EECF244321}">
-                <p14:modId xmlns:p14="http://schemas.microsoft.com/office/powerpoint/2010/main" val="3407875339"/>
-              </p:ext>
-            </p:extLst>
-          </p:nvPr>
-        </p:nvGraphicFramePr>
-        <p:xfrm>
-          <a:off x="1154954" y="2603500"/>
-          <a:ext cx="8825659" cy="3416300"/>
-        </p:xfrm>
-        <a:graphic>
-          <a:graphicData uri="http://schemas.openxmlformats.org/drawingml/2006/diagram">
-            <dgm:relIds xmlns:dgm="http://schemas.openxmlformats.org/drawingml/2006/diagram" xmlns:r="http://schemas.openxmlformats.org/officeDocument/2006/relationships" r:dm="rId2" r:lo="rId3" r:qs="rId4" r:cs="rId5"/>
-          </a:graphicData>
-        </a:graphic>
-      </p:graphicFrame>
-      <p:pic>
-        <p:nvPicPr>
-          <p:cNvPr id="5" name="Graphic 4" descr="Coffee with solid fill">
-            <a:extLst>
-              <a:ext uri="{FF2B5EF4-FFF2-40B4-BE49-F238E27FC236}">
-                <a16:creationId xmlns:a16="http://schemas.microsoft.com/office/drawing/2014/main" id="{6E1FEDD3-8FE2-F3A6-B3D4-F4B69C8D0704}"/>
-              </a:ext>
-            </a:extLst>
-          </p:cNvPr>
-          <p:cNvPicPr>
-            <a:picLocks noChangeAspect="1"/>
-          </p:cNvPicPr>
-          <p:nvPr/>
-        </p:nvPicPr>
-        <p:blipFill>
-          <a:blip r:embed="rId7">
-            <a:extLst>
-              <a:ext uri="{96DAC541-7B7A-43D3-8B79-37D633B846F1}">
-                <asvg:svgBlip xmlns:asvg="http://schemas.microsoft.com/office/drawing/2016/SVG/main" r:embed="rId8"/>
-              </a:ext>
-            </a:extLst>
-          </a:blip>
-          <a:stretch>
-            <a:fillRect/>
-          </a:stretch>
-        </p:blipFill>
-        <p:spPr>
-          <a:xfrm>
-            <a:off x="6034007" y="3336010"/>
-            <a:ext cx="914400" cy="914400"/>
-          </a:xfrm>
-          <a:prstGeom prst="rect">
-            <a:avLst/>
-          </a:prstGeom>
-        </p:spPr>
-      </p:pic>
-    </p:spTree>
-    <p:extLst>
-      <p:ext uri="{BB962C8B-B14F-4D97-AF65-F5344CB8AC3E}">
-        <p14:creationId xmlns:p14="http://schemas.microsoft.com/office/powerpoint/2010/main" val="1216353968"/>
-      </p:ext>
-    </p:extLst>
-  </p:cSld>
-  <p:clrMapOvr>
-    <a:masterClrMapping/>
-  </p:clrMapOvr>
-</p:sld>
-</file>
-
-<file path=ppt/slides/slide7.xml><?xml version="1.0" encoding="utf-8"?>
-<p:sld xmlns:a="http://schemas.openxmlformats.org/drawingml/2006/main" xmlns:r="http://schemas.openxmlformats.org/officeDocument/2006/relationships" xmlns:p="http://schemas.openxmlformats.org/presentationml/2006/main">
-  <p:cSld>
-    <p:spTree>
-      <p:nvGrpSpPr>
-        <p:cNvPr id="1" name=""/>
-        <p:cNvGrpSpPr/>
-        <p:nvPr/>
-      </p:nvGrpSpPr>
-      <p:grpSpPr>
-        <a:xfrm>
-          <a:off x="0" y="0"/>
-          <a:ext cx="0" cy="0"/>
-          <a:chOff x="0" y="0"/>
-          <a:chExt cx="0" cy="0"/>
-        </a:xfrm>
-      </p:grpSpPr>
-      <p:sp>
-        <p:nvSpPr>
-          <p:cNvPr id="2" name="TextBox 1">
-            <a:extLst>
-              <a:ext uri="{FF2B5EF4-FFF2-40B4-BE49-F238E27FC236}">
-                <a16:creationId xmlns:a16="http://schemas.microsoft.com/office/drawing/2014/main" id="{240DFBF4-45F6-E3DD-8965-880B55EA9C51}"/>
-              </a:ext>
-            </a:extLst>
-          </p:cNvPr>
-          <p:cNvSpPr txBox="1"/>
-          <p:nvPr/>
-        </p:nvSpPr>
-        <p:spPr bwMode="auto">
-          <a:xfrm>
-            <a:off x="1444596" y="3429000"/>
-            <a:ext cx="3567303" cy="640115"/>
-          </a:xfrm>
-          <a:prstGeom prst="rect">
-            <a:avLst/>
-          </a:prstGeom>
-          <a:noFill/>
-        </p:spPr>
-        <p:txBody>
-          <a:bodyPr vertOverflow="overflow" horzOverflow="overflow" vert="horz" wrap="square" lIns="91440" tIns="45720" rIns="91440" bIns="45720" numCol="1" spcCol="0" rtlCol="0" fromWordArt="0" anchor="t" anchorCtr="0" forceAA="0" compatLnSpc="0">
-            <a:spAutoFit/>
-          </a:bodyPr>
-          <a:lstStyle/>
-          <a:p>
-            <a:pPr>
-              <a:defRPr/>
-            </a:pPr>
-            <a:r>
-              <a:rPr sz="1800" dirty="0">
-                <a:latin typeface="Carlito"/>
-                <a:cs typeface="Carlito"/>
-              </a:rPr>
-              <a:t>WIFI: </a:t>
-            </a:r>
-            <a:r>
-              <a:rPr lang="en-US" sz="1800" b="0" i="0" u="none" strike="noStrike" cap="none" spc="0" dirty="0" err="1">
-                <a:solidFill>
-                  <a:srgbClr val="000000"/>
-                </a:solidFill>
-                <a:latin typeface="Carlito"/>
-                <a:cs typeface="Carlito"/>
-              </a:rPr>
-              <a:t>ccu</a:t>
-            </a:r>
-            <a:endParaRPr sz="1800" dirty="0">
-              <a:latin typeface="Carlito"/>
-              <a:cs typeface="Carlito"/>
-            </a:endParaRPr>
-          </a:p>
-          <a:p>
-            <a:pPr>
-              <a:defRPr/>
-            </a:pPr>
-            <a:r>
-              <a:rPr sz="1800" dirty="0">
-                <a:latin typeface="Carlito"/>
-                <a:cs typeface="Carlito"/>
-              </a:rPr>
-              <a:t>WW: </a:t>
-            </a:r>
-            <a:r>
-              <a:rPr lang="en-US" sz="1800" b="0" i="0" u="none" strike="noStrike" cap="none" spc="0" dirty="0">
-                <a:solidFill>
-                  <a:srgbClr val="000000"/>
-                </a:solidFill>
-                <a:latin typeface="Carlito"/>
-                <a:cs typeface="Carlito"/>
-              </a:rPr>
-              <a:t>Code03084 -</a:t>
-            </a:r>
-            <a:endParaRPr sz="1800" dirty="0">
-              <a:latin typeface="Carlito"/>
-              <a:cs typeface="Carlito"/>
-            </a:endParaRPr>
           </a:p>
         </p:txBody>
       </p:sp>
       <p:sp>
         <p:nvSpPr>
-          <p:cNvPr id="3" name="TextBox 2">
+          <p:cNvPr id="3" name="Content Placeholder 2">
             <a:extLst>
               <a:ext uri="{FF2B5EF4-FFF2-40B4-BE49-F238E27FC236}">
-                <a16:creationId xmlns:a16="http://schemas.microsoft.com/office/drawing/2014/main" id="{2A4E4CDD-E72E-57B4-807F-439332AC39CF}"/>
-              </a:ext>
-            </a:extLst>
-          </p:cNvPr>
-          <p:cNvSpPr txBox="1"/>
-          <p:nvPr/>
-        </p:nvSpPr>
-        <p:spPr bwMode="auto">
-          <a:xfrm>
-            <a:off x="7260370" y="4883250"/>
-            <a:ext cx="2651233" cy="312458"/>
-          </a:xfrm>
-          <a:prstGeom prst="rect">
-            <a:avLst/>
-          </a:prstGeom>
-          <a:noFill/>
-        </p:spPr>
-        <p:txBody>
-          <a:bodyPr vertOverflow="overflow" horzOverflow="overflow" vert="horz" wrap="square" lIns="91440" tIns="45720" rIns="91440" bIns="45720" numCol="1" spcCol="0" rtlCol="0" fromWordArt="0" anchor="t" anchorCtr="0" forceAA="0" compatLnSpc="0">
-            <a:spAutoFit/>
-          </a:bodyPr>
-          <a:lstStyle/>
-          <a:p>
-            <a:pPr>
-              <a:defRPr/>
-            </a:pPr>
-            <a:r>
-              <a:rPr lang="en-US" sz="1400" b="0" i="0" u="none" strike="noStrike" cap="none" spc="0" dirty="0">
-                <a:solidFill>
-                  <a:srgbClr val="000000"/>
-                </a:solidFill>
-                <a:latin typeface="Arial"/>
-                <a:cs typeface="Arial"/>
-              </a:rPr>
-              <a:t>https://discord.gg/dWyuS96jD6</a:t>
-            </a:r>
-            <a:endParaRPr dirty="0"/>
-          </a:p>
-        </p:txBody>
-      </p:sp>
-      <p:pic>
-        <p:nvPicPr>
-          <p:cNvPr id="4" name="Picture 3">
-            <a:extLst>
-              <a:ext uri="{FF2B5EF4-FFF2-40B4-BE49-F238E27FC236}">
-                <a16:creationId xmlns:a16="http://schemas.microsoft.com/office/drawing/2014/main" id="{F2C923DA-7E01-4946-9623-F606DA5A1F28}"/>
-              </a:ext>
-            </a:extLst>
-          </p:cNvPr>
-          <p:cNvPicPr>
-            <a:picLocks noChangeAspect="1"/>
-          </p:cNvPicPr>
-          <p:nvPr/>
-        </p:nvPicPr>
-        <p:blipFill>
-          <a:blip r:embed="rId2"/>
-          <a:stretch/>
-        </p:blipFill>
-        <p:spPr bwMode="auto">
-          <a:xfrm>
-            <a:off x="7705192" y="2785079"/>
-            <a:ext cx="1894177" cy="1894177"/>
-          </a:xfrm>
-          <a:prstGeom prst="rect">
-            <a:avLst/>
-          </a:prstGeom>
-        </p:spPr>
-      </p:pic>
-      <p:sp>
-        <p:nvSpPr>
-          <p:cNvPr id="5" name="Title 4">
-            <a:extLst>
-              <a:ext uri="{FF2B5EF4-FFF2-40B4-BE49-F238E27FC236}">
-                <a16:creationId xmlns:a16="http://schemas.microsoft.com/office/drawing/2014/main" id="{A5ACC4BF-30BC-1F53-A13C-402374592C75}"/>
+                <a16:creationId xmlns:a16="http://schemas.microsoft.com/office/drawing/2014/main" id="{81E36EF8-C069-FFA9-CB2B-B4827089AB45}"/>
               </a:ext>
             </a:extLst>
           </p:cNvPr>
@@ -21446,91 +27783,37 @@
             <a:spLocks noGrp="1"/>
           </p:cNvSpPr>
           <p:nvPr>
-            <p:ph type="title"/>
+            <p:ph idx="1"/>
           </p:nvPr>
         </p:nvSpPr>
-        <p:spPr/>
+        <p:spPr>
+          <a:xfrm>
+            <a:off x="5980954" y="2603500"/>
+            <a:ext cx="5211979" cy="3416300"/>
+          </a:xfrm>
+        </p:spPr>
         <p:txBody>
-          <a:bodyPr/>
+          <a:bodyPr anchor="ctr">
+            <a:normAutofit/>
+          </a:bodyPr>
           <a:lstStyle/>
           <a:p>
             <a:r>
-              <a:rPr lang="en-US" dirty="0" err="1"/>
-              <a:t>Practial</a:t>
+              <a:rPr lang="en-GB" dirty="0"/>
+              <a:t>https://github.com/Rauleal/TouchDesigner_Bauhaus_workshop</a:t>
             </a:r>
-            <a:r>
-              <a:rPr lang="en-US" dirty="0"/>
-              <a:t> Info</a:t>
-            </a:r>
-            <a:endParaRPr lang="en-NL" dirty="0"/>
           </a:p>
-        </p:txBody>
-      </p:sp>
-    </p:spTree>
-    <p:extLst>
-      <p:ext uri="{BB962C8B-B14F-4D97-AF65-F5344CB8AC3E}">
-        <p14:creationId xmlns:p14="http://schemas.microsoft.com/office/powerpoint/2010/main" val="1849438902"/>
-      </p:ext>
-    </p:extLst>
-  </p:cSld>
-  <p:clrMapOvr>
-    <a:masterClrMapping/>
-  </p:clrMapOvr>
-</p:sld>
-</file>
-
-<file path=ppt/slides/slide8.xml><?xml version="1.0" encoding="utf-8"?>
-<p:sld xmlns:a="http://schemas.openxmlformats.org/drawingml/2006/main" xmlns:r="http://schemas.openxmlformats.org/officeDocument/2006/relationships" xmlns:p="http://schemas.openxmlformats.org/presentationml/2006/main">
-  <p:cSld>
-    <p:spTree>
-      <p:nvGrpSpPr>
-        <p:cNvPr id="1" name=""/>
-        <p:cNvGrpSpPr/>
-        <p:nvPr/>
-      </p:nvGrpSpPr>
-      <p:grpSpPr>
-        <a:xfrm>
-          <a:off x="0" y="0"/>
-          <a:ext cx="0" cy="0"/>
-          <a:chOff x="0" y="0"/>
-          <a:chExt cx="0" cy="0"/>
-        </a:xfrm>
-      </p:grpSpPr>
-      <p:sp>
-        <p:nvSpPr>
-          <p:cNvPr id="2" name="Title 1">
-            <a:extLst>
-              <a:ext uri="{FF2B5EF4-FFF2-40B4-BE49-F238E27FC236}">
-                <a16:creationId xmlns:a16="http://schemas.microsoft.com/office/drawing/2014/main" id="{63AF8C27-E9DE-A1BA-35C7-EE425BFEA8E8}"/>
-              </a:ext>
-            </a:extLst>
-          </p:cNvPr>
-          <p:cNvSpPr>
-            <a:spLocks noGrp="1"/>
-          </p:cNvSpPr>
-          <p:nvPr>
-            <p:ph type="title"/>
-          </p:nvPr>
-        </p:nvSpPr>
-        <p:spPr/>
-        <p:txBody>
-          <a:bodyPr/>
-          <a:lstStyle/>
           <a:p>
-            <a:r>
-              <a:rPr lang="en-US" dirty="0"/>
-              <a:t>OSC</a:t>
-            </a:r>
-            <a:endParaRPr lang="en-NL" dirty="0"/>
+            <a:endParaRPr lang="en-GB" dirty="0"/>
           </a:p>
         </p:txBody>
       </p:sp>
       <p:pic>
         <p:nvPicPr>
-          <p:cNvPr id="7" name="Picture 6">
+          <p:cNvPr id="6" name="Picture 5" descr="A qr code on a white background&#10;&#10;Description automatically generated">
             <a:extLst>
               <a:ext uri="{FF2B5EF4-FFF2-40B4-BE49-F238E27FC236}">
-                <a16:creationId xmlns:a16="http://schemas.microsoft.com/office/drawing/2014/main" id="{7D0C0BBA-3BC0-51ED-6ADD-E2C4A8C61563}"/>
+                <a16:creationId xmlns:a16="http://schemas.microsoft.com/office/drawing/2014/main" id="{7F3F36FB-32F6-47C0-4108-C5CB112991F6}"/>
               </a:ext>
             </a:extLst>
           </p:cNvPr>
@@ -21547,8 +27830,8 @@
         </p:blipFill>
         <p:spPr>
           <a:xfrm>
-            <a:off x="1261211" y="2567157"/>
-            <a:ext cx="4263935" cy="3916960"/>
+            <a:off x="1660570" y="2696005"/>
+            <a:ext cx="3188326" cy="3188326"/>
           </a:xfrm>
           <a:prstGeom prst="rect">
             <a:avLst/>
@@ -21558,117 +27841,7 @@
     </p:spTree>
     <p:extLst>
       <p:ext uri="{BB962C8B-B14F-4D97-AF65-F5344CB8AC3E}">
-        <p14:creationId xmlns:p14="http://schemas.microsoft.com/office/powerpoint/2010/main" val="85302115"/>
-      </p:ext>
-    </p:extLst>
-  </p:cSld>
-  <p:clrMapOvr>
-    <a:masterClrMapping/>
-  </p:clrMapOvr>
-</p:sld>
-</file>
-
-<file path=ppt/slides/slide9.xml><?xml version="1.0" encoding="utf-8"?>
-<p:sld xmlns:a="http://schemas.openxmlformats.org/drawingml/2006/main" xmlns:r="http://schemas.openxmlformats.org/officeDocument/2006/relationships" xmlns:p="http://schemas.openxmlformats.org/presentationml/2006/main">
-  <p:cSld>
-    <p:spTree>
-      <p:nvGrpSpPr>
-        <p:cNvPr id="1" name=""/>
-        <p:cNvGrpSpPr/>
-        <p:nvPr/>
-      </p:nvGrpSpPr>
-      <p:grpSpPr>
-        <a:xfrm>
-          <a:off x="0" y="0"/>
-          <a:ext cx="0" cy="0"/>
-          <a:chOff x="0" y="0"/>
-          <a:chExt cx="0" cy="0"/>
-        </a:xfrm>
-      </p:grpSpPr>
-      <p:sp>
-        <p:nvSpPr>
-          <p:cNvPr id="2" name="Title 1">
-            <a:extLst>
-              <a:ext uri="{FF2B5EF4-FFF2-40B4-BE49-F238E27FC236}">
-                <a16:creationId xmlns:a16="http://schemas.microsoft.com/office/drawing/2014/main" id="{193AFAB8-E10D-7EF0-B980-103D1C3B8F73}"/>
-              </a:ext>
-            </a:extLst>
-          </p:cNvPr>
-          <p:cNvSpPr>
-            <a:spLocks noGrp="1"/>
-          </p:cNvSpPr>
-          <p:nvPr>
-            <p:ph type="title"/>
-          </p:nvPr>
-        </p:nvSpPr>
-        <p:spPr/>
-        <p:txBody>
-          <a:bodyPr/>
-          <a:lstStyle/>
-          <a:p>
-            <a:r>
-              <a:rPr lang="en-US" dirty="0"/>
-              <a:t>ESP8266 Installation</a:t>
-            </a:r>
-            <a:endParaRPr lang="en-NL" dirty="0"/>
-          </a:p>
-        </p:txBody>
-      </p:sp>
-      <p:sp>
-        <p:nvSpPr>
-          <p:cNvPr id="3" name="Content Placeholder 2">
-            <a:extLst>
-              <a:ext uri="{FF2B5EF4-FFF2-40B4-BE49-F238E27FC236}">
-                <a16:creationId xmlns:a16="http://schemas.microsoft.com/office/drawing/2014/main" id="{CFC26745-D531-A944-8A9D-CBF8E60575AB}"/>
-              </a:ext>
-            </a:extLst>
-          </p:cNvPr>
-          <p:cNvSpPr>
-            <a:spLocks noGrp="1"/>
-          </p:cNvSpPr>
-          <p:nvPr>
-            <p:ph idx="1"/>
-          </p:nvPr>
-        </p:nvSpPr>
-        <p:spPr/>
-        <p:txBody>
-          <a:bodyPr/>
-          <a:lstStyle/>
-          <a:p>
-            <a:r>
-              <a:rPr lang="en-US" dirty="0"/>
-              <a:t>Follow installation instructions here </a:t>
-            </a:r>
-            <a:r>
-              <a:rPr lang="en-US" dirty="0">
-                <a:hlinkClick r:id="rId2"/>
-              </a:rPr>
-              <a:t>https://randomnerdtutorials.com/how-to-install-esp8266-board-arduino-ide/</a:t>
-            </a:r>
-            <a:endParaRPr lang="en-US" dirty="0"/>
-          </a:p>
-          <a:p>
-            <a:pPr lvl="1"/>
-            <a:r>
-              <a:rPr lang="en-US" dirty="0"/>
-              <a:t>If you can not find the port install the </a:t>
-            </a:r>
-            <a:r>
-              <a:rPr lang="en-US" dirty="0" err="1"/>
-              <a:t>usb</a:t>
-            </a:r>
-            <a:r>
-              <a:rPr lang="en-US" dirty="0"/>
-              <a:t> drivers alsohttps://randomnerdtutorials.com/install-esp32-esp8266-usb-drivers-cp210x-windows/</a:t>
-            </a:r>
-            <a:endParaRPr lang="en-NL" dirty="0"/>
-          </a:p>
-        </p:txBody>
-      </p:sp>
-    </p:spTree>
-    <p:extLst>
-      <p:ext uri="{BB962C8B-B14F-4D97-AF65-F5344CB8AC3E}">
-        <p14:creationId xmlns:p14="http://schemas.microsoft.com/office/powerpoint/2010/main" val="1001757971"/>
+        <p14:creationId xmlns:p14="http://schemas.microsoft.com/office/powerpoint/2010/main" val="22761770"/>
       </p:ext>
     </p:extLst>
   </p:cSld>

--- a/Sensors_Osc Workshop/Workshop_presentation.pptx
+++ b/Sensors_Osc Workshop/Workshop_presentation.pptx
@@ -3919,7 +3919,7 @@
             <a:fld id="{B61BEF0D-F0BB-DE4B-95CE-6DB70DBA9567}" type="datetimeFigureOut">
               <a:rPr lang="en-US" smtClean="0"/>
               <a:pPr/>
-              <a:t>4/21/2024</a:t>
+              <a:t>4/23/2024</a:t>
             </a:fld>
             <a:endParaRPr lang="en-US" dirty="0"/>
           </a:p>
@@ -4903,7 +4903,7 @@
             <a:fld id="{B61BEF0D-F0BB-DE4B-95CE-6DB70DBA9567}" type="datetimeFigureOut">
               <a:rPr lang="en-US" smtClean="0"/>
               <a:pPr/>
-              <a:t>4/21/2024</a:t>
+              <a:t>4/23/2024</a:t>
             </a:fld>
             <a:endParaRPr lang="en-US" dirty="0"/>
           </a:p>
@@ -5775,7 +5775,7 @@
             <a:fld id="{B61BEF0D-F0BB-DE4B-95CE-6DB70DBA9567}" type="datetimeFigureOut">
               <a:rPr lang="en-US" smtClean="0"/>
               <a:pPr/>
-              <a:t>4/21/2024</a:t>
+              <a:t>4/23/2024</a:t>
             </a:fld>
             <a:endParaRPr lang="en-US" dirty="0"/>
           </a:p>
@@ -6798,7 +6798,7 @@
             <a:fld id="{B61BEF0D-F0BB-DE4B-95CE-6DB70DBA9567}" type="datetimeFigureOut">
               <a:rPr lang="en-US" smtClean="0"/>
               <a:pPr/>
-              <a:t>4/21/2024</a:t>
+              <a:t>4/23/2024</a:t>
             </a:fld>
             <a:endParaRPr lang="en-US" dirty="0"/>
           </a:p>
@@ -7720,7 +7720,7 @@
             <a:fld id="{B61BEF0D-F0BB-DE4B-95CE-6DB70DBA9567}" type="datetimeFigureOut">
               <a:rPr lang="en-US" smtClean="0"/>
               <a:pPr/>
-              <a:t>4/21/2024</a:t>
+              <a:t>4/23/2024</a:t>
             </a:fld>
             <a:endParaRPr lang="en-US" dirty="0"/>
           </a:p>
@@ -8378,7 +8378,7 @@
             <a:fld id="{B61BEF0D-F0BB-DE4B-95CE-6DB70DBA9567}" type="datetimeFigureOut">
               <a:rPr lang="en-US" smtClean="0"/>
               <a:pPr/>
-              <a:t>4/21/2024</a:t>
+              <a:t>4/23/2024</a:t>
             </a:fld>
             <a:endParaRPr lang="en-US" dirty="0"/>
           </a:p>
@@ -9237,7 +9237,7 @@
             <a:fld id="{B61BEF0D-F0BB-DE4B-95CE-6DB70DBA9567}" type="datetimeFigureOut">
               <a:rPr lang="en-US" smtClean="0"/>
               <a:pPr/>
-              <a:t>4/21/2024</a:t>
+              <a:t>4/23/2024</a:t>
             </a:fld>
             <a:endParaRPr lang="en-US" dirty="0"/>
           </a:p>
@@ -9422,7 +9422,7 @@
             <a:fld id="{B61BEF0D-F0BB-DE4B-95CE-6DB70DBA9567}" type="datetimeFigureOut">
               <a:rPr lang="en-US" smtClean="0"/>
               <a:pPr/>
-              <a:t>4/21/2024</a:t>
+              <a:t>4/23/2024</a:t>
             </a:fld>
             <a:endParaRPr lang="en-US" dirty="0"/>
           </a:p>
@@ -10281,7 +10281,7 @@
             <a:fld id="{B61BEF0D-F0BB-DE4B-95CE-6DB70DBA9567}" type="datetimeFigureOut">
               <a:rPr lang="en-US" smtClean="0"/>
               <a:pPr/>
-              <a:t>4/21/2024</a:t>
+              <a:t>4/23/2024</a:t>
             </a:fld>
             <a:endParaRPr lang="en-US" dirty="0"/>
           </a:p>
@@ -10508,7 +10508,7 @@
             <a:fld id="{B61BEF0D-F0BB-DE4B-95CE-6DB70DBA9567}" type="datetimeFigureOut">
               <a:rPr lang="en-US" smtClean="0"/>
               <a:pPr/>
-              <a:t>4/21/2024</a:t>
+              <a:t>4/23/2024</a:t>
             </a:fld>
             <a:endParaRPr lang="en-US" dirty="0"/>
           </a:p>
@@ -11435,7 +11435,7 @@
             <a:fld id="{B61BEF0D-F0BB-DE4B-95CE-6DB70DBA9567}" type="datetimeFigureOut">
               <a:rPr lang="en-US" smtClean="0"/>
               <a:pPr/>
-              <a:t>4/21/2024</a:t>
+              <a:t>4/23/2024</a:t>
             </a:fld>
             <a:endParaRPr lang="en-US" dirty="0"/>
           </a:p>
@@ -11721,7 +11721,7 @@
             <a:fld id="{B61BEF0D-F0BB-DE4B-95CE-6DB70DBA9567}" type="datetimeFigureOut">
               <a:rPr lang="en-US" smtClean="0"/>
               <a:pPr/>
-              <a:t>4/21/2024</a:t>
+              <a:t>4/23/2024</a:t>
             </a:fld>
             <a:endParaRPr lang="en-US" dirty="0"/>
           </a:p>
@@ -12113,7 +12113,7 @@
             <a:fld id="{B61BEF0D-F0BB-DE4B-95CE-6DB70DBA9567}" type="datetimeFigureOut">
               <a:rPr lang="en-US" smtClean="0"/>
               <a:pPr/>
-              <a:t>4/21/2024</a:t>
+              <a:t>4/23/2024</a:t>
             </a:fld>
             <a:endParaRPr lang="en-US" dirty="0"/>
           </a:p>
@@ -12241,7 +12241,7 @@
             <a:fld id="{B61BEF0D-F0BB-DE4B-95CE-6DB70DBA9567}" type="datetimeFigureOut">
               <a:rPr lang="en-US" smtClean="0"/>
               <a:pPr/>
-              <a:t>4/21/2024</a:t>
+              <a:t>4/23/2024</a:t>
             </a:fld>
             <a:endParaRPr lang="en-US" dirty="0"/>
           </a:p>
@@ -12338,7 +12338,7 @@
             <a:fld id="{B61BEF0D-F0BB-DE4B-95CE-6DB70DBA9567}" type="datetimeFigureOut">
               <a:rPr lang="en-US" smtClean="0"/>
               <a:pPr/>
-              <a:t>4/21/2024</a:t>
+              <a:t>4/23/2024</a:t>
             </a:fld>
             <a:endParaRPr lang="en-US" dirty="0"/>
           </a:p>
@@ -13311,7 +13311,7 @@
             <a:fld id="{B61BEF0D-F0BB-DE4B-95CE-6DB70DBA9567}" type="datetimeFigureOut">
               <a:rPr lang="en-US" smtClean="0"/>
               <a:pPr/>
-              <a:t>4/21/2024</a:t>
+              <a:t>4/23/2024</a:t>
             </a:fld>
             <a:endParaRPr lang="en-US" dirty="0"/>
           </a:p>
@@ -14308,7 +14308,7 @@
             <a:fld id="{B61BEF0D-F0BB-DE4B-95CE-6DB70DBA9567}" type="datetimeFigureOut">
               <a:rPr lang="en-US" smtClean="0"/>
               <a:pPr/>
-              <a:t>4/21/2024</a:t>
+              <a:t>4/23/2024</a:t>
             </a:fld>
             <a:endParaRPr lang="en-US" dirty="0"/>
           </a:p>
@@ -15194,7 +15194,7 @@
             <a:fld id="{B61BEF0D-F0BB-DE4B-95CE-6DB70DBA9567}" type="datetimeFigureOut">
               <a:rPr lang="en-US" smtClean="0"/>
               <a:pPr/>
-              <a:t>4/21/2024</a:t>
+              <a:t>4/23/2024</a:t>
             </a:fld>
             <a:endParaRPr lang="en-US" dirty="0"/>
           </a:p>
@@ -15846,7 +15846,7 @@
           <a:p>
             <a:r>
               <a:rPr lang="en-GB" dirty="0"/>
-              <a:t>20-4-2024 Creative Coding Utrecht</a:t>
+              <a:t>23-4-2024 Creative Coding Utrecht</a:t>
             </a:r>
           </a:p>
           <a:p>
